--- a/Project Starfighter 1.0.pptx
+++ b/Project Starfighter 1.0.pptx
@@ -17,11 +17,28 @@
     <p:sldId id="265" r:id="rId11"/>
     <p:sldId id="266" r:id="rId12"/>
     <p:sldId id="267" r:id="rId13"/>
-    <p:sldId id="268" r:id="rId14"/>
-    <p:sldId id="269" r:id="rId15"/>
-    <p:sldId id="270" r:id="rId16"/>
-    <p:sldId id="271" r:id="rId17"/>
-    <p:sldId id="272" r:id="rId18"/>
+    <p:sldId id="273" r:id="rId14"/>
+    <p:sldId id="279" r:id="rId15"/>
+    <p:sldId id="274" r:id="rId16"/>
+    <p:sldId id="276" r:id="rId17"/>
+    <p:sldId id="275" r:id="rId18"/>
+    <p:sldId id="277" r:id="rId19"/>
+    <p:sldId id="278" r:id="rId20"/>
+    <p:sldId id="280" r:id="rId21"/>
+    <p:sldId id="281" r:id="rId22"/>
+    <p:sldId id="284" r:id="rId23"/>
+    <p:sldId id="282" r:id="rId24"/>
+    <p:sldId id="283" r:id="rId25"/>
+    <p:sldId id="285" r:id="rId26"/>
+    <p:sldId id="286" r:id="rId27"/>
+    <p:sldId id="287" r:id="rId28"/>
+    <p:sldId id="288" r:id="rId29"/>
+    <p:sldId id="289" r:id="rId30"/>
+    <p:sldId id="290" r:id="rId31"/>
+    <p:sldId id="269" r:id="rId32"/>
+    <p:sldId id="270" r:id="rId33"/>
+    <p:sldId id="271" r:id="rId34"/>
+    <p:sldId id="272" r:id="rId35"/>
   </p:sldIdLst>
   <p:sldSz cx="9144000" cy="6858000" type="screen4x3"/>
   <p:notesSz cx="6858000" cy="9144000"/>
@@ -308,7 +325,7 @@
           <a:p>
             <a:fld id="{6CB90BBC-6D72-4417-AC22-48CDFD952405}" type="datetimeFigureOut">
               <a:rPr lang="en-US" smtClean="0"/>
-              <a:t>2/13/2012</a:t>
+              <a:t>2/15/2012</a:t>
             </a:fld>
             <a:endParaRPr lang="en-US"/>
           </a:p>
@@ -485,7 +502,7 @@
           <a:p>
             <a:fld id="{6CB90BBC-6D72-4417-AC22-48CDFD952405}" type="datetimeFigureOut">
               <a:rPr lang="en-US" smtClean="0"/>
-              <a:t>2/13/2012</a:t>
+              <a:t>2/15/2012</a:t>
             </a:fld>
             <a:endParaRPr lang="en-US"/>
           </a:p>
@@ -672,7 +689,7 @@
           <a:p>
             <a:fld id="{6CB90BBC-6D72-4417-AC22-48CDFD952405}" type="datetimeFigureOut">
               <a:rPr lang="en-US" smtClean="0"/>
-              <a:t>2/13/2012</a:t>
+              <a:t>2/15/2012</a:t>
             </a:fld>
             <a:endParaRPr lang="en-US"/>
           </a:p>
@@ -849,7 +866,7 @@
           <a:p>
             <a:fld id="{6CB90BBC-6D72-4417-AC22-48CDFD952405}" type="datetimeFigureOut">
               <a:rPr lang="en-US" smtClean="0"/>
-              <a:t>2/13/2012</a:t>
+              <a:t>2/15/2012</a:t>
             </a:fld>
             <a:endParaRPr lang="en-US"/>
           </a:p>
@@ -1102,7 +1119,7 @@
           <a:p>
             <a:fld id="{6CB90BBC-6D72-4417-AC22-48CDFD952405}" type="datetimeFigureOut">
               <a:rPr lang="en-US" smtClean="0"/>
-              <a:t>2/13/2012</a:t>
+              <a:t>2/15/2012</a:t>
             </a:fld>
             <a:endParaRPr lang="en-US"/>
           </a:p>
@@ -1397,7 +1414,7 @@
           <a:p>
             <a:fld id="{6CB90BBC-6D72-4417-AC22-48CDFD952405}" type="datetimeFigureOut">
               <a:rPr lang="en-US" smtClean="0"/>
-              <a:t>2/13/2012</a:t>
+              <a:t>2/15/2012</a:t>
             </a:fld>
             <a:endParaRPr lang="en-US"/>
           </a:p>
@@ -1826,7 +1843,7 @@
           <a:p>
             <a:fld id="{6CB90BBC-6D72-4417-AC22-48CDFD952405}" type="datetimeFigureOut">
               <a:rPr lang="en-US" smtClean="0"/>
-              <a:t>2/13/2012</a:t>
+              <a:t>2/15/2012</a:t>
             </a:fld>
             <a:endParaRPr lang="en-US"/>
           </a:p>
@@ -1951,7 +1968,7 @@
           <a:p>
             <a:fld id="{6CB90BBC-6D72-4417-AC22-48CDFD952405}" type="datetimeFigureOut">
               <a:rPr lang="en-US" smtClean="0"/>
-              <a:t>2/13/2012</a:t>
+              <a:t>2/15/2012</a:t>
             </a:fld>
             <a:endParaRPr lang="en-US"/>
           </a:p>
@@ -2053,7 +2070,7 @@
           <a:p>
             <a:fld id="{6CB90BBC-6D72-4417-AC22-48CDFD952405}" type="datetimeFigureOut">
               <a:rPr lang="en-US" smtClean="0"/>
-              <a:t>2/13/2012</a:t>
+              <a:t>2/15/2012</a:t>
             </a:fld>
             <a:endParaRPr lang="en-US"/>
           </a:p>
@@ -2337,7 +2354,7 @@
           <a:p>
             <a:fld id="{6CB90BBC-6D72-4417-AC22-48CDFD952405}" type="datetimeFigureOut">
               <a:rPr lang="en-US" smtClean="0"/>
-              <a:t>2/13/2012</a:t>
+              <a:t>2/15/2012</a:t>
             </a:fld>
             <a:endParaRPr lang="en-US"/>
           </a:p>
@@ -2604,7 +2621,7 @@
           <a:p>
             <a:fld id="{6CB90BBC-6D72-4417-AC22-48CDFD952405}" type="datetimeFigureOut">
               <a:rPr lang="en-US" smtClean="0"/>
-              <a:t>2/13/2012</a:t>
+              <a:t>2/15/2012</a:t>
             </a:fld>
             <a:endParaRPr lang="en-US"/>
           </a:p>
@@ -2853,7 +2870,7 @@
           <a:p>
             <a:fld id="{6CB90BBC-6D72-4417-AC22-48CDFD952405}" type="datetimeFigureOut">
               <a:rPr lang="en-US" smtClean="0"/>
-              <a:t>2/13/2012</a:t>
+              <a:t>2/15/2012</a:t>
             </a:fld>
             <a:endParaRPr lang="en-US"/>
           </a:p>
@@ -3725,6 +3742,11 @@
         </p:txBody>
       </p:sp>
     </p:spTree>
+    <p:extLst>
+      <p:ext uri="{BB962C8B-B14F-4D97-AF65-F5344CB8AC3E}">
+        <p14:creationId xmlns:p14="http://schemas.microsoft.com/office/powerpoint/2010/main" val="1661936536"/>
+      </p:ext>
+    </p:extLst>
   </p:cSld>
   <p:clrMapOvr>
     <a:masterClrMapping/>
@@ -3772,8 +3794,12 @@
           <a:lstStyle/>
           <a:p>
             <a:r>
+              <a:rPr lang="en-US" dirty="0" err="1" smtClean="0"/>
+              <a:t>AnimatedSprite</a:t>
+            </a:r>
+            <a:r>
               <a:rPr lang="en-US" dirty="0" smtClean="0"/>
-              <a:t>BEHOLD THE DEMO!</a:t>
+              <a:t> Test Code</a:t>
             </a:r>
             <a:endParaRPr lang="en-US" dirty="0"/>
           </a:p>
@@ -3795,14 +3821,136 @@
           <a:lstStyle/>
           <a:p>
             <a:r>
-              <a:rPr lang="en-US" dirty="0" smtClean="0"/>
-              <a:t>Show demo here</a:t>
-            </a:r>
-            <a:endParaRPr lang="en-US" dirty="0"/>
+              <a:rPr lang="en-US" sz="2000" dirty="0"/>
+              <a:t>using System;</a:t>
+            </a:r>
+          </a:p>
+          <a:p>
+            <a:r>
+              <a:rPr lang="en-US" sz="2000" dirty="0"/>
+              <a:t>using </a:t>
+            </a:r>
+            <a:r>
+              <a:rPr lang="en-US" sz="2000" dirty="0" err="1"/>
+              <a:t>System.Text</a:t>
+            </a:r>
+            <a:r>
+              <a:rPr lang="en-US" sz="2000" dirty="0"/>
+              <a:t>;</a:t>
+            </a:r>
+          </a:p>
+          <a:p>
+            <a:r>
+              <a:rPr lang="en-US" sz="2000" dirty="0"/>
+              <a:t>using </a:t>
+            </a:r>
+            <a:r>
+              <a:rPr lang="en-US" sz="2000" dirty="0" err="1"/>
+              <a:t>System.Collections.Generic</a:t>
+            </a:r>
+            <a:r>
+              <a:rPr lang="en-US" sz="2000" dirty="0"/>
+              <a:t>;</a:t>
+            </a:r>
+          </a:p>
+          <a:p>
+            <a:r>
+              <a:rPr lang="en-US" sz="2000" dirty="0"/>
+              <a:t>using </a:t>
+            </a:r>
+            <a:r>
+              <a:rPr lang="en-US" sz="2000" dirty="0" err="1"/>
+              <a:t>System.Linq</a:t>
+            </a:r>
+            <a:r>
+              <a:rPr lang="en-US" sz="2000" dirty="0"/>
+              <a:t>;</a:t>
+            </a:r>
+          </a:p>
+          <a:p>
+            <a:r>
+              <a:rPr lang="en-US" sz="2000" dirty="0"/>
+              <a:t>using </a:t>
+            </a:r>
+            <a:r>
+              <a:rPr lang="en-US" sz="2000" dirty="0" err="1"/>
+              <a:t>Microsoft.VisualStudio.TestTools.UnitTesting</a:t>
+            </a:r>
+            <a:r>
+              <a:rPr lang="en-US" sz="2000" dirty="0"/>
+              <a:t>;</a:t>
+            </a:r>
+          </a:p>
+          <a:p>
+            <a:r>
+              <a:rPr lang="en-US" sz="2000" dirty="0"/>
+              <a:t>using </a:t>
+            </a:r>
+            <a:r>
+              <a:rPr lang="en-US" sz="2000" dirty="0" err="1"/>
+              <a:t>Project_Starfighter</a:t>
+            </a:r>
+            <a:r>
+              <a:rPr lang="en-US" sz="2000" dirty="0"/>
+              <a:t>;</a:t>
+            </a:r>
+          </a:p>
+          <a:p>
+            <a:r>
+              <a:rPr lang="en-US" sz="2000" dirty="0"/>
+              <a:t>using </a:t>
+            </a:r>
+            <a:r>
+              <a:rPr lang="en-US" sz="2000" dirty="0" err="1"/>
+              <a:t>Microsoft.Xna.Framework</a:t>
+            </a:r>
+            <a:r>
+              <a:rPr lang="en-US" sz="2000" dirty="0"/>
+              <a:t>;</a:t>
+            </a:r>
+          </a:p>
+          <a:p>
+            <a:r>
+              <a:rPr lang="en-US" sz="2000" dirty="0"/>
+              <a:t>using </a:t>
+            </a:r>
+            <a:r>
+              <a:rPr lang="en-US" sz="2000" dirty="0" err="1"/>
+              <a:t>Rhino.Mocks</a:t>
+            </a:r>
+            <a:r>
+              <a:rPr lang="en-US" sz="2000" dirty="0"/>
+              <a:t>;</a:t>
+            </a:r>
+          </a:p>
+          <a:p>
+            <a:endParaRPr lang="en-US" sz="2000" dirty="0"/>
+          </a:p>
+          <a:p>
+            <a:r>
+              <a:rPr lang="en-US" sz="2000" dirty="0"/>
+              <a:t>namespace </a:t>
+            </a:r>
+            <a:r>
+              <a:rPr lang="en-US" sz="2000" dirty="0" err="1"/>
+              <a:t>Project_Starfighter_Test</a:t>
+            </a:r>
+            <a:endParaRPr lang="en-US" sz="2000" dirty="0"/>
+          </a:p>
+          <a:p>
+            <a:r>
+              <a:rPr lang="en-US" sz="2000" dirty="0"/>
+              <a:t>{</a:t>
+            </a:r>
           </a:p>
         </p:txBody>
       </p:sp>
     </p:spTree>
+    <p:extLst>
+      <p:ext uri="{BB962C8B-B14F-4D97-AF65-F5344CB8AC3E}">
+        <p14:creationId xmlns:p14="http://schemas.microsoft.com/office/powerpoint/2010/main" val="2964279014"/>
+      </p:ext>
+    </p:extLst>
   </p:cSld>
   <p:clrMapOvr>
     <a:masterClrMapping/>
@@ -3850,8 +3998,12 @@
           <a:lstStyle/>
           <a:p>
             <a:r>
+              <a:rPr lang="en-US" dirty="0" err="1" smtClean="0"/>
+              <a:t>AnimatedSprite</a:t>
+            </a:r>
+            <a:r>
               <a:rPr lang="en-US" dirty="0" smtClean="0"/>
-              <a:t>Status of the Game</a:t>
+              <a:t> Test Code</a:t>
             </a:r>
             <a:endParaRPr lang="en-US" dirty="0"/>
           </a:p>
@@ -3873,34 +4025,175 @@
           <a:lstStyle/>
           <a:p>
             <a:r>
-              <a:rPr lang="en-US" dirty="0" smtClean="0"/>
-              <a:t>At this point in time there is a menu interface that will work regardless of any changes made to </a:t>
-            </a:r>
-            <a:r>
-              <a:rPr lang="en-US" dirty="0" err="1" smtClean="0"/>
-              <a:t>gameplay</a:t>
-            </a:r>
-            <a:r>
-              <a:rPr lang="en-US" dirty="0" smtClean="0"/>
-              <a:t>.</a:t>
-            </a:r>
-          </a:p>
-          <a:p>
-            <a:r>
-              <a:rPr lang="en-US" dirty="0" smtClean="0"/>
-              <a:t>The instructions, and high score screens are currently blank.</a:t>
-            </a:r>
-          </a:p>
-          <a:p>
-            <a:r>
-              <a:rPr lang="en-US" dirty="0" smtClean="0"/>
-              <a:t>The game loads the first level but lacks the ability for the ship’s basic functions.</a:t>
-            </a:r>
-            <a:endParaRPr lang="en-US" dirty="0"/>
+              <a:rPr lang="en-US" sz="2000" dirty="0"/>
+              <a:t>[</a:t>
+            </a:r>
+            <a:r>
+              <a:rPr lang="en-US" sz="2000" dirty="0" err="1"/>
+              <a:t>TestClass</a:t>
+            </a:r>
+            <a:r>
+              <a:rPr lang="en-US" sz="2000" dirty="0"/>
+              <a:t>]</a:t>
+            </a:r>
+          </a:p>
+          <a:p>
+            <a:r>
+              <a:rPr lang="en-US" sz="2000" dirty="0"/>
+              <a:t>    public class </a:t>
+            </a:r>
+            <a:r>
+              <a:rPr lang="en-US" sz="2000" dirty="0" err="1"/>
+              <a:t>AnimatedSprite_Test</a:t>
+            </a:r>
+            <a:endParaRPr lang="en-US" sz="2000" dirty="0"/>
+          </a:p>
+          <a:p>
+            <a:r>
+              <a:rPr lang="en-US" sz="2000" dirty="0"/>
+              <a:t>    {</a:t>
+            </a:r>
+          </a:p>
+          <a:p>
+            <a:r>
+              <a:rPr lang="en-US" sz="2000" dirty="0"/>
+              <a:t>        </a:t>
+            </a:r>
+            <a:r>
+              <a:rPr lang="en-US" sz="2000" dirty="0" err="1"/>
+              <a:t>AnimatedSprite</a:t>
+            </a:r>
+            <a:r>
+              <a:rPr lang="en-US" sz="2000" dirty="0"/>
+              <a:t> </a:t>
+            </a:r>
+            <a:r>
+              <a:rPr lang="en-US" sz="2000" dirty="0" err="1"/>
+              <a:t>animatedSprite</a:t>
+            </a:r>
+            <a:r>
+              <a:rPr lang="en-US" sz="2000" dirty="0"/>
+              <a:t>;</a:t>
+            </a:r>
+          </a:p>
+          <a:p>
+            <a:r>
+              <a:rPr lang="en-US" sz="2000" dirty="0"/>
+              <a:t>        </a:t>
+            </a:r>
+            <a:r>
+              <a:rPr lang="en-US" sz="2000" dirty="0" err="1"/>
+              <a:t>GameTime</a:t>
+            </a:r>
+            <a:r>
+              <a:rPr lang="en-US" sz="2000" dirty="0"/>
+              <a:t> </a:t>
+            </a:r>
+            <a:r>
+              <a:rPr lang="en-US" sz="2000" dirty="0" err="1"/>
+              <a:t>gameTime</a:t>
+            </a:r>
+            <a:r>
+              <a:rPr lang="en-US" sz="2000" dirty="0"/>
+              <a:t>;</a:t>
+            </a:r>
+          </a:p>
+          <a:p>
+            <a:endParaRPr lang="en-US" sz="2000" dirty="0"/>
+          </a:p>
+          <a:p>
+            <a:r>
+              <a:rPr lang="en-US" sz="2000" dirty="0"/>
+              <a:t>        public </a:t>
+            </a:r>
+            <a:r>
+              <a:rPr lang="en-US" sz="2000" dirty="0" err="1"/>
+              <a:t>AnimatedSprite_Test</a:t>
+            </a:r>
+            <a:r>
+              <a:rPr lang="en-US" sz="2000" dirty="0"/>
+              <a:t>()</a:t>
+            </a:r>
+          </a:p>
+          <a:p>
+            <a:r>
+              <a:rPr lang="en-US" sz="2000" dirty="0"/>
+              <a:t>        {</a:t>
+            </a:r>
+          </a:p>
+          <a:p>
+            <a:r>
+              <a:rPr lang="en-US" sz="2000" dirty="0"/>
+              <a:t>            </a:t>
+            </a:r>
+            <a:r>
+              <a:rPr lang="en-US" sz="2000" dirty="0" err="1"/>
+              <a:t>animatedSprite</a:t>
+            </a:r>
+            <a:r>
+              <a:rPr lang="en-US" sz="2000" dirty="0"/>
+              <a:t> = new </a:t>
+            </a:r>
+            <a:r>
+              <a:rPr lang="en-US" sz="2000" dirty="0" err="1"/>
+              <a:t>AnimatedSprite</a:t>
+            </a:r>
+            <a:r>
+              <a:rPr lang="en-US" sz="2000" dirty="0"/>
+              <a:t>();</a:t>
+            </a:r>
+          </a:p>
+          <a:p>
+            <a:r>
+              <a:rPr lang="en-US" sz="2000" dirty="0"/>
+              <a:t>            </a:t>
+            </a:r>
+            <a:r>
+              <a:rPr lang="en-US" sz="2000" dirty="0" err="1"/>
+              <a:t>gameTime</a:t>
+            </a:r>
+            <a:r>
+              <a:rPr lang="en-US" sz="2000" dirty="0"/>
+              <a:t> = </a:t>
+            </a:r>
+            <a:r>
+              <a:rPr lang="en-US" sz="2000" dirty="0" err="1"/>
+              <a:t>MockRepository.GenerateStub</a:t>
+            </a:r>
+            <a:r>
+              <a:rPr lang="en-US" sz="2000" dirty="0"/>
+              <a:t>&lt;</a:t>
+            </a:r>
+            <a:r>
+              <a:rPr lang="en-US" sz="2000" dirty="0" err="1"/>
+              <a:t>GameTime</a:t>
+            </a:r>
+            <a:r>
+              <a:rPr lang="en-US" sz="2000" dirty="0"/>
+              <a:t>&gt;();</a:t>
+            </a:r>
+          </a:p>
+          <a:p>
+            <a:r>
+              <a:rPr lang="en-US" sz="2000" dirty="0"/>
+              <a:t>        }</a:t>
+            </a:r>
+          </a:p>
+          <a:p>
+            <a:r>
+              <a:rPr lang="en-US" sz="2000" dirty="0" smtClean="0"/>
+              <a:t>        </a:t>
+            </a:r>
+            <a:endParaRPr lang="en-US" sz="2000" dirty="0"/>
           </a:p>
         </p:txBody>
       </p:sp>
     </p:spTree>
+    <p:extLst>
+      <p:ext uri="{BB962C8B-B14F-4D97-AF65-F5344CB8AC3E}">
+        <p14:creationId xmlns:p14="http://schemas.microsoft.com/office/powerpoint/2010/main" val="1661936536"/>
+      </p:ext>
+    </p:extLst>
   </p:cSld>
   <p:clrMapOvr>
     <a:masterClrMapping/>
@@ -3948,8 +4241,12 @@
           <a:lstStyle/>
           <a:p>
             <a:r>
-              <a:rPr lang="en-US" dirty="0" smtClean="0"/>
-              <a:t>Plans for version 1.1</a:t>
+              <a:rPr lang="en-US" dirty="0" err="1"/>
+              <a:t>AnimatedSprite</a:t>
+            </a:r>
+            <a:r>
+              <a:rPr lang="en-US" dirty="0"/>
+              <a:t> Test Code</a:t>
             </a:r>
             <a:endParaRPr lang="en-US" dirty="0"/>
           </a:p>
@@ -3971,38 +4268,178 @@
           <a:lstStyle/>
           <a:p>
             <a:r>
-              <a:rPr lang="en-US" dirty="0" smtClean="0"/>
-              <a:t>Give the ship the ability to move up, down, right and left via the direction keys or (WASD).</a:t>
-            </a:r>
-          </a:p>
-          <a:p>
-            <a:r>
-              <a:rPr lang="en-US" dirty="0" smtClean="0"/>
-              <a:t>Give the ship the ability to shoot a laser.</a:t>
-            </a:r>
-          </a:p>
-          <a:p>
-            <a:r>
-              <a:rPr lang="en-US" dirty="0" smtClean="0"/>
-              <a:t>Have the background automatically move at a set pace</a:t>
-            </a:r>
-          </a:p>
-          <a:p>
-            <a:r>
-              <a:rPr lang="en-US" dirty="0" smtClean="0"/>
-              <a:t>Implement music in the main menus</a:t>
-            </a:r>
-          </a:p>
-          <a:p>
-            <a:r>
-              <a:rPr lang="en-US" dirty="0" smtClean="0"/>
-              <a:t>Implement the use of either a text file, or a graphic window that can scroll, to display the instructions.</a:t>
-            </a:r>
-            <a:endParaRPr lang="en-US" dirty="0"/>
+              <a:rPr lang="en-US" sz="1800" dirty="0" smtClean="0"/>
+              <a:t>        [</a:t>
+            </a:r>
+            <a:r>
+              <a:rPr lang="en-US" sz="1800" dirty="0" err="1"/>
+              <a:t>TestMethod</a:t>
+            </a:r>
+            <a:r>
+              <a:rPr lang="en-US" sz="1800" dirty="0"/>
+              <a:t>]</a:t>
+            </a:r>
+          </a:p>
+          <a:p>
+            <a:r>
+              <a:rPr lang="en-US" sz="1800" dirty="0"/>
+              <a:t>        public void </a:t>
+            </a:r>
+            <a:r>
+              <a:rPr lang="en-US" sz="1800" dirty="0" err="1"/>
+              <a:t>XPosition_Test</a:t>
+            </a:r>
+            <a:r>
+              <a:rPr lang="en-US" sz="1800" dirty="0"/>
+              <a:t>()</a:t>
+            </a:r>
+          </a:p>
+          <a:p>
+            <a:r>
+              <a:rPr lang="en-US" sz="1800" dirty="0"/>
+              <a:t>        {</a:t>
+            </a:r>
+          </a:p>
+          <a:p>
+            <a:r>
+              <a:rPr lang="en-US" sz="1800" dirty="0"/>
+              <a:t>            </a:t>
+            </a:r>
+            <a:r>
+              <a:rPr lang="en-US" sz="1800" dirty="0" err="1"/>
+              <a:t>animatedSprite.X</a:t>
+            </a:r>
+            <a:r>
+              <a:rPr lang="en-US" sz="1800" dirty="0"/>
+              <a:t> = 11;</a:t>
+            </a:r>
+          </a:p>
+          <a:p>
+            <a:r>
+              <a:rPr lang="en-US" sz="1800" dirty="0"/>
+              <a:t>            </a:t>
+            </a:r>
+            <a:r>
+              <a:rPr lang="en-US" sz="1800" dirty="0" err="1"/>
+              <a:t>Assert.IsTrue</a:t>
+            </a:r>
+            <a:r>
+              <a:rPr lang="en-US" sz="1800" dirty="0"/>
+              <a:t>(11 == </a:t>
+            </a:r>
+            <a:r>
+              <a:rPr lang="en-US" sz="1800" dirty="0" err="1"/>
+              <a:t>animatedSprite.X</a:t>
+            </a:r>
+            <a:r>
+              <a:rPr lang="en-US" sz="1800" dirty="0"/>
+              <a:t>);</a:t>
+            </a:r>
+          </a:p>
+          <a:p>
+            <a:r>
+              <a:rPr lang="en-US" sz="1800" dirty="0"/>
+              <a:t>        }</a:t>
+            </a:r>
+            <a:endParaRPr lang="en-US" sz="1800" dirty="0" smtClean="0"/>
+          </a:p>
+          <a:p>
+            <a:pPr marL="0" indent="0">
+              <a:buNone/>
+            </a:pPr>
+            <a:r>
+              <a:rPr lang="en-US" sz="1800" dirty="0"/>
+              <a:t> </a:t>
+            </a:r>
+            <a:r>
+              <a:rPr lang="en-US" sz="1800" dirty="0" smtClean="0"/>
+              <a:t>             [</a:t>
+            </a:r>
+            <a:r>
+              <a:rPr lang="en-US" sz="1800" dirty="0" err="1"/>
+              <a:t>TestMethod</a:t>
+            </a:r>
+            <a:r>
+              <a:rPr lang="en-US" sz="1800" dirty="0"/>
+              <a:t>]</a:t>
+            </a:r>
+          </a:p>
+          <a:p>
+            <a:r>
+              <a:rPr lang="en-US" sz="1800" dirty="0"/>
+              <a:t>        public void </a:t>
+            </a:r>
+            <a:r>
+              <a:rPr lang="en-US" sz="1800" dirty="0" err="1"/>
+              <a:t>YPosition_Test</a:t>
+            </a:r>
+            <a:r>
+              <a:rPr lang="en-US" sz="1800" dirty="0"/>
+              <a:t>()</a:t>
+            </a:r>
+          </a:p>
+          <a:p>
+            <a:r>
+              <a:rPr lang="en-US" sz="1800" dirty="0"/>
+              <a:t>        {</a:t>
+            </a:r>
+          </a:p>
+          <a:p>
+            <a:r>
+              <a:rPr lang="en-US" sz="1800" dirty="0"/>
+              <a:t>            </a:t>
+            </a:r>
+            <a:r>
+              <a:rPr lang="en-US" sz="1800" dirty="0" err="1"/>
+              <a:t>animatedSprite.Y</a:t>
+            </a:r>
+            <a:r>
+              <a:rPr lang="en-US" sz="1800" dirty="0"/>
+              <a:t> = 12;</a:t>
+            </a:r>
+          </a:p>
+          <a:p>
+            <a:r>
+              <a:rPr lang="en-US" sz="1800" dirty="0"/>
+              <a:t>            </a:t>
+            </a:r>
+            <a:r>
+              <a:rPr lang="en-US" sz="1800" dirty="0" err="1"/>
+              <a:t>Assert.IsTrue</a:t>
+            </a:r>
+            <a:r>
+              <a:rPr lang="en-US" sz="1800" dirty="0"/>
+              <a:t>(12 == </a:t>
+            </a:r>
+            <a:r>
+              <a:rPr lang="en-US" sz="1800" dirty="0" err="1"/>
+              <a:t>animatedSprite.Y</a:t>
+            </a:r>
+            <a:r>
+              <a:rPr lang="en-US" sz="1800" dirty="0"/>
+              <a:t>);</a:t>
+            </a:r>
+          </a:p>
+          <a:p>
+            <a:r>
+              <a:rPr lang="en-US" sz="1800" dirty="0"/>
+              <a:t>        }</a:t>
+            </a:r>
+          </a:p>
+          <a:p>
+            <a:pPr marL="0" indent="0">
+              <a:buNone/>
+            </a:pPr>
+            <a:endParaRPr lang="en-US" sz="1800" dirty="0"/>
           </a:p>
         </p:txBody>
       </p:sp>
     </p:spTree>
+    <p:extLst>
+      <p:ext uri="{BB962C8B-B14F-4D97-AF65-F5344CB8AC3E}">
+        <p14:creationId xmlns:p14="http://schemas.microsoft.com/office/powerpoint/2010/main" val="1661936536"/>
+      </p:ext>
+    </p:extLst>
   </p:cSld>
   <p:clrMapOvr>
     <a:masterClrMapping/>
@@ -4049,45 +4486,663 @@
           <a:bodyPr/>
           <a:lstStyle/>
           <a:p>
-            <a:endParaRPr lang="en-US"/>
-          </a:p>
-        </p:txBody>
-      </p:sp>
-      <p:pic>
-        <p:nvPicPr>
-          <p:cNvPr id="1026" name="Picture 2"/>
-          <p:cNvPicPr>
-            <a:picLocks noGrp="1" noChangeAspect="1" noChangeArrowheads="1"/>
-          </p:cNvPicPr>
+            <a:r>
+              <a:rPr lang="en-US" dirty="0" err="1"/>
+              <a:t>AnimatedSprite</a:t>
+            </a:r>
+            <a:r>
+              <a:rPr lang="en-US" dirty="0"/>
+              <a:t> Test Code</a:t>
+            </a:r>
+            <a:endParaRPr lang="en-US" dirty="0"/>
+          </a:p>
+        </p:txBody>
+      </p:sp>
+      <p:sp>
+        <p:nvSpPr>
+          <p:cNvPr id="3" name="Content Placeholder 2"/>
+          <p:cNvSpPr>
+            <a:spLocks noGrp="1"/>
+          </p:cNvSpPr>
           <p:nvPr>
             <p:ph idx="1"/>
           </p:nvPr>
-        </p:nvPicPr>
-        <p:blipFill>
-          <a:blip r:embed="rId2" cstate="print"/>
-          <a:srcRect/>
-          <a:stretch>
-            <a:fillRect/>
-          </a:stretch>
-        </p:blipFill>
-        <p:spPr bwMode="auto">
-          <a:xfrm>
-            <a:off x="762000" y="0"/>
-            <a:ext cx="7620000" cy="6566830"/>
-          </a:xfrm>
-          <a:prstGeom prst="rect">
-            <a:avLst/>
-          </a:prstGeom>
-          <a:noFill/>
-          <a:ln w="9525">
-            <a:noFill/>
-            <a:miter lim="800000"/>
-            <a:headEnd/>
-            <a:tailEnd/>
-          </a:ln>
-        </p:spPr>
-      </p:pic>
+        </p:nvSpPr>
+        <p:spPr/>
+        <p:txBody>
+          <a:bodyPr/>
+          <a:lstStyle/>
+          <a:p>
+            <a:r>
+              <a:rPr lang="en-US" sz="1800" dirty="0"/>
+              <a:t> [</a:t>
+            </a:r>
+            <a:r>
+              <a:rPr lang="en-US" sz="1800" dirty="0" err="1"/>
+              <a:t>TestMethod</a:t>
+            </a:r>
+            <a:r>
+              <a:rPr lang="en-US" sz="1800" dirty="0"/>
+              <a:t>]</a:t>
+            </a:r>
+          </a:p>
+          <a:p>
+            <a:r>
+              <a:rPr lang="en-US" sz="1800" dirty="0"/>
+              <a:t>        public void </a:t>
+            </a:r>
+            <a:r>
+              <a:rPr lang="en-US" sz="1800" dirty="0" err="1"/>
+              <a:t>Frame_Test</a:t>
+            </a:r>
+            <a:r>
+              <a:rPr lang="en-US" sz="1800" dirty="0"/>
+              <a:t>()</a:t>
+            </a:r>
+          </a:p>
+          <a:p>
+            <a:r>
+              <a:rPr lang="en-US" sz="1800" dirty="0"/>
+              <a:t>        {</a:t>
+            </a:r>
+          </a:p>
+          <a:p>
+            <a:r>
+              <a:rPr lang="en-US" sz="1800" dirty="0"/>
+              <a:t>            </a:t>
+            </a:r>
+            <a:r>
+              <a:rPr lang="en-US" sz="1800" dirty="0" err="1"/>
+              <a:t>animatedSprite.Frame</a:t>
+            </a:r>
+            <a:r>
+              <a:rPr lang="en-US" sz="1800" dirty="0"/>
+              <a:t> = 3;</a:t>
+            </a:r>
+          </a:p>
+          <a:p>
+            <a:r>
+              <a:rPr lang="en-US" sz="1800" dirty="0"/>
+              <a:t>            </a:t>
+            </a:r>
+            <a:r>
+              <a:rPr lang="en-US" sz="1800" dirty="0" err="1"/>
+              <a:t>Assert.IsTrue</a:t>
+            </a:r>
+            <a:r>
+              <a:rPr lang="en-US" sz="1800" dirty="0"/>
+              <a:t>(3 == </a:t>
+            </a:r>
+            <a:r>
+              <a:rPr lang="en-US" sz="1800" dirty="0" err="1"/>
+              <a:t>animatedSprite.Frame</a:t>
+            </a:r>
+            <a:r>
+              <a:rPr lang="en-US" sz="1800" dirty="0"/>
+              <a:t>);</a:t>
+            </a:r>
+          </a:p>
+          <a:p>
+            <a:r>
+              <a:rPr lang="en-US" sz="1800" dirty="0"/>
+              <a:t>        }</a:t>
+            </a:r>
+          </a:p>
+          <a:p>
+            <a:endParaRPr lang="en-US" sz="1800" dirty="0"/>
+          </a:p>
+          <a:p>
+            <a:r>
+              <a:rPr lang="en-US" sz="1800" dirty="0"/>
+              <a:t>        [</a:t>
+            </a:r>
+            <a:r>
+              <a:rPr lang="en-US" sz="1800" dirty="0" err="1"/>
+              <a:t>TestMethod</a:t>
+            </a:r>
+            <a:r>
+              <a:rPr lang="en-US" sz="1800" dirty="0"/>
+              <a:t>]</a:t>
+            </a:r>
+          </a:p>
+          <a:p>
+            <a:r>
+              <a:rPr lang="en-US" sz="1800" dirty="0"/>
+              <a:t>        public void </a:t>
+            </a:r>
+            <a:r>
+              <a:rPr lang="en-US" sz="1800" dirty="0" err="1"/>
+              <a:t>FrameLength_Test</a:t>
+            </a:r>
+            <a:r>
+              <a:rPr lang="en-US" sz="1800" dirty="0"/>
+              <a:t>()</a:t>
+            </a:r>
+          </a:p>
+          <a:p>
+            <a:r>
+              <a:rPr lang="en-US" sz="1800" dirty="0"/>
+              <a:t>        {</a:t>
+            </a:r>
+          </a:p>
+          <a:p>
+            <a:r>
+              <a:rPr lang="en-US" sz="1800" dirty="0"/>
+              <a:t>            </a:t>
+            </a:r>
+            <a:r>
+              <a:rPr lang="en-US" sz="1800" dirty="0" err="1"/>
+              <a:t>animatedSprite.FrameLength</a:t>
+            </a:r>
+            <a:r>
+              <a:rPr lang="en-US" sz="1800" dirty="0"/>
+              <a:t> = 2;</a:t>
+            </a:r>
+          </a:p>
+          <a:p>
+            <a:r>
+              <a:rPr lang="en-US" sz="1800" dirty="0"/>
+              <a:t>            </a:t>
+            </a:r>
+            <a:r>
+              <a:rPr lang="en-US" sz="1800" dirty="0" err="1"/>
+              <a:t>Assert.IsTrue</a:t>
+            </a:r>
+            <a:r>
+              <a:rPr lang="en-US" sz="1800" dirty="0"/>
+              <a:t>(2 == </a:t>
+            </a:r>
+            <a:r>
+              <a:rPr lang="en-US" sz="1800" dirty="0" err="1"/>
+              <a:t>animatedSprite.FrameLength</a:t>
+            </a:r>
+            <a:r>
+              <a:rPr lang="en-US" sz="1800" dirty="0"/>
+              <a:t>);</a:t>
+            </a:r>
+          </a:p>
+          <a:p>
+            <a:r>
+              <a:rPr lang="en-US" sz="1800" dirty="0"/>
+              <a:t>        }</a:t>
+            </a:r>
+          </a:p>
+          <a:p>
+            <a:endParaRPr lang="en-US" sz="1800" dirty="0"/>
+          </a:p>
+        </p:txBody>
+      </p:sp>
     </p:spTree>
+    <p:extLst>
+      <p:ext uri="{BB962C8B-B14F-4D97-AF65-F5344CB8AC3E}">
+        <p14:creationId xmlns:p14="http://schemas.microsoft.com/office/powerpoint/2010/main" val="1661936536"/>
+      </p:ext>
+    </p:extLst>
+  </p:cSld>
+  <p:clrMapOvr>
+    <a:masterClrMapping/>
+  </p:clrMapOvr>
+  <p:timing>
+    <p:tnLst>
+      <p:par>
+        <p:cTn id="1" dur="indefinite" restart="never" nodeType="tmRoot"/>
+      </p:par>
+    </p:tnLst>
+  </p:timing>
+</p:sld>
+</file>
+
+<file path=ppt/slides/slide18.xml><?xml version="1.0" encoding="utf-8"?>
+<p:sld xmlns:a="http://schemas.openxmlformats.org/drawingml/2006/main" xmlns:r="http://schemas.openxmlformats.org/officeDocument/2006/relationships" xmlns:p="http://schemas.openxmlformats.org/presentationml/2006/main">
+  <p:cSld>
+    <p:spTree>
+      <p:nvGrpSpPr>
+        <p:cNvPr id="1" name=""/>
+        <p:cNvGrpSpPr/>
+        <p:nvPr/>
+      </p:nvGrpSpPr>
+      <p:grpSpPr>
+        <a:xfrm>
+          <a:off x="0" y="0"/>
+          <a:ext cx="0" cy="0"/>
+          <a:chOff x="0" y="0"/>
+          <a:chExt cx="0" cy="0"/>
+        </a:xfrm>
+      </p:grpSpPr>
+      <p:sp>
+        <p:nvSpPr>
+          <p:cNvPr id="2" name="Title 1"/>
+          <p:cNvSpPr>
+            <a:spLocks noGrp="1"/>
+          </p:cNvSpPr>
+          <p:nvPr>
+            <p:ph type="title"/>
+          </p:nvPr>
+        </p:nvSpPr>
+        <p:spPr/>
+        <p:txBody>
+          <a:bodyPr/>
+          <a:lstStyle/>
+          <a:p>
+            <a:r>
+              <a:rPr lang="en-US" dirty="0" err="1"/>
+              <a:t>AnimatedSprite</a:t>
+            </a:r>
+            <a:r>
+              <a:rPr lang="en-US" dirty="0"/>
+              <a:t> Test Code</a:t>
+            </a:r>
+            <a:endParaRPr lang="en-US" dirty="0"/>
+          </a:p>
+        </p:txBody>
+      </p:sp>
+      <p:sp>
+        <p:nvSpPr>
+          <p:cNvPr id="3" name="Content Placeholder 2"/>
+          <p:cNvSpPr>
+            <a:spLocks noGrp="1"/>
+          </p:cNvSpPr>
+          <p:nvPr>
+            <p:ph idx="1"/>
+          </p:nvPr>
+        </p:nvSpPr>
+        <p:spPr/>
+        <p:txBody>
+          <a:bodyPr/>
+          <a:lstStyle/>
+          <a:p>
+            <a:r>
+              <a:rPr lang="en-US" sz="1800" dirty="0"/>
+              <a:t>[</a:t>
+            </a:r>
+            <a:r>
+              <a:rPr lang="en-US" sz="1800" dirty="0" err="1"/>
+              <a:t>TestMethod</a:t>
+            </a:r>
+            <a:r>
+              <a:rPr lang="en-US" sz="1800" dirty="0"/>
+              <a:t>]</a:t>
+            </a:r>
+          </a:p>
+          <a:p>
+            <a:r>
+              <a:rPr lang="en-US" sz="1800" dirty="0"/>
+              <a:t>        public void </a:t>
+            </a:r>
+            <a:r>
+              <a:rPr lang="en-US" sz="1800" dirty="0" err="1"/>
+              <a:t>IsAnimating_Test</a:t>
+            </a:r>
+            <a:r>
+              <a:rPr lang="en-US" sz="1800" dirty="0"/>
+              <a:t>()</a:t>
+            </a:r>
+          </a:p>
+          <a:p>
+            <a:r>
+              <a:rPr lang="en-US" sz="1800" dirty="0"/>
+              <a:t>        {</a:t>
+            </a:r>
+          </a:p>
+          <a:p>
+            <a:r>
+              <a:rPr lang="en-US" sz="1800" dirty="0"/>
+              <a:t>            </a:t>
+            </a:r>
+            <a:r>
+              <a:rPr lang="en-US" sz="1800" dirty="0" err="1"/>
+              <a:t>animatedSprite.IsAnimating</a:t>
+            </a:r>
+            <a:r>
+              <a:rPr lang="en-US" sz="1800" dirty="0"/>
+              <a:t> = false;</a:t>
+            </a:r>
+          </a:p>
+          <a:p>
+            <a:r>
+              <a:rPr lang="en-US" sz="1800" dirty="0"/>
+              <a:t>            </a:t>
+            </a:r>
+            <a:r>
+              <a:rPr lang="en-US" sz="1800" dirty="0" err="1"/>
+              <a:t>Assert.IsTrue</a:t>
+            </a:r>
+            <a:r>
+              <a:rPr lang="en-US" sz="1800" dirty="0"/>
+              <a:t>(false == </a:t>
+            </a:r>
+            <a:r>
+              <a:rPr lang="en-US" sz="1800" dirty="0" err="1"/>
+              <a:t>animatedSprite.IsAnimating</a:t>
+            </a:r>
+            <a:r>
+              <a:rPr lang="en-US" sz="1800" dirty="0"/>
+              <a:t>);</a:t>
+            </a:r>
+          </a:p>
+          <a:p>
+            <a:r>
+              <a:rPr lang="en-US" sz="1800" dirty="0"/>
+              <a:t>        }</a:t>
+            </a:r>
+          </a:p>
+          <a:p>
+            <a:endParaRPr lang="en-US" sz="1800" dirty="0"/>
+          </a:p>
+          <a:p>
+            <a:r>
+              <a:rPr lang="en-US" sz="1800" dirty="0"/>
+              <a:t>        [</a:t>
+            </a:r>
+            <a:r>
+              <a:rPr lang="en-US" sz="1800" dirty="0" err="1"/>
+              <a:t>TestMethod</a:t>
+            </a:r>
+            <a:r>
+              <a:rPr lang="en-US" sz="1800" dirty="0"/>
+              <a:t>]</a:t>
+            </a:r>
+          </a:p>
+          <a:p>
+            <a:r>
+              <a:rPr lang="en-US" sz="1800" dirty="0"/>
+              <a:t>        public void </a:t>
+            </a:r>
+            <a:r>
+              <a:rPr lang="en-US" sz="1800" dirty="0" err="1"/>
+              <a:t>GetSourceRectangle_Test</a:t>
+            </a:r>
+            <a:r>
+              <a:rPr lang="en-US" sz="1800" dirty="0"/>
+              <a:t>()</a:t>
+            </a:r>
+          </a:p>
+          <a:p>
+            <a:r>
+              <a:rPr lang="en-US" sz="1800" dirty="0"/>
+              <a:t>        {</a:t>
+            </a:r>
+          </a:p>
+          <a:p>
+            <a:r>
+              <a:rPr lang="en-US" sz="1800" dirty="0"/>
+              <a:t>            Rectangle r = new Rectangle(2, 2, 2, 2);</a:t>
+            </a:r>
+          </a:p>
+          <a:p>
+            <a:r>
+              <a:rPr lang="en-US" sz="1800" dirty="0"/>
+              <a:t>            Rectangle r2 = </a:t>
+            </a:r>
+            <a:r>
+              <a:rPr lang="en-US" sz="1800" dirty="0" err="1"/>
+              <a:t>animatedSprite.GetSourceRect</a:t>
+            </a:r>
+            <a:r>
+              <a:rPr lang="en-US" sz="1800" dirty="0"/>
+              <a:t>();</a:t>
+            </a:r>
+          </a:p>
+          <a:p>
+            <a:r>
+              <a:rPr lang="en-US" sz="1800" dirty="0"/>
+              <a:t>            </a:t>
+            </a:r>
+            <a:r>
+              <a:rPr lang="en-US" sz="1800" dirty="0" err="1"/>
+              <a:t>Assert.AreEqual</a:t>
+            </a:r>
+            <a:r>
+              <a:rPr lang="en-US" sz="1800" dirty="0"/>
+              <a:t>(r, r2);</a:t>
+            </a:r>
+          </a:p>
+          <a:p>
+            <a:r>
+              <a:rPr lang="en-US" sz="1800" dirty="0"/>
+              <a:t>        }</a:t>
+            </a:r>
+          </a:p>
+          <a:p>
+            <a:pPr marL="0" indent="0">
+              <a:buNone/>
+            </a:pPr>
+            <a:endParaRPr lang="en-US" sz="1800" dirty="0"/>
+          </a:p>
+        </p:txBody>
+      </p:sp>
+    </p:spTree>
+    <p:extLst>
+      <p:ext uri="{BB962C8B-B14F-4D97-AF65-F5344CB8AC3E}">
+        <p14:creationId xmlns:p14="http://schemas.microsoft.com/office/powerpoint/2010/main" val="3772113046"/>
+      </p:ext>
+    </p:extLst>
+  </p:cSld>
+  <p:clrMapOvr>
+    <a:masterClrMapping/>
+  </p:clrMapOvr>
+  <p:timing>
+    <p:tnLst>
+      <p:par>
+        <p:cTn id="1" dur="indefinite" restart="never" nodeType="tmRoot"/>
+      </p:par>
+    </p:tnLst>
+  </p:timing>
+</p:sld>
+</file>
+
+<file path=ppt/slides/slide19.xml><?xml version="1.0" encoding="utf-8"?>
+<p:sld xmlns:a="http://schemas.openxmlformats.org/drawingml/2006/main" xmlns:r="http://schemas.openxmlformats.org/officeDocument/2006/relationships" xmlns:p="http://schemas.openxmlformats.org/presentationml/2006/main">
+  <p:cSld>
+    <p:spTree>
+      <p:nvGrpSpPr>
+        <p:cNvPr id="1" name=""/>
+        <p:cNvGrpSpPr/>
+        <p:nvPr/>
+      </p:nvGrpSpPr>
+      <p:grpSpPr>
+        <a:xfrm>
+          <a:off x="0" y="0"/>
+          <a:ext cx="0" cy="0"/>
+          <a:chOff x="0" y="0"/>
+          <a:chExt cx="0" cy="0"/>
+        </a:xfrm>
+      </p:grpSpPr>
+      <p:sp>
+        <p:nvSpPr>
+          <p:cNvPr id="2" name="Title 1"/>
+          <p:cNvSpPr>
+            <a:spLocks noGrp="1"/>
+          </p:cNvSpPr>
+          <p:nvPr>
+            <p:ph type="title"/>
+          </p:nvPr>
+        </p:nvSpPr>
+        <p:spPr/>
+        <p:txBody>
+          <a:bodyPr/>
+          <a:lstStyle/>
+          <a:p>
+            <a:r>
+              <a:rPr lang="en-US" dirty="0" err="1"/>
+              <a:t>AnimatedSprite</a:t>
+            </a:r>
+            <a:r>
+              <a:rPr lang="en-US" dirty="0"/>
+              <a:t> Test Code</a:t>
+            </a:r>
+            <a:endParaRPr lang="en-US" dirty="0"/>
+          </a:p>
+        </p:txBody>
+      </p:sp>
+      <p:sp>
+        <p:nvSpPr>
+          <p:cNvPr id="3" name="Content Placeholder 2"/>
+          <p:cNvSpPr>
+            <a:spLocks noGrp="1"/>
+          </p:cNvSpPr>
+          <p:nvPr>
+            <p:ph idx="1"/>
+          </p:nvPr>
+        </p:nvSpPr>
+        <p:spPr/>
+        <p:txBody>
+          <a:bodyPr/>
+          <a:lstStyle/>
+          <a:p>
+            <a:r>
+              <a:rPr lang="en-US" sz="1800" dirty="0"/>
+              <a:t> [</a:t>
+            </a:r>
+            <a:r>
+              <a:rPr lang="en-US" sz="1800" dirty="0" err="1"/>
+              <a:t>TestMethod</a:t>
+            </a:r>
+            <a:r>
+              <a:rPr lang="en-US" sz="1800" dirty="0"/>
+              <a:t>]</a:t>
+            </a:r>
+          </a:p>
+          <a:p>
+            <a:r>
+              <a:rPr lang="en-US" sz="1800" dirty="0"/>
+              <a:t>        public void </a:t>
+            </a:r>
+            <a:r>
+              <a:rPr lang="en-US" sz="1800" dirty="0" err="1"/>
+              <a:t>Update_Test</a:t>
+            </a:r>
+            <a:r>
+              <a:rPr lang="en-US" sz="1800" dirty="0"/>
+              <a:t>()</a:t>
+            </a:r>
+          </a:p>
+          <a:p>
+            <a:r>
+              <a:rPr lang="en-US" sz="1800" dirty="0"/>
+              <a:t>        {</a:t>
+            </a:r>
+          </a:p>
+          <a:p>
+            <a:r>
+              <a:rPr lang="en-US" sz="1800" dirty="0"/>
+              <a:t>            </a:t>
+            </a:r>
+            <a:r>
+              <a:rPr lang="en-US" sz="1800" dirty="0" err="1"/>
+              <a:t>animatedSprite.IsAnimating</a:t>
+            </a:r>
+            <a:r>
+              <a:rPr lang="en-US" sz="1800" dirty="0"/>
+              <a:t> = true;</a:t>
+            </a:r>
+          </a:p>
+          <a:p>
+            <a:r>
+              <a:rPr lang="en-US" sz="1800" dirty="0"/>
+              <a:t>            </a:t>
+            </a:r>
+            <a:r>
+              <a:rPr lang="en-US" sz="1800" dirty="0" err="1"/>
+              <a:t>animatedSprite.Elapsed</a:t>
+            </a:r>
+            <a:r>
+              <a:rPr lang="en-US" sz="1800" dirty="0"/>
+              <a:t> = 1;</a:t>
+            </a:r>
+          </a:p>
+          <a:p>
+            <a:r>
+              <a:rPr lang="en-US" sz="1800" dirty="0"/>
+              <a:t>            </a:t>
+            </a:r>
+            <a:r>
+              <a:rPr lang="en-US" sz="1800" dirty="0" err="1"/>
+              <a:t>animatedSprite.Frame</a:t>
+            </a:r>
+            <a:r>
+              <a:rPr lang="en-US" sz="1800" dirty="0"/>
+              <a:t> = 2;</a:t>
+            </a:r>
+          </a:p>
+          <a:p>
+            <a:r>
+              <a:rPr lang="en-US" sz="1800" dirty="0"/>
+              <a:t>            </a:t>
+            </a:r>
+            <a:r>
+              <a:rPr lang="en-US" sz="1800" dirty="0" err="1"/>
+              <a:t>animatedSprite.Update</a:t>
+            </a:r>
+            <a:r>
+              <a:rPr lang="en-US" sz="1800" dirty="0"/>
+              <a:t>(</a:t>
+            </a:r>
+            <a:r>
+              <a:rPr lang="en-US" sz="1800" dirty="0" err="1"/>
+              <a:t>gameTime</a:t>
+            </a:r>
+            <a:r>
+              <a:rPr lang="en-US" sz="1800" dirty="0"/>
+              <a:t>);</a:t>
+            </a:r>
+          </a:p>
+          <a:p>
+            <a:r>
+              <a:rPr lang="en-US" sz="1800" dirty="0"/>
+              <a:t>            </a:t>
+            </a:r>
+            <a:r>
+              <a:rPr lang="en-US" sz="1800" dirty="0" err="1"/>
+              <a:t>Assert.IsTrue</a:t>
+            </a:r>
+            <a:r>
+              <a:rPr lang="en-US" sz="1800" dirty="0"/>
+              <a:t>(3 == </a:t>
+            </a:r>
+            <a:r>
+              <a:rPr lang="en-US" sz="1800" dirty="0" err="1"/>
+              <a:t>animatedSprite.Frame</a:t>
+            </a:r>
+            <a:r>
+              <a:rPr lang="en-US" sz="1800" dirty="0"/>
+              <a:t>);</a:t>
+            </a:r>
+          </a:p>
+          <a:p>
+            <a:endParaRPr lang="en-US" sz="1800" dirty="0"/>
+          </a:p>
+          <a:p>
+            <a:r>
+              <a:rPr lang="en-US" sz="1800" dirty="0"/>
+              <a:t>        </a:t>
+            </a:r>
+            <a:r>
+              <a:rPr lang="en-US" sz="1800" dirty="0" smtClean="0"/>
+              <a:t>}</a:t>
+            </a:r>
+          </a:p>
+          <a:p>
+            <a:r>
+              <a:rPr lang="en-US" sz="1800" dirty="0"/>
+              <a:t>}</a:t>
+            </a:r>
+            <a:endParaRPr lang="en-US" sz="1800" dirty="0"/>
+          </a:p>
+          <a:p>
+            <a:pPr marL="0" indent="0">
+              <a:buNone/>
+            </a:pPr>
+            <a:endParaRPr lang="en-US" sz="1800" dirty="0"/>
+          </a:p>
+        </p:txBody>
+      </p:sp>
+    </p:spTree>
+    <p:extLst>
+      <p:ext uri="{BB962C8B-B14F-4D97-AF65-F5344CB8AC3E}">
+        <p14:creationId xmlns:p14="http://schemas.microsoft.com/office/powerpoint/2010/main" val="3772113046"/>
+      </p:ext>
+    </p:extLst>
   </p:cSld>
   <p:clrMapOvr>
     <a:masterClrMapping/>
@@ -4185,6 +5240,2235 @@
 </p:sld>
 </file>
 
+<file path=ppt/slides/slide20.xml><?xml version="1.0" encoding="utf-8"?>
+<p:sld xmlns:a="http://schemas.openxmlformats.org/drawingml/2006/main" xmlns:r="http://schemas.openxmlformats.org/officeDocument/2006/relationships" xmlns:p="http://schemas.openxmlformats.org/presentationml/2006/main">
+  <p:cSld>
+    <p:spTree>
+      <p:nvGrpSpPr>
+        <p:cNvPr id="1" name=""/>
+        <p:cNvGrpSpPr/>
+        <p:nvPr/>
+      </p:nvGrpSpPr>
+      <p:grpSpPr>
+        <a:xfrm>
+          <a:off x="0" y="0"/>
+          <a:ext cx="0" cy="0"/>
+          <a:chOff x="0" y="0"/>
+          <a:chExt cx="0" cy="0"/>
+        </a:xfrm>
+      </p:grpSpPr>
+      <p:sp>
+        <p:nvSpPr>
+          <p:cNvPr id="2" name="Title 1"/>
+          <p:cNvSpPr>
+            <a:spLocks noGrp="1"/>
+          </p:cNvSpPr>
+          <p:nvPr>
+            <p:ph type="title"/>
+          </p:nvPr>
+        </p:nvSpPr>
+        <p:spPr/>
+        <p:txBody>
+          <a:bodyPr/>
+          <a:lstStyle/>
+          <a:p>
+            <a:r>
+              <a:rPr lang="en-US" dirty="0" smtClean="0"/>
+              <a:t>Background </a:t>
+            </a:r>
+            <a:r>
+              <a:rPr lang="en-US" dirty="0"/>
+              <a:t>Test Code</a:t>
+            </a:r>
+            <a:endParaRPr lang="en-US" dirty="0"/>
+          </a:p>
+        </p:txBody>
+      </p:sp>
+      <p:sp>
+        <p:nvSpPr>
+          <p:cNvPr id="3" name="Content Placeholder 2"/>
+          <p:cNvSpPr>
+            <a:spLocks noGrp="1"/>
+          </p:cNvSpPr>
+          <p:nvPr>
+            <p:ph idx="1"/>
+          </p:nvPr>
+        </p:nvSpPr>
+        <p:spPr/>
+        <p:txBody>
+          <a:bodyPr/>
+          <a:lstStyle/>
+          <a:p>
+            <a:r>
+              <a:rPr lang="en-US" sz="2000" dirty="0"/>
+              <a:t>using System;</a:t>
+            </a:r>
+          </a:p>
+          <a:p>
+            <a:r>
+              <a:rPr lang="en-US" sz="2000" dirty="0"/>
+              <a:t>using </a:t>
+            </a:r>
+            <a:r>
+              <a:rPr lang="en-US" sz="2000" dirty="0" err="1"/>
+              <a:t>System.Text</a:t>
+            </a:r>
+            <a:r>
+              <a:rPr lang="en-US" sz="2000" dirty="0"/>
+              <a:t>;</a:t>
+            </a:r>
+          </a:p>
+          <a:p>
+            <a:r>
+              <a:rPr lang="en-US" sz="2000" dirty="0"/>
+              <a:t>using </a:t>
+            </a:r>
+            <a:r>
+              <a:rPr lang="en-US" sz="2000" dirty="0" err="1"/>
+              <a:t>System.Collections.Generic</a:t>
+            </a:r>
+            <a:r>
+              <a:rPr lang="en-US" sz="2000" dirty="0"/>
+              <a:t>;</a:t>
+            </a:r>
+          </a:p>
+          <a:p>
+            <a:r>
+              <a:rPr lang="en-US" sz="2000" dirty="0"/>
+              <a:t>using </a:t>
+            </a:r>
+            <a:r>
+              <a:rPr lang="en-US" sz="2000" dirty="0" err="1"/>
+              <a:t>System.Linq</a:t>
+            </a:r>
+            <a:r>
+              <a:rPr lang="en-US" sz="2000" dirty="0"/>
+              <a:t>;</a:t>
+            </a:r>
+          </a:p>
+          <a:p>
+            <a:r>
+              <a:rPr lang="en-US" sz="2000" dirty="0"/>
+              <a:t>using </a:t>
+            </a:r>
+            <a:r>
+              <a:rPr lang="en-US" sz="2000" dirty="0" err="1"/>
+              <a:t>Microsoft.VisualStudio.TestTools.UnitTesting</a:t>
+            </a:r>
+            <a:r>
+              <a:rPr lang="en-US" sz="2000" dirty="0"/>
+              <a:t>;</a:t>
+            </a:r>
+          </a:p>
+          <a:p>
+            <a:r>
+              <a:rPr lang="en-US" sz="2000" dirty="0"/>
+              <a:t>using </a:t>
+            </a:r>
+            <a:r>
+              <a:rPr lang="en-US" sz="2000" dirty="0" err="1"/>
+              <a:t>Project_Starfighter</a:t>
+            </a:r>
+            <a:r>
+              <a:rPr lang="en-US" sz="2000" dirty="0"/>
+              <a:t>;</a:t>
+            </a:r>
+          </a:p>
+          <a:p>
+            <a:endParaRPr lang="en-US" sz="2000" dirty="0"/>
+          </a:p>
+          <a:p>
+            <a:r>
+              <a:rPr lang="en-US" sz="2000" dirty="0"/>
+              <a:t>namespace </a:t>
+            </a:r>
+            <a:r>
+              <a:rPr lang="en-US" sz="2000" dirty="0" err="1"/>
+              <a:t>Project_Starfighter_Test</a:t>
+            </a:r>
+            <a:endParaRPr lang="en-US" sz="2000" dirty="0"/>
+          </a:p>
+          <a:p>
+            <a:r>
+              <a:rPr lang="en-US" sz="2000" dirty="0" smtClean="0"/>
+              <a:t>{</a:t>
+            </a:r>
+          </a:p>
+          <a:p>
+            <a:endParaRPr lang="en-US" sz="1800" dirty="0" smtClean="0"/>
+          </a:p>
+          <a:p>
+            <a:pPr marL="0" indent="0">
+              <a:buNone/>
+            </a:pPr>
+            <a:endParaRPr lang="en-US" sz="1800" dirty="0"/>
+          </a:p>
+        </p:txBody>
+      </p:sp>
+    </p:spTree>
+    <p:extLst>
+      <p:ext uri="{BB962C8B-B14F-4D97-AF65-F5344CB8AC3E}">
+        <p14:creationId xmlns:p14="http://schemas.microsoft.com/office/powerpoint/2010/main" val="897719000"/>
+      </p:ext>
+    </p:extLst>
+  </p:cSld>
+  <p:clrMapOvr>
+    <a:masterClrMapping/>
+  </p:clrMapOvr>
+  <p:timing>
+    <p:tnLst>
+      <p:par>
+        <p:cTn id="1" dur="indefinite" restart="never" nodeType="tmRoot"/>
+      </p:par>
+    </p:tnLst>
+  </p:timing>
+</p:sld>
+</file>
+
+<file path=ppt/slides/slide21.xml><?xml version="1.0" encoding="utf-8"?>
+<p:sld xmlns:a="http://schemas.openxmlformats.org/drawingml/2006/main" xmlns:r="http://schemas.openxmlformats.org/officeDocument/2006/relationships" xmlns:p="http://schemas.openxmlformats.org/presentationml/2006/main">
+  <p:cSld>
+    <p:spTree>
+      <p:nvGrpSpPr>
+        <p:cNvPr id="1" name=""/>
+        <p:cNvGrpSpPr/>
+        <p:nvPr/>
+      </p:nvGrpSpPr>
+      <p:grpSpPr>
+        <a:xfrm>
+          <a:off x="0" y="0"/>
+          <a:ext cx="0" cy="0"/>
+          <a:chOff x="0" y="0"/>
+          <a:chExt cx="0" cy="0"/>
+        </a:xfrm>
+      </p:grpSpPr>
+      <p:sp>
+        <p:nvSpPr>
+          <p:cNvPr id="2" name="Title 1"/>
+          <p:cNvSpPr>
+            <a:spLocks noGrp="1"/>
+          </p:cNvSpPr>
+          <p:nvPr>
+            <p:ph type="title"/>
+          </p:nvPr>
+        </p:nvSpPr>
+        <p:spPr/>
+        <p:txBody>
+          <a:bodyPr/>
+          <a:lstStyle/>
+          <a:p>
+            <a:r>
+              <a:rPr lang="en-US" dirty="0" smtClean="0"/>
+              <a:t>Background </a:t>
+            </a:r>
+            <a:r>
+              <a:rPr lang="en-US" dirty="0"/>
+              <a:t>Test Code</a:t>
+            </a:r>
+            <a:endParaRPr lang="en-US" dirty="0"/>
+          </a:p>
+        </p:txBody>
+      </p:sp>
+      <p:sp>
+        <p:nvSpPr>
+          <p:cNvPr id="3" name="Content Placeholder 2"/>
+          <p:cNvSpPr>
+            <a:spLocks noGrp="1"/>
+          </p:cNvSpPr>
+          <p:nvPr>
+            <p:ph idx="1"/>
+          </p:nvPr>
+        </p:nvSpPr>
+        <p:spPr/>
+        <p:txBody>
+          <a:bodyPr/>
+          <a:lstStyle/>
+          <a:p>
+            <a:r>
+              <a:rPr lang="en-US" sz="2000" dirty="0"/>
+              <a:t> [</a:t>
+            </a:r>
+            <a:r>
+              <a:rPr lang="en-US" sz="2000" dirty="0" err="1"/>
+              <a:t>TestClass</a:t>
+            </a:r>
+            <a:r>
+              <a:rPr lang="en-US" sz="2000" dirty="0"/>
+              <a:t>]</a:t>
+            </a:r>
+          </a:p>
+          <a:p>
+            <a:r>
+              <a:rPr lang="en-US" sz="2000" dirty="0"/>
+              <a:t>    public class </a:t>
+            </a:r>
+            <a:r>
+              <a:rPr lang="en-US" sz="2000" dirty="0" err="1"/>
+              <a:t>Background_Test</a:t>
+            </a:r>
+            <a:endParaRPr lang="en-US" sz="2000" dirty="0"/>
+          </a:p>
+          <a:p>
+            <a:r>
+              <a:rPr lang="en-US" sz="2000" dirty="0"/>
+              <a:t>    {</a:t>
+            </a:r>
+          </a:p>
+          <a:p>
+            <a:r>
+              <a:rPr lang="en-US" sz="2000" dirty="0"/>
+              <a:t>        Background </a:t>
+            </a:r>
+            <a:r>
+              <a:rPr lang="en-US" sz="2000" dirty="0" err="1"/>
+              <a:t>background</a:t>
+            </a:r>
+            <a:r>
+              <a:rPr lang="en-US" sz="2000" dirty="0"/>
+              <a:t>;</a:t>
+            </a:r>
+          </a:p>
+          <a:p>
+            <a:r>
+              <a:rPr lang="en-US" sz="2000" dirty="0"/>
+              <a:t>        public </a:t>
+            </a:r>
+            <a:r>
+              <a:rPr lang="en-US" sz="2000" dirty="0" err="1"/>
+              <a:t>Background_Test</a:t>
+            </a:r>
+            <a:r>
+              <a:rPr lang="en-US" sz="2000" dirty="0"/>
+              <a:t>()</a:t>
+            </a:r>
+          </a:p>
+          <a:p>
+            <a:r>
+              <a:rPr lang="en-US" sz="2000" dirty="0"/>
+              <a:t>        {</a:t>
+            </a:r>
+          </a:p>
+          <a:p>
+            <a:r>
+              <a:rPr lang="en-US" sz="2000" dirty="0"/>
+              <a:t>            background = new Background();</a:t>
+            </a:r>
+          </a:p>
+          <a:p>
+            <a:r>
+              <a:rPr lang="en-US" sz="2000" dirty="0"/>
+              <a:t>        }</a:t>
+            </a:r>
+          </a:p>
+          <a:p>
+            <a:pPr marL="0" indent="0">
+              <a:buNone/>
+            </a:pPr>
+            <a:endParaRPr lang="en-US" sz="2000" dirty="0"/>
+          </a:p>
+        </p:txBody>
+      </p:sp>
+    </p:spTree>
+    <p:extLst>
+      <p:ext uri="{BB962C8B-B14F-4D97-AF65-F5344CB8AC3E}">
+        <p14:creationId xmlns:p14="http://schemas.microsoft.com/office/powerpoint/2010/main" val="755878279"/>
+      </p:ext>
+    </p:extLst>
+  </p:cSld>
+  <p:clrMapOvr>
+    <a:masterClrMapping/>
+  </p:clrMapOvr>
+  <p:timing>
+    <p:tnLst>
+      <p:par>
+        <p:cTn id="1" dur="indefinite" restart="never" nodeType="tmRoot"/>
+      </p:par>
+    </p:tnLst>
+  </p:timing>
+</p:sld>
+</file>
+
+<file path=ppt/slides/slide22.xml><?xml version="1.0" encoding="utf-8"?>
+<p:sld xmlns:a="http://schemas.openxmlformats.org/drawingml/2006/main" xmlns:r="http://schemas.openxmlformats.org/officeDocument/2006/relationships" xmlns:p="http://schemas.openxmlformats.org/presentationml/2006/main">
+  <p:cSld>
+    <p:spTree>
+      <p:nvGrpSpPr>
+        <p:cNvPr id="1" name=""/>
+        <p:cNvGrpSpPr/>
+        <p:nvPr/>
+      </p:nvGrpSpPr>
+      <p:grpSpPr>
+        <a:xfrm>
+          <a:off x="0" y="0"/>
+          <a:ext cx="0" cy="0"/>
+          <a:chOff x="0" y="0"/>
+          <a:chExt cx="0" cy="0"/>
+        </a:xfrm>
+      </p:grpSpPr>
+      <p:sp>
+        <p:nvSpPr>
+          <p:cNvPr id="2" name="Title 1"/>
+          <p:cNvSpPr>
+            <a:spLocks noGrp="1"/>
+          </p:cNvSpPr>
+          <p:nvPr>
+            <p:ph type="title"/>
+          </p:nvPr>
+        </p:nvSpPr>
+        <p:spPr/>
+        <p:txBody>
+          <a:bodyPr/>
+          <a:lstStyle/>
+          <a:p>
+            <a:r>
+              <a:rPr lang="en-US" dirty="0" smtClean="0"/>
+              <a:t>Background </a:t>
+            </a:r>
+            <a:r>
+              <a:rPr lang="en-US" dirty="0"/>
+              <a:t>Test Code</a:t>
+            </a:r>
+            <a:endParaRPr lang="en-US" dirty="0"/>
+          </a:p>
+        </p:txBody>
+      </p:sp>
+      <p:sp>
+        <p:nvSpPr>
+          <p:cNvPr id="3" name="Content Placeholder 2"/>
+          <p:cNvSpPr>
+            <a:spLocks noGrp="1"/>
+          </p:cNvSpPr>
+          <p:nvPr>
+            <p:ph idx="1"/>
+          </p:nvPr>
+        </p:nvSpPr>
+        <p:spPr/>
+        <p:txBody>
+          <a:bodyPr/>
+          <a:lstStyle/>
+          <a:p>
+            <a:r>
+              <a:rPr lang="en-US" sz="1800" dirty="0"/>
+              <a:t> [</a:t>
+            </a:r>
+            <a:r>
+              <a:rPr lang="en-US" sz="1800" dirty="0" err="1"/>
+              <a:t>TestMethod</a:t>
+            </a:r>
+            <a:r>
+              <a:rPr lang="en-US" sz="1800" dirty="0"/>
+              <a:t>]</a:t>
+            </a:r>
+          </a:p>
+          <a:p>
+            <a:r>
+              <a:rPr lang="en-US" sz="1800" dirty="0"/>
+              <a:t>        public void </a:t>
+            </a:r>
+            <a:r>
+              <a:rPr lang="en-US" sz="1800" dirty="0" err="1"/>
+              <a:t>BackgroundOffset_Test</a:t>
+            </a:r>
+            <a:r>
+              <a:rPr lang="en-US" sz="1800" dirty="0"/>
+              <a:t>()</a:t>
+            </a:r>
+          </a:p>
+          <a:p>
+            <a:r>
+              <a:rPr lang="en-US" sz="1800" dirty="0"/>
+              <a:t>        {</a:t>
+            </a:r>
+          </a:p>
+          <a:p>
+            <a:r>
+              <a:rPr lang="en-US" sz="1800" dirty="0"/>
+              <a:t>            </a:t>
+            </a:r>
+            <a:r>
+              <a:rPr lang="en-US" sz="1800" dirty="0" err="1"/>
+              <a:t>background.BackgroundOffset</a:t>
+            </a:r>
+            <a:r>
+              <a:rPr lang="en-US" sz="1800" dirty="0"/>
+              <a:t> = 1;</a:t>
+            </a:r>
+          </a:p>
+          <a:p>
+            <a:r>
+              <a:rPr lang="en-US" sz="1800" dirty="0"/>
+              <a:t>            </a:t>
+            </a:r>
+            <a:r>
+              <a:rPr lang="en-US" sz="1800" dirty="0" err="1"/>
+              <a:t>Assert.IsTrue</a:t>
+            </a:r>
+            <a:r>
+              <a:rPr lang="en-US" sz="1800" dirty="0"/>
+              <a:t>(1 == </a:t>
+            </a:r>
+            <a:r>
+              <a:rPr lang="en-US" sz="1800" dirty="0" err="1"/>
+              <a:t>background.BackgroundOffset</a:t>
+            </a:r>
+            <a:r>
+              <a:rPr lang="en-US" sz="1800" dirty="0"/>
+              <a:t>);</a:t>
+            </a:r>
+          </a:p>
+          <a:p>
+            <a:r>
+              <a:rPr lang="en-US" sz="1800" dirty="0"/>
+              <a:t>        }</a:t>
+            </a:r>
+          </a:p>
+          <a:p>
+            <a:endParaRPr lang="en-US" sz="1800" dirty="0"/>
+          </a:p>
+          <a:p>
+            <a:r>
+              <a:rPr lang="en-US" sz="1800" dirty="0"/>
+              <a:t>        [</a:t>
+            </a:r>
+            <a:r>
+              <a:rPr lang="en-US" sz="1800" dirty="0" err="1"/>
+              <a:t>TestMethod</a:t>
+            </a:r>
+            <a:r>
+              <a:rPr lang="en-US" sz="1800" dirty="0"/>
+              <a:t>]</a:t>
+            </a:r>
+          </a:p>
+          <a:p>
+            <a:r>
+              <a:rPr lang="en-US" sz="1800" dirty="0"/>
+              <a:t>        public void </a:t>
+            </a:r>
+            <a:r>
+              <a:rPr lang="en-US" sz="1800" dirty="0" err="1"/>
+              <a:t>BackgroundWidth_Test</a:t>
+            </a:r>
+            <a:r>
+              <a:rPr lang="en-US" sz="1800" dirty="0"/>
+              <a:t>()</a:t>
+            </a:r>
+          </a:p>
+          <a:p>
+            <a:r>
+              <a:rPr lang="en-US" sz="1800" dirty="0"/>
+              <a:t>        {</a:t>
+            </a:r>
+          </a:p>
+          <a:p>
+            <a:r>
+              <a:rPr lang="en-US" sz="1800" dirty="0"/>
+              <a:t>            </a:t>
+            </a:r>
+            <a:r>
+              <a:rPr lang="en-US" sz="1800" dirty="0" err="1"/>
+              <a:t>background.BackgroundWidth</a:t>
+            </a:r>
+            <a:r>
+              <a:rPr lang="en-US" sz="1800" dirty="0"/>
+              <a:t> = 2;</a:t>
+            </a:r>
+          </a:p>
+          <a:p>
+            <a:r>
+              <a:rPr lang="en-US" sz="1800" dirty="0"/>
+              <a:t>            </a:t>
+            </a:r>
+            <a:r>
+              <a:rPr lang="en-US" sz="1800" dirty="0" err="1"/>
+              <a:t>Assert.IsTrue</a:t>
+            </a:r>
+            <a:r>
+              <a:rPr lang="en-US" sz="1800" dirty="0"/>
+              <a:t>(2 == </a:t>
+            </a:r>
+            <a:r>
+              <a:rPr lang="en-US" sz="1800" dirty="0" err="1"/>
+              <a:t>background.BackgroundWidth</a:t>
+            </a:r>
+            <a:r>
+              <a:rPr lang="en-US" sz="1800" dirty="0"/>
+              <a:t>);</a:t>
+            </a:r>
+          </a:p>
+          <a:p>
+            <a:r>
+              <a:rPr lang="en-US" sz="1800" dirty="0"/>
+              <a:t>        }</a:t>
+            </a:r>
+          </a:p>
+        </p:txBody>
+      </p:sp>
+    </p:spTree>
+    <p:extLst>
+      <p:ext uri="{BB962C8B-B14F-4D97-AF65-F5344CB8AC3E}">
+        <p14:creationId xmlns:p14="http://schemas.microsoft.com/office/powerpoint/2010/main" val="755878279"/>
+      </p:ext>
+    </p:extLst>
+  </p:cSld>
+  <p:clrMapOvr>
+    <a:masterClrMapping/>
+  </p:clrMapOvr>
+  <p:timing>
+    <p:tnLst>
+      <p:par>
+        <p:cTn id="1" dur="indefinite" restart="never" nodeType="tmRoot"/>
+      </p:par>
+    </p:tnLst>
+  </p:timing>
+</p:sld>
+</file>
+
+<file path=ppt/slides/slide23.xml><?xml version="1.0" encoding="utf-8"?>
+<p:sld xmlns:a="http://schemas.openxmlformats.org/drawingml/2006/main" xmlns:r="http://schemas.openxmlformats.org/officeDocument/2006/relationships" xmlns:p="http://schemas.openxmlformats.org/presentationml/2006/main">
+  <p:cSld>
+    <p:spTree>
+      <p:nvGrpSpPr>
+        <p:cNvPr id="1" name=""/>
+        <p:cNvGrpSpPr/>
+        <p:nvPr/>
+      </p:nvGrpSpPr>
+      <p:grpSpPr>
+        <a:xfrm>
+          <a:off x="0" y="0"/>
+          <a:ext cx="0" cy="0"/>
+          <a:chOff x="0" y="0"/>
+          <a:chExt cx="0" cy="0"/>
+        </a:xfrm>
+      </p:grpSpPr>
+      <p:sp>
+        <p:nvSpPr>
+          <p:cNvPr id="2" name="Title 1"/>
+          <p:cNvSpPr>
+            <a:spLocks noGrp="1"/>
+          </p:cNvSpPr>
+          <p:nvPr>
+            <p:ph type="title"/>
+          </p:nvPr>
+        </p:nvSpPr>
+        <p:spPr/>
+        <p:txBody>
+          <a:bodyPr/>
+          <a:lstStyle/>
+          <a:p>
+            <a:r>
+              <a:rPr lang="en-US" dirty="0" smtClean="0"/>
+              <a:t>Background </a:t>
+            </a:r>
+            <a:r>
+              <a:rPr lang="en-US" dirty="0"/>
+              <a:t>Test Code</a:t>
+            </a:r>
+            <a:endParaRPr lang="en-US" dirty="0"/>
+          </a:p>
+        </p:txBody>
+      </p:sp>
+      <p:sp>
+        <p:nvSpPr>
+          <p:cNvPr id="3" name="Content Placeholder 2"/>
+          <p:cNvSpPr>
+            <a:spLocks noGrp="1"/>
+          </p:cNvSpPr>
+          <p:nvPr>
+            <p:ph idx="1"/>
+          </p:nvPr>
+        </p:nvSpPr>
+        <p:spPr/>
+        <p:txBody>
+          <a:bodyPr/>
+          <a:lstStyle/>
+          <a:p>
+            <a:r>
+              <a:rPr lang="en-US" sz="1800" dirty="0"/>
+              <a:t> [</a:t>
+            </a:r>
+            <a:r>
+              <a:rPr lang="en-US" sz="1800" dirty="0" err="1"/>
+              <a:t>TestMethod</a:t>
+            </a:r>
+            <a:r>
+              <a:rPr lang="en-US" sz="1800" dirty="0"/>
+              <a:t>]</a:t>
+            </a:r>
+          </a:p>
+          <a:p>
+            <a:r>
+              <a:rPr lang="en-US" sz="1800" dirty="0"/>
+              <a:t>        public void </a:t>
+            </a:r>
+            <a:r>
+              <a:rPr lang="en-US" sz="1800" dirty="0" err="1"/>
+              <a:t>BackgroundHeight_Test</a:t>
+            </a:r>
+            <a:r>
+              <a:rPr lang="en-US" sz="1800" dirty="0"/>
+              <a:t>()</a:t>
+            </a:r>
+          </a:p>
+          <a:p>
+            <a:r>
+              <a:rPr lang="en-US" sz="1800" dirty="0"/>
+              <a:t>        {</a:t>
+            </a:r>
+          </a:p>
+          <a:p>
+            <a:r>
+              <a:rPr lang="en-US" sz="1800" dirty="0"/>
+              <a:t>            </a:t>
+            </a:r>
+            <a:r>
+              <a:rPr lang="en-US" sz="1800" dirty="0" err="1"/>
+              <a:t>background.BackgroundHeight</a:t>
+            </a:r>
+            <a:r>
+              <a:rPr lang="en-US" sz="1800" dirty="0"/>
+              <a:t> = 2;</a:t>
+            </a:r>
+          </a:p>
+          <a:p>
+            <a:r>
+              <a:rPr lang="en-US" sz="1800" dirty="0"/>
+              <a:t>            </a:t>
+            </a:r>
+            <a:r>
+              <a:rPr lang="en-US" sz="1800" dirty="0" err="1"/>
+              <a:t>Assert.IsTrue</a:t>
+            </a:r>
+            <a:r>
+              <a:rPr lang="en-US" sz="1800" dirty="0"/>
+              <a:t>(2 == </a:t>
+            </a:r>
+            <a:r>
+              <a:rPr lang="en-US" sz="1800" dirty="0" err="1"/>
+              <a:t>background.BackgroundHeight</a:t>
+            </a:r>
+            <a:r>
+              <a:rPr lang="en-US" sz="1800" dirty="0"/>
+              <a:t>);</a:t>
+            </a:r>
+          </a:p>
+          <a:p>
+            <a:r>
+              <a:rPr lang="en-US" sz="1800" dirty="0"/>
+              <a:t>        }</a:t>
+            </a:r>
+          </a:p>
+          <a:p>
+            <a:endParaRPr lang="en-US" sz="1800" dirty="0"/>
+          </a:p>
+          <a:p>
+            <a:r>
+              <a:rPr lang="en-US" sz="1800" dirty="0"/>
+              <a:t>        [</a:t>
+            </a:r>
+            <a:r>
+              <a:rPr lang="en-US" sz="1800" dirty="0" err="1"/>
+              <a:t>TestMethod</a:t>
+            </a:r>
+            <a:r>
+              <a:rPr lang="en-US" sz="1800" dirty="0"/>
+              <a:t>]</a:t>
+            </a:r>
+          </a:p>
+          <a:p>
+            <a:r>
+              <a:rPr lang="en-US" sz="1800" dirty="0"/>
+              <a:t>        public void </a:t>
+            </a:r>
+            <a:r>
+              <a:rPr lang="en-US" sz="1800" dirty="0" err="1"/>
+              <a:t>BackgroundFileWidth_Test</a:t>
+            </a:r>
+            <a:r>
+              <a:rPr lang="en-US" sz="1800" dirty="0"/>
+              <a:t>()</a:t>
+            </a:r>
+          </a:p>
+          <a:p>
+            <a:r>
+              <a:rPr lang="en-US" sz="1800" dirty="0"/>
+              <a:t>        {</a:t>
+            </a:r>
+          </a:p>
+          <a:p>
+            <a:r>
+              <a:rPr lang="en-US" sz="1800" dirty="0"/>
+              <a:t>            </a:t>
+            </a:r>
+            <a:r>
+              <a:rPr lang="en-US" sz="1800" dirty="0" err="1"/>
+              <a:t>background.BackgroundFileWidth</a:t>
+            </a:r>
+            <a:r>
+              <a:rPr lang="en-US" sz="1800" dirty="0"/>
+              <a:t> = 3;</a:t>
+            </a:r>
+          </a:p>
+          <a:p>
+            <a:r>
+              <a:rPr lang="en-US" sz="1800" dirty="0"/>
+              <a:t>            </a:t>
+            </a:r>
+            <a:r>
+              <a:rPr lang="en-US" sz="1800" dirty="0" err="1"/>
+              <a:t>Assert.IsTrue</a:t>
+            </a:r>
+            <a:r>
+              <a:rPr lang="en-US" sz="1800" dirty="0"/>
+              <a:t>(3 == </a:t>
+            </a:r>
+            <a:r>
+              <a:rPr lang="en-US" sz="1800" dirty="0" err="1"/>
+              <a:t>background.BackgroundFileWidth</a:t>
+            </a:r>
+            <a:r>
+              <a:rPr lang="en-US" sz="1800" dirty="0"/>
+              <a:t>);</a:t>
+            </a:r>
+          </a:p>
+          <a:p>
+            <a:r>
+              <a:rPr lang="en-US" sz="1800" dirty="0"/>
+              <a:t>        }</a:t>
+            </a:r>
+          </a:p>
+          <a:p>
+            <a:pPr marL="0" indent="0">
+              <a:buNone/>
+            </a:pPr>
+            <a:endParaRPr lang="en-US" sz="1800" dirty="0"/>
+          </a:p>
+        </p:txBody>
+      </p:sp>
+    </p:spTree>
+    <p:extLst>
+      <p:ext uri="{BB962C8B-B14F-4D97-AF65-F5344CB8AC3E}">
+        <p14:creationId xmlns:p14="http://schemas.microsoft.com/office/powerpoint/2010/main" val="755878279"/>
+      </p:ext>
+    </p:extLst>
+  </p:cSld>
+  <p:clrMapOvr>
+    <a:masterClrMapping/>
+  </p:clrMapOvr>
+  <p:timing>
+    <p:tnLst>
+      <p:par>
+        <p:cTn id="1" dur="indefinite" restart="never" nodeType="tmRoot"/>
+      </p:par>
+    </p:tnLst>
+  </p:timing>
+</p:sld>
+</file>
+
+<file path=ppt/slides/slide24.xml><?xml version="1.0" encoding="utf-8"?>
+<p:sld xmlns:a="http://schemas.openxmlformats.org/drawingml/2006/main" xmlns:r="http://schemas.openxmlformats.org/officeDocument/2006/relationships" xmlns:p="http://schemas.openxmlformats.org/presentationml/2006/main">
+  <p:cSld>
+    <p:spTree>
+      <p:nvGrpSpPr>
+        <p:cNvPr id="1" name=""/>
+        <p:cNvGrpSpPr/>
+        <p:nvPr/>
+      </p:nvGrpSpPr>
+      <p:grpSpPr>
+        <a:xfrm>
+          <a:off x="0" y="0"/>
+          <a:ext cx="0" cy="0"/>
+          <a:chOff x="0" y="0"/>
+          <a:chExt cx="0" cy="0"/>
+        </a:xfrm>
+      </p:grpSpPr>
+      <p:sp>
+        <p:nvSpPr>
+          <p:cNvPr id="2" name="Title 1"/>
+          <p:cNvSpPr>
+            <a:spLocks noGrp="1"/>
+          </p:cNvSpPr>
+          <p:nvPr>
+            <p:ph type="title"/>
+          </p:nvPr>
+        </p:nvSpPr>
+        <p:spPr/>
+        <p:txBody>
+          <a:bodyPr/>
+          <a:lstStyle/>
+          <a:p>
+            <a:r>
+              <a:rPr lang="en-US" dirty="0" smtClean="0"/>
+              <a:t>Background </a:t>
+            </a:r>
+            <a:r>
+              <a:rPr lang="en-US" dirty="0"/>
+              <a:t>Test Code</a:t>
+            </a:r>
+            <a:endParaRPr lang="en-US" dirty="0"/>
+          </a:p>
+        </p:txBody>
+      </p:sp>
+      <p:sp>
+        <p:nvSpPr>
+          <p:cNvPr id="3" name="Content Placeholder 2"/>
+          <p:cNvSpPr>
+            <a:spLocks noGrp="1"/>
+          </p:cNvSpPr>
+          <p:nvPr>
+            <p:ph idx="1"/>
+          </p:nvPr>
+        </p:nvSpPr>
+        <p:spPr/>
+        <p:txBody>
+          <a:bodyPr/>
+          <a:lstStyle/>
+          <a:p>
+            <a:r>
+              <a:rPr lang="en-US" sz="1800" dirty="0"/>
+              <a:t> [</a:t>
+            </a:r>
+            <a:r>
+              <a:rPr lang="en-US" sz="1800" dirty="0" err="1"/>
+              <a:t>TestMethod</a:t>
+            </a:r>
+            <a:r>
+              <a:rPr lang="en-US" sz="1800" dirty="0"/>
+              <a:t>]</a:t>
+            </a:r>
+          </a:p>
+          <a:p>
+            <a:r>
+              <a:rPr lang="en-US" sz="1800" dirty="0"/>
+              <a:t>        public void </a:t>
+            </a:r>
+            <a:r>
+              <a:rPr lang="en-US" sz="1800" dirty="0" err="1"/>
+              <a:t>BackgroundFileHeight_Test</a:t>
+            </a:r>
+            <a:r>
+              <a:rPr lang="en-US" sz="1800" dirty="0"/>
+              <a:t>()</a:t>
+            </a:r>
+          </a:p>
+          <a:p>
+            <a:r>
+              <a:rPr lang="en-US" sz="1800" dirty="0"/>
+              <a:t>        {</a:t>
+            </a:r>
+          </a:p>
+          <a:p>
+            <a:r>
+              <a:rPr lang="en-US" sz="1800" dirty="0"/>
+              <a:t>            </a:t>
+            </a:r>
+            <a:r>
+              <a:rPr lang="en-US" sz="1800" dirty="0" err="1"/>
+              <a:t>background.BackgroundFileHeight</a:t>
+            </a:r>
+            <a:r>
+              <a:rPr lang="en-US" sz="1800" dirty="0"/>
+              <a:t> = 4;</a:t>
+            </a:r>
+          </a:p>
+          <a:p>
+            <a:r>
+              <a:rPr lang="en-US" sz="1800" dirty="0"/>
+              <a:t>            </a:t>
+            </a:r>
+            <a:r>
+              <a:rPr lang="en-US" sz="1800" dirty="0" err="1"/>
+              <a:t>Assert.IsTrue</a:t>
+            </a:r>
+            <a:r>
+              <a:rPr lang="en-US" sz="1800" dirty="0"/>
+              <a:t>(4 == </a:t>
+            </a:r>
+            <a:r>
+              <a:rPr lang="en-US" sz="1800" dirty="0" err="1"/>
+              <a:t>background.BackgroundFileHeight</a:t>
+            </a:r>
+            <a:r>
+              <a:rPr lang="en-US" sz="1800" dirty="0"/>
+              <a:t>);</a:t>
+            </a:r>
+          </a:p>
+          <a:p>
+            <a:r>
+              <a:rPr lang="en-US" sz="1800" dirty="0"/>
+              <a:t>        }</a:t>
+            </a:r>
+          </a:p>
+          <a:p>
+            <a:r>
+              <a:rPr lang="en-US" sz="1800" dirty="0"/>
+              <a:t>    }</a:t>
+            </a:r>
+            <a:endParaRPr lang="en-US" sz="1800" dirty="0" smtClean="0"/>
+          </a:p>
+          <a:p>
+            <a:pPr marL="0" indent="0">
+              <a:buNone/>
+            </a:pPr>
+            <a:endParaRPr lang="en-US" sz="1800" dirty="0"/>
+          </a:p>
+        </p:txBody>
+      </p:sp>
+    </p:spTree>
+    <p:extLst>
+      <p:ext uri="{BB962C8B-B14F-4D97-AF65-F5344CB8AC3E}">
+        <p14:creationId xmlns:p14="http://schemas.microsoft.com/office/powerpoint/2010/main" val="755878279"/>
+      </p:ext>
+    </p:extLst>
+  </p:cSld>
+  <p:clrMapOvr>
+    <a:masterClrMapping/>
+  </p:clrMapOvr>
+  <p:timing>
+    <p:tnLst>
+      <p:par>
+        <p:cTn id="1" dur="indefinite" restart="never" nodeType="tmRoot"/>
+      </p:par>
+    </p:tnLst>
+  </p:timing>
+</p:sld>
+</file>
+
+<file path=ppt/slides/slide25.xml><?xml version="1.0" encoding="utf-8"?>
+<p:sld xmlns:a="http://schemas.openxmlformats.org/drawingml/2006/main" xmlns:r="http://schemas.openxmlformats.org/officeDocument/2006/relationships" xmlns:p="http://schemas.openxmlformats.org/presentationml/2006/main">
+  <p:cSld>
+    <p:spTree>
+      <p:nvGrpSpPr>
+        <p:cNvPr id="1" name=""/>
+        <p:cNvGrpSpPr/>
+        <p:nvPr/>
+      </p:nvGrpSpPr>
+      <p:grpSpPr>
+        <a:xfrm>
+          <a:off x="0" y="0"/>
+          <a:ext cx="0" cy="0"/>
+          <a:chOff x="0" y="0"/>
+          <a:chExt cx="0" cy="0"/>
+        </a:xfrm>
+      </p:grpSpPr>
+      <p:sp>
+        <p:nvSpPr>
+          <p:cNvPr id="2" name="Title 1"/>
+          <p:cNvSpPr>
+            <a:spLocks noGrp="1"/>
+          </p:cNvSpPr>
+          <p:nvPr>
+            <p:ph type="title"/>
+          </p:nvPr>
+        </p:nvSpPr>
+        <p:spPr/>
+        <p:txBody>
+          <a:bodyPr/>
+          <a:lstStyle/>
+          <a:p>
+            <a:r>
+              <a:rPr lang="en-US" dirty="0" smtClean="0"/>
+              <a:t>Player </a:t>
+            </a:r>
+            <a:r>
+              <a:rPr lang="en-US" dirty="0"/>
+              <a:t>Test Code</a:t>
+            </a:r>
+            <a:endParaRPr lang="en-US" dirty="0"/>
+          </a:p>
+        </p:txBody>
+      </p:sp>
+      <p:sp>
+        <p:nvSpPr>
+          <p:cNvPr id="3" name="Content Placeholder 2"/>
+          <p:cNvSpPr>
+            <a:spLocks noGrp="1"/>
+          </p:cNvSpPr>
+          <p:nvPr>
+            <p:ph idx="1"/>
+          </p:nvPr>
+        </p:nvSpPr>
+        <p:spPr/>
+        <p:txBody>
+          <a:bodyPr/>
+          <a:lstStyle/>
+          <a:p>
+            <a:r>
+              <a:rPr lang="en-US" sz="2000" dirty="0"/>
+              <a:t>using System;</a:t>
+            </a:r>
+          </a:p>
+          <a:p>
+            <a:r>
+              <a:rPr lang="en-US" sz="2000" dirty="0"/>
+              <a:t>using </a:t>
+            </a:r>
+            <a:r>
+              <a:rPr lang="en-US" sz="2000" dirty="0" err="1"/>
+              <a:t>System.Text</a:t>
+            </a:r>
+            <a:r>
+              <a:rPr lang="en-US" sz="2000" dirty="0"/>
+              <a:t>;</a:t>
+            </a:r>
+          </a:p>
+          <a:p>
+            <a:r>
+              <a:rPr lang="en-US" sz="2000" dirty="0"/>
+              <a:t>using </a:t>
+            </a:r>
+            <a:r>
+              <a:rPr lang="en-US" sz="2000" dirty="0" err="1"/>
+              <a:t>System.Collections.Generic</a:t>
+            </a:r>
+            <a:r>
+              <a:rPr lang="en-US" sz="2000" dirty="0"/>
+              <a:t>;</a:t>
+            </a:r>
+          </a:p>
+          <a:p>
+            <a:r>
+              <a:rPr lang="en-US" sz="2000" dirty="0"/>
+              <a:t>using </a:t>
+            </a:r>
+            <a:r>
+              <a:rPr lang="en-US" sz="2000" dirty="0" err="1"/>
+              <a:t>System.Linq</a:t>
+            </a:r>
+            <a:r>
+              <a:rPr lang="en-US" sz="2000" dirty="0"/>
+              <a:t>;</a:t>
+            </a:r>
+          </a:p>
+          <a:p>
+            <a:r>
+              <a:rPr lang="en-US" sz="2000" dirty="0"/>
+              <a:t>using </a:t>
+            </a:r>
+            <a:r>
+              <a:rPr lang="en-US" sz="2000" dirty="0" err="1"/>
+              <a:t>Microsoft.VisualStudio.TestTools.UnitTesting</a:t>
+            </a:r>
+            <a:r>
+              <a:rPr lang="en-US" sz="2000" dirty="0"/>
+              <a:t>;</a:t>
+            </a:r>
+          </a:p>
+          <a:p>
+            <a:r>
+              <a:rPr lang="en-US" sz="2000" dirty="0"/>
+              <a:t>using </a:t>
+            </a:r>
+            <a:r>
+              <a:rPr lang="en-US" sz="2000" dirty="0" err="1"/>
+              <a:t>Project_Starfighter</a:t>
+            </a:r>
+            <a:r>
+              <a:rPr lang="en-US" sz="2000" dirty="0"/>
+              <a:t>;</a:t>
+            </a:r>
+          </a:p>
+          <a:p>
+            <a:r>
+              <a:rPr lang="en-US" sz="2000" dirty="0"/>
+              <a:t>using </a:t>
+            </a:r>
+            <a:r>
+              <a:rPr lang="en-US" sz="2000" dirty="0" err="1"/>
+              <a:t>Microsoft.Xna.Framework</a:t>
+            </a:r>
+            <a:r>
+              <a:rPr lang="en-US" sz="2000" dirty="0"/>
+              <a:t>;</a:t>
+            </a:r>
+          </a:p>
+          <a:p>
+            <a:r>
+              <a:rPr lang="en-US" sz="2000" dirty="0"/>
+              <a:t>using </a:t>
+            </a:r>
+            <a:r>
+              <a:rPr lang="en-US" sz="2000" dirty="0" err="1"/>
+              <a:t>Rhino.Mocks</a:t>
+            </a:r>
+            <a:r>
+              <a:rPr lang="en-US" sz="2000" dirty="0"/>
+              <a:t>;</a:t>
+            </a:r>
+          </a:p>
+          <a:p>
+            <a:endParaRPr lang="en-US" sz="2000" dirty="0"/>
+          </a:p>
+          <a:p>
+            <a:endParaRPr lang="en-US" sz="2000" dirty="0"/>
+          </a:p>
+          <a:p>
+            <a:r>
+              <a:rPr lang="en-US" sz="2000" dirty="0"/>
+              <a:t>namespace </a:t>
+            </a:r>
+            <a:r>
+              <a:rPr lang="en-US" sz="2000" dirty="0" err="1"/>
+              <a:t>Project_Starfighter_Test</a:t>
+            </a:r>
+            <a:endParaRPr lang="en-US" sz="2000" dirty="0"/>
+          </a:p>
+          <a:p>
+            <a:r>
+              <a:rPr lang="en-US" sz="2000" dirty="0"/>
+              <a:t>{</a:t>
+            </a:r>
+          </a:p>
+          <a:p>
+            <a:pPr marL="0" indent="0">
+              <a:buNone/>
+            </a:pPr>
+            <a:endParaRPr lang="en-US" sz="1800" dirty="0"/>
+          </a:p>
+        </p:txBody>
+      </p:sp>
+    </p:spTree>
+    <p:extLst>
+      <p:ext uri="{BB962C8B-B14F-4D97-AF65-F5344CB8AC3E}">
+        <p14:creationId xmlns:p14="http://schemas.microsoft.com/office/powerpoint/2010/main" val="2636330540"/>
+      </p:ext>
+    </p:extLst>
+  </p:cSld>
+  <p:clrMapOvr>
+    <a:masterClrMapping/>
+  </p:clrMapOvr>
+  <p:timing>
+    <p:tnLst>
+      <p:par>
+        <p:cTn id="1" dur="indefinite" restart="never" nodeType="tmRoot"/>
+      </p:par>
+    </p:tnLst>
+  </p:timing>
+</p:sld>
+</file>
+
+<file path=ppt/slides/slide26.xml><?xml version="1.0" encoding="utf-8"?>
+<p:sld xmlns:a="http://schemas.openxmlformats.org/drawingml/2006/main" xmlns:r="http://schemas.openxmlformats.org/officeDocument/2006/relationships" xmlns:p="http://schemas.openxmlformats.org/presentationml/2006/main">
+  <p:cSld>
+    <p:spTree>
+      <p:nvGrpSpPr>
+        <p:cNvPr id="1" name=""/>
+        <p:cNvGrpSpPr/>
+        <p:nvPr/>
+      </p:nvGrpSpPr>
+      <p:grpSpPr>
+        <a:xfrm>
+          <a:off x="0" y="0"/>
+          <a:ext cx="0" cy="0"/>
+          <a:chOff x="0" y="0"/>
+          <a:chExt cx="0" cy="0"/>
+        </a:xfrm>
+      </p:grpSpPr>
+      <p:sp>
+        <p:nvSpPr>
+          <p:cNvPr id="2" name="Title 1"/>
+          <p:cNvSpPr>
+            <a:spLocks noGrp="1"/>
+          </p:cNvSpPr>
+          <p:nvPr>
+            <p:ph type="title"/>
+          </p:nvPr>
+        </p:nvSpPr>
+        <p:spPr/>
+        <p:txBody>
+          <a:bodyPr/>
+          <a:lstStyle/>
+          <a:p>
+            <a:r>
+              <a:rPr lang="en-US" dirty="0" smtClean="0"/>
+              <a:t>Player </a:t>
+            </a:r>
+            <a:r>
+              <a:rPr lang="en-US" dirty="0"/>
+              <a:t>Test Code</a:t>
+            </a:r>
+            <a:endParaRPr lang="en-US" dirty="0"/>
+          </a:p>
+        </p:txBody>
+      </p:sp>
+      <p:sp>
+        <p:nvSpPr>
+          <p:cNvPr id="3" name="Content Placeholder 2"/>
+          <p:cNvSpPr>
+            <a:spLocks noGrp="1"/>
+          </p:cNvSpPr>
+          <p:nvPr>
+            <p:ph idx="1"/>
+          </p:nvPr>
+        </p:nvSpPr>
+        <p:spPr/>
+        <p:txBody>
+          <a:bodyPr/>
+          <a:lstStyle/>
+          <a:p>
+            <a:r>
+              <a:rPr lang="en-US" sz="1800" dirty="0"/>
+              <a:t>[</a:t>
+            </a:r>
+            <a:r>
+              <a:rPr lang="en-US" sz="1800" dirty="0" err="1"/>
+              <a:t>TestClass</a:t>
+            </a:r>
+            <a:r>
+              <a:rPr lang="en-US" sz="1800" dirty="0"/>
+              <a:t>]</a:t>
+            </a:r>
+          </a:p>
+          <a:p>
+            <a:r>
+              <a:rPr lang="en-US" sz="1800" dirty="0"/>
+              <a:t>    public class </a:t>
+            </a:r>
+            <a:r>
+              <a:rPr lang="en-US" sz="1800" dirty="0" err="1"/>
+              <a:t>Player_Test</a:t>
+            </a:r>
+            <a:r>
+              <a:rPr lang="en-US" sz="1800" dirty="0"/>
+              <a:t> : </a:t>
+            </a:r>
+            <a:r>
+              <a:rPr lang="en-US" sz="1800" dirty="0" err="1"/>
+              <a:t>Microsoft.Xna.Framework.Game</a:t>
+            </a:r>
+            <a:endParaRPr lang="en-US" sz="1800" dirty="0"/>
+          </a:p>
+          <a:p>
+            <a:r>
+              <a:rPr lang="en-US" sz="1800" dirty="0"/>
+              <a:t>    {</a:t>
+            </a:r>
+          </a:p>
+          <a:p>
+            <a:r>
+              <a:rPr lang="en-US" sz="1800" dirty="0"/>
+              <a:t>        Player </a:t>
+            </a:r>
+            <a:r>
+              <a:rPr lang="en-US" sz="1800" dirty="0" err="1"/>
+              <a:t>testplay</a:t>
+            </a:r>
+            <a:r>
+              <a:rPr lang="en-US" sz="1800" dirty="0"/>
+              <a:t>;</a:t>
+            </a:r>
+          </a:p>
+          <a:p>
+            <a:r>
+              <a:rPr lang="en-US" sz="1800" dirty="0"/>
+              <a:t>        </a:t>
+            </a:r>
+            <a:r>
+              <a:rPr lang="en-US" sz="1800" dirty="0" err="1"/>
+              <a:t>GameTime</a:t>
+            </a:r>
+            <a:r>
+              <a:rPr lang="en-US" sz="1800" dirty="0"/>
+              <a:t> </a:t>
+            </a:r>
+            <a:r>
+              <a:rPr lang="en-US" sz="1800" dirty="0" err="1"/>
+              <a:t>gameTime</a:t>
+            </a:r>
+            <a:r>
+              <a:rPr lang="en-US" sz="1800" dirty="0"/>
+              <a:t>;</a:t>
+            </a:r>
+          </a:p>
+          <a:p>
+            <a:r>
+              <a:rPr lang="en-US" sz="1800" dirty="0"/>
+              <a:t>        //</a:t>
+            </a:r>
+            <a:r>
+              <a:rPr lang="en-US" sz="1800" dirty="0" err="1"/>
+              <a:t>SpriteBatch</a:t>
+            </a:r>
+            <a:r>
+              <a:rPr lang="en-US" sz="1800" dirty="0"/>
+              <a:t> </a:t>
+            </a:r>
+            <a:r>
+              <a:rPr lang="en-US" sz="1800" dirty="0" err="1"/>
+              <a:t>sp</a:t>
+            </a:r>
+            <a:r>
+              <a:rPr lang="en-US" sz="1800" dirty="0"/>
+              <a:t>;</a:t>
+            </a:r>
+          </a:p>
+          <a:p>
+            <a:endParaRPr lang="en-US" sz="1800" dirty="0"/>
+          </a:p>
+          <a:p>
+            <a:r>
+              <a:rPr lang="en-US" sz="1800" dirty="0"/>
+              <a:t>        public </a:t>
+            </a:r>
+            <a:r>
+              <a:rPr lang="en-US" sz="1800" dirty="0" err="1"/>
+              <a:t>Player_Test</a:t>
+            </a:r>
+            <a:r>
+              <a:rPr lang="en-US" sz="1800" dirty="0"/>
+              <a:t>()</a:t>
+            </a:r>
+          </a:p>
+          <a:p>
+            <a:r>
+              <a:rPr lang="en-US" sz="1800" dirty="0"/>
+              <a:t>        {</a:t>
+            </a:r>
+          </a:p>
+          <a:p>
+            <a:r>
+              <a:rPr lang="en-US" sz="1800" dirty="0"/>
+              <a:t>            Background </a:t>
+            </a:r>
+            <a:r>
+              <a:rPr lang="en-US" sz="1800" dirty="0" err="1"/>
+              <a:t>background</a:t>
+            </a:r>
+            <a:r>
+              <a:rPr lang="en-US" sz="1800" dirty="0"/>
+              <a:t> = new Background();</a:t>
+            </a:r>
+          </a:p>
+          <a:p>
+            <a:r>
+              <a:rPr lang="en-US" sz="1800" dirty="0"/>
+              <a:t>            </a:t>
+            </a:r>
+            <a:r>
+              <a:rPr lang="en-US" sz="1800" dirty="0" err="1"/>
+              <a:t>gameTime</a:t>
+            </a:r>
+            <a:r>
+              <a:rPr lang="en-US" sz="1800" dirty="0"/>
+              <a:t> = </a:t>
+            </a:r>
+            <a:r>
+              <a:rPr lang="en-US" sz="1800" dirty="0" err="1"/>
+              <a:t>MockRepository.GenerateStub</a:t>
+            </a:r>
+            <a:r>
+              <a:rPr lang="en-US" sz="1800" dirty="0"/>
+              <a:t>&lt;</a:t>
+            </a:r>
+            <a:r>
+              <a:rPr lang="en-US" sz="1800" dirty="0" err="1"/>
+              <a:t>GameTime</a:t>
+            </a:r>
+            <a:r>
+              <a:rPr lang="en-US" sz="1800" dirty="0"/>
+              <a:t>&gt;();</a:t>
+            </a:r>
+          </a:p>
+          <a:p>
+            <a:r>
+              <a:rPr lang="en-US" sz="1800" dirty="0"/>
+              <a:t>            </a:t>
+            </a:r>
+            <a:r>
+              <a:rPr lang="en-US" sz="1800" dirty="0" err="1"/>
+              <a:t>testplay</a:t>
+            </a:r>
+            <a:r>
+              <a:rPr lang="en-US" sz="1800" dirty="0"/>
+              <a:t> = new Player();</a:t>
+            </a:r>
+          </a:p>
+          <a:p>
+            <a:r>
+              <a:rPr lang="en-US" sz="1800" dirty="0"/>
+              <a:t>            //</a:t>
+            </a:r>
+            <a:r>
+              <a:rPr lang="en-US" sz="1800" dirty="0" err="1"/>
+              <a:t>sb</a:t>
+            </a:r>
+            <a:r>
+              <a:rPr lang="en-US" sz="1800" dirty="0"/>
+              <a:t> = </a:t>
+            </a:r>
+            <a:r>
+              <a:rPr lang="en-US" sz="1800" dirty="0" err="1"/>
+              <a:t>MockRepository.GenerateStub</a:t>
+            </a:r>
+            <a:r>
+              <a:rPr lang="en-US" sz="1800" dirty="0"/>
+              <a:t>&lt;</a:t>
+            </a:r>
+            <a:r>
+              <a:rPr lang="en-US" sz="1800" dirty="0" err="1"/>
+              <a:t>SpriteBatch</a:t>
+            </a:r>
+            <a:r>
+              <a:rPr lang="en-US" sz="1800" dirty="0"/>
+              <a:t>&gt;();</a:t>
+            </a:r>
+          </a:p>
+          <a:p>
+            <a:r>
+              <a:rPr lang="en-US" sz="1800" dirty="0"/>
+              <a:t>        }</a:t>
+            </a:r>
+          </a:p>
+          <a:p>
+            <a:pPr marL="0" indent="0">
+              <a:buNone/>
+            </a:pPr>
+            <a:endParaRPr lang="en-US" sz="1800" dirty="0"/>
+          </a:p>
+        </p:txBody>
+      </p:sp>
+    </p:spTree>
+    <p:extLst>
+      <p:ext uri="{BB962C8B-B14F-4D97-AF65-F5344CB8AC3E}">
+        <p14:creationId xmlns:p14="http://schemas.microsoft.com/office/powerpoint/2010/main" val="3670958368"/>
+      </p:ext>
+    </p:extLst>
+  </p:cSld>
+  <p:clrMapOvr>
+    <a:masterClrMapping/>
+  </p:clrMapOvr>
+  <p:timing>
+    <p:tnLst>
+      <p:par>
+        <p:cTn id="1" dur="indefinite" restart="never" nodeType="tmRoot"/>
+      </p:par>
+    </p:tnLst>
+  </p:timing>
+</p:sld>
+</file>
+
+<file path=ppt/slides/slide27.xml><?xml version="1.0" encoding="utf-8"?>
+<p:sld xmlns:a="http://schemas.openxmlformats.org/drawingml/2006/main" xmlns:r="http://schemas.openxmlformats.org/officeDocument/2006/relationships" xmlns:p="http://schemas.openxmlformats.org/presentationml/2006/main">
+  <p:cSld>
+    <p:spTree>
+      <p:nvGrpSpPr>
+        <p:cNvPr id="1" name=""/>
+        <p:cNvGrpSpPr/>
+        <p:nvPr/>
+      </p:nvGrpSpPr>
+      <p:grpSpPr>
+        <a:xfrm>
+          <a:off x="0" y="0"/>
+          <a:ext cx="0" cy="0"/>
+          <a:chOff x="0" y="0"/>
+          <a:chExt cx="0" cy="0"/>
+        </a:xfrm>
+      </p:grpSpPr>
+      <p:sp>
+        <p:nvSpPr>
+          <p:cNvPr id="2" name="Title 1"/>
+          <p:cNvSpPr>
+            <a:spLocks noGrp="1"/>
+          </p:cNvSpPr>
+          <p:nvPr>
+            <p:ph type="title"/>
+          </p:nvPr>
+        </p:nvSpPr>
+        <p:spPr/>
+        <p:txBody>
+          <a:bodyPr/>
+          <a:lstStyle/>
+          <a:p>
+            <a:r>
+              <a:rPr lang="en-US" dirty="0" smtClean="0"/>
+              <a:t>Player </a:t>
+            </a:r>
+            <a:r>
+              <a:rPr lang="en-US" dirty="0"/>
+              <a:t>Test Code</a:t>
+            </a:r>
+            <a:endParaRPr lang="en-US" dirty="0"/>
+          </a:p>
+        </p:txBody>
+      </p:sp>
+      <p:sp>
+        <p:nvSpPr>
+          <p:cNvPr id="3" name="Content Placeholder 2"/>
+          <p:cNvSpPr>
+            <a:spLocks noGrp="1"/>
+          </p:cNvSpPr>
+          <p:nvPr>
+            <p:ph idx="1"/>
+          </p:nvPr>
+        </p:nvSpPr>
+        <p:spPr/>
+        <p:txBody>
+          <a:bodyPr/>
+          <a:lstStyle/>
+          <a:p>
+            <a:r>
+              <a:rPr lang="en-US" sz="1800" dirty="0"/>
+              <a:t>[</a:t>
+            </a:r>
+            <a:r>
+              <a:rPr lang="en-US" sz="1800" dirty="0" err="1"/>
+              <a:t>TestMethod</a:t>
+            </a:r>
+            <a:r>
+              <a:rPr lang="en-US" sz="1800" dirty="0"/>
+              <a:t>]</a:t>
+            </a:r>
+          </a:p>
+          <a:p>
+            <a:r>
+              <a:rPr lang="en-US" sz="1800" dirty="0"/>
+              <a:t>        public void </a:t>
+            </a:r>
+            <a:r>
+              <a:rPr lang="en-US" sz="1800" dirty="0" err="1"/>
+              <a:t>XPosition_Test</a:t>
+            </a:r>
+            <a:r>
+              <a:rPr lang="en-US" sz="1800" dirty="0"/>
+              <a:t>()</a:t>
+            </a:r>
+          </a:p>
+          <a:p>
+            <a:r>
+              <a:rPr lang="en-US" sz="1800" dirty="0"/>
+              <a:t>        {</a:t>
+            </a:r>
+          </a:p>
+          <a:p>
+            <a:r>
+              <a:rPr lang="en-US" sz="1800" dirty="0"/>
+              <a:t>            </a:t>
+            </a:r>
+            <a:r>
+              <a:rPr lang="en-US" sz="1800" dirty="0" err="1"/>
+              <a:t>testplay.X</a:t>
+            </a:r>
+            <a:r>
+              <a:rPr lang="en-US" sz="1800" dirty="0"/>
+              <a:t> = 11;</a:t>
+            </a:r>
+          </a:p>
+          <a:p>
+            <a:r>
+              <a:rPr lang="en-US" sz="1800" dirty="0"/>
+              <a:t>            </a:t>
+            </a:r>
+            <a:r>
+              <a:rPr lang="en-US" sz="1800" dirty="0" err="1"/>
+              <a:t>Assert.IsTrue</a:t>
+            </a:r>
+            <a:r>
+              <a:rPr lang="en-US" sz="1800" dirty="0"/>
+              <a:t>(11 == </a:t>
+            </a:r>
+            <a:r>
+              <a:rPr lang="en-US" sz="1800" dirty="0" err="1"/>
+              <a:t>testplay.X</a:t>
+            </a:r>
+            <a:r>
+              <a:rPr lang="en-US" sz="1800" dirty="0"/>
+              <a:t>);</a:t>
+            </a:r>
+          </a:p>
+          <a:p>
+            <a:r>
+              <a:rPr lang="en-US" sz="1800" dirty="0"/>
+              <a:t>        }</a:t>
+            </a:r>
+          </a:p>
+          <a:p>
+            <a:endParaRPr lang="en-US" sz="1800" dirty="0"/>
+          </a:p>
+          <a:p>
+            <a:r>
+              <a:rPr lang="en-US" sz="1800" dirty="0"/>
+              <a:t>        [</a:t>
+            </a:r>
+            <a:r>
+              <a:rPr lang="en-US" sz="1800" dirty="0" err="1"/>
+              <a:t>TestMethod</a:t>
+            </a:r>
+            <a:r>
+              <a:rPr lang="en-US" sz="1800" dirty="0"/>
+              <a:t>]</a:t>
+            </a:r>
+          </a:p>
+          <a:p>
+            <a:r>
+              <a:rPr lang="en-US" sz="1800" dirty="0"/>
+              <a:t>        public void </a:t>
+            </a:r>
+            <a:r>
+              <a:rPr lang="en-US" sz="1800" dirty="0" err="1"/>
+              <a:t>YPosition_Test</a:t>
+            </a:r>
+            <a:r>
+              <a:rPr lang="en-US" sz="1800" dirty="0"/>
+              <a:t>()</a:t>
+            </a:r>
+          </a:p>
+          <a:p>
+            <a:r>
+              <a:rPr lang="en-US" sz="1800" dirty="0"/>
+              <a:t>        {</a:t>
+            </a:r>
+          </a:p>
+          <a:p>
+            <a:r>
+              <a:rPr lang="en-US" sz="1800" dirty="0"/>
+              <a:t>            </a:t>
+            </a:r>
+            <a:r>
+              <a:rPr lang="en-US" sz="1800" dirty="0" err="1"/>
+              <a:t>testplay.Y</a:t>
+            </a:r>
+            <a:r>
+              <a:rPr lang="en-US" sz="1800" dirty="0"/>
+              <a:t> = 12;</a:t>
+            </a:r>
+          </a:p>
+          <a:p>
+            <a:r>
+              <a:rPr lang="en-US" sz="1800" dirty="0"/>
+              <a:t>            </a:t>
+            </a:r>
+            <a:r>
+              <a:rPr lang="en-US" sz="1800" dirty="0" err="1"/>
+              <a:t>Assert.IsTrue</a:t>
+            </a:r>
+            <a:r>
+              <a:rPr lang="en-US" sz="1800" dirty="0"/>
+              <a:t>(12 == </a:t>
+            </a:r>
+            <a:r>
+              <a:rPr lang="en-US" sz="1800" dirty="0" err="1"/>
+              <a:t>testplay.Y</a:t>
+            </a:r>
+            <a:r>
+              <a:rPr lang="en-US" sz="1800" dirty="0"/>
+              <a:t>);</a:t>
+            </a:r>
+          </a:p>
+          <a:p>
+            <a:r>
+              <a:rPr lang="en-US" sz="1800" dirty="0"/>
+              <a:t>        }</a:t>
+            </a:r>
+          </a:p>
+          <a:p>
+            <a:pPr marL="0" indent="0">
+              <a:buNone/>
+            </a:pPr>
+            <a:endParaRPr lang="en-US" sz="1800" dirty="0"/>
+          </a:p>
+        </p:txBody>
+      </p:sp>
+    </p:spTree>
+    <p:extLst>
+      <p:ext uri="{BB962C8B-B14F-4D97-AF65-F5344CB8AC3E}">
+        <p14:creationId xmlns:p14="http://schemas.microsoft.com/office/powerpoint/2010/main" val="1077691534"/>
+      </p:ext>
+    </p:extLst>
+  </p:cSld>
+  <p:clrMapOvr>
+    <a:masterClrMapping/>
+  </p:clrMapOvr>
+  <p:timing>
+    <p:tnLst>
+      <p:par>
+        <p:cTn id="1" dur="indefinite" restart="never" nodeType="tmRoot"/>
+      </p:par>
+    </p:tnLst>
+  </p:timing>
+</p:sld>
+</file>
+
+<file path=ppt/slides/slide28.xml><?xml version="1.0" encoding="utf-8"?>
+<p:sld xmlns:a="http://schemas.openxmlformats.org/drawingml/2006/main" xmlns:r="http://schemas.openxmlformats.org/officeDocument/2006/relationships" xmlns:p="http://schemas.openxmlformats.org/presentationml/2006/main">
+  <p:cSld>
+    <p:spTree>
+      <p:nvGrpSpPr>
+        <p:cNvPr id="1" name=""/>
+        <p:cNvGrpSpPr/>
+        <p:nvPr/>
+      </p:nvGrpSpPr>
+      <p:grpSpPr>
+        <a:xfrm>
+          <a:off x="0" y="0"/>
+          <a:ext cx="0" cy="0"/>
+          <a:chOff x="0" y="0"/>
+          <a:chExt cx="0" cy="0"/>
+        </a:xfrm>
+      </p:grpSpPr>
+      <p:sp>
+        <p:nvSpPr>
+          <p:cNvPr id="2" name="Title 1"/>
+          <p:cNvSpPr>
+            <a:spLocks noGrp="1"/>
+          </p:cNvSpPr>
+          <p:nvPr>
+            <p:ph type="title"/>
+          </p:nvPr>
+        </p:nvSpPr>
+        <p:spPr/>
+        <p:txBody>
+          <a:bodyPr/>
+          <a:lstStyle/>
+          <a:p>
+            <a:r>
+              <a:rPr lang="en-US" dirty="0" smtClean="0"/>
+              <a:t>Player </a:t>
+            </a:r>
+            <a:r>
+              <a:rPr lang="en-US" dirty="0"/>
+              <a:t>Test Code</a:t>
+            </a:r>
+            <a:endParaRPr lang="en-US" dirty="0"/>
+          </a:p>
+        </p:txBody>
+      </p:sp>
+      <p:sp>
+        <p:nvSpPr>
+          <p:cNvPr id="3" name="Content Placeholder 2"/>
+          <p:cNvSpPr>
+            <a:spLocks noGrp="1"/>
+          </p:cNvSpPr>
+          <p:nvPr>
+            <p:ph idx="1"/>
+          </p:nvPr>
+        </p:nvSpPr>
+        <p:spPr/>
+        <p:txBody>
+          <a:bodyPr/>
+          <a:lstStyle/>
+          <a:p>
+            <a:r>
+              <a:rPr lang="en-US" sz="1800" dirty="0"/>
+              <a:t> [</a:t>
+            </a:r>
+            <a:r>
+              <a:rPr lang="en-US" sz="1800" dirty="0" err="1"/>
+              <a:t>TestMethod</a:t>
+            </a:r>
+            <a:r>
+              <a:rPr lang="en-US" sz="1800" dirty="0"/>
+              <a:t>]</a:t>
+            </a:r>
+          </a:p>
+          <a:p>
+            <a:r>
+              <a:rPr lang="en-US" sz="1800" dirty="0"/>
+              <a:t>        public void </a:t>
+            </a:r>
+            <a:r>
+              <a:rPr lang="en-US" sz="1800" dirty="0" err="1"/>
+              <a:t>Facing_Test</a:t>
+            </a:r>
+            <a:r>
+              <a:rPr lang="en-US" sz="1800" dirty="0"/>
+              <a:t>()</a:t>
+            </a:r>
+          </a:p>
+          <a:p>
+            <a:r>
+              <a:rPr lang="en-US" sz="1800" dirty="0"/>
+              <a:t>        {</a:t>
+            </a:r>
+          </a:p>
+          <a:p>
+            <a:r>
+              <a:rPr lang="en-US" sz="1800" dirty="0"/>
+              <a:t>            </a:t>
+            </a:r>
+            <a:r>
+              <a:rPr lang="en-US" sz="1800" dirty="0" err="1"/>
+              <a:t>testplay.Facing</a:t>
+            </a:r>
+            <a:r>
+              <a:rPr lang="en-US" sz="1800" dirty="0"/>
+              <a:t> = 1;</a:t>
+            </a:r>
+          </a:p>
+          <a:p>
+            <a:r>
+              <a:rPr lang="en-US" sz="1800" dirty="0"/>
+              <a:t>            </a:t>
+            </a:r>
+            <a:r>
+              <a:rPr lang="en-US" sz="1800" dirty="0" err="1"/>
+              <a:t>Assert.IsTrue</a:t>
+            </a:r>
+            <a:r>
+              <a:rPr lang="en-US" sz="1800" dirty="0"/>
+              <a:t>(1 == </a:t>
+            </a:r>
+            <a:r>
+              <a:rPr lang="en-US" sz="1800" dirty="0" err="1"/>
+              <a:t>testplay.Facing</a:t>
+            </a:r>
+            <a:r>
+              <a:rPr lang="en-US" sz="1800" dirty="0"/>
+              <a:t>);</a:t>
+            </a:r>
+          </a:p>
+          <a:p>
+            <a:r>
+              <a:rPr lang="en-US" sz="1800" dirty="0"/>
+              <a:t>        }</a:t>
+            </a:r>
+          </a:p>
+          <a:p>
+            <a:endParaRPr lang="en-US" sz="1800" dirty="0"/>
+          </a:p>
+          <a:p>
+            <a:r>
+              <a:rPr lang="en-US" sz="1800" dirty="0"/>
+              <a:t>        [</a:t>
+            </a:r>
+            <a:r>
+              <a:rPr lang="en-US" sz="1800" dirty="0" err="1"/>
+              <a:t>TestMethod</a:t>
+            </a:r>
+            <a:r>
+              <a:rPr lang="en-US" sz="1800" dirty="0"/>
+              <a:t>]</a:t>
+            </a:r>
+          </a:p>
+          <a:p>
+            <a:r>
+              <a:rPr lang="en-US" sz="1800" dirty="0"/>
+              <a:t>        public void </a:t>
+            </a:r>
+            <a:r>
+              <a:rPr lang="en-US" sz="1800" dirty="0" err="1"/>
+              <a:t>Thrusting_Test</a:t>
+            </a:r>
+            <a:r>
+              <a:rPr lang="en-US" sz="1800" dirty="0"/>
+              <a:t>()</a:t>
+            </a:r>
+          </a:p>
+          <a:p>
+            <a:r>
+              <a:rPr lang="en-US" sz="1800" dirty="0"/>
+              <a:t>        {</a:t>
+            </a:r>
+          </a:p>
+          <a:p>
+            <a:r>
+              <a:rPr lang="en-US" sz="1800" dirty="0"/>
+              <a:t>            </a:t>
+            </a:r>
+            <a:r>
+              <a:rPr lang="en-US" sz="1800" dirty="0" err="1"/>
+              <a:t>testplay.Thrusting</a:t>
+            </a:r>
+            <a:r>
+              <a:rPr lang="en-US" sz="1800" dirty="0"/>
+              <a:t> = true;</a:t>
+            </a:r>
+          </a:p>
+          <a:p>
+            <a:r>
+              <a:rPr lang="en-US" sz="1800" dirty="0"/>
+              <a:t>            </a:t>
+            </a:r>
+            <a:r>
+              <a:rPr lang="en-US" sz="1800" dirty="0" err="1"/>
+              <a:t>Assert.IsTrue</a:t>
+            </a:r>
+            <a:r>
+              <a:rPr lang="en-US" sz="1800" dirty="0"/>
+              <a:t>(true == </a:t>
+            </a:r>
+            <a:r>
+              <a:rPr lang="en-US" sz="1800" dirty="0" err="1"/>
+              <a:t>testplay.Thrusting</a:t>
+            </a:r>
+            <a:r>
+              <a:rPr lang="en-US" sz="1800" dirty="0"/>
+              <a:t>);</a:t>
+            </a:r>
+          </a:p>
+          <a:p>
+            <a:r>
+              <a:rPr lang="en-US" sz="1800" dirty="0"/>
+              <a:t>        }</a:t>
+            </a:r>
+          </a:p>
+          <a:p>
+            <a:pPr marL="0" indent="0">
+              <a:buNone/>
+            </a:pPr>
+            <a:endParaRPr lang="en-US" sz="1800" dirty="0"/>
+          </a:p>
+        </p:txBody>
+      </p:sp>
+    </p:spTree>
+    <p:extLst>
+      <p:ext uri="{BB962C8B-B14F-4D97-AF65-F5344CB8AC3E}">
+        <p14:creationId xmlns:p14="http://schemas.microsoft.com/office/powerpoint/2010/main" val="1077691534"/>
+      </p:ext>
+    </p:extLst>
+  </p:cSld>
+  <p:clrMapOvr>
+    <a:masterClrMapping/>
+  </p:clrMapOvr>
+  <p:timing>
+    <p:tnLst>
+      <p:par>
+        <p:cTn id="1" dur="indefinite" restart="never" nodeType="tmRoot"/>
+      </p:par>
+    </p:tnLst>
+  </p:timing>
+</p:sld>
+</file>
+
+<file path=ppt/slides/slide29.xml><?xml version="1.0" encoding="utf-8"?>
+<p:sld xmlns:a="http://schemas.openxmlformats.org/drawingml/2006/main" xmlns:r="http://schemas.openxmlformats.org/officeDocument/2006/relationships" xmlns:p="http://schemas.openxmlformats.org/presentationml/2006/main">
+  <p:cSld>
+    <p:spTree>
+      <p:nvGrpSpPr>
+        <p:cNvPr id="1" name=""/>
+        <p:cNvGrpSpPr/>
+        <p:nvPr/>
+      </p:nvGrpSpPr>
+      <p:grpSpPr>
+        <a:xfrm>
+          <a:off x="0" y="0"/>
+          <a:ext cx="0" cy="0"/>
+          <a:chOff x="0" y="0"/>
+          <a:chExt cx="0" cy="0"/>
+        </a:xfrm>
+      </p:grpSpPr>
+      <p:sp>
+        <p:nvSpPr>
+          <p:cNvPr id="2" name="Title 1"/>
+          <p:cNvSpPr>
+            <a:spLocks noGrp="1"/>
+          </p:cNvSpPr>
+          <p:nvPr>
+            <p:ph type="title"/>
+          </p:nvPr>
+        </p:nvSpPr>
+        <p:spPr/>
+        <p:txBody>
+          <a:bodyPr/>
+          <a:lstStyle/>
+          <a:p>
+            <a:r>
+              <a:rPr lang="en-US" dirty="0" smtClean="0"/>
+              <a:t>Player </a:t>
+            </a:r>
+            <a:r>
+              <a:rPr lang="en-US" dirty="0"/>
+              <a:t>Test Code</a:t>
+            </a:r>
+            <a:endParaRPr lang="en-US" dirty="0"/>
+          </a:p>
+        </p:txBody>
+      </p:sp>
+      <p:sp>
+        <p:nvSpPr>
+          <p:cNvPr id="3" name="Content Placeholder 2"/>
+          <p:cNvSpPr>
+            <a:spLocks noGrp="1"/>
+          </p:cNvSpPr>
+          <p:nvPr>
+            <p:ph idx="1"/>
+          </p:nvPr>
+        </p:nvSpPr>
+        <p:spPr/>
+        <p:txBody>
+          <a:bodyPr/>
+          <a:lstStyle/>
+          <a:p>
+            <a:r>
+              <a:rPr lang="en-US" sz="1800" dirty="0"/>
+              <a:t> [</a:t>
+            </a:r>
+            <a:r>
+              <a:rPr lang="en-US" sz="1800" dirty="0" err="1"/>
+              <a:t>TestMethod</a:t>
+            </a:r>
+            <a:r>
+              <a:rPr lang="en-US" sz="1800" dirty="0"/>
+              <a:t>]</a:t>
+            </a:r>
+          </a:p>
+          <a:p>
+            <a:r>
+              <a:rPr lang="en-US" sz="1800" dirty="0"/>
+              <a:t>        public void </a:t>
+            </a:r>
+            <a:r>
+              <a:rPr lang="en-US" sz="1800" dirty="0" err="1"/>
+              <a:t>ScrollRate_Test</a:t>
+            </a:r>
+            <a:r>
+              <a:rPr lang="en-US" sz="1800" dirty="0"/>
+              <a:t>()</a:t>
+            </a:r>
+          </a:p>
+          <a:p>
+            <a:r>
+              <a:rPr lang="en-US" sz="1800" dirty="0"/>
+              <a:t>        {</a:t>
+            </a:r>
+          </a:p>
+          <a:p>
+            <a:r>
+              <a:rPr lang="en-US" sz="1800" dirty="0"/>
+              <a:t>            </a:t>
+            </a:r>
+            <a:r>
+              <a:rPr lang="en-US" sz="1800" dirty="0" err="1"/>
+              <a:t>testplay.ScrollRate</a:t>
+            </a:r>
+            <a:r>
+              <a:rPr lang="en-US" sz="1800" dirty="0"/>
+              <a:t> = 2;</a:t>
+            </a:r>
+          </a:p>
+          <a:p>
+            <a:r>
+              <a:rPr lang="en-US" sz="1800" dirty="0"/>
+              <a:t>            </a:t>
+            </a:r>
+            <a:r>
+              <a:rPr lang="en-US" sz="1800" dirty="0" err="1"/>
+              <a:t>Assert.IsTrue</a:t>
+            </a:r>
+            <a:r>
+              <a:rPr lang="en-US" sz="1800" dirty="0"/>
+              <a:t>(2 == </a:t>
+            </a:r>
+            <a:r>
+              <a:rPr lang="en-US" sz="1800" dirty="0" err="1"/>
+              <a:t>testplay.ScrollRate</a:t>
+            </a:r>
+            <a:r>
+              <a:rPr lang="en-US" sz="1800" dirty="0"/>
+              <a:t>);</a:t>
+            </a:r>
+          </a:p>
+          <a:p>
+            <a:r>
+              <a:rPr lang="en-US" sz="1800" dirty="0"/>
+              <a:t>        }</a:t>
+            </a:r>
+          </a:p>
+          <a:p>
+            <a:endParaRPr lang="en-US" sz="1800" dirty="0"/>
+          </a:p>
+          <a:p>
+            <a:r>
+              <a:rPr lang="en-US" sz="1800" dirty="0"/>
+              <a:t>        [</a:t>
+            </a:r>
+            <a:r>
+              <a:rPr lang="en-US" sz="1800" dirty="0" err="1"/>
+              <a:t>TestMethod</a:t>
+            </a:r>
+            <a:r>
+              <a:rPr lang="en-US" sz="1800" dirty="0"/>
+              <a:t>]</a:t>
+            </a:r>
+          </a:p>
+          <a:p>
+            <a:r>
+              <a:rPr lang="en-US" sz="1800" dirty="0"/>
+              <a:t>        public void </a:t>
+            </a:r>
+            <a:r>
+              <a:rPr lang="en-US" sz="1800" dirty="0" err="1"/>
+              <a:t>AccelRate_Test</a:t>
+            </a:r>
+            <a:r>
+              <a:rPr lang="en-US" sz="1800" dirty="0"/>
+              <a:t>()</a:t>
+            </a:r>
+          </a:p>
+          <a:p>
+            <a:r>
+              <a:rPr lang="en-US" sz="1800" dirty="0"/>
+              <a:t>        {</a:t>
+            </a:r>
+          </a:p>
+          <a:p>
+            <a:r>
+              <a:rPr lang="en-US" sz="1800" dirty="0"/>
+              <a:t>            </a:t>
+            </a:r>
+            <a:r>
+              <a:rPr lang="en-US" sz="1800" dirty="0" err="1"/>
+              <a:t>testplay.AccelerationRate</a:t>
+            </a:r>
+            <a:r>
+              <a:rPr lang="en-US" sz="1800" dirty="0"/>
+              <a:t> = 3;</a:t>
+            </a:r>
+          </a:p>
+          <a:p>
+            <a:r>
+              <a:rPr lang="en-US" sz="1800" dirty="0"/>
+              <a:t>            </a:t>
+            </a:r>
+            <a:r>
+              <a:rPr lang="en-US" sz="1800" dirty="0" err="1"/>
+              <a:t>Assert.IsTrue</a:t>
+            </a:r>
+            <a:r>
+              <a:rPr lang="en-US" sz="1800" dirty="0"/>
+              <a:t>(3 == </a:t>
+            </a:r>
+            <a:r>
+              <a:rPr lang="en-US" sz="1800" dirty="0" err="1"/>
+              <a:t>testplay.AccelerationRate</a:t>
+            </a:r>
+            <a:r>
+              <a:rPr lang="en-US" sz="1800" dirty="0"/>
+              <a:t>);</a:t>
+            </a:r>
+          </a:p>
+          <a:p>
+            <a:r>
+              <a:rPr lang="en-US" sz="1800" dirty="0"/>
+              <a:t>        }</a:t>
+            </a:r>
+          </a:p>
+          <a:p>
+            <a:pPr marL="0" indent="0">
+              <a:buNone/>
+            </a:pPr>
+            <a:endParaRPr lang="en-US" sz="1800" dirty="0"/>
+          </a:p>
+        </p:txBody>
+      </p:sp>
+    </p:spTree>
+    <p:extLst>
+      <p:ext uri="{BB962C8B-B14F-4D97-AF65-F5344CB8AC3E}">
+        <p14:creationId xmlns:p14="http://schemas.microsoft.com/office/powerpoint/2010/main" val="258984763"/>
+      </p:ext>
+    </p:extLst>
+  </p:cSld>
+  <p:clrMapOvr>
+    <a:masterClrMapping/>
+  </p:clrMapOvr>
+  <p:timing>
+    <p:tnLst>
+      <p:par>
+        <p:cTn id="1" dur="indefinite" restart="never" nodeType="tmRoot"/>
+      </p:par>
+    </p:tnLst>
+  </p:timing>
+</p:sld>
+</file>
+
 <file path=ppt/slides/slide3.xml><?xml version="1.0" encoding="utf-8"?>
 <p:sld xmlns:a="http://schemas.openxmlformats.org/drawingml/2006/main" xmlns:r="http://schemas.openxmlformats.org/officeDocument/2006/relationships" xmlns:p="http://schemas.openxmlformats.org/presentationml/2006/main">
   <p:cSld>
@@ -4270,7 +7554,6 @@
               <a:rPr lang="en-US" sz="2800" b="1" dirty="0" smtClean="0"/>
               <a:t> option, ‘credits,’ I want to be presented with the credits for the game</a:t>
             </a:r>
-            <a:endParaRPr lang="en-US" sz="2800" b="1" dirty="0" smtClean="0"/>
           </a:p>
           <a:p>
             <a:endParaRPr lang="en-US" sz="2800" dirty="0" smtClean="0"/>
@@ -4280,6 +7563,664 @@
           </a:p>
         </p:txBody>
       </p:sp>
+    </p:spTree>
+  </p:cSld>
+  <p:clrMapOvr>
+    <a:masterClrMapping/>
+  </p:clrMapOvr>
+  <p:timing>
+    <p:tnLst>
+      <p:par>
+        <p:cTn id="1" dur="indefinite" restart="never" nodeType="tmRoot"/>
+      </p:par>
+    </p:tnLst>
+  </p:timing>
+</p:sld>
+</file>
+
+<file path=ppt/slides/slide30.xml><?xml version="1.0" encoding="utf-8"?>
+<p:sld xmlns:a="http://schemas.openxmlformats.org/drawingml/2006/main" xmlns:r="http://schemas.openxmlformats.org/officeDocument/2006/relationships" xmlns:p="http://schemas.openxmlformats.org/presentationml/2006/main">
+  <p:cSld>
+    <p:spTree>
+      <p:nvGrpSpPr>
+        <p:cNvPr id="1" name=""/>
+        <p:cNvGrpSpPr/>
+        <p:nvPr/>
+      </p:nvGrpSpPr>
+      <p:grpSpPr>
+        <a:xfrm>
+          <a:off x="0" y="0"/>
+          <a:ext cx="0" cy="0"/>
+          <a:chOff x="0" y="0"/>
+          <a:chExt cx="0" cy="0"/>
+        </a:xfrm>
+      </p:grpSpPr>
+      <p:sp>
+        <p:nvSpPr>
+          <p:cNvPr id="2" name="Title 1"/>
+          <p:cNvSpPr>
+            <a:spLocks noGrp="1"/>
+          </p:cNvSpPr>
+          <p:nvPr>
+            <p:ph type="title"/>
+          </p:nvPr>
+        </p:nvSpPr>
+        <p:spPr/>
+        <p:txBody>
+          <a:bodyPr/>
+          <a:lstStyle/>
+          <a:p>
+            <a:r>
+              <a:rPr lang="en-US" dirty="0" smtClean="0"/>
+              <a:t>Player </a:t>
+            </a:r>
+            <a:r>
+              <a:rPr lang="en-US" dirty="0"/>
+              <a:t>Test Code</a:t>
+            </a:r>
+            <a:endParaRPr lang="en-US" dirty="0"/>
+          </a:p>
+        </p:txBody>
+      </p:sp>
+      <p:sp>
+        <p:nvSpPr>
+          <p:cNvPr id="3" name="Content Placeholder 2"/>
+          <p:cNvSpPr>
+            <a:spLocks noGrp="1"/>
+          </p:cNvSpPr>
+          <p:nvPr>
+            <p:ph idx="1"/>
+          </p:nvPr>
+        </p:nvSpPr>
+        <p:spPr/>
+        <p:txBody>
+          <a:bodyPr/>
+          <a:lstStyle/>
+          <a:p>
+            <a:r>
+              <a:rPr lang="en-US" sz="1800" dirty="0"/>
+              <a:t>[</a:t>
+            </a:r>
+            <a:r>
+              <a:rPr lang="en-US" sz="1800" dirty="0" err="1"/>
+              <a:t>TestMethod</a:t>
+            </a:r>
+            <a:r>
+              <a:rPr lang="en-US" sz="1800" dirty="0"/>
+              <a:t>]</a:t>
+            </a:r>
+          </a:p>
+          <a:p>
+            <a:r>
+              <a:rPr lang="en-US" sz="1800" dirty="0"/>
+              <a:t>        public void </a:t>
+            </a:r>
+            <a:r>
+              <a:rPr lang="en-US" sz="1800" dirty="0" err="1"/>
+              <a:t>BoundingBox_Test</a:t>
+            </a:r>
+            <a:r>
+              <a:rPr lang="en-US" sz="1800" dirty="0"/>
+              <a:t>()</a:t>
+            </a:r>
+          </a:p>
+          <a:p>
+            <a:r>
+              <a:rPr lang="en-US" sz="1800" dirty="0"/>
+              <a:t>        {</a:t>
+            </a:r>
+          </a:p>
+          <a:p>
+            <a:r>
+              <a:rPr lang="en-US" sz="1800" dirty="0"/>
+              <a:t>            Rectangle r = new Rectangle(11, 12, 72, 16);</a:t>
+            </a:r>
+          </a:p>
+          <a:p>
+            <a:r>
+              <a:rPr lang="en-US" sz="1800" dirty="0"/>
+              <a:t>            </a:t>
+            </a:r>
+            <a:r>
+              <a:rPr lang="en-US" sz="1800" dirty="0" err="1"/>
+              <a:t>testplay.X</a:t>
+            </a:r>
+            <a:r>
+              <a:rPr lang="en-US" sz="1800" dirty="0"/>
+              <a:t> = 11;</a:t>
+            </a:r>
+          </a:p>
+          <a:p>
+            <a:r>
+              <a:rPr lang="en-US" sz="1800" dirty="0"/>
+              <a:t>            </a:t>
+            </a:r>
+            <a:r>
+              <a:rPr lang="en-US" sz="1800" dirty="0" err="1"/>
+              <a:t>testplay.Y</a:t>
+            </a:r>
+            <a:r>
+              <a:rPr lang="en-US" sz="1800" dirty="0"/>
+              <a:t> = 12;</a:t>
+            </a:r>
+          </a:p>
+          <a:p>
+            <a:r>
+              <a:rPr lang="en-US" sz="1800" dirty="0"/>
+              <a:t>            </a:t>
+            </a:r>
+            <a:r>
+              <a:rPr lang="en-US" sz="1800" dirty="0" err="1"/>
+              <a:t>Assert.AreEqual</a:t>
+            </a:r>
+            <a:r>
+              <a:rPr lang="en-US" sz="1800" dirty="0"/>
+              <a:t>(r, </a:t>
+            </a:r>
+            <a:r>
+              <a:rPr lang="en-US" sz="1800" dirty="0" err="1"/>
+              <a:t>testplay.BoundingBox</a:t>
+            </a:r>
+            <a:r>
+              <a:rPr lang="en-US" sz="1800" dirty="0"/>
+              <a:t>);</a:t>
+            </a:r>
+          </a:p>
+          <a:p>
+            <a:r>
+              <a:rPr lang="en-US" sz="1800" dirty="0"/>
+              <a:t>        }</a:t>
+            </a:r>
+          </a:p>
+          <a:p>
+            <a:r>
+              <a:rPr lang="en-US" sz="1800" dirty="0"/>
+              <a:t>        [</a:t>
+            </a:r>
+            <a:r>
+              <a:rPr lang="en-US" sz="1800" dirty="0" err="1"/>
+              <a:t>TestMethod</a:t>
+            </a:r>
+            <a:r>
+              <a:rPr lang="en-US" sz="1800" dirty="0"/>
+              <a:t>]</a:t>
+            </a:r>
+          </a:p>
+          <a:p>
+            <a:r>
+              <a:rPr lang="en-US" sz="1800" dirty="0"/>
+              <a:t>        public void </a:t>
+            </a:r>
+            <a:r>
+              <a:rPr lang="en-US" sz="1800" dirty="0" err="1"/>
+              <a:t>Update_Test</a:t>
+            </a:r>
+            <a:r>
+              <a:rPr lang="en-US" sz="1800" dirty="0"/>
+              <a:t>()</a:t>
+            </a:r>
+          </a:p>
+          <a:p>
+            <a:r>
+              <a:rPr lang="en-US" sz="1800" dirty="0"/>
+              <a:t>        {</a:t>
+            </a:r>
+          </a:p>
+          <a:p>
+            <a:r>
+              <a:rPr lang="en-US" sz="1800" dirty="0"/>
+              <a:t>            </a:t>
+            </a:r>
+            <a:r>
+              <a:rPr lang="en-US" sz="1800" dirty="0" err="1"/>
+              <a:t>testplay.Facing</a:t>
+            </a:r>
+            <a:r>
+              <a:rPr lang="en-US" sz="1800" dirty="0"/>
+              <a:t> = 2;</a:t>
+            </a:r>
+          </a:p>
+          <a:p>
+            <a:r>
+              <a:rPr lang="en-US" sz="1800" dirty="0"/>
+              <a:t>            </a:t>
+            </a:r>
+            <a:r>
+              <a:rPr lang="en-US" sz="1800" dirty="0" err="1"/>
+              <a:t>testplay.Thrusting</a:t>
+            </a:r>
+            <a:r>
+              <a:rPr lang="en-US" sz="1800" dirty="0"/>
+              <a:t> = true;</a:t>
+            </a:r>
+          </a:p>
+          <a:p>
+            <a:r>
+              <a:rPr lang="en-US" sz="1800" dirty="0"/>
+              <a:t>            </a:t>
+            </a:r>
+            <a:r>
+              <a:rPr lang="en-US" sz="1800" dirty="0" err="1"/>
+              <a:t>testplay.Update</a:t>
+            </a:r>
+            <a:r>
+              <a:rPr lang="en-US" sz="1800" dirty="0"/>
+              <a:t>(</a:t>
+            </a:r>
+            <a:r>
+              <a:rPr lang="en-US" sz="1800" dirty="0" err="1"/>
+              <a:t>gameTime</a:t>
+            </a:r>
+            <a:r>
+              <a:rPr lang="en-US" sz="1800" dirty="0" smtClean="0"/>
+              <a:t>);</a:t>
+            </a:r>
+            <a:endParaRPr lang="en-US" sz="1800" dirty="0"/>
+          </a:p>
+          <a:p>
+            <a:r>
+              <a:rPr lang="en-US" sz="1800" dirty="0"/>
+              <a:t>            </a:t>
+            </a:r>
+            <a:r>
+              <a:rPr lang="en-US" sz="1800" dirty="0" err="1"/>
+              <a:t>Assert.IsTrue</a:t>
+            </a:r>
+            <a:r>
+              <a:rPr lang="en-US" sz="1800" dirty="0"/>
+              <a:t>(3 == </a:t>
+            </a:r>
+            <a:r>
+              <a:rPr lang="en-US" sz="1800" dirty="0" err="1"/>
+              <a:t>testplay.asSprite.Frame</a:t>
+            </a:r>
+            <a:r>
+              <a:rPr lang="en-US" sz="1800" dirty="0"/>
+              <a:t>);</a:t>
+            </a:r>
+          </a:p>
+          <a:p>
+            <a:r>
+              <a:rPr lang="en-US" sz="1800" dirty="0"/>
+              <a:t>        }</a:t>
+            </a:r>
+          </a:p>
+          <a:p>
+            <a:pPr marL="0" indent="0">
+              <a:buNone/>
+            </a:pPr>
+            <a:endParaRPr lang="en-US" sz="1800" dirty="0"/>
+          </a:p>
+        </p:txBody>
+      </p:sp>
+    </p:spTree>
+    <p:extLst>
+      <p:ext uri="{BB962C8B-B14F-4D97-AF65-F5344CB8AC3E}">
+        <p14:creationId xmlns:p14="http://schemas.microsoft.com/office/powerpoint/2010/main" val="4263394673"/>
+      </p:ext>
+    </p:extLst>
+  </p:cSld>
+  <p:clrMapOvr>
+    <a:masterClrMapping/>
+  </p:clrMapOvr>
+  <p:timing>
+    <p:tnLst>
+      <p:par>
+        <p:cTn id="1" dur="indefinite" restart="never" nodeType="tmRoot"/>
+      </p:par>
+    </p:tnLst>
+  </p:timing>
+</p:sld>
+</file>
+
+<file path=ppt/slides/slide31.xml><?xml version="1.0" encoding="utf-8"?>
+<p:sld xmlns:a="http://schemas.openxmlformats.org/drawingml/2006/main" xmlns:r="http://schemas.openxmlformats.org/officeDocument/2006/relationships" xmlns:p="http://schemas.openxmlformats.org/presentationml/2006/main">
+  <p:cSld>
+    <p:spTree>
+      <p:nvGrpSpPr>
+        <p:cNvPr id="1" name=""/>
+        <p:cNvGrpSpPr/>
+        <p:nvPr/>
+      </p:nvGrpSpPr>
+      <p:grpSpPr>
+        <a:xfrm>
+          <a:off x="0" y="0"/>
+          <a:ext cx="0" cy="0"/>
+          <a:chOff x="0" y="0"/>
+          <a:chExt cx="0" cy="0"/>
+        </a:xfrm>
+      </p:grpSpPr>
+      <p:sp>
+        <p:nvSpPr>
+          <p:cNvPr id="2" name="Title 1"/>
+          <p:cNvSpPr>
+            <a:spLocks noGrp="1"/>
+          </p:cNvSpPr>
+          <p:nvPr>
+            <p:ph type="title"/>
+          </p:nvPr>
+        </p:nvSpPr>
+        <p:spPr/>
+        <p:txBody>
+          <a:bodyPr/>
+          <a:lstStyle/>
+          <a:p>
+            <a:r>
+              <a:rPr lang="en-US" dirty="0" smtClean="0"/>
+              <a:t>BEHOLD THE DEMO!</a:t>
+            </a:r>
+            <a:endParaRPr lang="en-US" dirty="0"/>
+          </a:p>
+        </p:txBody>
+      </p:sp>
+      <p:sp>
+        <p:nvSpPr>
+          <p:cNvPr id="3" name="Content Placeholder 2"/>
+          <p:cNvSpPr>
+            <a:spLocks noGrp="1"/>
+          </p:cNvSpPr>
+          <p:nvPr>
+            <p:ph idx="1"/>
+          </p:nvPr>
+        </p:nvSpPr>
+        <p:spPr/>
+        <p:txBody>
+          <a:bodyPr/>
+          <a:lstStyle/>
+          <a:p>
+            <a:r>
+              <a:rPr lang="en-US" dirty="0" smtClean="0"/>
+              <a:t>Show demo here</a:t>
+            </a:r>
+            <a:endParaRPr lang="en-US" dirty="0"/>
+          </a:p>
+        </p:txBody>
+      </p:sp>
+    </p:spTree>
+  </p:cSld>
+  <p:clrMapOvr>
+    <a:masterClrMapping/>
+  </p:clrMapOvr>
+  <p:timing>
+    <p:tnLst>
+      <p:par>
+        <p:cTn id="1" dur="indefinite" restart="never" nodeType="tmRoot"/>
+      </p:par>
+    </p:tnLst>
+  </p:timing>
+</p:sld>
+</file>
+
+<file path=ppt/slides/slide32.xml><?xml version="1.0" encoding="utf-8"?>
+<p:sld xmlns:a="http://schemas.openxmlformats.org/drawingml/2006/main" xmlns:r="http://schemas.openxmlformats.org/officeDocument/2006/relationships" xmlns:p="http://schemas.openxmlformats.org/presentationml/2006/main">
+  <p:cSld>
+    <p:spTree>
+      <p:nvGrpSpPr>
+        <p:cNvPr id="1" name=""/>
+        <p:cNvGrpSpPr/>
+        <p:nvPr/>
+      </p:nvGrpSpPr>
+      <p:grpSpPr>
+        <a:xfrm>
+          <a:off x="0" y="0"/>
+          <a:ext cx="0" cy="0"/>
+          <a:chOff x="0" y="0"/>
+          <a:chExt cx="0" cy="0"/>
+        </a:xfrm>
+      </p:grpSpPr>
+      <p:sp>
+        <p:nvSpPr>
+          <p:cNvPr id="2" name="Title 1"/>
+          <p:cNvSpPr>
+            <a:spLocks noGrp="1"/>
+          </p:cNvSpPr>
+          <p:nvPr>
+            <p:ph type="title"/>
+          </p:nvPr>
+        </p:nvSpPr>
+        <p:spPr/>
+        <p:txBody>
+          <a:bodyPr/>
+          <a:lstStyle/>
+          <a:p>
+            <a:r>
+              <a:rPr lang="en-US" dirty="0" smtClean="0"/>
+              <a:t>Status of the Game</a:t>
+            </a:r>
+            <a:endParaRPr lang="en-US" dirty="0"/>
+          </a:p>
+        </p:txBody>
+      </p:sp>
+      <p:sp>
+        <p:nvSpPr>
+          <p:cNvPr id="3" name="Content Placeholder 2"/>
+          <p:cNvSpPr>
+            <a:spLocks noGrp="1"/>
+          </p:cNvSpPr>
+          <p:nvPr>
+            <p:ph idx="1"/>
+          </p:nvPr>
+        </p:nvSpPr>
+        <p:spPr/>
+        <p:txBody>
+          <a:bodyPr/>
+          <a:lstStyle/>
+          <a:p>
+            <a:r>
+              <a:rPr lang="en-US" dirty="0" smtClean="0"/>
+              <a:t>At this point in time there is a menu interface that will work regardless of any changes made to </a:t>
+            </a:r>
+            <a:r>
+              <a:rPr lang="en-US" dirty="0" err="1" smtClean="0"/>
+              <a:t>gameplay</a:t>
+            </a:r>
+            <a:r>
+              <a:rPr lang="en-US" dirty="0" smtClean="0"/>
+              <a:t>.</a:t>
+            </a:r>
+          </a:p>
+          <a:p>
+            <a:r>
+              <a:rPr lang="en-US" dirty="0" smtClean="0"/>
+              <a:t>The instructions, and high score screens are currently blank.</a:t>
+            </a:r>
+          </a:p>
+          <a:p>
+            <a:r>
+              <a:rPr lang="en-US" dirty="0" smtClean="0"/>
+              <a:t>The game loads the first level but lacks the ability for the ship’s basic functions.</a:t>
+            </a:r>
+            <a:endParaRPr lang="en-US" dirty="0"/>
+          </a:p>
+        </p:txBody>
+      </p:sp>
+    </p:spTree>
+  </p:cSld>
+  <p:clrMapOvr>
+    <a:masterClrMapping/>
+  </p:clrMapOvr>
+  <p:timing>
+    <p:tnLst>
+      <p:par>
+        <p:cTn id="1" dur="indefinite" restart="never" nodeType="tmRoot"/>
+      </p:par>
+    </p:tnLst>
+  </p:timing>
+</p:sld>
+</file>
+
+<file path=ppt/slides/slide33.xml><?xml version="1.0" encoding="utf-8"?>
+<p:sld xmlns:a="http://schemas.openxmlformats.org/drawingml/2006/main" xmlns:r="http://schemas.openxmlformats.org/officeDocument/2006/relationships" xmlns:p="http://schemas.openxmlformats.org/presentationml/2006/main">
+  <p:cSld>
+    <p:spTree>
+      <p:nvGrpSpPr>
+        <p:cNvPr id="1" name=""/>
+        <p:cNvGrpSpPr/>
+        <p:nvPr/>
+      </p:nvGrpSpPr>
+      <p:grpSpPr>
+        <a:xfrm>
+          <a:off x="0" y="0"/>
+          <a:ext cx="0" cy="0"/>
+          <a:chOff x="0" y="0"/>
+          <a:chExt cx="0" cy="0"/>
+        </a:xfrm>
+      </p:grpSpPr>
+      <p:sp>
+        <p:nvSpPr>
+          <p:cNvPr id="2" name="Title 1"/>
+          <p:cNvSpPr>
+            <a:spLocks noGrp="1"/>
+          </p:cNvSpPr>
+          <p:nvPr>
+            <p:ph type="title"/>
+          </p:nvPr>
+        </p:nvSpPr>
+        <p:spPr/>
+        <p:txBody>
+          <a:bodyPr/>
+          <a:lstStyle/>
+          <a:p>
+            <a:r>
+              <a:rPr lang="en-US" dirty="0" smtClean="0"/>
+              <a:t>Plans for version 1.1</a:t>
+            </a:r>
+            <a:endParaRPr lang="en-US" dirty="0"/>
+          </a:p>
+        </p:txBody>
+      </p:sp>
+      <p:sp>
+        <p:nvSpPr>
+          <p:cNvPr id="3" name="Content Placeholder 2"/>
+          <p:cNvSpPr>
+            <a:spLocks noGrp="1"/>
+          </p:cNvSpPr>
+          <p:nvPr>
+            <p:ph idx="1"/>
+          </p:nvPr>
+        </p:nvSpPr>
+        <p:spPr/>
+        <p:txBody>
+          <a:bodyPr/>
+          <a:lstStyle/>
+          <a:p>
+            <a:r>
+              <a:rPr lang="en-US" dirty="0" smtClean="0"/>
+              <a:t>Give the ship the ability to move up, down, right and left via the direction keys or (WASD).</a:t>
+            </a:r>
+          </a:p>
+          <a:p>
+            <a:r>
+              <a:rPr lang="en-US" dirty="0" smtClean="0"/>
+              <a:t>Give the ship the ability to shoot a laser.</a:t>
+            </a:r>
+          </a:p>
+          <a:p>
+            <a:r>
+              <a:rPr lang="en-US" dirty="0" smtClean="0"/>
+              <a:t>Have the background automatically move at a set pace</a:t>
+            </a:r>
+          </a:p>
+          <a:p>
+            <a:r>
+              <a:rPr lang="en-US" dirty="0" smtClean="0"/>
+              <a:t>Implement music in the main menus</a:t>
+            </a:r>
+          </a:p>
+          <a:p>
+            <a:r>
+              <a:rPr lang="en-US" dirty="0" smtClean="0"/>
+              <a:t>Implement the use of either a text file, or a graphic window that can scroll, to display the instructions.</a:t>
+            </a:r>
+            <a:endParaRPr lang="en-US" dirty="0"/>
+          </a:p>
+        </p:txBody>
+      </p:sp>
+    </p:spTree>
+  </p:cSld>
+  <p:clrMapOvr>
+    <a:masterClrMapping/>
+  </p:clrMapOvr>
+  <p:timing>
+    <p:tnLst>
+      <p:par>
+        <p:cTn id="1" dur="indefinite" restart="never" nodeType="tmRoot"/>
+      </p:par>
+    </p:tnLst>
+  </p:timing>
+</p:sld>
+</file>
+
+<file path=ppt/slides/slide34.xml><?xml version="1.0" encoding="utf-8"?>
+<p:sld xmlns:a="http://schemas.openxmlformats.org/drawingml/2006/main" xmlns:r="http://schemas.openxmlformats.org/officeDocument/2006/relationships" xmlns:p="http://schemas.openxmlformats.org/presentationml/2006/main">
+  <p:cSld>
+    <p:spTree>
+      <p:nvGrpSpPr>
+        <p:cNvPr id="1" name=""/>
+        <p:cNvGrpSpPr/>
+        <p:nvPr/>
+      </p:nvGrpSpPr>
+      <p:grpSpPr>
+        <a:xfrm>
+          <a:off x="0" y="0"/>
+          <a:ext cx="0" cy="0"/>
+          <a:chOff x="0" y="0"/>
+          <a:chExt cx="0" cy="0"/>
+        </a:xfrm>
+      </p:grpSpPr>
+      <p:sp>
+        <p:nvSpPr>
+          <p:cNvPr id="2" name="Title 1"/>
+          <p:cNvSpPr>
+            <a:spLocks noGrp="1"/>
+          </p:cNvSpPr>
+          <p:nvPr>
+            <p:ph type="title"/>
+          </p:nvPr>
+        </p:nvSpPr>
+        <p:spPr/>
+        <p:txBody>
+          <a:bodyPr/>
+          <a:lstStyle/>
+          <a:p>
+            <a:endParaRPr lang="en-US"/>
+          </a:p>
+        </p:txBody>
+      </p:sp>
+      <p:pic>
+        <p:nvPicPr>
+          <p:cNvPr id="1026" name="Picture 2"/>
+          <p:cNvPicPr>
+            <a:picLocks noGrp="1" noChangeAspect="1" noChangeArrowheads="1"/>
+          </p:cNvPicPr>
+          <p:nvPr>
+            <p:ph idx="1"/>
+          </p:nvPr>
+        </p:nvPicPr>
+        <p:blipFill>
+          <a:blip r:embed="rId2" cstate="print"/>
+          <a:srcRect/>
+          <a:stretch>
+            <a:fillRect/>
+          </a:stretch>
+        </p:blipFill>
+        <p:spPr bwMode="auto">
+          <a:xfrm>
+            <a:off x="762000" y="0"/>
+            <a:ext cx="7620000" cy="6566830"/>
+          </a:xfrm>
+          <a:prstGeom prst="rect">
+            <a:avLst/>
+          </a:prstGeom>
+          <a:noFill/>
+          <a:ln w="9525">
+            <a:noFill/>
+            <a:miter lim="800000"/>
+            <a:headEnd/>
+            <a:tailEnd/>
+          </a:ln>
+        </p:spPr>
+      </p:pic>
     </p:spTree>
   </p:cSld>
   <p:clrMapOvr>

--- a/Project Starfighter 1.0.pptx
+++ b/Project Starfighter 1.0.pptx
@@ -4248,7 +4248,6 @@
               <a:rPr lang="en-US" dirty="0"/>
               <a:t> Test Code</a:t>
             </a:r>
-            <a:endParaRPr lang="en-US" dirty="0"/>
           </a:p>
         </p:txBody>
       </p:sp>
@@ -4494,7 +4493,6 @@
               <a:rPr lang="en-US" dirty="0"/>
               <a:t> Test Code</a:t>
             </a:r>
-            <a:endParaRPr lang="en-US" dirty="0"/>
           </a:p>
         </p:txBody>
       </p:sp>
@@ -4732,7 +4730,6 @@
               <a:rPr lang="en-US" dirty="0"/>
               <a:t> Test Code</a:t>
             </a:r>
-            <a:endParaRPr lang="en-US" dirty="0"/>
           </a:p>
         </p:txBody>
       </p:sp>
@@ -4971,7 +4968,6 @@
               <a:rPr lang="en-US" dirty="0"/>
               <a:t> Test Code</a:t>
             </a:r>
-            <a:endParaRPr lang="en-US" dirty="0"/>
           </a:p>
         </p:txBody>
       </p:sp>
@@ -5127,7 +5123,6 @@
               <a:rPr lang="en-US" sz="1800" dirty="0"/>
               <a:t>}</a:t>
             </a:r>
-            <a:endParaRPr lang="en-US" sz="1800" dirty="0"/>
           </a:p>
           <a:p>
             <a:pPr marL="0" indent="0">
@@ -5280,7 +5275,6 @@
               <a:rPr lang="en-US" dirty="0"/>
               <a:t>Test Code</a:t>
             </a:r>
-            <a:endParaRPr lang="en-US" dirty="0"/>
           </a:p>
         </p:txBody>
       </p:sp>
@@ -5465,7 +5459,6 @@
               <a:rPr lang="en-US" dirty="0"/>
               <a:t>Test Code</a:t>
             </a:r>
-            <a:endParaRPr lang="en-US" dirty="0"/>
           </a:p>
         </p:txBody>
       </p:sp>
@@ -5628,7 +5621,6 @@
               <a:rPr lang="en-US" dirty="0"/>
               <a:t>Test Code</a:t>
             </a:r>
-            <a:endParaRPr lang="en-US" dirty="0"/>
           </a:p>
         </p:txBody>
       </p:sp>
@@ -5863,7 +5855,6 @@
               <a:rPr lang="en-US" dirty="0"/>
               <a:t>Test Code</a:t>
             </a:r>
-            <a:endParaRPr lang="en-US" dirty="0"/>
           </a:p>
         </p:txBody>
       </p:sp>
@@ -6104,7 +6095,6 @@
               <a:rPr lang="en-US" dirty="0"/>
               <a:t>Test Code</a:t>
             </a:r>
-            <a:endParaRPr lang="en-US" dirty="0"/>
           </a:p>
         </p:txBody>
       </p:sp>
@@ -6273,7 +6263,6 @@
               <a:rPr lang="en-US" dirty="0"/>
               <a:t>Test Code</a:t>
             </a:r>
-            <a:endParaRPr lang="en-US" dirty="0"/>
           </a:p>
         </p:txBody>
       </p:sp>
@@ -6486,7 +6475,6 @@
               <a:rPr lang="en-US" dirty="0"/>
               <a:t>Test Code</a:t>
             </a:r>
-            <a:endParaRPr lang="en-US" dirty="0"/>
           </a:p>
         </p:txBody>
       </p:sp>
@@ -6786,7 +6774,6 @@
               <a:rPr lang="en-US" dirty="0"/>
               <a:t>Test Code</a:t>
             </a:r>
-            <a:endParaRPr lang="en-US" dirty="0"/>
           </a:p>
         </p:txBody>
       </p:sp>
@@ -7027,7 +7014,6 @@
               <a:rPr lang="en-US" dirty="0"/>
               <a:t>Test Code</a:t>
             </a:r>
-            <a:endParaRPr lang="en-US" dirty="0"/>
           </a:p>
         </p:txBody>
       </p:sp>
@@ -7268,7 +7254,6 @@
               <a:rPr lang="en-US" dirty="0"/>
               <a:t>Test Code</a:t>
             </a:r>
-            <a:endParaRPr lang="en-US" dirty="0"/>
           </a:p>
         </p:txBody>
       </p:sp>
@@ -7618,7 +7603,6 @@
               <a:rPr lang="en-US" dirty="0"/>
               <a:t>Test Code</a:t>
             </a:r>
-            <a:endParaRPr lang="en-US" dirty="0"/>
           </a:p>
         </p:txBody>
       </p:sp>
@@ -7907,35 +7891,44 @@
           <a:p>
             <a:r>
               <a:rPr lang="en-US" dirty="0" smtClean="0"/>
-              <a:t>BEHOLD THE DEMO!</a:t>
+              <a:t>Background </a:t>
+            </a:r>
+            <a:r>
+              <a:rPr lang="en-US" smtClean="0"/>
+              <a:t>and Player demo</a:t>
             </a:r>
             <a:endParaRPr lang="en-US" dirty="0"/>
           </a:p>
         </p:txBody>
       </p:sp>
-      <p:sp>
-        <p:nvSpPr>
-          <p:cNvPr id="3" name="Content Placeholder 2"/>
-          <p:cNvSpPr>
-            <a:spLocks noGrp="1"/>
-          </p:cNvSpPr>
+      <p:pic>
+        <p:nvPicPr>
+          <p:cNvPr id="9" name="Content Placeholder 8"/>
+          <p:cNvPicPr>
+            <a:picLocks noGrp="1" noChangeAspect="1"/>
+          </p:cNvPicPr>
           <p:nvPr>
             <p:ph idx="1"/>
           </p:nvPr>
-        </p:nvSpPr>
-        <p:spPr/>
-        <p:txBody>
-          <a:bodyPr/>
-          <a:lstStyle/>
-          <a:p>
-            <a:r>
-              <a:rPr lang="en-US" dirty="0" smtClean="0"/>
-              <a:t>Show demo here</a:t>
-            </a:r>
-            <a:endParaRPr lang="en-US" dirty="0"/>
-          </a:p>
-        </p:txBody>
-      </p:sp>
+        </p:nvPicPr>
+        <p:blipFill rotWithShape="1">
+          <a:blip r:embed="rId2" cstate="print">
+            <a:extLst>
+              <a:ext uri="{28A0092B-C50C-407E-A947-70E740481C1C}">
+                <a14:useLocalDpi xmlns:a14="http://schemas.microsoft.com/office/drawing/2010/main" val="0"/>
+              </a:ext>
+            </a:extLst>
+          </a:blip>
+          <a:srcRect t="2" r="29210" b="34622"/>
+          <a:stretch/>
+        </p:blipFill>
+        <p:spPr>
+          <a:xfrm>
+            <a:off x="609600" y="1600200"/>
+            <a:ext cx="8131010" cy="4572000"/>
+          </a:xfrm>
+        </p:spPr>
+      </p:pic>
     </p:spTree>
   </p:cSld>
   <p:clrMapOvr>

--- a/Project Starfighter 1.0.pptx
+++ b/Project Starfighter 1.0.pptx
@@ -9,36 +9,27 @@
     <p:sldId id="258" r:id="rId3"/>
     <p:sldId id="259" r:id="rId4"/>
     <p:sldId id="257" r:id="rId5"/>
-    <p:sldId id="260" r:id="rId6"/>
-    <p:sldId id="261" r:id="rId7"/>
-    <p:sldId id="262" r:id="rId8"/>
-    <p:sldId id="263" r:id="rId9"/>
-    <p:sldId id="264" r:id="rId10"/>
-    <p:sldId id="265" r:id="rId11"/>
-    <p:sldId id="266" r:id="rId12"/>
-    <p:sldId id="267" r:id="rId13"/>
-    <p:sldId id="273" r:id="rId14"/>
-    <p:sldId id="279" r:id="rId15"/>
-    <p:sldId id="274" r:id="rId16"/>
-    <p:sldId id="276" r:id="rId17"/>
-    <p:sldId id="275" r:id="rId18"/>
-    <p:sldId id="277" r:id="rId19"/>
-    <p:sldId id="278" r:id="rId20"/>
-    <p:sldId id="280" r:id="rId21"/>
-    <p:sldId id="281" r:id="rId22"/>
-    <p:sldId id="284" r:id="rId23"/>
-    <p:sldId id="282" r:id="rId24"/>
-    <p:sldId id="283" r:id="rId25"/>
-    <p:sldId id="285" r:id="rId26"/>
-    <p:sldId id="286" r:id="rId27"/>
-    <p:sldId id="287" r:id="rId28"/>
-    <p:sldId id="288" r:id="rId29"/>
-    <p:sldId id="289" r:id="rId30"/>
-    <p:sldId id="290" r:id="rId31"/>
-    <p:sldId id="269" r:id="rId32"/>
-    <p:sldId id="270" r:id="rId33"/>
-    <p:sldId id="271" r:id="rId34"/>
-    <p:sldId id="272" r:id="rId35"/>
+    <p:sldId id="279" r:id="rId6"/>
+    <p:sldId id="274" r:id="rId7"/>
+    <p:sldId id="276" r:id="rId8"/>
+    <p:sldId id="275" r:id="rId9"/>
+    <p:sldId id="277" r:id="rId10"/>
+    <p:sldId id="278" r:id="rId11"/>
+    <p:sldId id="280" r:id="rId12"/>
+    <p:sldId id="281" r:id="rId13"/>
+    <p:sldId id="284" r:id="rId14"/>
+    <p:sldId id="282" r:id="rId15"/>
+    <p:sldId id="283" r:id="rId16"/>
+    <p:sldId id="285" r:id="rId17"/>
+    <p:sldId id="286" r:id="rId18"/>
+    <p:sldId id="287" r:id="rId19"/>
+    <p:sldId id="288" r:id="rId20"/>
+    <p:sldId id="289" r:id="rId21"/>
+    <p:sldId id="290" r:id="rId22"/>
+    <p:sldId id="269" r:id="rId23"/>
+    <p:sldId id="270" r:id="rId24"/>
+    <p:sldId id="271" r:id="rId25"/>
+    <p:sldId id="272" r:id="rId26"/>
   </p:sldIdLst>
   <p:sldSz cx="9144000" cy="6858000" type="screen4x3"/>
   <p:notesSz cx="6858000" cy="9144000"/>
@@ -325,7 +316,8 @@
           <a:p>
             <a:fld id="{6CB90BBC-6D72-4417-AC22-48CDFD952405}" type="datetimeFigureOut">
               <a:rPr lang="en-US" smtClean="0"/>
-              <a:t>2/15/2012</a:t>
+              <a:pPr/>
+              <a:t>2/16/2012</a:t>
             </a:fld>
             <a:endParaRPr lang="en-US"/>
           </a:p>
@@ -375,6 +367,7 @@
           <a:p>
             <a:fld id="{7DC8A016-2C6F-407F-BABB-5BF040C32D8C}" type="slidenum">
               <a:rPr lang="en-US" smtClean="0"/>
+              <a:pPr/>
               <a:t>‹#›</a:t>
             </a:fld>
             <a:endParaRPr lang="en-US"/>
@@ -502,7 +495,8 @@
           <a:p>
             <a:fld id="{6CB90BBC-6D72-4417-AC22-48CDFD952405}" type="datetimeFigureOut">
               <a:rPr lang="en-US" smtClean="0"/>
-              <a:t>2/15/2012</a:t>
+              <a:pPr/>
+              <a:t>2/16/2012</a:t>
             </a:fld>
             <a:endParaRPr lang="en-US"/>
           </a:p>
@@ -552,6 +546,7 @@
           <a:p>
             <a:fld id="{7DC8A016-2C6F-407F-BABB-5BF040C32D8C}" type="slidenum">
               <a:rPr lang="en-US" smtClean="0"/>
+              <a:pPr/>
               <a:t>‹#›</a:t>
             </a:fld>
             <a:endParaRPr lang="en-US"/>
@@ -689,7 +684,8 @@
           <a:p>
             <a:fld id="{6CB90BBC-6D72-4417-AC22-48CDFD952405}" type="datetimeFigureOut">
               <a:rPr lang="en-US" smtClean="0"/>
-              <a:t>2/15/2012</a:t>
+              <a:pPr/>
+              <a:t>2/16/2012</a:t>
             </a:fld>
             <a:endParaRPr lang="en-US"/>
           </a:p>
@@ -739,6 +735,7 @@
           <a:p>
             <a:fld id="{7DC8A016-2C6F-407F-BABB-5BF040C32D8C}" type="slidenum">
               <a:rPr lang="en-US" smtClean="0"/>
+              <a:pPr/>
               <a:t>‹#›</a:t>
             </a:fld>
             <a:endParaRPr lang="en-US"/>
@@ -866,7 +863,8 @@
           <a:p>
             <a:fld id="{6CB90BBC-6D72-4417-AC22-48CDFD952405}" type="datetimeFigureOut">
               <a:rPr lang="en-US" smtClean="0"/>
-              <a:t>2/15/2012</a:t>
+              <a:pPr/>
+              <a:t>2/16/2012</a:t>
             </a:fld>
             <a:endParaRPr lang="en-US"/>
           </a:p>
@@ -916,6 +914,7 @@
           <a:p>
             <a:fld id="{7DC8A016-2C6F-407F-BABB-5BF040C32D8C}" type="slidenum">
               <a:rPr lang="en-US" smtClean="0"/>
+              <a:pPr/>
               <a:t>‹#›</a:t>
             </a:fld>
             <a:endParaRPr lang="en-US"/>
@@ -1119,7 +1118,8 @@
           <a:p>
             <a:fld id="{6CB90BBC-6D72-4417-AC22-48CDFD952405}" type="datetimeFigureOut">
               <a:rPr lang="en-US" smtClean="0"/>
-              <a:t>2/15/2012</a:t>
+              <a:pPr/>
+              <a:t>2/16/2012</a:t>
             </a:fld>
             <a:endParaRPr lang="en-US"/>
           </a:p>
@@ -1169,6 +1169,7 @@
           <a:p>
             <a:fld id="{7DC8A016-2C6F-407F-BABB-5BF040C32D8C}" type="slidenum">
               <a:rPr lang="en-US" smtClean="0"/>
+              <a:pPr/>
               <a:t>‹#›</a:t>
             </a:fld>
             <a:endParaRPr lang="en-US"/>
@@ -1414,7 +1415,8 @@
           <a:p>
             <a:fld id="{6CB90BBC-6D72-4417-AC22-48CDFD952405}" type="datetimeFigureOut">
               <a:rPr lang="en-US" smtClean="0"/>
-              <a:t>2/15/2012</a:t>
+              <a:pPr/>
+              <a:t>2/16/2012</a:t>
             </a:fld>
             <a:endParaRPr lang="en-US"/>
           </a:p>
@@ -1464,6 +1466,7 @@
           <a:p>
             <a:fld id="{7DC8A016-2C6F-407F-BABB-5BF040C32D8C}" type="slidenum">
               <a:rPr lang="en-US" smtClean="0"/>
+              <a:pPr/>
               <a:t>‹#›</a:t>
             </a:fld>
             <a:endParaRPr lang="en-US"/>
@@ -1843,7 +1846,8 @@
           <a:p>
             <a:fld id="{6CB90BBC-6D72-4417-AC22-48CDFD952405}" type="datetimeFigureOut">
               <a:rPr lang="en-US" smtClean="0"/>
-              <a:t>2/15/2012</a:t>
+              <a:pPr/>
+              <a:t>2/16/2012</a:t>
             </a:fld>
             <a:endParaRPr lang="en-US"/>
           </a:p>
@@ -1893,6 +1897,7 @@
           <a:p>
             <a:fld id="{7DC8A016-2C6F-407F-BABB-5BF040C32D8C}" type="slidenum">
               <a:rPr lang="en-US" smtClean="0"/>
+              <a:pPr/>
               <a:t>‹#›</a:t>
             </a:fld>
             <a:endParaRPr lang="en-US"/>
@@ -1968,7 +1973,8 @@
           <a:p>
             <a:fld id="{6CB90BBC-6D72-4417-AC22-48CDFD952405}" type="datetimeFigureOut">
               <a:rPr lang="en-US" smtClean="0"/>
-              <a:t>2/15/2012</a:t>
+              <a:pPr/>
+              <a:t>2/16/2012</a:t>
             </a:fld>
             <a:endParaRPr lang="en-US"/>
           </a:p>
@@ -2018,6 +2024,7 @@
           <a:p>
             <a:fld id="{7DC8A016-2C6F-407F-BABB-5BF040C32D8C}" type="slidenum">
               <a:rPr lang="en-US" smtClean="0"/>
+              <a:pPr/>
               <a:t>‹#›</a:t>
             </a:fld>
             <a:endParaRPr lang="en-US"/>
@@ -2070,7 +2077,8 @@
           <a:p>
             <a:fld id="{6CB90BBC-6D72-4417-AC22-48CDFD952405}" type="datetimeFigureOut">
               <a:rPr lang="en-US" smtClean="0"/>
-              <a:t>2/15/2012</a:t>
+              <a:pPr/>
+              <a:t>2/16/2012</a:t>
             </a:fld>
             <a:endParaRPr lang="en-US"/>
           </a:p>
@@ -2120,6 +2128,7 @@
           <a:p>
             <a:fld id="{7DC8A016-2C6F-407F-BABB-5BF040C32D8C}" type="slidenum">
               <a:rPr lang="en-US" smtClean="0"/>
+              <a:pPr/>
               <a:t>‹#›</a:t>
             </a:fld>
             <a:endParaRPr lang="en-US"/>
@@ -2354,7 +2363,8 @@
           <a:p>
             <a:fld id="{6CB90BBC-6D72-4417-AC22-48CDFD952405}" type="datetimeFigureOut">
               <a:rPr lang="en-US" smtClean="0"/>
-              <a:t>2/15/2012</a:t>
+              <a:pPr/>
+              <a:t>2/16/2012</a:t>
             </a:fld>
             <a:endParaRPr lang="en-US"/>
           </a:p>
@@ -2404,6 +2414,7 @@
           <a:p>
             <a:fld id="{7DC8A016-2C6F-407F-BABB-5BF040C32D8C}" type="slidenum">
               <a:rPr lang="en-US" smtClean="0"/>
+              <a:pPr/>
               <a:t>‹#›</a:t>
             </a:fld>
             <a:endParaRPr lang="en-US"/>
@@ -2621,7 +2632,8 @@
           <a:p>
             <a:fld id="{6CB90BBC-6D72-4417-AC22-48CDFD952405}" type="datetimeFigureOut">
               <a:rPr lang="en-US" smtClean="0"/>
-              <a:t>2/15/2012</a:t>
+              <a:pPr/>
+              <a:t>2/16/2012</a:t>
             </a:fld>
             <a:endParaRPr lang="en-US"/>
           </a:p>
@@ -2671,6 +2683,7 @@
           <a:p>
             <a:fld id="{7DC8A016-2C6F-407F-BABB-5BF040C32D8C}" type="slidenum">
               <a:rPr lang="en-US" smtClean="0"/>
+              <a:pPr/>
               <a:t>‹#›</a:t>
             </a:fld>
             <a:endParaRPr lang="en-US"/>
@@ -2870,7 +2883,8 @@
           <a:p>
             <a:fld id="{6CB90BBC-6D72-4417-AC22-48CDFD952405}" type="datetimeFigureOut">
               <a:rPr lang="en-US" smtClean="0"/>
-              <a:t>2/15/2012</a:t>
+              <a:pPr/>
+              <a:t>2/16/2012</a:t>
             </a:fld>
             <a:endParaRPr lang="en-US"/>
           </a:p>
@@ -2962,6 +2976,7 @@
           <a:p>
             <a:fld id="{7DC8A016-2C6F-407F-BABB-5BF040C32D8C}" type="slidenum">
               <a:rPr lang="en-US" smtClean="0"/>
+              <a:pPr/>
               <a:t>‹#›</a:t>
             </a:fld>
             <a:endParaRPr lang="en-US"/>
@@ -3485,14 +3500,13 @@
           <a:lstStyle/>
           <a:p>
             <a:r>
-              <a:rPr lang="en-US" dirty="0" err="1" smtClean="0"/>
-              <a:t>PopUp</a:t>
-            </a:r>
-            <a:r>
-              <a:rPr lang="en-US" dirty="0" smtClean="0"/>
-              <a:t> Screen Test Code</a:t>
-            </a:r>
-            <a:endParaRPr lang="en-US" dirty="0"/>
+              <a:rPr lang="en-US" dirty="0" err="1"/>
+              <a:t>AnimatedSprite</a:t>
+            </a:r>
+            <a:r>
+              <a:rPr lang="en-US" dirty="0"/>
+              <a:t> Test Code</a:t>
+            </a:r>
           </a:p>
         </p:txBody>
       </p:sp>
@@ -3511,11 +3525,158 @@
           <a:bodyPr/>
           <a:lstStyle/>
           <a:p>
-            <a:endParaRPr lang="en-US"/>
+            <a:r>
+              <a:rPr lang="en-US" sz="1800" dirty="0"/>
+              <a:t> [</a:t>
+            </a:r>
+            <a:r>
+              <a:rPr lang="en-US" sz="1800" dirty="0" err="1"/>
+              <a:t>TestMethod</a:t>
+            </a:r>
+            <a:r>
+              <a:rPr lang="en-US" sz="1800" dirty="0"/>
+              <a:t>]</a:t>
+            </a:r>
+          </a:p>
+          <a:p>
+            <a:r>
+              <a:rPr lang="en-US" sz="1800" dirty="0"/>
+              <a:t>        public void </a:t>
+            </a:r>
+            <a:r>
+              <a:rPr lang="en-US" sz="1800" dirty="0" err="1"/>
+              <a:t>Update_Test</a:t>
+            </a:r>
+            <a:r>
+              <a:rPr lang="en-US" sz="1800" dirty="0"/>
+              <a:t>()</a:t>
+            </a:r>
+          </a:p>
+          <a:p>
+            <a:r>
+              <a:rPr lang="en-US" sz="1800" dirty="0"/>
+              <a:t>        {</a:t>
+            </a:r>
+          </a:p>
+          <a:p>
+            <a:r>
+              <a:rPr lang="en-US" sz="1800" dirty="0"/>
+              <a:t>            </a:t>
+            </a:r>
+            <a:r>
+              <a:rPr lang="en-US" sz="1800" dirty="0" err="1"/>
+              <a:t>animatedSprite.IsAnimating</a:t>
+            </a:r>
+            <a:r>
+              <a:rPr lang="en-US" sz="1800" dirty="0"/>
+              <a:t> = true;</a:t>
+            </a:r>
+          </a:p>
+          <a:p>
+            <a:r>
+              <a:rPr lang="en-US" sz="1800" dirty="0"/>
+              <a:t>            </a:t>
+            </a:r>
+            <a:r>
+              <a:rPr lang="en-US" sz="1800" dirty="0" err="1"/>
+              <a:t>animatedSprite.Elapsed</a:t>
+            </a:r>
+            <a:r>
+              <a:rPr lang="en-US" sz="1800" dirty="0"/>
+              <a:t> = 1;</a:t>
+            </a:r>
+          </a:p>
+          <a:p>
+            <a:r>
+              <a:rPr lang="en-US" sz="1800" dirty="0"/>
+              <a:t>            </a:t>
+            </a:r>
+            <a:r>
+              <a:rPr lang="en-US" sz="1800" dirty="0" err="1"/>
+              <a:t>animatedSprite.Frame</a:t>
+            </a:r>
+            <a:r>
+              <a:rPr lang="en-US" sz="1800" dirty="0"/>
+              <a:t> = 2;</a:t>
+            </a:r>
+          </a:p>
+          <a:p>
+            <a:r>
+              <a:rPr lang="en-US" sz="1800" dirty="0"/>
+              <a:t>            </a:t>
+            </a:r>
+            <a:r>
+              <a:rPr lang="en-US" sz="1800" dirty="0" err="1"/>
+              <a:t>animatedSprite.Update</a:t>
+            </a:r>
+            <a:r>
+              <a:rPr lang="en-US" sz="1800" dirty="0"/>
+              <a:t>(</a:t>
+            </a:r>
+            <a:r>
+              <a:rPr lang="en-US" sz="1800" dirty="0" err="1"/>
+              <a:t>gameTime</a:t>
+            </a:r>
+            <a:r>
+              <a:rPr lang="en-US" sz="1800" dirty="0"/>
+              <a:t>);</a:t>
+            </a:r>
+          </a:p>
+          <a:p>
+            <a:r>
+              <a:rPr lang="en-US" sz="1800" dirty="0"/>
+              <a:t>            </a:t>
+            </a:r>
+            <a:r>
+              <a:rPr lang="en-US" sz="1800" dirty="0" err="1"/>
+              <a:t>Assert.IsTrue</a:t>
+            </a:r>
+            <a:r>
+              <a:rPr lang="en-US" sz="1800" dirty="0"/>
+              <a:t>(3 == </a:t>
+            </a:r>
+            <a:r>
+              <a:rPr lang="en-US" sz="1800" dirty="0" err="1"/>
+              <a:t>animatedSprite.Frame</a:t>
+            </a:r>
+            <a:r>
+              <a:rPr lang="en-US" sz="1800" dirty="0"/>
+              <a:t>);</a:t>
+            </a:r>
+          </a:p>
+          <a:p>
+            <a:endParaRPr lang="en-US" sz="1800" dirty="0"/>
+          </a:p>
+          <a:p>
+            <a:r>
+              <a:rPr lang="en-US" sz="1800" dirty="0"/>
+              <a:t>        </a:t>
+            </a:r>
+            <a:r>
+              <a:rPr lang="en-US" sz="1800" dirty="0" smtClean="0"/>
+              <a:t>}</a:t>
+            </a:r>
+          </a:p>
+          <a:p>
+            <a:r>
+              <a:rPr lang="en-US" sz="1800" dirty="0"/>
+              <a:t>}</a:t>
+            </a:r>
+          </a:p>
+          <a:p>
+            <a:pPr marL="0" indent="0">
+              <a:buNone/>
+            </a:pPr>
+            <a:endParaRPr lang="en-US" sz="1800" dirty="0"/>
           </a:p>
         </p:txBody>
       </p:sp>
     </p:spTree>
+    <p:extLst>
+      <p:ext uri="{BB962C8B-B14F-4D97-AF65-F5344CB8AC3E}">
+        <p14:creationId xmlns:p14="http://schemas.microsoft.com/office/powerpoint/2010/main" xmlns="" val="3772113046"/>
+      </p:ext>
+    </p:extLst>
   </p:cSld>
   <p:clrMapOvr>
     <a:masterClrMapping/>
@@ -3563,14 +3724,13 @@
           <a:lstStyle/>
           <a:p>
             <a:r>
-              <a:rPr lang="en-US" dirty="0" err="1" smtClean="0"/>
-              <a:t>Starfighter</a:t>
-            </a:r>
-            <a:r>
               <a:rPr lang="en-US" dirty="0" smtClean="0"/>
-              <a:t> Test Code</a:t>
-            </a:r>
-            <a:endParaRPr lang="en-US" dirty="0"/>
+              <a:t>Background </a:t>
+            </a:r>
+            <a:r>
+              <a:rPr lang="en-US" dirty="0"/>
+              <a:t>Test Code</a:t>
+            </a:r>
           </a:p>
         </p:txBody>
       </p:sp>
@@ -3589,11 +3749,118 @@
           <a:bodyPr/>
           <a:lstStyle/>
           <a:p>
-            <a:endParaRPr lang="en-US"/>
+            <a:r>
+              <a:rPr lang="en-US" sz="2000" dirty="0"/>
+              <a:t>using System;</a:t>
+            </a:r>
+          </a:p>
+          <a:p>
+            <a:r>
+              <a:rPr lang="en-US" sz="2000" dirty="0"/>
+              <a:t>using </a:t>
+            </a:r>
+            <a:r>
+              <a:rPr lang="en-US" sz="2000" dirty="0" err="1"/>
+              <a:t>System.Text</a:t>
+            </a:r>
+            <a:r>
+              <a:rPr lang="en-US" sz="2000" dirty="0"/>
+              <a:t>;</a:t>
+            </a:r>
+          </a:p>
+          <a:p>
+            <a:r>
+              <a:rPr lang="en-US" sz="2000" dirty="0"/>
+              <a:t>using </a:t>
+            </a:r>
+            <a:r>
+              <a:rPr lang="en-US" sz="2000" dirty="0" err="1"/>
+              <a:t>System.Collections.Generic</a:t>
+            </a:r>
+            <a:r>
+              <a:rPr lang="en-US" sz="2000" dirty="0"/>
+              <a:t>;</a:t>
+            </a:r>
+          </a:p>
+          <a:p>
+            <a:r>
+              <a:rPr lang="en-US" sz="2000" dirty="0"/>
+              <a:t>using </a:t>
+            </a:r>
+            <a:r>
+              <a:rPr lang="en-US" sz="2000" dirty="0" err="1"/>
+              <a:t>System.Linq</a:t>
+            </a:r>
+            <a:r>
+              <a:rPr lang="en-US" sz="2000" dirty="0"/>
+              <a:t>;</a:t>
+            </a:r>
+          </a:p>
+          <a:p>
+            <a:r>
+              <a:rPr lang="en-US" sz="2000" dirty="0"/>
+              <a:t>using </a:t>
+            </a:r>
+            <a:r>
+              <a:rPr lang="en-US" sz="2000" dirty="0" err="1"/>
+              <a:t>Microsoft.VisualStudio.TestTools.UnitTesting</a:t>
+            </a:r>
+            <a:r>
+              <a:rPr lang="en-US" sz="2000" dirty="0"/>
+              <a:t>;</a:t>
+            </a:r>
+          </a:p>
+          <a:p>
+            <a:r>
+              <a:rPr lang="en-US" sz="2000" dirty="0"/>
+              <a:t>using </a:t>
+            </a:r>
+            <a:r>
+              <a:rPr lang="en-US" sz="2000" dirty="0" err="1"/>
+              <a:t>Project_Starfighter</a:t>
+            </a:r>
+            <a:r>
+              <a:rPr lang="en-US" sz="2000" dirty="0"/>
+              <a:t>;</a:t>
+            </a:r>
+          </a:p>
+          <a:p>
+            <a:endParaRPr lang="en-US" sz="2000" dirty="0"/>
+          </a:p>
+          <a:p>
+            <a:r>
+              <a:rPr lang="en-US" sz="2000" dirty="0"/>
+              <a:t>namespace </a:t>
+            </a:r>
+            <a:r>
+              <a:rPr lang="en-US" sz="2000" dirty="0" err="1"/>
+              <a:t>Project_Starfighter_Test</a:t>
+            </a:r>
+            <a:endParaRPr lang="en-US" sz="2000" dirty="0"/>
+          </a:p>
+          <a:p>
+            <a:r>
+              <a:rPr lang="en-US" sz="2000" dirty="0" smtClean="0"/>
+              <a:t>{</a:t>
+            </a:r>
+          </a:p>
+          <a:p>
+            <a:endParaRPr lang="en-US" sz="1800" dirty="0" smtClean="0"/>
+          </a:p>
+          <a:p>
+            <a:pPr marL="0" indent="0">
+              <a:buNone/>
+            </a:pPr>
+            <a:endParaRPr lang="en-US" sz="1800" dirty="0"/>
           </a:p>
         </p:txBody>
       </p:sp>
     </p:spTree>
+    <p:extLst>
+      <p:ext uri="{BB962C8B-B14F-4D97-AF65-F5344CB8AC3E}">
+        <p14:creationId xmlns:p14="http://schemas.microsoft.com/office/powerpoint/2010/main" xmlns="" val="897719000"/>
+      </p:ext>
+    </p:extLst>
   </p:cSld>
   <p:clrMapOvr>
     <a:masterClrMapping/>
@@ -3642,9 +3909,12 @@
           <a:p>
             <a:r>
               <a:rPr lang="en-US" dirty="0" smtClean="0"/>
-              <a:t>Start Screen Test Code</a:t>
-            </a:r>
-            <a:endParaRPr lang="en-US" dirty="0"/>
+              <a:t>Background </a:t>
+            </a:r>
+            <a:r>
+              <a:rPr lang="en-US" dirty="0"/>
+              <a:t>Test Code</a:t>
+            </a:r>
           </a:p>
         </p:txBody>
       </p:sp>
@@ -3663,11 +3933,96 @@
           <a:bodyPr/>
           <a:lstStyle/>
           <a:p>
-            <a:endParaRPr lang="en-US"/>
+            <a:r>
+              <a:rPr lang="en-US" sz="2000" dirty="0"/>
+              <a:t> [</a:t>
+            </a:r>
+            <a:r>
+              <a:rPr lang="en-US" sz="2000" dirty="0" err="1"/>
+              <a:t>TestClass</a:t>
+            </a:r>
+            <a:r>
+              <a:rPr lang="en-US" sz="2000" dirty="0"/>
+              <a:t>]</a:t>
+            </a:r>
+          </a:p>
+          <a:p>
+            <a:r>
+              <a:rPr lang="en-US" sz="2000" dirty="0"/>
+              <a:t>    public class </a:t>
+            </a:r>
+            <a:r>
+              <a:rPr lang="en-US" sz="2000" dirty="0" err="1"/>
+              <a:t>Background_Test</a:t>
+            </a:r>
+            <a:endParaRPr lang="en-US" sz="2000" dirty="0"/>
+          </a:p>
+          <a:p>
+            <a:r>
+              <a:rPr lang="en-US" sz="2000" dirty="0"/>
+              <a:t>    {</a:t>
+            </a:r>
+          </a:p>
+          <a:p>
+            <a:r>
+              <a:rPr lang="en-US" sz="2000" dirty="0"/>
+              <a:t>        Background </a:t>
+            </a:r>
+            <a:r>
+              <a:rPr lang="en-US" sz="2000" dirty="0" err="1"/>
+              <a:t>background</a:t>
+            </a:r>
+            <a:r>
+              <a:rPr lang="en-US" sz="2000" dirty="0"/>
+              <a:t>;</a:t>
+            </a:r>
+          </a:p>
+          <a:p>
+            <a:r>
+              <a:rPr lang="en-US" sz="2000" dirty="0"/>
+              <a:t>        public </a:t>
+            </a:r>
+            <a:r>
+              <a:rPr lang="en-US" sz="2000" dirty="0" err="1"/>
+              <a:t>Background_Test</a:t>
+            </a:r>
+            <a:r>
+              <a:rPr lang="en-US" sz="2000" dirty="0"/>
+              <a:t>()</a:t>
+            </a:r>
+          </a:p>
+          <a:p>
+            <a:r>
+              <a:rPr lang="en-US" sz="2000" dirty="0"/>
+              <a:t>        {</a:t>
+            </a:r>
+          </a:p>
+          <a:p>
+            <a:r>
+              <a:rPr lang="en-US" sz="2000" dirty="0"/>
+              <a:t>            background = new Background();</a:t>
+            </a:r>
+          </a:p>
+          <a:p>
+            <a:r>
+              <a:rPr lang="en-US" sz="2000" dirty="0"/>
+              <a:t>        }</a:t>
+            </a:r>
+          </a:p>
+          <a:p>
+            <a:pPr marL="0" indent="0">
+              <a:buNone/>
+            </a:pPr>
+            <a:endParaRPr lang="en-US" sz="2000" dirty="0"/>
           </a:p>
         </p:txBody>
       </p:sp>
     </p:spTree>
+    <p:extLst>
+      <p:ext uri="{BB962C8B-B14F-4D97-AF65-F5344CB8AC3E}">
+        <p14:creationId xmlns:p14="http://schemas.microsoft.com/office/powerpoint/2010/main" xmlns="" val="755878279"/>
+      </p:ext>
+    </p:extLst>
   </p:cSld>
   <p:clrMapOvr>
     <a:masterClrMapping/>
@@ -3716,9 +4071,12 @@
           <a:p>
             <a:r>
               <a:rPr lang="en-US" dirty="0" smtClean="0"/>
-              <a:t>Action Screen Test Code</a:t>
-            </a:r>
-            <a:endParaRPr lang="en-US" dirty="0"/>
+              <a:t>Background </a:t>
+            </a:r>
+            <a:r>
+              <a:rPr lang="en-US" dirty="0"/>
+              <a:t>Test Code</a:t>
+            </a:r>
           </a:p>
         </p:txBody>
       </p:sp>
@@ -3737,14 +4095,166 @@
           <a:bodyPr/>
           <a:lstStyle/>
           <a:p>
-            <a:endParaRPr lang="en-US"/>
+            <a:r>
+              <a:rPr lang="en-US" sz="1800" dirty="0"/>
+              <a:t> [</a:t>
+            </a:r>
+            <a:r>
+              <a:rPr lang="en-US" sz="1800" dirty="0" err="1"/>
+              <a:t>TestMethod</a:t>
+            </a:r>
+            <a:r>
+              <a:rPr lang="en-US" sz="1800" dirty="0"/>
+              <a:t>]</a:t>
+            </a:r>
+          </a:p>
+          <a:p>
+            <a:r>
+              <a:rPr lang="en-US" sz="1800" dirty="0"/>
+              <a:t>        public void </a:t>
+            </a:r>
+            <a:r>
+              <a:rPr lang="en-US" sz="1800" dirty="0" err="1"/>
+              <a:t>BackgroundOffset_Test</a:t>
+            </a:r>
+            <a:r>
+              <a:rPr lang="en-US" sz="1800" dirty="0"/>
+              <a:t>()</a:t>
+            </a:r>
+          </a:p>
+          <a:p>
+            <a:r>
+              <a:rPr lang="en-US" sz="1800" dirty="0"/>
+              <a:t>        {</a:t>
+            </a:r>
+          </a:p>
+          <a:p>
+            <a:r>
+              <a:rPr lang="en-US" sz="1800" dirty="0"/>
+              <a:t>            </a:t>
+            </a:r>
+            <a:r>
+              <a:rPr lang="en-US" sz="1800" dirty="0" err="1"/>
+              <a:t>background.BackgroundOffset</a:t>
+            </a:r>
+            <a:r>
+              <a:rPr lang="en-US" sz="1800" dirty="0"/>
+              <a:t> = 1;</a:t>
+            </a:r>
+          </a:p>
+          <a:p>
+            <a:r>
+              <a:rPr lang="en-US" sz="1800" dirty="0"/>
+              <a:t>            </a:t>
+            </a:r>
+            <a:r>
+              <a:rPr lang="en-US" sz="1800" dirty="0" err="1"/>
+              <a:t>Assert.IsTrue</a:t>
+            </a:r>
+            <a:r>
+              <a:rPr lang="en-US" sz="1800" dirty="0"/>
+              <a:t>(1 == </a:t>
+            </a:r>
+            <a:r>
+              <a:rPr lang="en-US" sz="1800" dirty="0" err="1"/>
+              <a:t>background.BackgroundOffset</a:t>
+            </a:r>
+            <a:r>
+              <a:rPr lang="en-US" sz="1800" dirty="0"/>
+              <a:t>);</a:t>
+            </a:r>
+          </a:p>
+          <a:p>
+            <a:r>
+              <a:rPr lang="en-US" sz="1800" dirty="0"/>
+              <a:t>        }</a:t>
+            </a:r>
+          </a:p>
+          <a:p>
+            <a:endParaRPr lang="en-US" sz="1800" dirty="0"/>
+          </a:p>
+          <a:p>
+            <a:r>
+              <a:rPr lang="en-US" sz="1800" dirty="0"/>
+              <a:t>        [</a:t>
+            </a:r>
+            <a:r>
+              <a:rPr lang="en-US" sz="1800" dirty="0" err="1"/>
+              <a:t>TestMethod</a:t>
+            </a:r>
+            <a:r>
+              <a:rPr lang="en-US" sz="1800" dirty="0"/>
+              <a:t>]</a:t>
+            </a:r>
+          </a:p>
+          <a:p>
+            <a:r>
+              <a:rPr lang="en-US" sz="1800" dirty="0"/>
+              <a:t>        public void </a:t>
+            </a:r>
+            <a:r>
+              <a:rPr lang="en-US" sz="1800" dirty="0" err="1"/>
+              <a:t>BackgroundWidth_Test</a:t>
+            </a:r>
+            <a:r>
+              <a:rPr lang="en-US" sz="1800" dirty="0"/>
+              <a:t>()</a:t>
+            </a:r>
+          </a:p>
+          <a:p>
+            <a:r>
+              <a:rPr lang="en-US" sz="1800" dirty="0"/>
+              <a:t>        {</a:t>
+            </a:r>
+          </a:p>
+          <a:p>
+            <a:r>
+              <a:rPr lang="en-US" sz="1800" dirty="0"/>
+              <a:t>            </a:t>
+            </a:r>
+            <a:r>
+              <a:rPr lang="en-US" sz="1800" dirty="0" err="1"/>
+              <a:t>background.BackgroundWidth</a:t>
+            </a:r>
+            <a:r>
+              <a:rPr lang="en-US" sz="1800" dirty="0"/>
+              <a:t> = 2;</a:t>
+            </a:r>
+          </a:p>
+          <a:p>
+            <a:r>
+              <a:rPr lang="en-US" sz="1800" dirty="0"/>
+              <a:t>            </a:t>
+            </a:r>
+            <a:r>
+              <a:rPr lang="en-US" sz="1800" dirty="0" err="1"/>
+              <a:t>Assert.IsTrue</a:t>
+            </a:r>
+            <a:r>
+              <a:rPr lang="en-US" sz="1800" dirty="0"/>
+              <a:t>(2 == </a:t>
+            </a:r>
+            <a:r>
+              <a:rPr lang="en-US" sz="1800" dirty="0" err="1"/>
+              <a:t>background.BackgroundWidth</a:t>
+            </a:r>
+            <a:r>
+              <a:rPr lang="en-US" sz="1800" dirty="0"/>
+              <a:t>);</a:t>
+            </a:r>
+          </a:p>
+          <a:p>
+            <a:r>
+              <a:rPr lang="en-US" sz="1800" dirty="0"/>
+              <a:t>        }</a:t>
+            </a:r>
           </a:p>
         </p:txBody>
       </p:sp>
     </p:spTree>
     <p:extLst>
       <p:ext uri="{BB962C8B-B14F-4D97-AF65-F5344CB8AC3E}">
-        <p14:creationId xmlns:p14="http://schemas.microsoft.com/office/powerpoint/2010/main" val="1661936536"/>
+        <p14:creationId xmlns:p14="http://schemas.microsoft.com/office/powerpoint/2010/main" xmlns="" val="755878279"/>
       </p:ext>
     </p:extLst>
   </p:cSld>
@@ -3794,14 +4304,13 @@
           <a:lstStyle/>
           <a:p>
             <a:r>
-              <a:rPr lang="en-US" dirty="0" err="1" smtClean="0"/>
-              <a:t>AnimatedSprite</a:t>
-            </a:r>
-            <a:r>
               <a:rPr lang="en-US" dirty="0" smtClean="0"/>
-              <a:t> Test Code</a:t>
-            </a:r>
-            <a:endParaRPr lang="en-US" dirty="0"/>
+              <a:t>Background </a:t>
+            </a:r>
+            <a:r>
+              <a:rPr lang="en-US" dirty="0"/>
+              <a:t>Test Code</a:t>
+            </a:r>
           </a:p>
         </p:txBody>
       </p:sp>
@@ -3821,134 +4330,171 @@
           <a:lstStyle/>
           <a:p>
             <a:r>
-              <a:rPr lang="en-US" sz="2000" dirty="0"/>
-              <a:t>using System;</a:t>
-            </a:r>
-          </a:p>
-          <a:p>
-            <a:r>
-              <a:rPr lang="en-US" sz="2000" dirty="0"/>
-              <a:t>using </a:t>
-            </a:r>
-            <a:r>
-              <a:rPr lang="en-US" sz="2000" dirty="0" err="1"/>
-              <a:t>System.Text</a:t>
-            </a:r>
-            <a:r>
-              <a:rPr lang="en-US" sz="2000" dirty="0"/>
-              <a:t>;</a:t>
-            </a:r>
-          </a:p>
-          <a:p>
-            <a:r>
-              <a:rPr lang="en-US" sz="2000" dirty="0"/>
-              <a:t>using </a:t>
-            </a:r>
-            <a:r>
-              <a:rPr lang="en-US" sz="2000" dirty="0" err="1"/>
-              <a:t>System.Collections.Generic</a:t>
-            </a:r>
-            <a:r>
-              <a:rPr lang="en-US" sz="2000" dirty="0"/>
-              <a:t>;</a:t>
-            </a:r>
-          </a:p>
-          <a:p>
-            <a:r>
-              <a:rPr lang="en-US" sz="2000" dirty="0"/>
-              <a:t>using </a:t>
-            </a:r>
-            <a:r>
-              <a:rPr lang="en-US" sz="2000" dirty="0" err="1"/>
-              <a:t>System.Linq</a:t>
-            </a:r>
-            <a:r>
-              <a:rPr lang="en-US" sz="2000" dirty="0"/>
-              <a:t>;</a:t>
-            </a:r>
-          </a:p>
-          <a:p>
-            <a:r>
-              <a:rPr lang="en-US" sz="2000" dirty="0"/>
-              <a:t>using </a:t>
-            </a:r>
-            <a:r>
-              <a:rPr lang="en-US" sz="2000" dirty="0" err="1"/>
-              <a:t>Microsoft.VisualStudio.TestTools.UnitTesting</a:t>
-            </a:r>
-            <a:r>
-              <a:rPr lang="en-US" sz="2000" dirty="0"/>
-              <a:t>;</a:t>
-            </a:r>
-          </a:p>
-          <a:p>
-            <a:r>
-              <a:rPr lang="en-US" sz="2000" dirty="0"/>
-              <a:t>using </a:t>
-            </a:r>
-            <a:r>
-              <a:rPr lang="en-US" sz="2000" dirty="0" err="1"/>
-              <a:t>Project_Starfighter</a:t>
-            </a:r>
-            <a:r>
-              <a:rPr lang="en-US" sz="2000" dirty="0"/>
-              <a:t>;</a:t>
-            </a:r>
-          </a:p>
-          <a:p>
-            <a:r>
-              <a:rPr lang="en-US" sz="2000" dirty="0"/>
-              <a:t>using </a:t>
-            </a:r>
-            <a:r>
-              <a:rPr lang="en-US" sz="2000" dirty="0" err="1"/>
-              <a:t>Microsoft.Xna.Framework</a:t>
-            </a:r>
-            <a:r>
-              <a:rPr lang="en-US" sz="2000" dirty="0"/>
-              <a:t>;</a:t>
-            </a:r>
-          </a:p>
-          <a:p>
-            <a:r>
-              <a:rPr lang="en-US" sz="2000" dirty="0"/>
-              <a:t>using </a:t>
-            </a:r>
-            <a:r>
-              <a:rPr lang="en-US" sz="2000" dirty="0" err="1"/>
-              <a:t>Rhino.Mocks</a:t>
-            </a:r>
-            <a:r>
-              <a:rPr lang="en-US" sz="2000" dirty="0"/>
-              <a:t>;</a:t>
-            </a:r>
-          </a:p>
-          <a:p>
-            <a:endParaRPr lang="en-US" sz="2000" dirty="0"/>
-          </a:p>
-          <a:p>
-            <a:r>
-              <a:rPr lang="en-US" sz="2000" dirty="0"/>
-              <a:t>namespace </a:t>
-            </a:r>
-            <a:r>
-              <a:rPr lang="en-US" sz="2000" dirty="0" err="1"/>
-              <a:t>Project_Starfighter_Test</a:t>
-            </a:r>
-            <a:endParaRPr lang="en-US" sz="2000" dirty="0"/>
-          </a:p>
-          <a:p>
-            <a:r>
-              <a:rPr lang="en-US" sz="2000" dirty="0"/>
-              <a:t>{</a:t>
-            </a:r>
+              <a:rPr lang="en-US" sz="1800" dirty="0"/>
+              <a:t> [</a:t>
+            </a:r>
+            <a:r>
+              <a:rPr lang="en-US" sz="1800" dirty="0" err="1"/>
+              <a:t>TestMethod</a:t>
+            </a:r>
+            <a:r>
+              <a:rPr lang="en-US" sz="1800" dirty="0"/>
+              <a:t>]</a:t>
+            </a:r>
+          </a:p>
+          <a:p>
+            <a:r>
+              <a:rPr lang="en-US" sz="1800" dirty="0"/>
+              <a:t>        public void </a:t>
+            </a:r>
+            <a:r>
+              <a:rPr lang="en-US" sz="1800" dirty="0" err="1"/>
+              <a:t>BackgroundHeight_Test</a:t>
+            </a:r>
+            <a:r>
+              <a:rPr lang="en-US" sz="1800" dirty="0"/>
+              <a:t>()</a:t>
+            </a:r>
+          </a:p>
+          <a:p>
+            <a:r>
+              <a:rPr lang="en-US" sz="1800" dirty="0"/>
+              <a:t>        {</a:t>
+            </a:r>
+          </a:p>
+          <a:p>
+            <a:r>
+              <a:rPr lang="en-US" sz="1800" dirty="0"/>
+              <a:t>            </a:t>
+            </a:r>
+            <a:r>
+              <a:rPr lang="en-US" sz="1800" dirty="0" err="1"/>
+              <a:t>background.BackgroundHeight</a:t>
+            </a:r>
+            <a:r>
+              <a:rPr lang="en-US" sz="1800" dirty="0"/>
+              <a:t> = 2;</a:t>
+            </a:r>
+          </a:p>
+          <a:p>
+            <a:r>
+              <a:rPr lang="en-US" sz="1800" dirty="0"/>
+              <a:t>            </a:t>
+            </a:r>
+            <a:r>
+              <a:rPr lang="en-US" sz="1800" dirty="0" err="1"/>
+              <a:t>Assert.IsTrue</a:t>
+            </a:r>
+            <a:r>
+              <a:rPr lang="en-US" sz="1800" dirty="0"/>
+              <a:t>(2 == </a:t>
+            </a:r>
+            <a:r>
+              <a:rPr lang="en-US" sz="1800" dirty="0" err="1"/>
+              <a:t>background.BackgroundHeight</a:t>
+            </a:r>
+            <a:r>
+              <a:rPr lang="en-US" sz="1800" dirty="0"/>
+              <a:t>);</a:t>
+            </a:r>
+          </a:p>
+          <a:p>
+            <a:r>
+              <a:rPr lang="en-US" sz="1800" dirty="0"/>
+              <a:t>        }</a:t>
+            </a:r>
+          </a:p>
+          <a:p>
+            <a:endParaRPr lang="en-US" sz="1800" dirty="0"/>
+          </a:p>
+          <a:p>
+            <a:r>
+              <a:rPr lang="en-US" sz="1800" dirty="0"/>
+              <a:t>        [</a:t>
+            </a:r>
+            <a:r>
+              <a:rPr lang="en-US" sz="1800" dirty="0" err="1"/>
+              <a:t>TestMethod</a:t>
+            </a:r>
+            <a:r>
+              <a:rPr lang="en-US" sz="1800" dirty="0"/>
+              <a:t>]</a:t>
+            </a:r>
+          </a:p>
+          <a:p>
+            <a:r>
+              <a:rPr lang="en-US" sz="1800" dirty="0"/>
+              <a:t>        public void </a:t>
+            </a:r>
+            <a:r>
+              <a:rPr lang="en-US" sz="1800" dirty="0" err="1"/>
+              <a:t>BackgroundFileWidth_Test</a:t>
+            </a:r>
+            <a:r>
+              <a:rPr lang="en-US" sz="1800" dirty="0"/>
+              <a:t>()</a:t>
+            </a:r>
+          </a:p>
+          <a:p>
+            <a:r>
+              <a:rPr lang="en-US" sz="1800" dirty="0"/>
+              <a:t>        {</a:t>
+            </a:r>
+          </a:p>
+          <a:p>
+            <a:r>
+              <a:rPr lang="en-US" sz="1800" dirty="0"/>
+              <a:t>            </a:t>
+            </a:r>
+            <a:r>
+              <a:rPr lang="en-US" sz="1800" dirty="0" err="1"/>
+              <a:t>background.BackgroundFileWidth</a:t>
+            </a:r>
+            <a:r>
+              <a:rPr lang="en-US" sz="1800" dirty="0"/>
+              <a:t> = 3;</a:t>
+            </a:r>
+          </a:p>
+          <a:p>
+            <a:r>
+              <a:rPr lang="en-US" sz="1800" dirty="0"/>
+              <a:t>            </a:t>
+            </a:r>
+            <a:r>
+              <a:rPr lang="en-US" sz="1800" dirty="0" err="1"/>
+              <a:t>Assert.IsTrue</a:t>
+            </a:r>
+            <a:r>
+              <a:rPr lang="en-US" sz="1800" dirty="0"/>
+              <a:t>(3 == </a:t>
+            </a:r>
+            <a:r>
+              <a:rPr lang="en-US" sz="1800" dirty="0" err="1"/>
+              <a:t>background.BackgroundFileWidth</a:t>
+            </a:r>
+            <a:r>
+              <a:rPr lang="en-US" sz="1800" dirty="0"/>
+              <a:t>);</a:t>
+            </a:r>
+          </a:p>
+          <a:p>
+            <a:r>
+              <a:rPr lang="en-US" sz="1800" dirty="0"/>
+              <a:t>        }</a:t>
+            </a:r>
+          </a:p>
+          <a:p>
+            <a:pPr marL="0" indent="0">
+              <a:buNone/>
+            </a:pPr>
+            <a:endParaRPr lang="en-US" sz="1800" dirty="0"/>
           </a:p>
         </p:txBody>
       </p:sp>
     </p:spTree>
     <p:extLst>
       <p:ext uri="{BB962C8B-B14F-4D97-AF65-F5344CB8AC3E}">
-        <p14:creationId xmlns:p14="http://schemas.microsoft.com/office/powerpoint/2010/main" val="2964279014"/>
+        <p14:creationId xmlns:p14="http://schemas.microsoft.com/office/powerpoint/2010/main" xmlns="" val="755878279"/>
       </p:ext>
     </p:extLst>
   </p:cSld>
@@ -3998,14 +4544,13 @@
           <a:lstStyle/>
           <a:p>
             <a:r>
-              <a:rPr lang="en-US" dirty="0" err="1" smtClean="0"/>
-              <a:t>AnimatedSprite</a:t>
-            </a:r>
-            <a:r>
               <a:rPr lang="en-US" dirty="0" smtClean="0"/>
-              <a:t> Test Code</a:t>
-            </a:r>
-            <a:endParaRPr lang="en-US" dirty="0"/>
+              <a:t>Background </a:t>
+            </a:r>
+            <a:r>
+              <a:rPr lang="en-US" dirty="0"/>
+              <a:t>Test Code</a:t>
+            </a:r>
           </a:p>
         </p:txBody>
       </p:sp>
@@ -4025,173 +4570,99 @@
           <a:lstStyle/>
           <a:p>
             <a:r>
-              <a:rPr lang="en-US" sz="2000" dirty="0"/>
-              <a:t>[</a:t>
-            </a:r>
-            <a:r>
-              <a:rPr lang="en-US" sz="2000" dirty="0" err="1"/>
-              <a:t>TestClass</a:t>
-            </a:r>
-            <a:r>
-              <a:rPr lang="en-US" sz="2000" dirty="0"/>
+              <a:rPr lang="en-US" sz="1800" dirty="0"/>
+              <a:t> [</a:t>
+            </a:r>
+            <a:r>
+              <a:rPr lang="en-US" sz="1800" dirty="0" err="1"/>
+              <a:t>TestMethod</a:t>
+            </a:r>
+            <a:r>
+              <a:rPr lang="en-US" sz="1800" dirty="0"/>
               <a:t>]</a:t>
             </a:r>
           </a:p>
           <a:p>
             <a:r>
-              <a:rPr lang="en-US" sz="2000" dirty="0"/>
-              <a:t>    public class </a:t>
-            </a:r>
-            <a:r>
-              <a:rPr lang="en-US" sz="2000" dirty="0" err="1"/>
-              <a:t>AnimatedSprite_Test</a:t>
-            </a:r>
-            <a:endParaRPr lang="en-US" sz="2000" dirty="0"/>
-          </a:p>
-          <a:p>
-            <a:r>
-              <a:rPr lang="en-US" sz="2000" dirty="0"/>
-              <a:t>    {</a:t>
-            </a:r>
-          </a:p>
-          <a:p>
-            <a:r>
-              <a:rPr lang="en-US" sz="2000" dirty="0"/>
-              <a:t>        </a:t>
-            </a:r>
-            <a:r>
-              <a:rPr lang="en-US" sz="2000" dirty="0" err="1"/>
-              <a:t>AnimatedSprite</a:t>
-            </a:r>
-            <a:r>
-              <a:rPr lang="en-US" sz="2000" dirty="0"/>
-              <a:t> </a:t>
-            </a:r>
-            <a:r>
-              <a:rPr lang="en-US" sz="2000" dirty="0" err="1"/>
-              <a:t>animatedSprite</a:t>
-            </a:r>
-            <a:r>
-              <a:rPr lang="en-US" sz="2000" dirty="0"/>
-              <a:t>;</a:t>
-            </a:r>
-          </a:p>
-          <a:p>
-            <a:r>
-              <a:rPr lang="en-US" sz="2000" dirty="0"/>
-              <a:t>        </a:t>
-            </a:r>
-            <a:r>
-              <a:rPr lang="en-US" sz="2000" dirty="0" err="1"/>
-              <a:t>GameTime</a:t>
-            </a:r>
-            <a:r>
-              <a:rPr lang="en-US" sz="2000" dirty="0"/>
-              <a:t> </a:t>
-            </a:r>
-            <a:r>
-              <a:rPr lang="en-US" sz="2000" dirty="0" err="1"/>
-              <a:t>gameTime</a:t>
-            </a:r>
-            <a:r>
-              <a:rPr lang="en-US" sz="2000" dirty="0"/>
-              <a:t>;</a:t>
-            </a:r>
-          </a:p>
-          <a:p>
-            <a:endParaRPr lang="en-US" sz="2000" dirty="0"/>
-          </a:p>
-          <a:p>
-            <a:r>
-              <a:rPr lang="en-US" sz="2000" dirty="0"/>
-              <a:t>        public </a:t>
-            </a:r>
-            <a:r>
-              <a:rPr lang="en-US" sz="2000" dirty="0" err="1"/>
-              <a:t>AnimatedSprite_Test</a:t>
-            </a:r>
-            <a:r>
-              <a:rPr lang="en-US" sz="2000" dirty="0"/>
+              <a:rPr lang="en-US" sz="1800" dirty="0"/>
+              <a:t>        public void </a:t>
+            </a:r>
+            <a:r>
+              <a:rPr lang="en-US" sz="1800" dirty="0" err="1"/>
+              <a:t>BackgroundFileHeight_Test</a:t>
+            </a:r>
+            <a:r>
+              <a:rPr lang="en-US" sz="1800" dirty="0"/>
               <a:t>()</a:t>
             </a:r>
           </a:p>
           <a:p>
             <a:r>
-              <a:rPr lang="en-US" sz="2000" dirty="0"/>
+              <a:rPr lang="en-US" sz="1800" dirty="0"/>
               <a:t>        {</a:t>
             </a:r>
           </a:p>
           <a:p>
             <a:r>
-              <a:rPr lang="en-US" sz="2000" dirty="0"/>
+              <a:rPr lang="en-US" sz="1800" dirty="0"/>
               <a:t>            </a:t>
             </a:r>
             <a:r>
-              <a:rPr lang="en-US" sz="2000" dirty="0" err="1"/>
-              <a:t>animatedSprite</a:t>
-            </a:r>
-            <a:r>
-              <a:rPr lang="en-US" sz="2000" dirty="0"/>
-              <a:t> = new </a:t>
-            </a:r>
-            <a:r>
-              <a:rPr lang="en-US" sz="2000" dirty="0" err="1"/>
-              <a:t>AnimatedSprite</a:t>
-            </a:r>
-            <a:r>
-              <a:rPr lang="en-US" sz="2000" dirty="0"/>
-              <a:t>();</a:t>
-            </a:r>
-          </a:p>
-          <a:p>
-            <a:r>
-              <a:rPr lang="en-US" sz="2000" dirty="0"/>
+              <a:rPr lang="en-US" sz="1800" dirty="0" err="1"/>
+              <a:t>background.BackgroundFileHeight</a:t>
+            </a:r>
+            <a:r>
+              <a:rPr lang="en-US" sz="1800" dirty="0"/>
+              <a:t> = 4;</a:t>
+            </a:r>
+          </a:p>
+          <a:p>
+            <a:r>
+              <a:rPr lang="en-US" sz="1800" dirty="0"/>
               <a:t>            </a:t>
             </a:r>
             <a:r>
-              <a:rPr lang="en-US" sz="2000" dirty="0" err="1"/>
-              <a:t>gameTime</a:t>
-            </a:r>
-            <a:r>
-              <a:rPr lang="en-US" sz="2000" dirty="0"/>
-              <a:t> = </a:t>
-            </a:r>
-            <a:r>
-              <a:rPr lang="en-US" sz="2000" dirty="0" err="1"/>
-              <a:t>MockRepository.GenerateStub</a:t>
-            </a:r>
-            <a:r>
-              <a:rPr lang="en-US" sz="2000" dirty="0"/>
-              <a:t>&lt;</a:t>
-            </a:r>
-            <a:r>
-              <a:rPr lang="en-US" sz="2000" dirty="0" err="1"/>
-              <a:t>GameTime</a:t>
-            </a:r>
-            <a:r>
-              <a:rPr lang="en-US" sz="2000" dirty="0"/>
-              <a:t>&gt;();</a:t>
-            </a:r>
-          </a:p>
-          <a:p>
-            <a:r>
-              <a:rPr lang="en-US" sz="2000" dirty="0"/>
+              <a:rPr lang="en-US" sz="1800" dirty="0" err="1"/>
+              <a:t>Assert.IsTrue</a:t>
+            </a:r>
+            <a:r>
+              <a:rPr lang="en-US" sz="1800" dirty="0"/>
+              <a:t>(4 == </a:t>
+            </a:r>
+            <a:r>
+              <a:rPr lang="en-US" sz="1800" dirty="0" err="1"/>
+              <a:t>background.BackgroundFileHeight</a:t>
+            </a:r>
+            <a:r>
+              <a:rPr lang="en-US" sz="1800" dirty="0"/>
+              <a:t>);</a:t>
+            </a:r>
+          </a:p>
+          <a:p>
+            <a:r>
+              <a:rPr lang="en-US" sz="1800" dirty="0"/>
               <a:t>        }</a:t>
             </a:r>
           </a:p>
           <a:p>
             <a:r>
-              <a:rPr lang="en-US" sz="2000" dirty="0" smtClean="0"/>
-              <a:t>        </a:t>
-            </a:r>
-            <a:endParaRPr lang="en-US" sz="2000" dirty="0"/>
+              <a:rPr lang="en-US" sz="1800" dirty="0"/>
+              <a:t>    }</a:t>
+            </a:r>
+            <a:endParaRPr lang="en-US" sz="1800" dirty="0" smtClean="0"/>
+          </a:p>
+          <a:p>
+            <a:pPr marL="0" indent="0">
+              <a:buNone/>
+            </a:pPr>
+            <a:endParaRPr lang="en-US" sz="1800" dirty="0"/>
           </a:p>
         </p:txBody>
       </p:sp>
     </p:spTree>
     <p:extLst>
       <p:ext uri="{BB962C8B-B14F-4D97-AF65-F5344CB8AC3E}">
-        <p14:creationId xmlns:p14="http://schemas.microsoft.com/office/powerpoint/2010/main" val="1661936536"/>
+        <p14:creationId xmlns:p14="http://schemas.microsoft.com/office/powerpoint/2010/main" xmlns="" val="755878279"/>
       </p:ext>
     </p:extLst>
   </p:cSld>
@@ -4241,12 +4712,12 @@
           <a:lstStyle/>
           <a:p>
             <a:r>
-              <a:rPr lang="en-US" dirty="0" err="1"/>
-              <a:t>AnimatedSprite</a:t>
+              <a:rPr lang="en-US" dirty="0" smtClean="0"/>
+              <a:t>Player </a:t>
             </a:r>
             <a:r>
               <a:rPr lang="en-US" dirty="0"/>
-              <a:t> Test Code</a:t>
+              <a:t>Test Code</a:t>
             </a:r>
           </a:p>
         </p:txBody>
@@ -4267,162 +4738,129 @@
           <a:lstStyle/>
           <a:p>
             <a:r>
-              <a:rPr lang="en-US" sz="1800" dirty="0" smtClean="0"/>
-              <a:t>        [</a:t>
-            </a:r>
-            <a:r>
-              <a:rPr lang="en-US" sz="1800" dirty="0" err="1"/>
-              <a:t>TestMethod</a:t>
-            </a:r>
-            <a:r>
-              <a:rPr lang="en-US" sz="1800" dirty="0"/>
-              <a:t>]</a:t>
-            </a:r>
-          </a:p>
-          <a:p>
-            <a:r>
-              <a:rPr lang="en-US" sz="1800" dirty="0"/>
-              <a:t>        public void </a:t>
-            </a:r>
-            <a:r>
-              <a:rPr lang="en-US" sz="1800" dirty="0" err="1"/>
-              <a:t>XPosition_Test</a:t>
-            </a:r>
-            <a:r>
-              <a:rPr lang="en-US" sz="1800" dirty="0"/>
-              <a:t>()</a:t>
-            </a:r>
-          </a:p>
-          <a:p>
-            <a:r>
-              <a:rPr lang="en-US" sz="1800" dirty="0"/>
-              <a:t>        {</a:t>
-            </a:r>
-          </a:p>
-          <a:p>
-            <a:r>
-              <a:rPr lang="en-US" sz="1800" dirty="0"/>
-              <a:t>            </a:t>
-            </a:r>
-            <a:r>
-              <a:rPr lang="en-US" sz="1800" dirty="0" err="1"/>
-              <a:t>animatedSprite.X</a:t>
-            </a:r>
-            <a:r>
-              <a:rPr lang="en-US" sz="1800" dirty="0"/>
-              <a:t> = 11;</a:t>
-            </a:r>
-          </a:p>
-          <a:p>
-            <a:r>
-              <a:rPr lang="en-US" sz="1800" dirty="0"/>
-              <a:t>            </a:t>
-            </a:r>
-            <a:r>
-              <a:rPr lang="en-US" sz="1800" dirty="0" err="1"/>
-              <a:t>Assert.IsTrue</a:t>
-            </a:r>
-            <a:r>
-              <a:rPr lang="en-US" sz="1800" dirty="0"/>
-              <a:t>(11 == </a:t>
-            </a:r>
-            <a:r>
-              <a:rPr lang="en-US" sz="1800" dirty="0" err="1"/>
-              <a:t>animatedSprite.X</a:t>
-            </a:r>
-            <a:r>
-              <a:rPr lang="en-US" sz="1800" dirty="0"/>
-              <a:t>);</a:t>
-            </a:r>
-          </a:p>
-          <a:p>
-            <a:r>
-              <a:rPr lang="en-US" sz="1800" dirty="0"/>
-              <a:t>        }</a:t>
-            </a:r>
-            <a:endParaRPr lang="en-US" sz="1800" dirty="0" smtClean="0"/>
-          </a:p>
-          <a:p>
-            <a:pPr marL="0" indent="0">
-              <a:buNone/>
-            </a:pPr>
-            <a:r>
-              <a:rPr lang="en-US" sz="1800" dirty="0"/>
-              <a:t> </a:t>
-            </a:r>
-            <a:r>
-              <a:rPr lang="en-US" sz="1800" dirty="0" smtClean="0"/>
-              <a:t>             [</a:t>
-            </a:r>
-            <a:r>
-              <a:rPr lang="en-US" sz="1800" dirty="0" err="1"/>
-              <a:t>TestMethod</a:t>
-            </a:r>
-            <a:r>
-              <a:rPr lang="en-US" sz="1800" dirty="0"/>
-              <a:t>]</a:t>
-            </a:r>
-          </a:p>
-          <a:p>
-            <a:r>
-              <a:rPr lang="en-US" sz="1800" dirty="0"/>
-              <a:t>        public void </a:t>
-            </a:r>
-            <a:r>
-              <a:rPr lang="en-US" sz="1800" dirty="0" err="1"/>
-              <a:t>YPosition_Test</a:t>
-            </a:r>
-            <a:r>
-              <a:rPr lang="en-US" sz="1800" dirty="0"/>
-              <a:t>()</a:t>
-            </a:r>
-          </a:p>
-          <a:p>
-            <a:r>
-              <a:rPr lang="en-US" sz="1800" dirty="0"/>
-              <a:t>        {</a:t>
-            </a:r>
-          </a:p>
-          <a:p>
-            <a:r>
-              <a:rPr lang="en-US" sz="1800" dirty="0"/>
-              <a:t>            </a:t>
-            </a:r>
-            <a:r>
-              <a:rPr lang="en-US" sz="1800" dirty="0" err="1"/>
-              <a:t>animatedSprite.Y</a:t>
-            </a:r>
-            <a:r>
-              <a:rPr lang="en-US" sz="1800" dirty="0"/>
-              <a:t> = 12;</a:t>
-            </a:r>
-          </a:p>
-          <a:p>
-            <a:r>
-              <a:rPr lang="en-US" sz="1800" dirty="0"/>
-              <a:t>            </a:t>
-            </a:r>
-            <a:r>
-              <a:rPr lang="en-US" sz="1800" dirty="0" err="1"/>
-              <a:t>Assert.IsTrue</a:t>
-            </a:r>
-            <a:r>
-              <a:rPr lang="en-US" sz="1800" dirty="0"/>
-              <a:t>(12 == </a:t>
-            </a:r>
-            <a:r>
-              <a:rPr lang="en-US" sz="1800" dirty="0" err="1"/>
-              <a:t>animatedSprite.Y</a:t>
-            </a:r>
-            <a:r>
-              <a:rPr lang="en-US" sz="1800" dirty="0"/>
-              <a:t>);</a:t>
-            </a:r>
-          </a:p>
-          <a:p>
-            <a:r>
-              <a:rPr lang="en-US" sz="1800" dirty="0"/>
-              <a:t>        }</a:t>
+              <a:rPr lang="en-US" sz="2000" dirty="0"/>
+              <a:t>using System;</a:t>
+            </a:r>
+          </a:p>
+          <a:p>
+            <a:r>
+              <a:rPr lang="en-US" sz="2000" dirty="0"/>
+              <a:t>using </a:t>
+            </a:r>
+            <a:r>
+              <a:rPr lang="en-US" sz="2000" dirty="0" err="1"/>
+              <a:t>System.Text</a:t>
+            </a:r>
+            <a:r>
+              <a:rPr lang="en-US" sz="2000" dirty="0"/>
+              <a:t>;</a:t>
+            </a:r>
+          </a:p>
+          <a:p>
+            <a:r>
+              <a:rPr lang="en-US" sz="2000" dirty="0"/>
+              <a:t>using </a:t>
+            </a:r>
+            <a:r>
+              <a:rPr lang="en-US" sz="2000" dirty="0" err="1"/>
+              <a:t>System.Collections.Generic</a:t>
+            </a:r>
+            <a:r>
+              <a:rPr lang="en-US" sz="2000" dirty="0"/>
+              <a:t>;</a:t>
+            </a:r>
+          </a:p>
+          <a:p>
+            <a:r>
+              <a:rPr lang="en-US" sz="2000" dirty="0"/>
+              <a:t>using </a:t>
+            </a:r>
+            <a:r>
+              <a:rPr lang="en-US" sz="2000" dirty="0" err="1"/>
+              <a:t>System.Linq</a:t>
+            </a:r>
+            <a:r>
+              <a:rPr lang="en-US" sz="2000" dirty="0"/>
+              <a:t>;</a:t>
+            </a:r>
+          </a:p>
+          <a:p>
+            <a:r>
+              <a:rPr lang="en-US" sz="2000" dirty="0"/>
+              <a:t>using </a:t>
+            </a:r>
+            <a:r>
+              <a:rPr lang="en-US" sz="2000" dirty="0" err="1"/>
+              <a:t>Microsoft.VisualStudio.TestTools.UnitTesting</a:t>
+            </a:r>
+            <a:r>
+              <a:rPr lang="en-US" sz="2000" dirty="0"/>
+              <a:t>;</a:t>
+            </a:r>
+          </a:p>
+          <a:p>
+            <a:r>
+              <a:rPr lang="en-US" sz="2000" dirty="0"/>
+              <a:t>using </a:t>
+            </a:r>
+            <a:r>
+              <a:rPr lang="en-US" sz="2000" dirty="0" err="1"/>
+              <a:t>Project_Starfighter</a:t>
+            </a:r>
+            <a:r>
+              <a:rPr lang="en-US" sz="2000" dirty="0"/>
+              <a:t>;</a:t>
+            </a:r>
+          </a:p>
+          <a:p>
+            <a:r>
+              <a:rPr lang="en-US" sz="2000" dirty="0"/>
+              <a:t>using </a:t>
+            </a:r>
+            <a:r>
+              <a:rPr lang="en-US" sz="2000" dirty="0" err="1"/>
+              <a:t>Microsoft.Xna.Framework</a:t>
+            </a:r>
+            <a:r>
+              <a:rPr lang="en-US" sz="2000" dirty="0"/>
+              <a:t>;</a:t>
+            </a:r>
+          </a:p>
+          <a:p>
+            <a:r>
+              <a:rPr lang="en-US" sz="2000" dirty="0"/>
+              <a:t>using </a:t>
+            </a:r>
+            <a:r>
+              <a:rPr lang="en-US" sz="2000" dirty="0" err="1"/>
+              <a:t>Rhino.Mocks</a:t>
+            </a:r>
+            <a:r>
+              <a:rPr lang="en-US" sz="2000" dirty="0"/>
+              <a:t>;</a:t>
+            </a:r>
+          </a:p>
+          <a:p>
+            <a:endParaRPr lang="en-US" sz="2000" dirty="0"/>
+          </a:p>
+          <a:p>
+            <a:endParaRPr lang="en-US" sz="2000" dirty="0"/>
+          </a:p>
+          <a:p>
+            <a:r>
+              <a:rPr lang="en-US" sz="2000" dirty="0"/>
+              <a:t>namespace </a:t>
+            </a:r>
+            <a:r>
+              <a:rPr lang="en-US" sz="2000" dirty="0" err="1"/>
+              <a:t>Project_Starfighter_Test</a:t>
+            </a:r>
+            <a:endParaRPr lang="en-US" sz="2000" dirty="0"/>
+          </a:p>
+          <a:p>
+            <a:r>
+              <a:rPr lang="en-US" sz="2000" dirty="0"/>
+              <a:t>{</a:t>
             </a:r>
           </a:p>
           <a:p>
@@ -4436,7 +4874,7 @@
     </p:spTree>
     <p:extLst>
       <p:ext uri="{BB962C8B-B14F-4D97-AF65-F5344CB8AC3E}">
-        <p14:creationId xmlns:p14="http://schemas.microsoft.com/office/powerpoint/2010/main" val="1661936536"/>
+        <p14:creationId xmlns:p14="http://schemas.microsoft.com/office/powerpoint/2010/main" xmlns="" val="2636330540"/>
       </p:ext>
     </p:extLst>
   </p:cSld>
@@ -4486,12 +4924,12 @@
           <a:lstStyle/>
           <a:p>
             <a:r>
-              <a:rPr lang="en-US" dirty="0" err="1"/>
-              <a:t>AnimatedSprite</a:t>
+              <a:rPr lang="en-US" dirty="0" smtClean="0"/>
+              <a:t>Player </a:t>
             </a:r>
             <a:r>
               <a:rPr lang="en-US" dirty="0"/>
-              <a:t> Test Code</a:t>
+              <a:t>Test Code</a:t>
             </a:r>
           </a:p>
         </p:txBody>
@@ -4513,11 +4951,11 @@
           <a:p>
             <a:r>
               <a:rPr lang="en-US" sz="1800" dirty="0"/>
-              <a:t> [</a:t>
-            </a:r>
-            <a:r>
-              <a:rPr lang="en-US" sz="1800" dirty="0" err="1"/>
-              <a:t>TestMethod</a:t>
+              <a:t>[</a:t>
+            </a:r>
+            <a:r>
+              <a:rPr lang="en-US" sz="1800" dirty="0" err="1"/>
+              <a:t>TestClass</a:t>
             </a:r>
             <a:r>
               <a:rPr lang="en-US" sz="1800" dirty="0"/>
@@ -4527,11 +4965,97 @@
           <a:p>
             <a:r>
               <a:rPr lang="en-US" sz="1800" dirty="0"/>
-              <a:t>        public void </a:t>
-            </a:r>
-            <a:r>
-              <a:rPr lang="en-US" sz="1800" dirty="0" err="1"/>
-              <a:t>Frame_Test</a:t>
+              <a:t>    public class </a:t>
+            </a:r>
+            <a:r>
+              <a:rPr lang="en-US" sz="1800" dirty="0" err="1"/>
+              <a:t>Player_Test</a:t>
+            </a:r>
+            <a:r>
+              <a:rPr lang="en-US" sz="1800" dirty="0"/>
+              <a:t> : </a:t>
+            </a:r>
+            <a:r>
+              <a:rPr lang="en-US" sz="1800" dirty="0" err="1"/>
+              <a:t>Microsoft.Xna.Framework.Game</a:t>
+            </a:r>
+            <a:endParaRPr lang="en-US" sz="1800" dirty="0"/>
+          </a:p>
+          <a:p>
+            <a:r>
+              <a:rPr lang="en-US" sz="1800" dirty="0"/>
+              <a:t>    {</a:t>
+            </a:r>
+          </a:p>
+          <a:p>
+            <a:r>
+              <a:rPr lang="en-US" sz="1800" dirty="0"/>
+              <a:t>        Player </a:t>
+            </a:r>
+            <a:r>
+              <a:rPr lang="en-US" sz="1800" dirty="0" err="1"/>
+              <a:t>testplay</a:t>
+            </a:r>
+            <a:r>
+              <a:rPr lang="en-US" sz="1800" dirty="0"/>
+              <a:t>;</a:t>
+            </a:r>
+          </a:p>
+          <a:p>
+            <a:r>
+              <a:rPr lang="en-US" sz="1800" dirty="0"/>
+              <a:t>        </a:t>
+            </a:r>
+            <a:r>
+              <a:rPr lang="en-US" sz="1800" dirty="0" err="1"/>
+              <a:t>GameTime</a:t>
+            </a:r>
+            <a:r>
+              <a:rPr lang="en-US" sz="1800" dirty="0"/>
+              <a:t> </a:t>
+            </a:r>
+            <a:r>
+              <a:rPr lang="en-US" sz="1800" dirty="0" err="1"/>
+              <a:t>gameTime</a:t>
+            </a:r>
+            <a:r>
+              <a:rPr lang="en-US" sz="1800" dirty="0"/>
+              <a:t>;</a:t>
+            </a:r>
+          </a:p>
+          <a:p>
+            <a:r>
+              <a:rPr lang="en-US" sz="1800" dirty="0"/>
+              <a:t>        //</a:t>
+            </a:r>
+            <a:r>
+              <a:rPr lang="en-US" sz="1800" dirty="0" err="1"/>
+              <a:t>SpriteBatch</a:t>
+            </a:r>
+            <a:r>
+              <a:rPr lang="en-US" sz="1800" dirty="0"/>
+              <a:t> </a:t>
+            </a:r>
+            <a:r>
+              <a:rPr lang="en-US" sz="1800" dirty="0" err="1"/>
+              <a:t>sp</a:t>
+            </a:r>
+            <a:r>
+              <a:rPr lang="en-US" sz="1800" dirty="0"/>
+              <a:t>;</a:t>
+            </a:r>
+          </a:p>
+          <a:p>
+            <a:endParaRPr lang="en-US" sz="1800" dirty="0"/>
+          </a:p>
+          <a:p>
+            <a:r>
+              <a:rPr lang="en-US" sz="1800" dirty="0"/>
+              <a:t>        public </a:t>
+            </a:r>
+            <a:r>
+              <a:rPr lang="en-US" sz="1800" dirty="0" err="1"/>
+              <a:t>Player_Test</a:t>
             </a:r>
             <a:r>
               <a:rPr lang="en-US" sz="1800" dirty="0"/>
@@ -4547,15 +5071,45 @@
           <a:p>
             <a:r>
               <a:rPr lang="en-US" sz="1800" dirty="0"/>
+              <a:t>            Background </a:t>
+            </a:r>
+            <a:r>
+              <a:rPr lang="en-US" sz="1800" dirty="0" err="1"/>
+              <a:t>background</a:t>
+            </a:r>
+            <a:r>
+              <a:rPr lang="en-US" sz="1800" dirty="0"/>
+              <a:t> = new Background();</a:t>
+            </a:r>
+          </a:p>
+          <a:p>
+            <a:r>
+              <a:rPr lang="en-US" sz="1800" dirty="0"/>
               <a:t>            </a:t>
             </a:r>
             <a:r>
               <a:rPr lang="en-US" sz="1800" dirty="0" err="1"/>
-              <a:t>animatedSprite.Frame</a:t>
-            </a:r>
-            <a:r>
-              <a:rPr lang="en-US" sz="1800" dirty="0"/>
-              <a:t> = 3;</a:t>
+              <a:t>gameTime</a:t>
+            </a:r>
+            <a:r>
+              <a:rPr lang="en-US" sz="1800" dirty="0"/>
+              <a:t> = </a:t>
+            </a:r>
+            <a:r>
+              <a:rPr lang="en-US" sz="1800" dirty="0" err="1"/>
+              <a:t>MockRepository.GenerateStub</a:t>
+            </a:r>
+            <a:r>
+              <a:rPr lang="en-US" sz="1800" dirty="0"/>
+              <a:t>&lt;</a:t>
+            </a:r>
+            <a:r>
+              <a:rPr lang="en-US" sz="1800" dirty="0" err="1"/>
+              <a:t>GameTime</a:t>
+            </a:r>
+            <a:r>
+              <a:rPr lang="en-US" sz="1800" dirty="0"/>
+              <a:t>&gt;();</a:t>
             </a:r>
           </a:p>
           <a:p>
@@ -4565,19 +5119,41 @@
             </a:r>
             <a:r>
               <a:rPr lang="en-US" sz="1800" dirty="0" err="1"/>
-              <a:t>Assert.IsTrue</a:t>
-            </a:r>
-            <a:r>
-              <a:rPr lang="en-US" sz="1800" dirty="0"/>
-              <a:t>(3 == </a:t>
-            </a:r>
-            <a:r>
-              <a:rPr lang="en-US" sz="1800" dirty="0" err="1"/>
-              <a:t>animatedSprite.Frame</a:t>
-            </a:r>
-            <a:r>
-              <a:rPr lang="en-US" sz="1800" dirty="0"/>
-              <a:t>);</a:t>
+              <a:t>testplay</a:t>
+            </a:r>
+            <a:r>
+              <a:rPr lang="en-US" sz="1800" dirty="0"/>
+              <a:t> = new Player();</a:t>
+            </a:r>
+          </a:p>
+          <a:p>
+            <a:r>
+              <a:rPr lang="en-US" sz="1800" dirty="0"/>
+              <a:t>            //</a:t>
+            </a:r>
+            <a:r>
+              <a:rPr lang="en-US" sz="1800" dirty="0" err="1"/>
+              <a:t>sb</a:t>
+            </a:r>
+            <a:r>
+              <a:rPr lang="en-US" sz="1800" dirty="0"/>
+              <a:t> = </a:t>
+            </a:r>
+            <a:r>
+              <a:rPr lang="en-US" sz="1800" dirty="0" err="1"/>
+              <a:t>MockRepository.GenerateStub</a:t>
+            </a:r>
+            <a:r>
+              <a:rPr lang="en-US" sz="1800" dirty="0"/>
+              <a:t>&lt;</a:t>
+            </a:r>
+            <a:r>
+              <a:rPr lang="en-US" sz="1800" dirty="0" err="1"/>
+              <a:t>SpriteBatch</a:t>
+            </a:r>
+            <a:r>
+              <a:rPr lang="en-US" sz="1800" dirty="0"/>
+              <a:t>&gt;();</a:t>
             </a:r>
           </a:p>
           <a:p>
@@ -4587,85 +5163,9 @@
             </a:r>
           </a:p>
           <a:p>
-            <a:endParaRPr lang="en-US" sz="1800" dirty="0"/>
-          </a:p>
-          <a:p>
-            <a:r>
-              <a:rPr lang="en-US" sz="1800" dirty="0"/>
-              <a:t>        [</a:t>
-            </a:r>
-            <a:r>
-              <a:rPr lang="en-US" sz="1800" dirty="0" err="1"/>
-              <a:t>TestMethod</a:t>
-            </a:r>
-            <a:r>
-              <a:rPr lang="en-US" sz="1800" dirty="0"/>
-              <a:t>]</a:t>
-            </a:r>
-          </a:p>
-          <a:p>
-            <a:r>
-              <a:rPr lang="en-US" sz="1800" dirty="0"/>
-              <a:t>        public void </a:t>
-            </a:r>
-            <a:r>
-              <a:rPr lang="en-US" sz="1800" dirty="0" err="1"/>
-              <a:t>FrameLength_Test</a:t>
-            </a:r>
-            <a:r>
-              <a:rPr lang="en-US" sz="1800" dirty="0"/>
-              <a:t>()</a:t>
-            </a:r>
-          </a:p>
-          <a:p>
-            <a:r>
-              <a:rPr lang="en-US" sz="1800" dirty="0"/>
-              <a:t>        {</a:t>
-            </a:r>
-          </a:p>
-          <a:p>
-            <a:r>
-              <a:rPr lang="en-US" sz="1800" dirty="0"/>
-              <a:t>            </a:t>
-            </a:r>
-            <a:r>
-              <a:rPr lang="en-US" sz="1800" dirty="0" err="1"/>
-              <a:t>animatedSprite.FrameLength</a:t>
-            </a:r>
-            <a:r>
-              <a:rPr lang="en-US" sz="1800" dirty="0"/>
-              <a:t> = 2;</a:t>
-            </a:r>
-          </a:p>
-          <a:p>
-            <a:r>
-              <a:rPr lang="en-US" sz="1800" dirty="0"/>
-              <a:t>            </a:t>
-            </a:r>
-            <a:r>
-              <a:rPr lang="en-US" sz="1800" dirty="0" err="1"/>
-              <a:t>Assert.IsTrue</a:t>
-            </a:r>
-            <a:r>
-              <a:rPr lang="en-US" sz="1800" dirty="0"/>
-              <a:t>(2 == </a:t>
-            </a:r>
-            <a:r>
-              <a:rPr lang="en-US" sz="1800" dirty="0" err="1"/>
-              <a:t>animatedSprite.FrameLength</a:t>
-            </a:r>
-            <a:r>
-              <a:rPr lang="en-US" sz="1800" dirty="0"/>
-              <a:t>);</a:t>
-            </a:r>
-          </a:p>
-          <a:p>
-            <a:r>
-              <a:rPr lang="en-US" sz="1800" dirty="0"/>
-              <a:t>        }</a:t>
-            </a:r>
-          </a:p>
-          <a:p>
+            <a:pPr marL="0" indent="0">
+              <a:buNone/>
+            </a:pPr>
             <a:endParaRPr lang="en-US" sz="1800" dirty="0"/>
           </a:p>
         </p:txBody>
@@ -4673,7 +5173,7 @@
     </p:spTree>
     <p:extLst>
       <p:ext uri="{BB962C8B-B14F-4D97-AF65-F5344CB8AC3E}">
-        <p14:creationId xmlns:p14="http://schemas.microsoft.com/office/powerpoint/2010/main" val="1661936536"/>
+        <p14:creationId xmlns:p14="http://schemas.microsoft.com/office/powerpoint/2010/main" xmlns="" val="3670958368"/>
       </p:ext>
     </p:extLst>
   </p:cSld>
@@ -4723,12 +5223,12 @@
           <a:lstStyle/>
           <a:p>
             <a:r>
-              <a:rPr lang="en-US" dirty="0" err="1"/>
-              <a:t>AnimatedSprite</a:t>
+              <a:rPr lang="en-US" dirty="0" smtClean="0"/>
+              <a:t>Player </a:t>
             </a:r>
             <a:r>
               <a:rPr lang="en-US" dirty="0"/>
-              <a:t> Test Code</a:t>
+              <a:t>Test Code</a:t>
             </a:r>
           </a:p>
         </p:txBody>
@@ -4768,7 +5268,7 @@
             </a:r>
             <a:r>
               <a:rPr lang="en-US" sz="1800" dirty="0" err="1"/>
-              <a:t>IsAnimating_Test</a:t>
+              <a:t>XPosition_Test</a:t>
             </a:r>
             <a:r>
               <a:rPr lang="en-US" sz="1800" dirty="0"/>
@@ -4788,11 +5288,11 @@
             </a:r>
             <a:r>
               <a:rPr lang="en-US" sz="1800" dirty="0" err="1"/>
-              <a:t>animatedSprite.IsAnimating</a:t>
-            </a:r>
-            <a:r>
-              <a:rPr lang="en-US" sz="1800" dirty="0"/>
-              <a:t> = false;</a:t>
+              <a:t>testplay.X</a:t>
+            </a:r>
+            <a:r>
+              <a:rPr lang="en-US" sz="1800" dirty="0"/>
+              <a:t> = 11;</a:t>
             </a:r>
           </a:p>
           <a:p>
@@ -4806,11 +5306,11 @@
             </a:r>
             <a:r>
               <a:rPr lang="en-US" sz="1800" dirty="0"/>
-              <a:t>(false == </a:t>
-            </a:r>
-            <a:r>
-              <a:rPr lang="en-US" sz="1800" dirty="0" err="1"/>
-              <a:t>animatedSprite.IsAnimating</a:t>
+              <a:t>(11 == </a:t>
+            </a:r>
+            <a:r>
+              <a:rPr lang="en-US" sz="1800" dirty="0" err="1"/>
+              <a:t>testplay.X</a:t>
             </a:r>
             <a:r>
               <a:rPr lang="en-US" sz="1800" dirty="0"/>
@@ -4847,7 +5347,7 @@
             </a:r>
             <a:r>
               <a:rPr lang="en-US" sz="1800" dirty="0" err="1"/>
-              <a:t>GetSourceRectangle_Test</a:t>
+              <a:t>YPosition_Test</a:t>
             </a:r>
             <a:r>
               <a:rPr lang="en-US" sz="1800" dirty="0"/>
@@ -4863,35 +5363,37 @@
           <a:p>
             <a:r>
               <a:rPr lang="en-US" sz="1800" dirty="0"/>
-              <a:t>            Rectangle r = new Rectangle(2, 2, 2, 2);</a:t>
-            </a:r>
-          </a:p>
-          <a:p>
-            <a:r>
-              <a:rPr lang="en-US" sz="1800" dirty="0"/>
-              <a:t>            Rectangle r2 = </a:t>
-            </a:r>
-            <a:r>
-              <a:rPr lang="en-US" sz="1800" dirty="0" err="1"/>
-              <a:t>animatedSprite.GetSourceRect</a:t>
-            </a:r>
-            <a:r>
-              <a:rPr lang="en-US" sz="1800" dirty="0"/>
-              <a:t>();</a:t>
-            </a:r>
-          </a:p>
-          <a:p>
-            <a:r>
-              <a:rPr lang="en-US" sz="1800" dirty="0"/>
               <a:t>            </a:t>
             </a:r>
             <a:r>
               <a:rPr lang="en-US" sz="1800" dirty="0" err="1"/>
-              <a:t>Assert.AreEqual</a:t>
-            </a:r>
-            <a:r>
-              <a:rPr lang="en-US" sz="1800" dirty="0"/>
-              <a:t>(r, r2);</a:t>
+              <a:t>testplay.Y</a:t>
+            </a:r>
+            <a:r>
+              <a:rPr lang="en-US" sz="1800" dirty="0"/>
+              <a:t> = 12;</a:t>
+            </a:r>
+          </a:p>
+          <a:p>
+            <a:r>
+              <a:rPr lang="en-US" sz="1800" dirty="0"/>
+              <a:t>            </a:t>
+            </a:r>
+            <a:r>
+              <a:rPr lang="en-US" sz="1800" dirty="0" err="1"/>
+              <a:t>Assert.IsTrue</a:t>
+            </a:r>
+            <a:r>
+              <a:rPr lang="en-US" sz="1800" dirty="0"/>
+              <a:t>(12 == </a:t>
+            </a:r>
+            <a:r>
+              <a:rPr lang="en-US" sz="1800" dirty="0" err="1"/>
+              <a:t>testplay.Y</a:t>
+            </a:r>
+            <a:r>
+              <a:rPr lang="en-US" sz="1800" dirty="0"/>
+              <a:t>);</a:t>
             </a:r>
           </a:p>
           <a:p>
@@ -4911,7 +5413,7 @@
     </p:spTree>
     <p:extLst>
       <p:ext uri="{BB962C8B-B14F-4D97-AF65-F5344CB8AC3E}">
-        <p14:creationId xmlns:p14="http://schemas.microsoft.com/office/powerpoint/2010/main" val="3772113046"/>
+        <p14:creationId xmlns:p14="http://schemas.microsoft.com/office/powerpoint/2010/main" xmlns="" val="1077691534"/>
       </p:ext>
     </p:extLst>
   </p:cSld>
@@ -4961,12 +5463,12 @@
           <a:lstStyle/>
           <a:p>
             <a:r>
-              <a:rPr lang="en-US" dirty="0" err="1"/>
-              <a:t>AnimatedSprite</a:t>
+              <a:rPr lang="en-US" dirty="0" smtClean="0"/>
+              <a:t>Player </a:t>
             </a:r>
             <a:r>
               <a:rPr lang="en-US" dirty="0"/>
-              <a:t> Test Code</a:t>
+              <a:t>Test Code</a:t>
             </a:r>
           </a:p>
         </p:txBody>
@@ -5006,7 +5508,7 @@
             </a:r>
             <a:r>
               <a:rPr lang="en-US" sz="1800" dirty="0" err="1"/>
-              <a:t>Update_Test</a:t>
+              <a:t>Facing_Test</a:t>
             </a:r>
             <a:r>
               <a:rPr lang="en-US" sz="1800" dirty="0"/>
@@ -5026,7 +5528,86 @@
             </a:r>
             <a:r>
               <a:rPr lang="en-US" sz="1800" dirty="0" err="1"/>
-              <a:t>animatedSprite.IsAnimating</a:t>
+              <a:t>testplay.Facing</a:t>
+            </a:r>
+            <a:r>
+              <a:rPr lang="en-US" sz="1800" dirty="0"/>
+              <a:t> = 1;</a:t>
+            </a:r>
+          </a:p>
+          <a:p>
+            <a:r>
+              <a:rPr lang="en-US" sz="1800" dirty="0"/>
+              <a:t>            </a:t>
+            </a:r>
+            <a:r>
+              <a:rPr lang="en-US" sz="1800" dirty="0" err="1"/>
+              <a:t>Assert.IsTrue</a:t>
+            </a:r>
+            <a:r>
+              <a:rPr lang="en-US" sz="1800" dirty="0"/>
+              <a:t>(1 == </a:t>
+            </a:r>
+            <a:r>
+              <a:rPr lang="en-US" sz="1800" dirty="0" err="1"/>
+              <a:t>testplay.Facing</a:t>
+            </a:r>
+            <a:r>
+              <a:rPr lang="en-US" sz="1800" dirty="0"/>
+              <a:t>);</a:t>
+            </a:r>
+          </a:p>
+          <a:p>
+            <a:r>
+              <a:rPr lang="en-US" sz="1800" dirty="0"/>
+              <a:t>        }</a:t>
+            </a:r>
+          </a:p>
+          <a:p>
+            <a:endParaRPr lang="en-US" sz="1800" dirty="0"/>
+          </a:p>
+          <a:p>
+            <a:r>
+              <a:rPr lang="en-US" sz="1800" dirty="0"/>
+              <a:t>        [</a:t>
+            </a:r>
+            <a:r>
+              <a:rPr lang="en-US" sz="1800" dirty="0" err="1"/>
+              <a:t>TestMethod</a:t>
+            </a:r>
+            <a:r>
+              <a:rPr lang="en-US" sz="1800" dirty="0"/>
+              <a:t>]</a:t>
+            </a:r>
+          </a:p>
+          <a:p>
+            <a:r>
+              <a:rPr lang="en-US" sz="1800" dirty="0"/>
+              <a:t>        public void </a:t>
+            </a:r>
+            <a:r>
+              <a:rPr lang="en-US" sz="1800" dirty="0" err="1"/>
+              <a:t>Thrusting_Test</a:t>
+            </a:r>
+            <a:r>
+              <a:rPr lang="en-US" sz="1800" dirty="0"/>
+              <a:t>()</a:t>
+            </a:r>
+          </a:p>
+          <a:p>
+            <a:r>
+              <a:rPr lang="en-US" sz="1800" dirty="0"/>
+              <a:t>        {</a:t>
+            </a:r>
+          </a:p>
+          <a:p>
+            <a:r>
+              <a:rPr lang="en-US" sz="1800" dirty="0"/>
+              <a:t>            </a:t>
+            </a:r>
+            <a:r>
+              <a:rPr lang="en-US" sz="1800" dirty="0" err="1"/>
+              <a:t>testplay.Thrusting</a:t>
             </a:r>
             <a:r>
               <a:rPr lang="en-US" sz="1800" dirty="0"/>
@@ -5040,43 +5621,15 @@
             </a:r>
             <a:r>
               <a:rPr lang="en-US" sz="1800" dirty="0" err="1"/>
-              <a:t>animatedSprite.Elapsed</a:t>
-            </a:r>
-            <a:r>
-              <a:rPr lang="en-US" sz="1800" dirty="0"/>
-              <a:t> = 1;</a:t>
-            </a:r>
-          </a:p>
-          <a:p>
-            <a:r>
-              <a:rPr lang="en-US" sz="1800" dirty="0"/>
-              <a:t>            </a:t>
-            </a:r>
-            <a:r>
-              <a:rPr lang="en-US" sz="1800" dirty="0" err="1"/>
-              <a:t>animatedSprite.Frame</a:t>
-            </a:r>
-            <a:r>
-              <a:rPr lang="en-US" sz="1800" dirty="0"/>
-              <a:t> = 2;</a:t>
-            </a:r>
-          </a:p>
-          <a:p>
-            <a:r>
-              <a:rPr lang="en-US" sz="1800" dirty="0"/>
-              <a:t>            </a:t>
-            </a:r>
-            <a:r>
-              <a:rPr lang="en-US" sz="1800" dirty="0" err="1"/>
-              <a:t>animatedSprite.Update</a:t>
-            </a:r>
-            <a:r>
-              <a:rPr lang="en-US" sz="1800" dirty="0"/>
-              <a:t>(</a:t>
-            </a:r>
-            <a:r>
-              <a:rPr lang="en-US" sz="1800" dirty="0" err="1"/>
-              <a:t>gameTime</a:t>
+              <a:t>Assert.IsTrue</a:t>
+            </a:r>
+            <a:r>
+              <a:rPr lang="en-US" sz="1800" dirty="0"/>
+              <a:t>(true == </a:t>
+            </a:r>
+            <a:r>
+              <a:rPr lang="en-US" sz="1800" dirty="0" err="1"/>
+              <a:t>testplay.Thrusting</a:t>
             </a:r>
             <a:r>
               <a:rPr lang="en-US" sz="1800" dirty="0"/>
@@ -5086,42 +5639,7 @@
           <a:p>
             <a:r>
               <a:rPr lang="en-US" sz="1800" dirty="0"/>
-              <a:t>            </a:t>
-            </a:r>
-            <a:r>
-              <a:rPr lang="en-US" sz="1800" dirty="0" err="1"/>
-              <a:t>Assert.IsTrue</a:t>
-            </a:r>
-            <a:r>
-              <a:rPr lang="en-US" sz="1800" dirty="0"/>
-              <a:t>(3 == </a:t>
-            </a:r>
-            <a:r>
-              <a:rPr lang="en-US" sz="1800" dirty="0" err="1"/>
-              <a:t>animatedSprite.Frame</a:t>
-            </a:r>
-            <a:r>
-              <a:rPr lang="en-US" sz="1800" dirty="0"/>
-              <a:t>);</a:t>
-            </a:r>
-          </a:p>
-          <a:p>
-            <a:endParaRPr lang="en-US" sz="1800" dirty="0"/>
-          </a:p>
-          <a:p>
-            <a:r>
-              <a:rPr lang="en-US" sz="1800" dirty="0"/>
-              <a:t>        </a:t>
-            </a:r>
-            <a:r>
-              <a:rPr lang="en-US" sz="1800" dirty="0" smtClean="0"/>
-              <a:t>}</a:t>
-            </a:r>
-          </a:p>
-          <a:p>
-            <a:r>
-              <a:rPr lang="en-US" sz="1800" dirty="0"/>
-              <a:t>}</a:t>
+              <a:t>        }</a:t>
             </a:r>
           </a:p>
           <a:p>
@@ -5135,7 +5653,7 @@
     </p:spTree>
     <p:extLst>
       <p:ext uri="{BB962C8B-B14F-4D97-AF65-F5344CB8AC3E}">
-        <p14:creationId xmlns:p14="http://schemas.microsoft.com/office/powerpoint/2010/main" val="3772113046"/>
+        <p14:creationId xmlns:p14="http://schemas.microsoft.com/office/powerpoint/2010/main" xmlns="" val="1077691534"/>
       </p:ext>
     </p:extLst>
   </p:cSld>
@@ -5269,7 +5787,7 @@
           <a:p>
             <a:r>
               <a:rPr lang="en-US" dirty="0" smtClean="0"/>
-              <a:t>Background </a:t>
+              <a:t>Player </a:t>
             </a:r>
             <a:r>
               <a:rPr lang="en-US" dirty="0"/>
@@ -5294,102 +5812,158 @@
           <a:lstStyle/>
           <a:p>
             <a:r>
-              <a:rPr lang="en-US" sz="2000" dirty="0"/>
-              <a:t>using System;</a:t>
-            </a:r>
-          </a:p>
-          <a:p>
-            <a:r>
-              <a:rPr lang="en-US" sz="2000" dirty="0"/>
-              <a:t>using </a:t>
-            </a:r>
-            <a:r>
-              <a:rPr lang="en-US" sz="2000" dirty="0" err="1"/>
-              <a:t>System.Text</a:t>
-            </a:r>
-            <a:r>
-              <a:rPr lang="en-US" sz="2000" dirty="0"/>
-              <a:t>;</a:t>
-            </a:r>
-          </a:p>
-          <a:p>
-            <a:r>
-              <a:rPr lang="en-US" sz="2000" dirty="0"/>
-              <a:t>using </a:t>
-            </a:r>
-            <a:r>
-              <a:rPr lang="en-US" sz="2000" dirty="0" err="1"/>
-              <a:t>System.Collections.Generic</a:t>
-            </a:r>
-            <a:r>
-              <a:rPr lang="en-US" sz="2000" dirty="0"/>
-              <a:t>;</a:t>
-            </a:r>
-          </a:p>
-          <a:p>
-            <a:r>
-              <a:rPr lang="en-US" sz="2000" dirty="0"/>
-              <a:t>using </a:t>
-            </a:r>
-            <a:r>
-              <a:rPr lang="en-US" sz="2000" dirty="0" err="1"/>
-              <a:t>System.Linq</a:t>
-            </a:r>
-            <a:r>
-              <a:rPr lang="en-US" sz="2000" dirty="0"/>
-              <a:t>;</a:t>
-            </a:r>
-          </a:p>
-          <a:p>
-            <a:r>
-              <a:rPr lang="en-US" sz="2000" dirty="0"/>
-              <a:t>using </a:t>
-            </a:r>
-            <a:r>
-              <a:rPr lang="en-US" sz="2000" dirty="0" err="1"/>
-              <a:t>Microsoft.VisualStudio.TestTools.UnitTesting</a:t>
-            </a:r>
-            <a:r>
-              <a:rPr lang="en-US" sz="2000" dirty="0"/>
-              <a:t>;</a:t>
-            </a:r>
-          </a:p>
-          <a:p>
-            <a:r>
-              <a:rPr lang="en-US" sz="2000" dirty="0"/>
-              <a:t>using </a:t>
-            </a:r>
-            <a:r>
-              <a:rPr lang="en-US" sz="2000" dirty="0" err="1"/>
-              <a:t>Project_Starfighter</a:t>
-            </a:r>
-            <a:r>
-              <a:rPr lang="en-US" sz="2000" dirty="0"/>
-              <a:t>;</a:t>
-            </a:r>
-          </a:p>
-          <a:p>
-            <a:endParaRPr lang="en-US" sz="2000" dirty="0"/>
-          </a:p>
-          <a:p>
-            <a:r>
-              <a:rPr lang="en-US" sz="2000" dirty="0"/>
-              <a:t>namespace </a:t>
-            </a:r>
-            <a:r>
-              <a:rPr lang="en-US" sz="2000" dirty="0" err="1"/>
-              <a:t>Project_Starfighter_Test</a:t>
-            </a:r>
-            <a:endParaRPr lang="en-US" sz="2000" dirty="0"/>
-          </a:p>
-          <a:p>
-            <a:r>
-              <a:rPr lang="en-US" sz="2000" dirty="0" smtClean="0"/>
-              <a:t>{</a:t>
-            </a:r>
-          </a:p>
-          <a:p>
-            <a:endParaRPr lang="en-US" sz="1800" dirty="0" smtClean="0"/>
+              <a:rPr lang="en-US" sz="1800" dirty="0"/>
+              <a:t> [</a:t>
+            </a:r>
+            <a:r>
+              <a:rPr lang="en-US" sz="1800" dirty="0" err="1"/>
+              <a:t>TestMethod</a:t>
+            </a:r>
+            <a:r>
+              <a:rPr lang="en-US" sz="1800" dirty="0"/>
+              <a:t>]</a:t>
+            </a:r>
+          </a:p>
+          <a:p>
+            <a:r>
+              <a:rPr lang="en-US" sz="1800" dirty="0"/>
+              <a:t>        public void </a:t>
+            </a:r>
+            <a:r>
+              <a:rPr lang="en-US" sz="1800" dirty="0" err="1"/>
+              <a:t>ScrollRate_Test</a:t>
+            </a:r>
+            <a:r>
+              <a:rPr lang="en-US" sz="1800" dirty="0"/>
+              <a:t>()</a:t>
+            </a:r>
+          </a:p>
+          <a:p>
+            <a:r>
+              <a:rPr lang="en-US" sz="1800" dirty="0"/>
+              <a:t>        {</a:t>
+            </a:r>
+          </a:p>
+          <a:p>
+            <a:r>
+              <a:rPr lang="en-US" sz="1800" dirty="0"/>
+              <a:t>            </a:t>
+            </a:r>
+            <a:r>
+              <a:rPr lang="en-US" sz="1800" dirty="0" err="1"/>
+              <a:t>testplay.ScrollRate</a:t>
+            </a:r>
+            <a:r>
+              <a:rPr lang="en-US" sz="1800" dirty="0"/>
+              <a:t> = 2;</a:t>
+            </a:r>
+          </a:p>
+          <a:p>
+            <a:r>
+              <a:rPr lang="en-US" sz="1800" dirty="0"/>
+              <a:t>            </a:t>
+            </a:r>
+            <a:r>
+              <a:rPr lang="en-US" sz="1800" dirty="0" err="1"/>
+              <a:t>Assert.IsTrue</a:t>
+            </a:r>
+            <a:r>
+              <a:rPr lang="en-US" sz="1800" dirty="0"/>
+              <a:t>(2 == </a:t>
+            </a:r>
+            <a:r>
+              <a:rPr lang="en-US" sz="1800" dirty="0" err="1"/>
+              <a:t>testplay.ScrollRate</a:t>
+            </a:r>
+            <a:r>
+              <a:rPr lang="en-US" sz="1800" dirty="0"/>
+              <a:t>);</a:t>
+            </a:r>
+          </a:p>
+          <a:p>
+            <a:r>
+              <a:rPr lang="en-US" sz="1800" dirty="0"/>
+              <a:t>        }</a:t>
+            </a:r>
+          </a:p>
+          <a:p>
+            <a:endParaRPr lang="en-US" sz="1800" dirty="0"/>
+          </a:p>
+          <a:p>
+            <a:r>
+              <a:rPr lang="en-US" sz="1800" dirty="0"/>
+              <a:t>        [</a:t>
+            </a:r>
+            <a:r>
+              <a:rPr lang="en-US" sz="1800" dirty="0" err="1"/>
+              <a:t>TestMethod</a:t>
+            </a:r>
+            <a:r>
+              <a:rPr lang="en-US" sz="1800" dirty="0"/>
+              <a:t>]</a:t>
+            </a:r>
+          </a:p>
+          <a:p>
+            <a:r>
+              <a:rPr lang="en-US" sz="1800" dirty="0"/>
+              <a:t>        public void </a:t>
+            </a:r>
+            <a:r>
+              <a:rPr lang="en-US" sz="1800" dirty="0" err="1"/>
+              <a:t>AccelRate_Test</a:t>
+            </a:r>
+            <a:r>
+              <a:rPr lang="en-US" sz="1800" dirty="0"/>
+              <a:t>()</a:t>
+            </a:r>
+          </a:p>
+          <a:p>
+            <a:r>
+              <a:rPr lang="en-US" sz="1800" dirty="0"/>
+              <a:t>        {</a:t>
+            </a:r>
+          </a:p>
+          <a:p>
+            <a:r>
+              <a:rPr lang="en-US" sz="1800" dirty="0"/>
+              <a:t>            </a:t>
+            </a:r>
+            <a:r>
+              <a:rPr lang="en-US" sz="1800" dirty="0" err="1"/>
+              <a:t>testplay.AccelerationRate</a:t>
+            </a:r>
+            <a:r>
+              <a:rPr lang="en-US" sz="1800" dirty="0"/>
+              <a:t> = 3;</a:t>
+            </a:r>
+          </a:p>
+          <a:p>
+            <a:r>
+              <a:rPr lang="en-US" sz="1800" dirty="0"/>
+              <a:t>            </a:t>
+            </a:r>
+            <a:r>
+              <a:rPr lang="en-US" sz="1800" dirty="0" err="1"/>
+              <a:t>Assert.IsTrue</a:t>
+            </a:r>
+            <a:r>
+              <a:rPr lang="en-US" sz="1800" dirty="0"/>
+              <a:t>(3 == </a:t>
+            </a:r>
+            <a:r>
+              <a:rPr lang="en-US" sz="1800" dirty="0" err="1"/>
+              <a:t>testplay.AccelerationRate</a:t>
+            </a:r>
+            <a:r>
+              <a:rPr lang="en-US" sz="1800" dirty="0"/>
+              <a:t>);</a:t>
+            </a:r>
+          </a:p>
+          <a:p>
+            <a:r>
+              <a:rPr lang="en-US" sz="1800" dirty="0"/>
+              <a:t>        }</a:t>
+            </a:r>
           </a:p>
           <a:p>
             <a:pPr marL="0" indent="0">
@@ -5402,7 +5976,7 @@
     </p:spTree>
     <p:extLst>
       <p:ext uri="{BB962C8B-B14F-4D97-AF65-F5344CB8AC3E}">
-        <p14:creationId xmlns:p14="http://schemas.microsoft.com/office/powerpoint/2010/main" val="897719000"/>
+        <p14:creationId xmlns:p14="http://schemas.microsoft.com/office/powerpoint/2010/main" xmlns="" val="258984763"/>
       </p:ext>
     </p:extLst>
   </p:cSld>
@@ -5453,7 +6027,7 @@
           <a:p>
             <a:r>
               <a:rPr lang="en-US" dirty="0" smtClean="0"/>
-              <a:t>Background </a:t>
+              <a:t>Player </a:t>
             </a:r>
             <a:r>
               <a:rPr lang="en-US" dirty="0"/>
@@ -5478,78 +6052,210 @@
           <a:lstStyle/>
           <a:p>
             <a:r>
-              <a:rPr lang="en-US" sz="2000" dirty="0"/>
-              <a:t> [</a:t>
-            </a:r>
-            <a:r>
-              <a:rPr lang="en-US" sz="2000" dirty="0" err="1"/>
-              <a:t>TestClass</a:t>
-            </a:r>
-            <a:r>
-              <a:rPr lang="en-US" sz="2000" dirty="0"/>
+              <a:rPr lang="en-US" sz="1800" dirty="0"/>
+              <a:t>[</a:t>
+            </a:r>
+            <a:r>
+              <a:rPr lang="en-US" sz="1800" dirty="0" err="1"/>
+              <a:t>TestMethod</a:t>
+            </a:r>
+            <a:r>
+              <a:rPr lang="en-US" sz="1800" dirty="0"/>
               <a:t>]</a:t>
             </a:r>
           </a:p>
           <a:p>
             <a:r>
-              <a:rPr lang="en-US" sz="2000" dirty="0"/>
-              <a:t>    public class </a:t>
-            </a:r>
-            <a:r>
-              <a:rPr lang="en-US" sz="2000" dirty="0" err="1"/>
-              <a:t>Background_Test</a:t>
-            </a:r>
-            <a:endParaRPr lang="en-US" sz="2000" dirty="0"/>
-          </a:p>
-          <a:p>
-            <a:r>
-              <a:rPr lang="en-US" sz="2000" dirty="0"/>
-              <a:t>    {</a:t>
-            </a:r>
-          </a:p>
-          <a:p>
-            <a:r>
-              <a:rPr lang="en-US" sz="2000" dirty="0"/>
-              <a:t>        Background </a:t>
-            </a:r>
-            <a:r>
-              <a:rPr lang="en-US" sz="2000" dirty="0" err="1"/>
-              <a:t>background</a:t>
-            </a:r>
-            <a:r>
-              <a:rPr lang="en-US" sz="2000" dirty="0"/>
-              <a:t>;</a:t>
-            </a:r>
-          </a:p>
-          <a:p>
-            <a:r>
-              <a:rPr lang="en-US" sz="2000" dirty="0"/>
-              <a:t>        public </a:t>
-            </a:r>
-            <a:r>
-              <a:rPr lang="en-US" sz="2000" dirty="0" err="1"/>
-              <a:t>Background_Test</a:t>
-            </a:r>
-            <a:r>
-              <a:rPr lang="en-US" sz="2000" dirty="0"/>
+              <a:rPr lang="en-US" sz="1800" dirty="0"/>
+              <a:t>        public void </a:t>
+            </a:r>
+            <a:r>
+              <a:rPr lang="en-US" sz="1800" dirty="0" err="1"/>
+              <a:t>BoundingBox_Test</a:t>
+            </a:r>
+            <a:r>
+              <a:rPr lang="en-US" sz="1800" dirty="0"/>
               <a:t>()</a:t>
             </a:r>
           </a:p>
           <a:p>
             <a:r>
-              <a:rPr lang="en-US" sz="2000" dirty="0"/>
+              <a:rPr lang="en-US" sz="1800" dirty="0"/>
               <a:t>        {</a:t>
             </a:r>
           </a:p>
           <a:p>
             <a:r>
-              <a:rPr lang="en-US" sz="2000" dirty="0"/>
-              <a:t>            background = new Background();</a:t>
-            </a:r>
-          </a:p>
-          <a:p>
-            <a:r>
-              <a:rPr lang="en-US" sz="2000" dirty="0"/>
+              <a:rPr lang="en-US" sz="1800" dirty="0"/>
+              <a:t>            Rectangle r = new Rectangle(11, 12, 72, 16);</a:t>
+            </a:r>
+          </a:p>
+          <a:p>
+            <a:r>
+              <a:rPr lang="en-US" sz="1800" dirty="0"/>
+              <a:t>            </a:t>
+            </a:r>
+            <a:r>
+              <a:rPr lang="en-US" sz="1800" dirty="0" err="1"/>
+              <a:t>testplay.X</a:t>
+            </a:r>
+            <a:r>
+              <a:rPr lang="en-US" sz="1800" dirty="0"/>
+              <a:t> = 11;</a:t>
+            </a:r>
+          </a:p>
+          <a:p>
+            <a:r>
+              <a:rPr lang="en-US" sz="1800" dirty="0"/>
+              <a:t>            </a:t>
+            </a:r>
+            <a:r>
+              <a:rPr lang="en-US" sz="1800" dirty="0" err="1"/>
+              <a:t>testplay.Y</a:t>
+            </a:r>
+            <a:r>
+              <a:rPr lang="en-US" sz="1800" dirty="0"/>
+              <a:t> = 12;</a:t>
+            </a:r>
+          </a:p>
+          <a:p>
+            <a:r>
+              <a:rPr lang="en-US" sz="1800" dirty="0"/>
+              <a:t>            </a:t>
+            </a:r>
+            <a:r>
+              <a:rPr lang="en-US" sz="1800" dirty="0" err="1"/>
+              <a:t>Assert.AreEqual</a:t>
+            </a:r>
+            <a:r>
+              <a:rPr lang="en-US" sz="1800" dirty="0"/>
+              <a:t>(r, </a:t>
+            </a:r>
+            <a:r>
+              <a:rPr lang="en-US" sz="1800" dirty="0" err="1"/>
+              <a:t>testplay.BoundingBox</a:t>
+            </a:r>
+            <a:r>
+              <a:rPr lang="en-US" sz="1800" dirty="0"/>
+              <a:t>);</a:t>
+            </a:r>
+          </a:p>
+          <a:p>
+            <a:r>
+              <a:rPr lang="en-US" sz="1800" dirty="0"/>
+              <a:t>        }</a:t>
+            </a:r>
+          </a:p>
+          <a:p>
+            <a:r>
+              <a:rPr lang="en-US" sz="1800" dirty="0"/>
+              <a:t>        [</a:t>
+            </a:r>
+            <a:r>
+              <a:rPr lang="en-US" sz="1800" dirty="0" err="1"/>
+              <a:t>TestMethod</a:t>
+            </a:r>
+            <a:r>
+              <a:rPr lang="en-US" sz="1800" dirty="0"/>
+              <a:t>]</a:t>
+            </a:r>
+          </a:p>
+          <a:p>
+            <a:r>
+              <a:rPr lang="en-US" sz="1800" dirty="0"/>
+              <a:t>        public void </a:t>
+            </a:r>
+            <a:r>
+              <a:rPr lang="en-US" sz="1800" dirty="0" err="1"/>
+              <a:t>Update_Test</a:t>
+            </a:r>
+            <a:r>
+              <a:rPr lang="en-US" sz="1800" dirty="0"/>
+              <a:t>()</a:t>
+            </a:r>
+          </a:p>
+          <a:p>
+            <a:r>
+              <a:rPr lang="en-US" sz="1800" dirty="0"/>
+              <a:t>        {</a:t>
+            </a:r>
+          </a:p>
+          <a:p>
+            <a:r>
+              <a:rPr lang="en-US" sz="1800" dirty="0"/>
+              <a:t>            </a:t>
+            </a:r>
+            <a:r>
+              <a:rPr lang="en-US" sz="1800" dirty="0" err="1"/>
+              <a:t>testplay.Facing</a:t>
+            </a:r>
+            <a:r>
+              <a:rPr lang="en-US" sz="1800" dirty="0"/>
+              <a:t> = 2;</a:t>
+            </a:r>
+          </a:p>
+          <a:p>
+            <a:r>
+              <a:rPr lang="en-US" sz="1800" dirty="0"/>
+              <a:t>            </a:t>
+            </a:r>
+            <a:r>
+              <a:rPr lang="en-US" sz="1800" dirty="0" err="1"/>
+              <a:t>testplay.Thrusting</a:t>
+            </a:r>
+            <a:r>
+              <a:rPr lang="en-US" sz="1800" dirty="0"/>
+              <a:t> = true;</a:t>
+            </a:r>
+          </a:p>
+          <a:p>
+            <a:r>
+              <a:rPr lang="en-US" sz="1800" dirty="0"/>
+              <a:t>            </a:t>
+            </a:r>
+            <a:r>
+              <a:rPr lang="en-US" sz="1800" dirty="0" err="1"/>
+              <a:t>testplay.Update</a:t>
+            </a:r>
+            <a:r>
+              <a:rPr lang="en-US" sz="1800" dirty="0"/>
+              <a:t>(</a:t>
+            </a:r>
+            <a:r>
+              <a:rPr lang="en-US" sz="1800" dirty="0" err="1"/>
+              <a:t>gameTime</a:t>
+            </a:r>
+            <a:r>
+              <a:rPr lang="en-US" sz="1800" dirty="0" smtClean="0"/>
+              <a:t>);</a:t>
+            </a:r>
+            <a:endParaRPr lang="en-US" sz="1800" dirty="0"/>
+          </a:p>
+          <a:p>
+            <a:r>
+              <a:rPr lang="en-US" sz="1800" dirty="0"/>
+              <a:t>            </a:t>
+            </a:r>
+            <a:r>
+              <a:rPr lang="en-US" sz="1800" dirty="0" err="1"/>
+              <a:t>Assert.IsTrue</a:t>
+            </a:r>
+            <a:r>
+              <a:rPr lang="en-US" sz="1800" dirty="0"/>
+              <a:t>(3 == </a:t>
+            </a:r>
+            <a:r>
+              <a:rPr lang="en-US" sz="1800" dirty="0" err="1"/>
+              <a:t>testplay.asSprite.Frame</a:t>
+            </a:r>
+            <a:r>
+              <a:rPr lang="en-US" sz="1800" dirty="0"/>
+              <a:t>);</a:t>
+            </a:r>
+          </a:p>
+          <a:p>
+            <a:r>
+              <a:rPr lang="en-US" sz="1800" dirty="0"/>
               <a:t>        }</a:t>
             </a:r>
           </a:p>
@@ -5557,14 +6263,14 @@
             <a:pPr marL="0" indent="0">
               <a:buNone/>
             </a:pPr>
-            <a:endParaRPr lang="en-US" sz="2000" dirty="0"/>
+            <a:endParaRPr lang="en-US" sz="1800" dirty="0"/>
           </a:p>
         </p:txBody>
       </p:sp>
     </p:spTree>
     <p:extLst>
       <p:ext uri="{BB962C8B-B14F-4D97-AF65-F5344CB8AC3E}">
-        <p14:creationId xmlns:p14="http://schemas.microsoft.com/office/powerpoint/2010/main" val="755878279"/>
+        <p14:creationId xmlns:p14="http://schemas.microsoft.com/office/powerpoint/2010/main" xmlns="" val="4263394673"/>
       </p:ext>
     </p:extLst>
   </p:cSld>
@@ -5618,189 +6324,42 @@
               <a:t>Background </a:t>
             </a:r>
             <a:r>
-              <a:rPr lang="en-US" dirty="0"/>
-              <a:t>Test Code</a:t>
-            </a:r>
-          </a:p>
-        </p:txBody>
-      </p:sp>
-      <p:sp>
-        <p:nvSpPr>
-          <p:cNvPr id="3" name="Content Placeholder 2"/>
-          <p:cNvSpPr>
-            <a:spLocks noGrp="1"/>
-          </p:cNvSpPr>
+              <a:rPr lang="en-US" smtClean="0"/>
+              <a:t>and Player demo</a:t>
+            </a:r>
+            <a:endParaRPr lang="en-US" dirty="0"/>
+          </a:p>
+        </p:txBody>
+      </p:sp>
+      <p:pic>
+        <p:nvPicPr>
+          <p:cNvPr id="9" name="Content Placeholder 8"/>
+          <p:cNvPicPr>
+            <a:picLocks noGrp="1" noChangeAspect="1"/>
+          </p:cNvPicPr>
           <p:nvPr>
             <p:ph idx="1"/>
           </p:nvPr>
-        </p:nvSpPr>
-        <p:spPr/>
-        <p:txBody>
-          <a:bodyPr/>
-          <a:lstStyle/>
-          <a:p>
-            <a:r>
-              <a:rPr lang="en-US" sz="1800" dirty="0"/>
-              <a:t> [</a:t>
-            </a:r>
-            <a:r>
-              <a:rPr lang="en-US" sz="1800" dirty="0" err="1"/>
-              <a:t>TestMethod</a:t>
-            </a:r>
-            <a:r>
-              <a:rPr lang="en-US" sz="1800" dirty="0"/>
-              <a:t>]</a:t>
-            </a:r>
-          </a:p>
-          <a:p>
-            <a:r>
-              <a:rPr lang="en-US" sz="1800" dirty="0"/>
-              <a:t>        public void </a:t>
-            </a:r>
-            <a:r>
-              <a:rPr lang="en-US" sz="1800" dirty="0" err="1"/>
-              <a:t>BackgroundOffset_Test</a:t>
-            </a:r>
-            <a:r>
-              <a:rPr lang="en-US" sz="1800" dirty="0"/>
-              <a:t>()</a:t>
-            </a:r>
-          </a:p>
-          <a:p>
-            <a:r>
-              <a:rPr lang="en-US" sz="1800" dirty="0"/>
-              <a:t>        {</a:t>
-            </a:r>
-          </a:p>
-          <a:p>
-            <a:r>
-              <a:rPr lang="en-US" sz="1800" dirty="0"/>
-              <a:t>            </a:t>
-            </a:r>
-            <a:r>
-              <a:rPr lang="en-US" sz="1800" dirty="0" err="1"/>
-              <a:t>background.BackgroundOffset</a:t>
-            </a:r>
-            <a:r>
-              <a:rPr lang="en-US" sz="1800" dirty="0"/>
-              <a:t> = 1;</a:t>
-            </a:r>
-          </a:p>
-          <a:p>
-            <a:r>
-              <a:rPr lang="en-US" sz="1800" dirty="0"/>
-              <a:t>            </a:t>
-            </a:r>
-            <a:r>
-              <a:rPr lang="en-US" sz="1800" dirty="0" err="1"/>
-              <a:t>Assert.IsTrue</a:t>
-            </a:r>
-            <a:r>
-              <a:rPr lang="en-US" sz="1800" dirty="0"/>
-              <a:t>(1 == </a:t>
-            </a:r>
-            <a:r>
-              <a:rPr lang="en-US" sz="1800" dirty="0" err="1"/>
-              <a:t>background.BackgroundOffset</a:t>
-            </a:r>
-            <a:r>
-              <a:rPr lang="en-US" sz="1800" dirty="0"/>
-              <a:t>);</a:t>
-            </a:r>
-          </a:p>
-          <a:p>
-            <a:r>
-              <a:rPr lang="en-US" sz="1800" dirty="0"/>
-              <a:t>        }</a:t>
-            </a:r>
-          </a:p>
-          <a:p>
-            <a:endParaRPr lang="en-US" sz="1800" dirty="0"/>
-          </a:p>
-          <a:p>
-            <a:r>
-              <a:rPr lang="en-US" sz="1800" dirty="0"/>
-              <a:t>        [</a:t>
-            </a:r>
-            <a:r>
-              <a:rPr lang="en-US" sz="1800" dirty="0" err="1"/>
-              <a:t>TestMethod</a:t>
-            </a:r>
-            <a:r>
-              <a:rPr lang="en-US" sz="1800" dirty="0"/>
-              <a:t>]</a:t>
-            </a:r>
-          </a:p>
-          <a:p>
-            <a:r>
-              <a:rPr lang="en-US" sz="1800" dirty="0"/>
-              <a:t>        public void </a:t>
-            </a:r>
-            <a:r>
-              <a:rPr lang="en-US" sz="1800" dirty="0" err="1"/>
-              <a:t>BackgroundWidth_Test</a:t>
-            </a:r>
-            <a:r>
-              <a:rPr lang="en-US" sz="1800" dirty="0"/>
-              <a:t>()</a:t>
-            </a:r>
-          </a:p>
-          <a:p>
-            <a:r>
-              <a:rPr lang="en-US" sz="1800" dirty="0"/>
-              <a:t>        {</a:t>
-            </a:r>
-          </a:p>
-          <a:p>
-            <a:r>
-              <a:rPr lang="en-US" sz="1800" dirty="0"/>
-              <a:t>            </a:t>
-            </a:r>
-            <a:r>
-              <a:rPr lang="en-US" sz="1800" dirty="0" err="1"/>
-              <a:t>background.BackgroundWidth</a:t>
-            </a:r>
-            <a:r>
-              <a:rPr lang="en-US" sz="1800" dirty="0"/>
-              <a:t> = 2;</a:t>
-            </a:r>
-          </a:p>
-          <a:p>
-            <a:r>
-              <a:rPr lang="en-US" sz="1800" dirty="0"/>
-              <a:t>            </a:t>
-            </a:r>
-            <a:r>
-              <a:rPr lang="en-US" sz="1800" dirty="0" err="1"/>
-              <a:t>Assert.IsTrue</a:t>
-            </a:r>
-            <a:r>
-              <a:rPr lang="en-US" sz="1800" dirty="0"/>
-              <a:t>(2 == </a:t>
-            </a:r>
-            <a:r>
-              <a:rPr lang="en-US" sz="1800" dirty="0" err="1"/>
-              <a:t>background.BackgroundWidth</a:t>
-            </a:r>
-            <a:r>
-              <a:rPr lang="en-US" sz="1800" dirty="0"/>
-              <a:t>);</a:t>
-            </a:r>
-          </a:p>
-          <a:p>
-            <a:r>
-              <a:rPr lang="en-US" sz="1800" dirty="0"/>
-              <a:t>        }</a:t>
-            </a:r>
-          </a:p>
-        </p:txBody>
-      </p:sp>
+        </p:nvPicPr>
+        <p:blipFill rotWithShape="1">
+          <a:blip r:embed="rId2" cstate="print">
+            <a:extLst>
+              <a:ext uri="{28A0092B-C50C-407E-A947-70E740481C1C}">
+                <a14:useLocalDpi xmlns:a14="http://schemas.microsoft.com/office/drawing/2010/main" xmlns="" val="0"/>
+              </a:ext>
+            </a:extLst>
+          </a:blip>
+          <a:srcRect t="2" r="29210" b="34622"/>
+          <a:stretch/>
+        </p:blipFill>
+        <p:spPr>
+          <a:xfrm>
+            <a:off x="609600" y="1600200"/>
+            <a:ext cx="8131010" cy="4572000"/>
+          </a:xfrm>
+        </p:spPr>
+      </p:pic>
     </p:spTree>
-    <p:extLst>
-      <p:ext uri="{BB962C8B-B14F-4D97-AF65-F5344CB8AC3E}">
-        <p14:creationId xmlns:p14="http://schemas.microsoft.com/office/powerpoint/2010/main" val="755878279"/>
-      </p:ext>
-    </p:extLst>
   </p:cSld>
   <p:clrMapOvr>
     <a:masterClrMapping/>
@@ -5849,12 +6408,9 @@
           <a:p>
             <a:r>
               <a:rPr lang="en-US" dirty="0" smtClean="0"/>
-              <a:t>Background </a:t>
-            </a:r>
-            <a:r>
-              <a:rPr lang="en-US" dirty="0"/>
-              <a:t>Test Code</a:t>
-            </a:r>
+              <a:t>Status of the Game</a:t>
+            </a:r>
+            <a:endParaRPr lang="en-US" dirty="0"/>
           </a:p>
         </p:txBody>
       </p:sp>
@@ -5874,173 +6430,34 @@
           <a:lstStyle/>
           <a:p>
             <a:r>
-              <a:rPr lang="en-US" sz="1800" dirty="0"/>
-              <a:t> [</a:t>
-            </a:r>
-            <a:r>
-              <a:rPr lang="en-US" sz="1800" dirty="0" err="1"/>
-              <a:t>TestMethod</a:t>
-            </a:r>
-            <a:r>
-              <a:rPr lang="en-US" sz="1800" dirty="0"/>
-              <a:t>]</a:t>
-            </a:r>
-          </a:p>
-          <a:p>
-            <a:r>
-              <a:rPr lang="en-US" sz="1800" dirty="0"/>
-              <a:t>        public void </a:t>
-            </a:r>
-            <a:r>
-              <a:rPr lang="en-US" sz="1800" dirty="0" err="1"/>
-              <a:t>BackgroundHeight_Test</a:t>
-            </a:r>
-            <a:r>
-              <a:rPr lang="en-US" sz="1800" dirty="0"/>
-              <a:t>()</a:t>
-            </a:r>
-          </a:p>
-          <a:p>
-            <a:r>
-              <a:rPr lang="en-US" sz="1800" dirty="0"/>
-              <a:t>        {</a:t>
-            </a:r>
-          </a:p>
-          <a:p>
-            <a:r>
-              <a:rPr lang="en-US" sz="1800" dirty="0"/>
-              <a:t>            </a:t>
-            </a:r>
-            <a:r>
-              <a:rPr lang="en-US" sz="1800" dirty="0" err="1"/>
-              <a:t>background.BackgroundHeight</a:t>
-            </a:r>
-            <a:r>
-              <a:rPr lang="en-US" sz="1800" dirty="0"/>
-              <a:t> = 2;</a:t>
-            </a:r>
-          </a:p>
-          <a:p>
-            <a:r>
-              <a:rPr lang="en-US" sz="1800" dirty="0"/>
-              <a:t>            </a:t>
-            </a:r>
-            <a:r>
-              <a:rPr lang="en-US" sz="1800" dirty="0" err="1"/>
-              <a:t>Assert.IsTrue</a:t>
-            </a:r>
-            <a:r>
-              <a:rPr lang="en-US" sz="1800" dirty="0"/>
-              <a:t>(2 == </a:t>
-            </a:r>
-            <a:r>
-              <a:rPr lang="en-US" sz="1800" dirty="0" err="1"/>
-              <a:t>background.BackgroundHeight</a:t>
-            </a:r>
-            <a:r>
-              <a:rPr lang="en-US" sz="1800" dirty="0"/>
-              <a:t>);</a:t>
-            </a:r>
-          </a:p>
-          <a:p>
-            <a:r>
-              <a:rPr lang="en-US" sz="1800" dirty="0"/>
-              <a:t>        }</a:t>
-            </a:r>
-          </a:p>
-          <a:p>
-            <a:endParaRPr lang="en-US" sz="1800" dirty="0"/>
-          </a:p>
-          <a:p>
-            <a:r>
-              <a:rPr lang="en-US" sz="1800" dirty="0"/>
-              <a:t>        [</a:t>
-            </a:r>
-            <a:r>
-              <a:rPr lang="en-US" sz="1800" dirty="0" err="1"/>
-              <a:t>TestMethod</a:t>
-            </a:r>
-            <a:r>
-              <a:rPr lang="en-US" sz="1800" dirty="0"/>
-              <a:t>]</a:t>
-            </a:r>
-          </a:p>
-          <a:p>
-            <a:r>
-              <a:rPr lang="en-US" sz="1800" dirty="0"/>
-              <a:t>        public void </a:t>
-            </a:r>
-            <a:r>
-              <a:rPr lang="en-US" sz="1800" dirty="0" err="1"/>
-              <a:t>BackgroundFileWidth_Test</a:t>
-            </a:r>
-            <a:r>
-              <a:rPr lang="en-US" sz="1800" dirty="0"/>
-              <a:t>()</a:t>
-            </a:r>
-          </a:p>
-          <a:p>
-            <a:r>
-              <a:rPr lang="en-US" sz="1800" dirty="0"/>
-              <a:t>        {</a:t>
-            </a:r>
-          </a:p>
-          <a:p>
-            <a:r>
-              <a:rPr lang="en-US" sz="1800" dirty="0"/>
-              <a:t>            </a:t>
-            </a:r>
-            <a:r>
-              <a:rPr lang="en-US" sz="1800" dirty="0" err="1"/>
-              <a:t>background.BackgroundFileWidth</a:t>
-            </a:r>
-            <a:r>
-              <a:rPr lang="en-US" sz="1800" dirty="0"/>
-              <a:t> = 3;</a:t>
-            </a:r>
-          </a:p>
-          <a:p>
-            <a:r>
-              <a:rPr lang="en-US" sz="1800" dirty="0"/>
-              <a:t>            </a:t>
-            </a:r>
-            <a:r>
-              <a:rPr lang="en-US" sz="1800" dirty="0" err="1"/>
-              <a:t>Assert.IsTrue</a:t>
-            </a:r>
-            <a:r>
-              <a:rPr lang="en-US" sz="1800" dirty="0"/>
-              <a:t>(3 == </a:t>
-            </a:r>
-            <a:r>
-              <a:rPr lang="en-US" sz="1800" dirty="0" err="1"/>
-              <a:t>background.BackgroundFileWidth</a:t>
-            </a:r>
-            <a:r>
-              <a:rPr lang="en-US" sz="1800" dirty="0"/>
-              <a:t>);</a:t>
-            </a:r>
-          </a:p>
-          <a:p>
-            <a:r>
-              <a:rPr lang="en-US" sz="1800" dirty="0"/>
-              <a:t>        }</a:t>
-            </a:r>
-          </a:p>
-          <a:p>
-            <a:pPr marL="0" indent="0">
-              <a:buNone/>
-            </a:pPr>
-            <a:endParaRPr lang="en-US" sz="1800" dirty="0"/>
+              <a:rPr lang="en-US" dirty="0" smtClean="0"/>
+              <a:t>At this point in time there is a menu interface that will work regardless of any changes made to </a:t>
+            </a:r>
+            <a:r>
+              <a:rPr lang="en-US" dirty="0" err="1" smtClean="0"/>
+              <a:t>gameplay</a:t>
+            </a:r>
+            <a:r>
+              <a:rPr lang="en-US" dirty="0" smtClean="0"/>
+              <a:t>.</a:t>
+            </a:r>
+          </a:p>
+          <a:p>
+            <a:r>
+              <a:rPr lang="en-US" dirty="0" smtClean="0"/>
+              <a:t>The instructions, and high score screens are currently blank.</a:t>
+            </a:r>
+          </a:p>
+          <a:p>
+            <a:r>
+              <a:rPr lang="en-US" dirty="0" smtClean="0"/>
+              <a:t>The game loads the first level but lacks the ability for the ship’s basic functions.</a:t>
+            </a:r>
+            <a:endParaRPr lang="en-US" dirty="0"/>
           </a:p>
         </p:txBody>
       </p:sp>
     </p:spTree>
-    <p:extLst>
-      <p:ext uri="{BB962C8B-B14F-4D97-AF65-F5344CB8AC3E}">
-        <p14:creationId xmlns:p14="http://schemas.microsoft.com/office/powerpoint/2010/main" val="755878279"/>
-      </p:ext>
-    </p:extLst>
   </p:cSld>
   <p:clrMapOvr>
     <a:masterClrMapping/>
@@ -6089,12 +6506,9 @@
           <a:p>
             <a:r>
               <a:rPr lang="en-US" dirty="0" smtClean="0"/>
-              <a:t>Background </a:t>
-            </a:r>
-            <a:r>
-              <a:rPr lang="en-US" dirty="0"/>
-              <a:t>Test Code</a:t>
-            </a:r>
+              <a:t>Plans for version 1.1</a:t>
+            </a:r>
+            <a:endParaRPr lang="en-US" dirty="0"/>
           </a:p>
         </p:txBody>
       </p:sp>
@@ -6114,101 +6528,38 @@
           <a:lstStyle/>
           <a:p>
             <a:r>
-              <a:rPr lang="en-US" sz="1800" dirty="0"/>
-              <a:t> [</a:t>
-            </a:r>
-            <a:r>
-              <a:rPr lang="en-US" sz="1800" dirty="0" err="1"/>
-              <a:t>TestMethod</a:t>
-            </a:r>
-            <a:r>
-              <a:rPr lang="en-US" sz="1800" dirty="0"/>
-              <a:t>]</a:t>
-            </a:r>
-          </a:p>
-          <a:p>
-            <a:r>
-              <a:rPr lang="en-US" sz="1800" dirty="0"/>
-              <a:t>        public void </a:t>
-            </a:r>
-            <a:r>
-              <a:rPr lang="en-US" sz="1800" dirty="0" err="1"/>
-              <a:t>BackgroundFileHeight_Test</a:t>
-            </a:r>
-            <a:r>
-              <a:rPr lang="en-US" sz="1800" dirty="0"/>
-              <a:t>()</a:t>
-            </a:r>
-          </a:p>
-          <a:p>
-            <a:r>
-              <a:rPr lang="en-US" sz="1800" dirty="0"/>
-              <a:t>        {</a:t>
-            </a:r>
-          </a:p>
-          <a:p>
-            <a:r>
-              <a:rPr lang="en-US" sz="1800" dirty="0"/>
-              <a:t>            </a:t>
-            </a:r>
-            <a:r>
-              <a:rPr lang="en-US" sz="1800" dirty="0" err="1"/>
-              <a:t>background.BackgroundFileHeight</a:t>
-            </a:r>
-            <a:r>
-              <a:rPr lang="en-US" sz="1800" dirty="0"/>
-              <a:t> = 4;</a:t>
-            </a:r>
-          </a:p>
-          <a:p>
-            <a:r>
-              <a:rPr lang="en-US" sz="1800" dirty="0"/>
-              <a:t>            </a:t>
-            </a:r>
-            <a:r>
-              <a:rPr lang="en-US" sz="1800" dirty="0" err="1"/>
-              <a:t>Assert.IsTrue</a:t>
-            </a:r>
-            <a:r>
-              <a:rPr lang="en-US" sz="1800" dirty="0"/>
-              <a:t>(4 == </a:t>
-            </a:r>
-            <a:r>
-              <a:rPr lang="en-US" sz="1800" dirty="0" err="1"/>
-              <a:t>background.BackgroundFileHeight</a:t>
-            </a:r>
-            <a:r>
-              <a:rPr lang="en-US" sz="1800" dirty="0"/>
-              <a:t>);</a:t>
-            </a:r>
-          </a:p>
-          <a:p>
-            <a:r>
-              <a:rPr lang="en-US" sz="1800" dirty="0"/>
-              <a:t>        }</a:t>
-            </a:r>
-          </a:p>
-          <a:p>
-            <a:r>
-              <a:rPr lang="en-US" sz="1800" dirty="0"/>
-              <a:t>    }</a:t>
-            </a:r>
-            <a:endParaRPr lang="en-US" sz="1800" dirty="0" smtClean="0"/>
-          </a:p>
-          <a:p>
-            <a:pPr marL="0" indent="0">
-              <a:buNone/>
-            </a:pPr>
-            <a:endParaRPr lang="en-US" sz="1800" dirty="0"/>
+              <a:rPr lang="en-US" dirty="0" smtClean="0"/>
+              <a:t>Give the ship the ability to move up, down, right and left via the direction keys or (WASD).</a:t>
+            </a:r>
+          </a:p>
+          <a:p>
+            <a:r>
+              <a:rPr lang="en-US" dirty="0" smtClean="0"/>
+              <a:t>Give the ship the ability to shoot a laser.</a:t>
+            </a:r>
+          </a:p>
+          <a:p>
+            <a:r>
+              <a:rPr lang="en-US" dirty="0" smtClean="0"/>
+              <a:t>Have the background automatically move at a set pace</a:t>
+            </a:r>
+          </a:p>
+          <a:p>
+            <a:r>
+              <a:rPr lang="en-US" dirty="0" smtClean="0"/>
+              <a:t>Implement music in the main menus</a:t>
+            </a:r>
+          </a:p>
+          <a:p>
+            <a:r>
+              <a:rPr lang="en-US" dirty="0" smtClean="0"/>
+              <a:t>Implement the use of either a text file, or a graphic window that can scroll, to display the instructions.</a:t>
+            </a:r>
+            <a:endParaRPr lang="en-US" dirty="0"/>
           </a:p>
         </p:txBody>
       </p:sp>
     </p:spTree>
-    <p:extLst>
-      <p:ext uri="{BB962C8B-B14F-4D97-AF65-F5344CB8AC3E}">
-        <p14:creationId xmlns:p14="http://schemas.microsoft.com/office/powerpoint/2010/main" val="755878279"/>
-      </p:ext>
-    </p:extLst>
   </p:cSld>
   <p:clrMapOvr>
     <a:masterClrMapping/>
@@ -6224,1927 +6575,6 @@
 </file>
 
 <file path=ppt/slides/slide25.xml><?xml version="1.0" encoding="utf-8"?>
-<p:sld xmlns:a="http://schemas.openxmlformats.org/drawingml/2006/main" xmlns:r="http://schemas.openxmlformats.org/officeDocument/2006/relationships" xmlns:p="http://schemas.openxmlformats.org/presentationml/2006/main">
-  <p:cSld>
-    <p:spTree>
-      <p:nvGrpSpPr>
-        <p:cNvPr id="1" name=""/>
-        <p:cNvGrpSpPr/>
-        <p:nvPr/>
-      </p:nvGrpSpPr>
-      <p:grpSpPr>
-        <a:xfrm>
-          <a:off x="0" y="0"/>
-          <a:ext cx="0" cy="0"/>
-          <a:chOff x="0" y="0"/>
-          <a:chExt cx="0" cy="0"/>
-        </a:xfrm>
-      </p:grpSpPr>
-      <p:sp>
-        <p:nvSpPr>
-          <p:cNvPr id="2" name="Title 1"/>
-          <p:cNvSpPr>
-            <a:spLocks noGrp="1"/>
-          </p:cNvSpPr>
-          <p:nvPr>
-            <p:ph type="title"/>
-          </p:nvPr>
-        </p:nvSpPr>
-        <p:spPr/>
-        <p:txBody>
-          <a:bodyPr/>
-          <a:lstStyle/>
-          <a:p>
-            <a:r>
-              <a:rPr lang="en-US" dirty="0" smtClean="0"/>
-              <a:t>Player </a:t>
-            </a:r>
-            <a:r>
-              <a:rPr lang="en-US" dirty="0"/>
-              <a:t>Test Code</a:t>
-            </a:r>
-          </a:p>
-        </p:txBody>
-      </p:sp>
-      <p:sp>
-        <p:nvSpPr>
-          <p:cNvPr id="3" name="Content Placeholder 2"/>
-          <p:cNvSpPr>
-            <a:spLocks noGrp="1"/>
-          </p:cNvSpPr>
-          <p:nvPr>
-            <p:ph idx="1"/>
-          </p:nvPr>
-        </p:nvSpPr>
-        <p:spPr/>
-        <p:txBody>
-          <a:bodyPr/>
-          <a:lstStyle/>
-          <a:p>
-            <a:r>
-              <a:rPr lang="en-US" sz="2000" dirty="0"/>
-              <a:t>using System;</a:t>
-            </a:r>
-          </a:p>
-          <a:p>
-            <a:r>
-              <a:rPr lang="en-US" sz="2000" dirty="0"/>
-              <a:t>using </a:t>
-            </a:r>
-            <a:r>
-              <a:rPr lang="en-US" sz="2000" dirty="0" err="1"/>
-              <a:t>System.Text</a:t>
-            </a:r>
-            <a:r>
-              <a:rPr lang="en-US" sz="2000" dirty="0"/>
-              <a:t>;</a:t>
-            </a:r>
-          </a:p>
-          <a:p>
-            <a:r>
-              <a:rPr lang="en-US" sz="2000" dirty="0"/>
-              <a:t>using </a:t>
-            </a:r>
-            <a:r>
-              <a:rPr lang="en-US" sz="2000" dirty="0" err="1"/>
-              <a:t>System.Collections.Generic</a:t>
-            </a:r>
-            <a:r>
-              <a:rPr lang="en-US" sz="2000" dirty="0"/>
-              <a:t>;</a:t>
-            </a:r>
-          </a:p>
-          <a:p>
-            <a:r>
-              <a:rPr lang="en-US" sz="2000" dirty="0"/>
-              <a:t>using </a:t>
-            </a:r>
-            <a:r>
-              <a:rPr lang="en-US" sz="2000" dirty="0" err="1"/>
-              <a:t>System.Linq</a:t>
-            </a:r>
-            <a:r>
-              <a:rPr lang="en-US" sz="2000" dirty="0"/>
-              <a:t>;</a:t>
-            </a:r>
-          </a:p>
-          <a:p>
-            <a:r>
-              <a:rPr lang="en-US" sz="2000" dirty="0"/>
-              <a:t>using </a:t>
-            </a:r>
-            <a:r>
-              <a:rPr lang="en-US" sz="2000" dirty="0" err="1"/>
-              <a:t>Microsoft.VisualStudio.TestTools.UnitTesting</a:t>
-            </a:r>
-            <a:r>
-              <a:rPr lang="en-US" sz="2000" dirty="0"/>
-              <a:t>;</a:t>
-            </a:r>
-          </a:p>
-          <a:p>
-            <a:r>
-              <a:rPr lang="en-US" sz="2000" dirty="0"/>
-              <a:t>using </a:t>
-            </a:r>
-            <a:r>
-              <a:rPr lang="en-US" sz="2000" dirty="0" err="1"/>
-              <a:t>Project_Starfighter</a:t>
-            </a:r>
-            <a:r>
-              <a:rPr lang="en-US" sz="2000" dirty="0"/>
-              <a:t>;</a:t>
-            </a:r>
-          </a:p>
-          <a:p>
-            <a:r>
-              <a:rPr lang="en-US" sz="2000" dirty="0"/>
-              <a:t>using </a:t>
-            </a:r>
-            <a:r>
-              <a:rPr lang="en-US" sz="2000" dirty="0" err="1"/>
-              <a:t>Microsoft.Xna.Framework</a:t>
-            </a:r>
-            <a:r>
-              <a:rPr lang="en-US" sz="2000" dirty="0"/>
-              <a:t>;</a:t>
-            </a:r>
-          </a:p>
-          <a:p>
-            <a:r>
-              <a:rPr lang="en-US" sz="2000" dirty="0"/>
-              <a:t>using </a:t>
-            </a:r>
-            <a:r>
-              <a:rPr lang="en-US" sz="2000" dirty="0" err="1"/>
-              <a:t>Rhino.Mocks</a:t>
-            </a:r>
-            <a:r>
-              <a:rPr lang="en-US" sz="2000" dirty="0"/>
-              <a:t>;</a:t>
-            </a:r>
-          </a:p>
-          <a:p>
-            <a:endParaRPr lang="en-US" sz="2000" dirty="0"/>
-          </a:p>
-          <a:p>
-            <a:endParaRPr lang="en-US" sz="2000" dirty="0"/>
-          </a:p>
-          <a:p>
-            <a:r>
-              <a:rPr lang="en-US" sz="2000" dirty="0"/>
-              <a:t>namespace </a:t>
-            </a:r>
-            <a:r>
-              <a:rPr lang="en-US" sz="2000" dirty="0" err="1"/>
-              <a:t>Project_Starfighter_Test</a:t>
-            </a:r>
-            <a:endParaRPr lang="en-US" sz="2000" dirty="0"/>
-          </a:p>
-          <a:p>
-            <a:r>
-              <a:rPr lang="en-US" sz="2000" dirty="0"/>
-              <a:t>{</a:t>
-            </a:r>
-          </a:p>
-          <a:p>
-            <a:pPr marL="0" indent="0">
-              <a:buNone/>
-            </a:pPr>
-            <a:endParaRPr lang="en-US" sz="1800" dirty="0"/>
-          </a:p>
-        </p:txBody>
-      </p:sp>
-    </p:spTree>
-    <p:extLst>
-      <p:ext uri="{BB962C8B-B14F-4D97-AF65-F5344CB8AC3E}">
-        <p14:creationId xmlns:p14="http://schemas.microsoft.com/office/powerpoint/2010/main" val="2636330540"/>
-      </p:ext>
-    </p:extLst>
-  </p:cSld>
-  <p:clrMapOvr>
-    <a:masterClrMapping/>
-  </p:clrMapOvr>
-  <p:timing>
-    <p:tnLst>
-      <p:par>
-        <p:cTn id="1" dur="indefinite" restart="never" nodeType="tmRoot"/>
-      </p:par>
-    </p:tnLst>
-  </p:timing>
-</p:sld>
-</file>
-
-<file path=ppt/slides/slide26.xml><?xml version="1.0" encoding="utf-8"?>
-<p:sld xmlns:a="http://schemas.openxmlformats.org/drawingml/2006/main" xmlns:r="http://schemas.openxmlformats.org/officeDocument/2006/relationships" xmlns:p="http://schemas.openxmlformats.org/presentationml/2006/main">
-  <p:cSld>
-    <p:spTree>
-      <p:nvGrpSpPr>
-        <p:cNvPr id="1" name=""/>
-        <p:cNvGrpSpPr/>
-        <p:nvPr/>
-      </p:nvGrpSpPr>
-      <p:grpSpPr>
-        <a:xfrm>
-          <a:off x="0" y="0"/>
-          <a:ext cx="0" cy="0"/>
-          <a:chOff x="0" y="0"/>
-          <a:chExt cx="0" cy="0"/>
-        </a:xfrm>
-      </p:grpSpPr>
-      <p:sp>
-        <p:nvSpPr>
-          <p:cNvPr id="2" name="Title 1"/>
-          <p:cNvSpPr>
-            <a:spLocks noGrp="1"/>
-          </p:cNvSpPr>
-          <p:nvPr>
-            <p:ph type="title"/>
-          </p:nvPr>
-        </p:nvSpPr>
-        <p:spPr/>
-        <p:txBody>
-          <a:bodyPr/>
-          <a:lstStyle/>
-          <a:p>
-            <a:r>
-              <a:rPr lang="en-US" dirty="0" smtClean="0"/>
-              <a:t>Player </a:t>
-            </a:r>
-            <a:r>
-              <a:rPr lang="en-US" dirty="0"/>
-              <a:t>Test Code</a:t>
-            </a:r>
-          </a:p>
-        </p:txBody>
-      </p:sp>
-      <p:sp>
-        <p:nvSpPr>
-          <p:cNvPr id="3" name="Content Placeholder 2"/>
-          <p:cNvSpPr>
-            <a:spLocks noGrp="1"/>
-          </p:cNvSpPr>
-          <p:nvPr>
-            <p:ph idx="1"/>
-          </p:nvPr>
-        </p:nvSpPr>
-        <p:spPr/>
-        <p:txBody>
-          <a:bodyPr/>
-          <a:lstStyle/>
-          <a:p>
-            <a:r>
-              <a:rPr lang="en-US" sz="1800" dirty="0"/>
-              <a:t>[</a:t>
-            </a:r>
-            <a:r>
-              <a:rPr lang="en-US" sz="1800" dirty="0" err="1"/>
-              <a:t>TestClass</a:t>
-            </a:r>
-            <a:r>
-              <a:rPr lang="en-US" sz="1800" dirty="0"/>
-              <a:t>]</a:t>
-            </a:r>
-          </a:p>
-          <a:p>
-            <a:r>
-              <a:rPr lang="en-US" sz="1800" dirty="0"/>
-              <a:t>    public class </a:t>
-            </a:r>
-            <a:r>
-              <a:rPr lang="en-US" sz="1800" dirty="0" err="1"/>
-              <a:t>Player_Test</a:t>
-            </a:r>
-            <a:r>
-              <a:rPr lang="en-US" sz="1800" dirty="0"/>
-              <a:t> : </a:t>
-            </a:r>
-            <a:r>
-              <a:rPr lang="en-US" sz="1800" dirty="0" err="1"/>
-              <a:t>Microsoft.Xna.Framework.Game</a:t>
-            </a:r>
-            <a:endParaRPr lang="en-US" sz="1800" dirty="0"/>
-          </a:p>
-          <a:p>
-            <a:r>
-              <a:rPr lang="en-US" sz="1800" dirty="0"/>
-              <a:t>    {</a:t>
-            </a:r>
-          </a:p>
-          <a:p>
-            <a:r>
-              <a:rPr lang="en-US" sz="1800" dirty="0"/>
-              <a:t>        Player </a:t>
-            </a:r>
-            <a:r>
-              <a:rPr lang="en-US" sz="1800" dirty="0" err="1"/>
-              <a:t>testplay</a:t>
-            </a:r>
-            <a:r>
-              <a:rPr lang="en-US" sz="1800" dirty="0"/>
-              <a:t>;</a:t>
-            </a:r>
-          </a:p>
-          <a:p>
-            <a:r>
-              <a:rPr lang="en-US" sz="1800" dirty="0"/>
-              <a:t>        </a:t>
-            </a:r>
-            <a:r>
-              <a:rPr lang="en-US" sz="1800" dirty="0" err="1"/>
-              <a:t>GameTime</a:t>
-            </a:r>
-            <a:r>
-              <a:rPr lang="en-US" sz="1800" dirty="0"/>
-              <a:t> </a:t>
-            </a:r>
-            <a:r>
-              <a:rPr lang="en-US" sz="1800" dirty="0" err="1"/>
-              <a:t>gameTime</a:t>
-            </a:r>
-            <a:r>
-              <a:rPr lang="en-US" sz="1800" dirty="0"/>
-              <a:t>;</a:t>
-            </a:r>
-          </a:p>
-          <a:p>
-            <a:r>
-              <a:rPr lang="en-US" sz="1800" dirty="0"/>
-              <a:t>        //</a:t>
-            </a:r>
-            <a:r>
-              <a:rPr lang="en-US" sz="1800" dirty="0" err="1"/>
-              <a:t>SpriteBatch</a:t>
-            </a:r>
-            <a:r>
-              <a:rPr lang="en-US" sz="1800" dirty="0"/>
-              <a:t> </a:t>
-            </a:r>
-            <a:r>
-              <a:rPr lang="en-US" sz="1800" dirty="0" err="1"/>
-              <a:t>sp</a:t>
-            </a:r>
-            <a:r>
-              <a:rPr lang="en-US" sz="1800" dirty="0"/>
-              <a:t>;</a:t>
-            </a:r>
-          </a:p>
-          <a:p>
-            <a:endParaRPr lang="en-US" sz="1800" dirty="0"/>
-          </a:p>
-          <a:p>
-            <a:r>
-              <a:rPr lang="en-US" sz="1800" dirty="0"/>
-              <a:t>        public </a:t>
-            </a:r>
-            <a:r>
-              <a:rPr lang="en-US" sz="1800" dirty="0" err="1"/>
-              <a:t>Player_Test</a:t>
-            </a:r>
-            <a:r>
-              <a:rPr lang="en-US" sz="1800" dirty="0"/>
-              <a:t>()</a:t>
-            </a:r>
-          </a:p>
-          <a:p>
-            <a:r>
-              <a:rPr lang="en-US" sz="1800" dirty="0"/>
-              <a:t>        {</a:t>
-            </a:r>
-          </a:p>
-          <a:p>
-            <a:r>
-              <a:rPr lang="en-US" sz="1800" dirty="0"/>
-              <a:t>            Background </a:t>
-            </a:r>
-            <a:r>
-              <a:rPr lang="en-US" sz="1800" dirty="0" err="1"/>
-              <a:t>background</a:t>
-            </a:r>
-            <a:r>
-              <a:rPr lang="en-US" sz="1800" dirty="0"/>
-              <a:t> = new Background();</a:t>
-            </a:r>
-          </a:p>
-          <a:p>
-            <a:r>
-              <a:rPr lang="en-US" sz="1800" dirty="0"/>
-              <a:t>            </a:t>
-            </a:r>
-            <a:r>
-              <a:rPr lang="en-US" sz="1800" dirty="0" err="1"/>
-              <a:t>gameTime</a:t>
-            </a:r>
-            <a:r>
-              <a:rPr lang="en-US" sz="1800" dirty="0"/>
-              <a:t> = </a:t>
-            </a:r>
-            <a:r>
-              <a:rPr lang="en-US" sz="1800" dirty="0" err="1"/>
-              <a:t>MockRepository.GenerateStub</a:t>
-            </a:r>
-            <a:r>
-              <a:rPr lang="en-US" sz="1800" dirty="0"/>
-              <a:t>&lt;</a:t>
-            </a:r>
-            <a:r>
-              <a:rPr lang="en-US" sz="1800" dirty="0" err="1"/>
-              <a:t>GameTime</a:t>
-            </a:r>
-            <a:r>
-              <a:rPr lang="en-US" sz="1800" dirty="0"/>
-              <a:t>&gt;();</a:t>
-            </a:r>
-          </a:p>
-          <a:p>
-            <a:r>
-              <a:rPr lang="en-US" sz="1800" dirty="0"/>
-              <a:t>            </a:t>
-            </a:r>
-            <a:r>
-              <a:rPr lang="en-US" sz="1800" dirty="0" err="1"/>
-              <a:t>testplay</a:t>
-            </a:r>
-            <a:r>
-              <a:rPr lang="en-US" sz="1800" dirty="0"/>
-              <a:t> = new Player();</a:t>
-            </a:r>
-          </a:p>
-          <a:p>
-            <a:r>
-              <a:rPr lang="en-US" sz="1800" dirty="0"/>
-              <a:t>            //</a:t>
-            </a:r>
-            <a:r>
-              <a:rPr lang="en-US" sz="1800" dirty="0" err="1"/>
-              <a:t>sb</a:t>
-            </a:r>
-            <a:r>
-              <a:rPr lang="en-US" sz="1800" dirty="0"/>
-              <a:t> = </a:t>
-            </a:r>
-            <a:r>
-              <a:rPr lang="en-US" sz="1800" dirty="0" err="1"/>
-              <a:t>MockRepository.GenerateStub</a:t>
-            </a:r>
-            <a:r>
-              <a:rPr lang="en-US" sz="1800" dirty="0"/>
-              <a:t>&lt;</a:t>
-            </a:r>
-            <a:r>
-              <a:rPr lang="en-US" sz="1800" dirty="0" err="1"/>
-              <a:t>SpriteBatch</a:t>
-            </a:r>
-            <a:r>
-              <a:rPr lang="en-US" sz="1800" dirty="0"/>
-              <a:t>&gt;();</a:t>
-            </a:r>
-          </a:p>
-          <a:p>
-            <a:r>
-              <a:rPr lang="en-US" sz="1800" dirty="0"/>
-              <a:t>        }</a:t>
-            </a:r>
-          </a:p>
-          <a:p>
-            <a:pPr marL="0" indent="0">
-              <a:buNone/>
-            </a:pPr>
-            <a:endParaRPr lang="en-US" sz="1800" dirty="0"/>
-          </a:p>
-        </p:txBody>
-      </p:sp>
-    </p:spTree>
-    <p:extLst>
-      <p:ext uri="{BB962C8B-B14F-4D97-AF65-F5344CB8AC3E}">
-        <p14:creationId xmlns:p14="http://schemas.microsoft.com/office/powerpoint/2010/main" val="3670958368"/>
-      </p:ext>
-    </p:extLst>
-  </p:cSld>
-  <p:clrMapOvr>
-    <a:masterClrMapping/>
-  </p:clrMapOvr>
-  <p:timing>
-    <p:tnLst>
-      <p:par>
-        <p:cTn id="1" dur="indefinite" restart="never" nodeType="tmRoot"/>
-      </p:par>
-    </p:tnLst>
-  </p:timing>
-</p:sld>
-</file>
-
-<file path=ppt/slides/slide27.xml><?xml version="1.0" encoding="utf-8"?>
-<p:sld xmlns:a="http://schemas.openxmlformats.org/drawingml/2006/main" xmlns:r="http://schemas.openxmlformats.org/officeDocument/2006/relationships" xmlns:p="http://schemas.openxmlformats.org/presentationml/2006/main">
-  <p:cSld>
-    <p:spTree>
-      <p:nvGrpSpPr>
-        <p:cNvPr id="1" name=""/>
-        <p:cNvGrpSpPr/>
-        <p:nvPr/>
-      </p:nvGrpSpPr>
-      <p:grpSpPr>
-        <a:xfrm>
-          <a:off x="0" y="0"/>
-          <a:ext cx="0" cy="0"/>
-          <a:chOff x="0" y="0"/>
-          <a:chExt cx="0" cy="0"/>
-        </a:xfrm>
-      </p:grpSpPr>
-      <p:sp>
-        <p:nvSpPr>
-          <p:cNvPr id="2" name="Title 1"/>
-          <p:cNvSpPr>
-            <a:spLocks noGrp="1"/>
-          </p:cNvSpPr>
-          <p:nvPr>
-            <p:ph type="title"/>
-          </p:nvPr>
-        </p:nvSpPr>
-        <p:spPr/>
-        <p:txBody>
-          <a:bodyPr/>
-          <a:lstStyle/>
-          <a:p>
-            <a:r>
-              <a:rPr lang="en-US" dirty="0" smtClean="0"/>
-              <a:t>Player </a:t>
-            </a:r>
-            <a:r>
-              <a:rPr lang="en-US" dirty="0"/>
-              <a:t>Test Code</a:t>
-            </a:r>
-          </a:p>
-        </p:txBody>
-      </p:sp>
-      <p:sp>
-        <p:nvSpPr>
-          <p:cNvPr id="3" name="Content Placeholder 2"/>
-          <p:cNvSpPr>
-            <a:spLocks noGrp="1"/>
-          </p:cNvSpPr>
-          <p:nvPr>
-            <p:ph idx="1"/>
-          </p:nvPr>
-        </p:nvSpPr>
-        <p:spPr/>
-        <p:txBody>
-          <a:bodyPr/>
-          <a:lstStyle/>
-          <a:p>
-            <a:r>
-              <a:rPr lang="en-US" sz="1800" dirty="0"/>
-              <a:t>[</a:t>
-            </a:r>
-            <a:r>
-              <a:rPr lang="en-US" sz="1800" dirty="0" err="1"/>
-              <a:t>TestMethod</a:t>
-            </a:r>
-            <a:r>
-              <a:rPr lang="en-US" sz="1800" dirty="0"/>
-              <a:t>]</a:t>
-            </a:r>
-          </a:p>
-          <a:p>
-            <a:r>
-              <a:rPr lang="en-US" sz="1800" dirty="0"/>
-              <a:t>        public void </a:t>
-            </a:r>
-            <a:r>
-              <a:rPr lang="en-US" sz="1800" dirty="0" err="1"/>
-              <a:t>XPosition_Test</a:t>
-            </a:r>
-            <a:r>
-              <a:rPr lang="en-US" sz="1800" dirty="0"/>
-              <a:t>()</a:t>
-            </a:r>
-          </a:p>
-          <a:p>
-            <a:r>
-              <a:rPr lang="en-US" sz="1800" dirty="0"/>
-              <a:t>        {</a:t>
-            </a:r>
-          </a:p>
-          <a:p>
-            <a:r>
-              <a:rPr lang="en-US" sz="1800" dirty="0"/>
-              <a:t>            </a:t>
-            </a:r>
-            <a:r>
-              <a:rPr lang="en-US" sz="1800" dirty="0" err="1"/>
-              <a:t>testplay.X</a:t>
-            </a:r>
-            <a:r>
-              <a:rPr lang="en-US" sz="1800" dirty="0"/>
-              <a:t> = 11;</a:t>
-            </a:r>
-          </a:p>
-          <a:p>
-            <a:r>
-              <a:rPr lang="en-US" sz="1800" dirty="0"/>
-              <a:t>            </a:t>
-            </a:r>
-            <a:r>
-              <a:rPr lang="en-US" sz="1800" dirty="0" err="1"/>
-              <a:t>Assert.IsTrue</a:t>
-            </a:r>
-            <a:r>
-              <a:rPr lang="en-US" sz="1800" dirty="0"/>
-              <a:t>(11 == </a:t>
-            </a:r>
-            <a:r>
-              <a:rPr lang="en-US" sz="1800" dirty="0" err="1"/>
-              <a:t>testplay.X</a:t>
-            </a:r>
-            <a:r>
-              <a:rPr lang="en-US" sz="1800" dirty="0"/>
-              <a:t>);</a:t>
-            </a:r>
-          </a:p>
-          <a:p>
-            <a:r>
-              <a:rPr lang="en-US" sz="1800" dirty="0"/>
-              <a:t>        }</a:t>
-            </a:r>
-          </a:p>
-          <a:p>
-            <a:endParaRPr lang="en-US" sz="1800" dirty="0"/>
-          </a:p>
-          <a:p>
-            <a:r>
-              <a:rPr lang="en-US" sz="1800" dirty="0"/>
-              <a:t>        [</a:t>
-            </a:r>
-            <a:r>
-              <a:rPr lang="en-US" sz="1800" dirty="0" err="1"/>
-              <a:t>TestMethod</a:t>
-            </a:r>
-            <a:r>
-              <a:rPr lang="en-US" sz="1800" dirty="0"/>
-              <a:t>]</a:t>
-            </a:r>
-          </a:p>
-          <a:p>
-            <a:r>
-              <a:rPr lang="en-US" sz="1800" dirty="0"/>
-              <a:t>        public void </a:t>
-            </a:r>
-            <a:r>
-              <a:rPr lang="en-US" sz="1800" dirty="0" err="1"/>
-              <a:t>YPosition_Test</a:t>
-            </a:r>
-            <a:r>
-              <a:rPr lang="en-US" sz="1800" dirty="0"/>
-              <a:t>()</a:t>
-            </a:r>
-          </a:p>
-          <a:p>
-            <a:r>
-              <a:rPr lang="en-US" sz="1800" dirty="0"/>
-              <a:t>        {</a:t>
-            </a:r>
-          </a:p>
-          <a:p>
-            <a:r>
-              <a:rPr lang="en-US" sz="1800" dirty="0"/>
-              <a:t>            </a:t>
-            </a:r>
-            <a:r>
-              <a:rPr lang="en-US" sz="1800" dirty="0" err="1"/>
-              <a:t>testplay.Y</a:t>
-            </a:r>
-            <a:r>
-              <a:rPr lang="en-US" sz="1800" dirty="0"/>
-              <a:t> = 12;</a:t>
-            </a:r>
-          </a:p>
-          <a:p>
-            <a:r>
-              <a:rPr lang="en-US" sz="1800" dirty="0"/>
-              <a:t>            </a:t>
-            </a:r>
-            <a:r>
-              <a:rPr lang="en-US" sz="1800" dirty="0" err="1"/>
-              <a:t>Assert.IsTrue</a:t>
-            </a:r>
-            <a:r>
-              <a:rPr lang="en-US" sz="1800" dirty="0"/>
-              <a:t>(12 == </a:t>
-            </a:r>
-            <a:r>
-              <a:rPr lang="en-US" sz="1800" dirty="0" err="1"/>
-              <a:t>testplay.Y</a:t>
-            </a:r>
-            <a:r>
-              <a:rPr lang="en-US" sz="1800" dirty="0"/>
-              <a:t>);</a:t>
-            </a:r>
-          </a:p>
-          <a:p>
-            <a:r>
-              <a:rPr lang="en-US" sz="1800" dirty="0"/>
-              <a:t>        }</a:t>
-            </a:r>
-          </a:p>
-          <a:p>
-            <a:pPr marL="0" indent="0">
-              <a:buNone/>
-            </a:pPr>
-            <a:endParaRPr lang="en-US" sz="1800" dirty="0"/>
-          </a:p>
-        </p:txBody>
-      </p:sp>
-    </p:spTree>
-    <p:extLst>
-      <p:ext uri="{BB962C8B-B14F-4D97-AF65-F5344CB8AC3E}">
-        <p14:creationId xmlns:p14="http://schemas.microsoft.com/office/powerpoint/2010/main" val="1077691534"/>
-      </p:ext>
-    </p:extLst>
-  </p:cSld>
-  <p:clrMapOvr>
-    <a:masterClrMapping/>
-  </p:clrMapOvr>
-  <p:timing>
-    <p:tnLst>
-      <p:par>
-        <p:cTn id="1" dur="indefinite" restart="never" nodeType="tmRoot"/>
-      </p:par>
-    </p:tnLst>
-  </p:timing>
-</p:sld>
-</file>
-
-<file path=ppt/slides/slide28.xml><?xml version="1.0" encoding="utf-8"?>
-<p:sld xmlns:a="http://schemas.openxmlformats.org/drawingml/2006/main" xmlns:r="http://schemas.openxmlformats.org/officeDocument/2006/relationships" xmlns:p="http://schemas.openxmlformats.org/presentationml/2006/main">
-  <p:cSld>
-    <p:spTree>
-      <p:nvGrpSpPr>
-        <p:cNvPr id="1" name=""/>
-        <p:cNvGrpSpPr/>
-        <p:nvPr/>
-      </p:nvGrpSpPr>
-      <p:grpSpPr>
-        <a:xfrm>
-          <a:off x="0" y="0"/>
-          <a:ext cx="0" cy="0"/>
-          <a:chOff x="0" y="0"/>
-          <a:chExt cx="0" cy="0"/>
-        </a:xfrm>
-      </p:grpSpPr>
-      <p:sp>
-        <p:nvSpPr>
-          <p:cNvPr id="2" name="Title 1"/>
-          <p:cNvSpPr>
-            <a:spLocks noGrp="1"/>
-          </p:cNvSpPr>
-          <p:nvPr>
-            <p:ph type="title"/>
-          </p:nvPr>
-        </p:nvSpPr>
-        <p:spPr/>
-        <p:txBody>
-          <a:bodyPr/>
-          <a:lstStyle/>
-          <a:p>
-            <a:r>
-              <a:rPr lang="en-US" dirty="0" smtClean="0"/>
-              <a:t>Player </a:t>
-            </a:r>
-            <a:r>
-              <a:rPr lang="en-US" dirty="0"/>
-              <a:t>Test Code</a:t>
-            </a:r>
-          </a:p>
-        </p:txBody>
-      </p:sp>
-      <p:sp>
-        <p:nvSpPr>
-          <p:cNvPr id="3" name="Content Placeholder 2"/>
-          <p:cNvSpPr>
-            <a:spLocks noGrp="1"/>
-          </p:cNvSpPr>
-          <p:nvPr>
-            <p:ph idx="1"/>
-          </p:nvPr>
-        </p:nvSpPr>
-        <p:spPr/>
-        <p:txBody>
-          <a:bodyPr/>
-          <a:lstStyle/>
-          <a:p>
-            <a:r>
-              <a:rPr lang="en-US" sz="1800" dirty="0"/>
-              <a:t> [</a:t>
-            </a:r>
-            <a:r>
-              <a:rPr lang="en-US" sz="1800" dirty="0" err="1"/>
-              <a:t>TestMethod</a:t>
-            </a:r>
-            <a:r>
-              <a:rPr lang="en-US" sz="1800" dirty="0"/>
-              <a:t>]</a:t>
-            </a:r>
-          </a:p>
-          <a:p>
-            <a:r>
-              <a:rPr lang="en-US" sz="1800" dirty="0"/>
-              <a:t>        public void </a:t>
-            </a:r>
-            <a:r>
-              <a:rPr lang="en-US" sz="1800" dirty="0" err="1"/>
-              <a:t>Facing_Test</a:t>
-            </a:r>
-            <a:r>
-              <a:rPr lang="en-US" sz="1800" dirty="0"/>
-              <a:t>()</a:t>
-            </a:r>
-          </a:p>
-          <a:p>
-            <a:r>
-              <a:rPr lang="en-US" sz="1800" dirty="0"/>
-              <a:t>        {</a:t>
-            </a:r>
-          </a:p>
-          <a:p>
-            <a:r>
-              <a:rPr lang="en-US" sz="1800" dirty="0"/>
-              <a:t>            </a:t>
-            </a:r>
-            <a:r>
-              <a:rPr lang="en-US" sz="1800" dirty="0" err="1"/>
-              <a:t>testplay.Facing</a:t>
-            </a:r>
-            <a:r>
-              <a:rPr lang="en-US" sz="1800" dirty="0"/>
-              <a:t> = 1;</a:t>
-            </a:r>
-          </a:p>
-          <a:p>
-            <a:r>
-              <a:rPr lang="en-US" sz="1800" dirty="0"/>
-              <a:t>            </a:t>
-            </a:r>
-            <a:r>
-              <a:rPr lang="en-US" sz="1800" dirty="0" err="1"/>
-              <a:t>Assert.IsTrue</a:t>
-            </a:r>
-            <a:r>
-              <a:rPr lang="en-US" sz="1800" dirty="0"/>
-              <a:t>(1 == </a:t>
-            </a:r>
-            <a:r>
-              <a:rPr lang="en-US" sz="1800" dirty="0" err="1"/>
-              <a:t>testplay.Facing</a:t>
-            </a:r>
-            <a:r>
-              <a:rPr lang="en-US" sz="1800" dirty="0"/>
-              <a:t>);</a:t>
-            </a:r>
-          </a:p>
-          <a:p>
-            <a:r>
-              <a:rPr lang="en-US" sz="1800" dirty="0"/>
-              <a:t>        }</a:t>
-            </a:r>
-          </a:p>
-          <a:p>
-            <a:endParaRPr lang="en-US" sz="1800" dirty="0"/>
-          </a:p>
-          <a:p>
-            <a:r>
-              <a:rPr lang="en-US" sz="1800" dirty="0"/>
-              <a:t>        [</a:t>
-            </a:r>
-            <a:r>
-              <a:rPr lang="en-US" sz="1800" dirty="0" err="1"/>
-              <a:t>TestMethod</a:t>
-            </a:r>
-            <a:r>
-              <a:rPr lang="en-US" sz="1800" dirty="0"/>
-              <a:t>]</a:t>
-            </a:r>
-          </a:p>
-          <a:p>
-            <a:r>
-              <a:rPr lang="en-US" sz="1800" dirty="0"/>
-              <a:t>        public void </a:t>
-            </a:r>
-            <a:r>
-              <a:rPr lang="en-US" sz="1800" dirty="0" err="1"/>
-              <a:t>Thrusting_Test</a:t>
-            </a:r>
-            <a:r>
-              <a:rPr lang="en-US" sz="1800" dirty="0"/>
-              <a:t>()</a:t>
-            </a:r>
-          </a:p>
-          <a:p>
-            <a:r>
-              <a:rPr lang="en-US" sz="1800" dirty="0"/>
-              <a:t>        {</a:t>
-            </a:r>
-          </a:p>
-          <a:p>
-            <a:r>
-              <a:rPr lang="en-US" sz="1800" dirty="0"/>
-              <a:t>            </a:t>
-            </a:r>
-            <a:r>
-              <a:rPr lang="en-US" sz="1800" dirty="0" err="1"/>
-              <a:t>testplay.Thrusting</a:t>
-            </a:r>
-            <a:r>
-              <a:rPr lang="en-US" sz="1800" dirty="0"/>
-              <a:t> = true;</a:t>
-            </a:r>
-          </a:p>
-          <a:p>
-            <a:r>
-              <a:rPr lang="en-US" sz="1800" dirty="0"/>
-              <a:t>            </a:t>
-            </a:r>
-            <a:r>
-              <a:rPr lang="en-US" sz="1800" dirty="0" err="1"/>
-              <a:t>Assert.IsTrue</a:t>
-            </a:r>
-            <a:r>
-              <a:rPr lang="en-US" sz="1800" dirty="0"/>
-              <a:t>(true == </a:t>
-            </a:r>
-            <a:r>
-              <a:rPr lang="en-US" sz="1800" dirty="0" err="1"/>
-              <a:t>testplay.Thrusting</a:t>
-            </a:r>
-            <a:r>
-              <a:rPr lang="en-US" sz="1800" dirty="0"/>
-              <a:t>);</a:t>
-            </a:r>
-          </a:p>
-          <a:p>
-            <a:r>
-              <a:rPr lang="en-US" sz="1800" dirty="0"/>
-              <a:t>        }</a:t>
-            </a:r>
-          </a:p>
-          <a:p>
-            <a:pPr marL="0" indent="0">
-              <a:buNone/>
-            </a:pPr>
-            <a:endParaRPr lang="en-US" sz="1800" dirty="0"/>
-          </a:p>
-        </p:txBody>
-      </p:sp>
-    </p:spTree>
-    <p:extLst>
-      <p:ext uri="{BB962C8B-B14F-4D97-AF65-F5344CB8AC3E}">
-        <p14:creationId xmlns:p14="http://schemas.microsoft.com/office/powerpoint/2010/main" val="1077691534"/>
-      </p:ext>
-    </p:extLst>
-  </p:cSld>
-  <p:clrMapOvr>
-    <a:masterClrMapping/>
-  </p:clrMapOvr>
-  <p:timing>
-    <p:tnLst>
-      <p:par>
-        <p:cTn id="1" dur="indefinite" restart="never" nodeType="tmRoot"/>
-      </p:par>
-    </p:tnLst>
-  </p:timing>
-</p:sld>
-</file>
-
-<file path=ppt/slides/slide29.xml><?xml version="1.0" encoding="utf-8"?>
-<p:sld xmlns:a="http://schemas.openxmlformats.org/drawingml/2006/main" xmlns:r="http://schemas.openxmlformats.org/officeDocument/2006/relationships" xmlns:p="http://schemas.openxmlformats.org/presentationml/2006/main">
-  <p:cSld>
-    <p:spTree>
-      <p:nvGrpSpPr>
-        <p:cNvPr id="1" name=""/>
-        <p:cNvGrpSpPr/>
-        <p:nvPr/>
-      </p:nvGrpSpPr>
-      <p:grpSpPr>
-        <a:xfrm>
-          <a:off x="0" y="0"/>
-          <a:ext cx="0" cy="0"/>
-          <a:chOff x="0" y="0"/>
-          <a:chExt cx="0" cy="0"/>
-        </a:xfrm>
-      </p:grpSpPr>
-      <p:sp>
-        <p:nvSpPr>
-          <p:cNvPr id="2" name="Title 1"/>
-          <p:cNvSpPr>
-            <a:spLocks noGrp="1"/>
-          </p:cNvSpPr>
-          <p:nvPr>
-            <p:ph type="title"/>
-          </p:nvPr>
-        </p:nvSpPr>
-        <p:spPr/>
-        <p:txBody>
-          <a:bodyPr/>
-          <a:lstStyle/>
-          <a:p>
-            <a:r>
-              <a:rPr lang="en-US" dirty="0" smtClean="0"/>
-              <a:t>Player </a:t>
-            </a:r>
-            <a:r>
-              <a:rPr lang="en-US" dirty="0"/>
-              <a:t>Test Code</a:t>
-            </a:r>
-          </a:p>
-        </p:txBody>
-      </p:sp>
-      <p:sp>
-        <p:nvSpPr>
-          <p:cNvPr id="3" name="Content Placeholder 2"/>
-          <p:cNvSpPr>
-            <a:spLocks noGrp="1"/>
-          </p:cNvSpPr>
-          <p:nvPr>
-            <p:ph idx="1"/>
-          </p:nvPr>
-        </p:nvSpPr>
-        <p:spPr/>
-        <p:txBody>
-          <a:bodyPr/>
-          <a:lstStyle/>
-          <a:p>
-            <a:r>
-              <a:rPr lang="en-US" sz="1800" dirty="0"/>
-              <a:t> [</a:t>
-            </a:r>
-            <a:r>
-              <a:rPr lang="en-US" sz="1800" dirty="0" err="1"/>
-              <a:t>TestMethod</a:t>
-            </a:r>
-            <a:r>
-              <a:rPr lang="en-US" sz="1800" dirty="0"/>
-              <a:t>]</a:t>
-            </a:r>
-          </a:p>
-          <a:p>
-            <a:r>
-              <a:rPr lang="en-US" sz="1800" dirty="0"/>
-              <a:t>        public void </a:t>
-            </a:r>
-            <a:r>
-              <a:rPr lang="en-US" sz="1800" dirty="0" err="1"/>
-              <a:t>ScrollRate_Test</a:t>
-            </a:r>
-            <a:r>
-              <a:rPr lang="en-US" sz="1800" dirty="0"/>
-              <a:t>()</a:t>
-            </a:r>
-          </a:p>
-          <a:p>
-            <a:r>
-              <a:rPr lang="en-US" sz="1800" dirty="0"/>
-              <a:t>        {</a:t>
-            </a:r>
-          </a:p>
-          <a:p>
-            <a:r>
-              <a:rPr lang="en-US" sz="1800" dirty="0"/>
-              <a:t>            </a:t>
-            </a:r>
-            <a:r>
-              <a:rPr lang="en-US" sz="1800" dirty="0" err="1"/>
-              <a:t>testplay.ScrollRate</a:t>
-            </a:r>
-            <a:r>
-              <a:rPr lang="en-US" sz="1800" dirty="0"/>
-              <a:t> = 2;</a:t>
-            </a:r>
-          </a:p>
-          <a:p>
-            <a:r>
-              <a:rPr lang="en-US" sz="1800" dirty="0"/>
-              <a:t>            </a:t>
-            </a:r>
-            <a:r>
-              <a:rPr lang="en-US" sz="1800" dirty="0" err="1"/>
-              <a:t>Assert.IsTrue</a:t>
-            </a:r>
-            <a:r>
-              <a:rPr lang="en-US" sz="1800" dirty="0"/>
-              <a:t>(2 == </a:t>
-            </a:r>
-            <a:r>
-              <a:rPr lang="en-US" sz="1800" dirty="0" err="1"/>
-              <a:t>testplay.ScrollRate</a:t>
-            </a:r>
-            <a:r>
-              <a:rPr lang="en-US" sz="1800" dirty="0"/>
-              <a:t>);</a:t>
-            </a:r>
-          </a:p>
-          <a:p>
-            <a:r>
-              <a:rPr lang="en-US" sz="1800" dirty="0"/>
-              <a:t>        }</a:t>
-            </a:r>
-          </a:p>
-          <a:p>
-            <a:endParaRPr lang="en-US" sz="1800" dirty="0"/>
-          </a:p>
-          <a:p>
-            <a:r>
-              <a:rPr lang="en-US" sz="1800" dirty="0"/>
-              <a:t>        [</a:t>
-            </a:r>
-            <a:r>
-              <a:rPr lang="en-US" sz="1800" dirty="0" err="1"/>
-              <a:t>TestMethod</a:t>
-            </a:r>
-            <a:r>
-              <a:rPr lang="en-US" sz="1800" dirty="0"/>
-              <a:t>]</a:t>
-            </a:r>
-          </a:p>
-          <a:p>
-            <a:r>
-              <a:rPr lang="en-US" sz="1800" dirty="0"/>
-              <a:t>        public void </a:t>
-            </a:r>
-            <a:r>
-              <a:rPr lang="en-US" sz="1800" dirty="0" err="1"/>
-              <a:t>AccelRate_Test</a:t>
-            </a:r>
-            <a:r>
-              <a:rPr lang="en-US" sz="1800" dirty="0"/>
-              <a:t>()</a:t>
-            </a:r>
-          </a:p>
-          <a:p>
-            <a:r>
-              <a:rPr lang="en-US" sz="1800" dirty="0"/>
-              <a:t>        {</a:t>
-            </a:r>
-          </a:p>
-          <a:p>
-            <a:r>
-              <a:rPr lang="en-US" sz="1800" dirty="0"/>
-              <a:t>            </a:t>
-            </a:r>
-            <a:r>
-              <a:rPr lang="en-US" sz="1800" dirty="0" err="1"/>
-              <a:t>testplay.AccelerationRate</a:t>
-            </a:r>
-            <a:r>
-              <a:rPr lang="en-US" sz="1800" dirty="0"/>
-              <a:t> = 3;</a:t>
-            </a:r>
-          </a:p>
-          <a:p>
-            <a:r>
-              <a:rPr lang="en-US" sz="1800" dirty="0"/>
-              <a:t>            </a:t>
-            </a:r>
-            <a:r>
-              <a:rPr lang="en-US" sz="1800" dirty="0" err="1"/>
-              <a:t>Assert.IsTrue</a:t>
-            </a:r>
-            <a:r>
-              <a:rPr lang="en-US" sz="1800" dirty="0"/>
-              <a:t>(3 == </a:t>
-            </a:r>
-            <a:r>
-              <a:rPr lang="en-US" sz="1800" dirty="0" err="1"/>
-              <a:t>testplay.AccelerationRate</a:t>
-            </a:r>
-            <a:r>
-              <a:rPr lang="en-US" sz="1800" dirty="0"/>
-              <a:t>);</a:t>
-            </a:r>
-          </a:p>
-          <a:p>
-            <a:r>
-              <a:rPr lang="en-US" sz="1800" dirty="0"/>
-              <a:t>        }</a:t>
-            </a:r>
-          </a:p>
-          <a:p>
-            <a:pPr marL="0" indent="0">
-              <a:buNone/>
-            </a:pPr>
-            <a:endParaRPr lang="en-US" sz="1800" dirty="0"/>
-          </a:p>
-        </p:txBody>
-      </p:sp>
-    </p:spTree>
-    <p:extLst>
-      <p:ext uri="{BB962C8B-B14F-4D97-AF65-F5344CB8AC3E}">
-        <p14:creationId xmlns:p14="http://schemas.microsoft.com/office/powerpoint/2010/main" val="258984763"/>
-      </p:ext>
-    </p:extLst>
-  </p:cSld>
-  <p:clrMapOvr>
-    <a:masterClrMapping/>
-  </p:clrMapOvr>
-  <p:timing>
-    <p:tnLst>
-      <p:par>
-        <p:cTn id="1" dur="indefinite" restart="never" nodeType="tmRoot"/>
-      </p:par>
-    </p:tnLst>
-  </p:timing>
-</p:sld>
-</file>
-
-<file path=ppt/slides/slide3.xml><?xml version="1.0" encoding="utf-8"?>
-<p:sld xmlns:a="http://schemas.openxmlformats.org/drawingml/2006/main" xmlns:r="http://schemas.openxmlformats.org/officeDocument/2006/relationships" xmlns:p="http://schemas.openxmlformats.org/presentationml/2006/main">
-  <p:cSld>
-    <p:spTree>
-      <p:nvGrpSpPr>
-        <p:cNvPr id="1" name=""/>
-        <p:cNvGrpSpPr/>
-        <p:nvPr/>
-      </p:nvGrpSpPr>
-      <p:grpSpPr>
-        <a:xfrm>
-          <a:off x="0" y="0"/>
-          <a:ext cx="0" cy="0"/>
-          <a:chOff x="0" y="0"/>
-          <a:chExt cx="0" cy="0"/>
-        </a:xfrm>
-      </p:grpSpPr>
-      <p:sp>
-        <p:nvSpPr>
-          <p:cNvPr id="2" name="Title 1"/>
-          <p:cNvSpPr>
-            <a:spLocks noGrp="1"/>
-          </p:cNvSpPr>
-          <p:nvPr>
-            <p:ph type="title"/>
-          </p:nvPr>
-        </p:nvSpPr>
-        <p:spPr/>
-        <p:txBody>
-          <a:bodyPr/>
-          <a:lstStyle/>
-          <a:p>
-            <a:r>
-              <a:rPr lang="en-US" dirty="0" smtClean="0"/>
-              <a:t>User Stories for 1.0 Part 2</a:t>
-            </a:r>
-            <a:endParaRPr lang="en-US" dirty="0"/>
-          </a:p>
-        </p:txBody>
-      </p:sp>
-      <p:sp>
-        <p:nvSpPr>
-          <p:cNvPr id="3" name="Content Placeholder 2"/>
-          <p:cNvSpPr>
-            <a:spLocks noGrp="1"/>
-          </p:cNvSpPr>
-          <p:nvPr>
-            <p:ph idx="1"/>
-          </p:nvPr>
-        </p:nvSpPr>
-        <p:spPr/>
-        <p:txBody>
-          <a:bodyPr/>
-          <a:lstStyle/>
-          <a:p>
-            <a:r>
-              <a:rPr lang="en-US" sz="2800" b="1" dirty="0" smtClean="0"/>
-              <a:t>As a user who clicks on the menu option, 'scores,' I want to be presented with a list of the highest scores.</a:t>
-            </a:r>
-          </a:p>
-          <a:p>
-            <a:r>
-              <a:rPr lang="en-US" sz="2800" b="1" dirty="0" smtClean="0"/>
-              <a:t>As a user who clicks on the menu option, 'Quit,' I want to close the game.</a:t>
-            </a:r>
-          </a:p>
-          <a:p>
-            <a:r>
-              <a:rPr lang="en-US" sz="2800" b="1" dirty="0" smtClean="0"/>
-              <a:t>As a user who clicks on the menu option, 'instructions,' I want to be presented with the instructions to play the game.</a:t>
-            </a:r>
-          </a:p>
-          <a:p>
-            <a:r>
-              <a:rPr lang="en-US" sz="2800" b="1" dirty="0" smtClean="0"/>
-              <a:t>As a user who clicks on the </a:t>
-            </a:r>
-            <a:r>
-              <a:rPr lang="en-US" sz="2800" b="1" dirty="0" err="1" smtClean="0"/>
-              <a:t>mnu</a:t>
-            </a:r>
-            <a:r>
-              <a:rPr lang="en-US" sz="2800" b="1" dirty="0" smtClean="0"/>
-              <a:t> option, ‘credits,’ I want to be presented with the credits for the game</a:t>
-            </a:r>
-          </a:p>
-          <a:p>
-            <a:endParaRPr lang="en-US" sz="2800" dirty="0" smtClean="0"/>
-          </a:p>
-          <a:p>
-            <a:endParaRPr lang="en-US" sz="2800" dirty="0"/>
-          </a:p>
-        </p:txBody>
-      </p:sp>
-    </p:spTree>
-  </p:cSld>
-  <p:clrMapOvr>
-    <a:masterClrMapping/>
-  </p:clrMapOvr>
-  <p:timing>
-    <p:tnLst>
-      <p:par>
-        <p:cTn id="1" dur="indefinite" restart="never" nodeType="tmRoot"/>
-      </p:par>
-    </p:tnLst>
-  </p:timing>
-</p:sld>
-</file>
-
-<file path=ppt/slides/slide30.xml><?xml version="1.0" encoding="utf-8"?>
-<p:sld xmlns:a="http://schemas.openxmlformats.org/drawingml/2006/main" xmlns:r="http://schemas.openxmlformats.org/officeDocument/2006/relationships" xmlns:p="http://schemas.openxmlformats.org/presentationml/2006/main">
-  <p:cSld>
-    <p:spTree>
-      <p:nvGrpSpPr>
-        <p:cNvPr id="1" name=""/>
-        <p:cNvGrpSpPr/>
-        <p:nvPr/>
-      </p:nvGrpSpPr>
-      <p:grpSpPr>
-        <a:xfrm>
-          <a:off x="0" y="0"/>
-          <a:ext cx="0" cy="0"/>
-          <a:chOff x="0" y="0"/>
-          <a:chExt cx="0" cy="0"/>
-        </a:xfrm>
-      </p:grpSpPr>
-      <p:sp>
-        <p:nvSpPr>
-          <p:cNvPr id="2" name="Title 1"/>
-          <p:cNvSpPr>
-            <a:spLocks noGrp="1"/>
-          </p:cNvSpPr>
-          <p:nvPr>
-            <p:ph type="title"/>
-          </p:nvPr>
-        </p:nvSpPr>
-        <p:spPr/>
-        <p:txBody>
-          <a:bodyPr/>
-          <a:lstStyle/>
-          <a:p>
-            <a:r>
-              <a:rPr lang="en-US" dirty="0" smtClean="0"/>
-              <a:t>Player </a:t>
-            </a:r>
-            <a:r>
-              <a:rPr lang="en-US" dirty="0"/>
-              <a:t>Test Code</a:t>
-            </a:r>
-          </a:p>
-        </p:txBody>
-      </p:sp>
-      <p:sp>
-        <p:nvSpPr>
-          <p:cNvPr id="3" name="Content Placeholder 2"/>
-          <p:cNvSpPr>
-            <a:spLocks noGrp="1"/>
-          </p:cNvSpPr>
-          <p:nvPr>
-            <p:ph idx="1"/>
-          </p:nvPr>
-        </p:nvSpPr>
-        <p:spPr/>
-        <p:txBody>
-          <a:bodyPr/>
-          <a:lstStyle/>
-          <a:p>
-            <a:r>
-              <a:rPr lang="en-US" sz="1800" dirty="0"/>
-              <a:t>[</a:t>
-            </a:r>
-            <a:r>
-              <a:rPr lang="en-US" sz="1800" dirty="0" err="1"/>
-              <a:t>TestMethod</a:t>
-            </a:r>
-            <a:r>
-              <a:rPr lang="en-US" sz="1800" dirty="0"/>
-              <a:t>]</a:t>
-            </a:r>
-          </a:p>
-          <a:p>
-            <a:r>
-              <a:rPr lang="en-US" sz="1800" dirty="0"/>
-              <a:t>        public void </a:t>
-            </a:r>
-            <a:r>
-              <a:rPr lang="en-US" sz="1800" dirty="0" err="1"/>
-              <a:t>BoundingBox_Test</a:t>
-            </a:r>
-            <a:r>
-              <a:rPr lang="en-US" sz="1800" dirty="0"/>
-              <a:t>()</a:t>
-            </a:r>
-          </a:p>
-          <a:p>
-            <a:r>
-              <a:rPr lang="en-US" sz="1800" dirty="0"/>
-              <a:t>        {</a:t>
-            </a:r>
-          </a:p>
-          <a:p>
-            <a:r>
-              <a:rPr lang="en-US" sz="1800" dirty="0"/>
-              <a:t>            Rectangle r = new Rectangle(11, 12, 72, 16);</a:t>
-            </a:r>
-          </a:p>
-          <a:p>
-            <a:r>
-              <a:rPr lang="en-US" sz="1800" dirty="0"/>
-              <a:t>            </a:t>
-            </a:r>
-            <a:r>
-              <a:rPr lang="en-US" sz="1800" dirty="0" err="1"/>
-              <a:t>testplay.X</a:t>
-            </a:r>
-            <a:r>
-              <a:rPr lang="en-US" sz="1800" dirty="0"/>
-              <a:t> = 11;</a:t>
-            </a:r>
-          </a:p>
-          <a:p>
-            <a:r>
-              <a:rPr lang="en-US" sz="1800" dirty="0"/>
-              <a:t>            </a:t>
-            </a:r>
-            <a:r>
-              <a:rPr lang="en-US" sz="1800" dirty="0" err="1"/>
-              <a:t>testplay.Y</a:t>
-            </a:r>
-            <a:r>
-              <a:rPr lang="en-US" sz="1800" dirty="0"/>
-              <a:t> = 12;</a:t>
-            </a:r>
-          </a:p>
-          <a:p>
-            <a:r>
-              <a:rPr lang="en-US" sz="1800" dirty="0"/>
-              <a:t>            </a:t>
-            </a:r>
-            <a:r>
-              <a:rPr lang="en-US" sz="1800" dirty="0" err="1"/>
-              <a:t>Assert.AreEqual</a:t>
-            </a:r>
-            <a:r>
-              <a:rPr lang="en-US" sz="1800" dirty="0"/>
-              <a:t>(r, </a:t>
-            </a:r>
-            <a:r>
-              <a:rPr lang="en-US" sz="1800" dirty="0" err="1"/>
-              <a:t>testplay.BoundingBox</a:t>
-            </a:r>
-            <a:r>
-              <a:rPr lang="en-US" sz="1800" dirty="0"/>
-              <a:t>);</a:t>
-            </a:r>
-          </a:p>
-          <a:p>
-            <a:r>
-              <a:rPr lang="en-US" sz="1800" dirty="0"/>
-              <a:t>        }</a:t>
-            </a:r>
-          </a:p>
-          <a:p>
-            <a:r>
-              <a:rPr lang="en-US" sz="1800" dirty="0"/>
-              <a:t>        [</a:t>
-            </a:r>
-            <a:r>
-              <a:rPr lang="en-US" sz="1800" dirty="0" err="1"/>
-              <a:t>TestMethod</a:t>
-            </a:r>
-            <a:r>
-              <a:rPr lang="en-US" sz="1800" dirty="0"/>
-              <a:t>]</a:t>
-            </a:r>
-          </a:p>
-          <a:p>
-            <a:r>
-              <a:rPr lang="en-US" sz="1800" dirty="0"/>
-              <a:t>        public void </a:t>
-            </a:r>
-            <a:r>
-              <a:rPr lang="en-US" sz="1800" dirty="0" err="1"/>
-              <a:t>Update_Test</a:t>
-            </a:r>
-            <a:r>
-              <a:rPr lang="en-US" sz="1800" dirty="0"/>
-              <a:t>()</a:t>
-            </a:r>
-          </a:p>
-          <a:p>
-            <a:r>
-              <a:rPr lang="en-US" sz="1800" dirty="0"/>
-              <a:t>        {</a:t>
-            </a:r>
-          </a:p>
-          <a:p>
-            <a:r>
-              <a:rPr lang="en-US" sz="1800" dirty="0"/>
-              <a:t>            </a:t>
-            </a:r>
-            <a:r>
-              <a:rPr lang="en-US" sz="1800" dirty="0" err="1"/>
-              <a:t>testplay.Facing</a:t>
-            </a:r>
-            <a:r>
-              <a:rPr lang="en-US" sz="1800" dirty="0"/>
-              <a:t> = 2;</a:t>
-            </a:r>
-          </a:p>
-          <a:p>
-            <a:r>
-              <a:rPr lang="en-US" sz="1800" dirty="0"/>
-              <a:t>            </a:t>
-            </a:r>
-            <a:r>
-              <a:rPr lang="en-US" sz="1800" dirty="0" err="1"/>
-              <a:t>testplay.Thrusting</a:t>
-            </a:r>
-            <a:r>
-              <a:rPr lang="en-US" sz="1800" dirty="0"/>
-              <a:t> = true;</a:t>
-            </a:r>
-          </a:p>
-          <a:p>
-            <a:r>
-              <a:rPr lang="en-US" sz="1800" dirty="0"/>
-              <a:t>            </a:t>
-            </a:r>
-            <a:r>
-              <a:rPr lang="en-US" sz="1800" dirty="0" err="1"/>
-              <a:t>testplay.Update</a:t>
-            </a:r>
-            <a:r>
-              <a:rPr lang="en-US" sz="1800" dirty="0"/>
-              <a:t>(</a:t>
-            </a:r>
-            <a:r>
-              <a:rPr lang="en-US" sz="1800" dirty="0" err="1"/>
-              <a:t>gameTime</a:t>
-            </a:r>
-            <a:r>
-              <a:rPr lang="en-US" sz="1800" dirty="0" smtClean="0"/>
-              <a:t>);</a:t>
-            </a:r>
-            <a:endParaRPr lang="en-US" sz="1800" dirty="0"/>
-          </a:p>
-          <a:p>
-            <a:r>
-              <a:rPr lang="en-US" sz="1800" dirty="0"/>
-              <a:t>            </a:t>
-            </a:r>
-            <a:r>
-              <a:rPr lang="en-US" sz="1800" dirty="0" err="1"/>
-              <a:t>Assert.IsTrue</a:t>
-            </a:r>
-            <a:r>
-              <a:rPr lang="en-US" sz="1800" dirty="0"/>
-              <a:t>(3 == </a:t>
-            </a:r>
-            <a:r>
-              <a:rPr lang="en-US" sz="1800" dirty="0" err="1"/>
-              <a:t>testplay.asSprite.Frame</a:t>
-            </a:r>
-            <a:r>
-              <a:rPr lang="en-US" sz="1800" dirty="0"/>
-              <a:t>);</a:t>
-            </a:r>
-          </a:p>
-          <a:p>
-            <a:r>
-              <a:rPr lang="en-US" sz="1800" dirty="0"/>
-              <a:t>        }</a:t>
-            </a:r>
-          </a:p>
-          <a:p>
-            <a:pPr marL="0" indent="0">
-              <a:buNone/>
-            </a:pPr>
-            <a:endParaRPr lang="en-US" sz="1800" dirty="0"/>
-          </a:p>
-        </p:txBody>
-      </p:sp>
-    </p:spTree>
-    <p:extLst>
-      <p:ext uri="{BB962C8B-B14F-4D97-AF65-F5344CB8AC3E}">
-        <p14:creationId xmlns:p14="http://schemas.microsoft.com/office/powerpoint/2010/main" val="4263394673"/>
-      </p:ext>
-    </p:extLst>
-  </p:cSld>
-  <p:clrMapOvr>
-    <a:masterClrMapping/>
-  </p:clrMapOvr>
-  <p:timing>
-    <p:tnLst>
-      <p:par>
-        <p:cTn id="1" dur="indefinite" restart="never" nodeType="tmRoot"/>
-      </p:par>
-    </p:tnLst>
-  </p:timing>
-</p:sld>
-</file>
-
-<file path=ppt/slides/slide31.xml><?xml version="1.0" encoding="utf-8"?>
-<p:sld xmlns:a="http://schemas.openxmlformats.org/drawingml/2006/main" xmlns:r="http://schemas.openxmlformats.org/officeDocument/2006/relationships" xmlns:p="http://schemas.openxmlformats.org/presentationml/2006/main">
-  <p:cSld>
-    <p:spTree>
-      <p:nvGrpSpPr>
-        <p:cNvPr id="1" name=""/>
-        <p:cNvGrpSpPr/>
-        <p:nvPr/>
-      </p:nvGrpSpPr>
-      <p:grpSpPr>
-        <a:xfrm>
-          <a:off x="0" y="0"/>
-          <a:ext cx="0" cy="0"/>
-          <a:chOff x="0" y="0"/>
-          <a:chExt cx="0" cy="0"/>
-        </a:xfrm>
-      </p:grpSpPr>
-      <p:sp>
-        <p:nvSpPr>
-          <p:cNvPr id="2" name="Title 1"/>
-          <p:cNvSpPr>
-            <a:spLocks noGrp="1"/>
-          </p:cNvSpPr>
-          <p:nvPr>
-            <p:ph type="title"/>
-          </p:nvPr>
-        </p:nvSpPr>
-        <p:spPr/>
-        <p:txBody>
-          <a:bodyPr/>
-          <a:lstStyle/>
-          <a:p>
-            <a:r>
-              <a:rPr lang="en-US" dirty="0" smtClean="0"/>
-              <a:t>Background </a:t>
-            </a:r>
-            <a:r>
-              <a:rPr lang="en-US" smtClean="0"/>
-              <a:t>and Player demo</a:t>
-            </a:r>
-            <a:endParaRPr lang="en-US" dirty="0"/>
-          </a:p>
-        </p:txBody>
-      </p:sp>
-      <p:pic>
-        <p:nvPicPr>
-          <p:cNvPr id="9" name="Content Placeholder 8"/>
-          <p:cNvPicPr>
-            <a:picLocks noGrp="1" noChangeAspect="1"/>
-          </p:cNvPicPr>
-          <p:nvPr>
-            <p:ph idx="1"/>
-          </p:nvPr>
-        </p:nvPicPr>
-        <p:blipFill rotWithShape="1">
-          <a:blip r:embed="rId2" cstate="print">
-            <a:extLst>
-              <a:ext uri="{28A0092B-C50C-407E-A947-70E740481C1C}">
-                <a14:useLocalDpi xmlns:a14="http://schemas.microsoft.com/office/drawing/2010/main" val="0"/>
-              </a:ext>
-            </a:extLst>
-          </a:blip>
-          <a:srcRect t="2" r="29210" b="34622"/>
-          <a:stretch/>
-        </p:blipFill>
-        <p:spPr>
-          <a:xfrm>
-            <a:off x="609600" y="1600200"/>
-            <a:ext cx="8131010" cy="4572000"/>
-          </a:xfrm>
-        </p:spPr>
-      </p:pic>
-    </p:spTree>
-  </p:cSld>
-  <p:clrMapOvr>
-    <a:masterClrMapping/>
-  </p:clrMapOvr>
-  <p:timing>
-    <p:tnLst>
-      <p:par>
-        <p:cTn id="1" dur="indefinite" restart="never" nodeType="tmRoot"/>
-      </p:par>
-    </p:tnLst>
-  </p:timing>
-</p:sld>
-</file>
-
-<file path=ppt/slides/slide32.xml><?xml version="1.0" encoding="utf-8"?>
-<p:sld xmlns:a="http://schemas.openxmlformats.org/drawingml/2006/main" xmlns:r="http://schemas.openxmlformats.org/officeDocument/2006/relationships" xmlns:p="http://schemas.openxmlformats.org/presentationml/2006/main">
-  <p:cSld>
-    <p:spTree>
-      <p:nvGrpSpPr>
-        <p:cNvPr id="1" name=""/>
-        <p:cNvGrpSpPr/>
-        <p:nvPr/>
-      </p:nvGrpSpPr>
-      <p:grpSpPr>
-        <a:xfrm>
-          <a:off x="0" y="0"/>
-          <a:ext cx="0" cy="0"/>
-          <a:chOff x="0" y="0"/>
-          <a:chExt cx="0" cy="0"/>
-        </a:xfrm>
-      </p:grpSpPr>
-      <p:sp>
-        <p:nvSpPr>
-          <p:cNvPr id="2" name="Title 1"/>
-          <p:cNvSpPr>
-            <a:spLocks noGrp="1"/>
-          </p:cNvSpPr>
-          <p:nvPr>
-            <p:ph type="title"/>
-          </p:nvPr>
-        </p:nvSpPr>
-        <p:spPr/>
-        <p:txBody>
-          <a:bodyPr/>
-          <a:lstStyle/>
-          <a:p>
-            <a:r>
-              <a:rPr lang="en-US" dirty="0" smtClean="0"/>
-              <a:t>Status of the Game</a:t>
-            </a:r>
-            <a:endParaRPr lang="en-US" dirty="0"/>
-          </a:p>
-        </p:txBody>
-      </p:sp>
-      <p:sp>
-        <p:nvSpPr>
-          <p:cNvPr id="3" name="Content Placeholder 2"/>
-          <p:cNvSpPr>
-            <a:spLocks noGrp="1"/>
-          </p:cNvSpPr>
-          <p:nvPr>
-            <p:ph idx="1"/>
-          </p:nvPr>
-        </p:nvSpPr>
-        <p:spPr/>
-        <p:txBody>
-          <a:bodyPr/>
-          <a:lstStyle/>
-          <a:p>
-            <a:r>
-              <a:rPr lang="en-US" dirty="0" smtClean="0"/>
-              <a:t>At this point in time there is a menu interface that will work regardless of any changes made to </a:t>
-            </a:r>
-            <a:r>
-              <a:rPr lang="en-US" dirty="0" err="1" smtClean="0"/>
-              <a:t>gameplay</a:t>
-            </a:r>
-            <a:r>
-              <a:rPr lang="en-US" dirty="0" smtClean="0"/>
-              <a:t>.</a:t>
-            </a:r>
-          </a:p>
-          <a:p>
-            <a:r>
-              <a:rPr lang="en-US" dirty="0" smtClean="0"/>
-              <a:t>The instructions, and high score screens are currently blank.</a:t>
-            </a:r>
-          </a:p>
-          <a:p>
-            <a:r>
-              <a:rPr lang="en-US" dirty="0" smtClean="0"/>
-              <a:t>The game loads the first level but lacks the ability for the ship’s basic functions.</a:t>
-            </a:r>
-            <a:endParaRPr lang="en-US" dirty="0"/>
-          </a:p>
-        </p:txBody>
-      </p:sp>
-    </p:spTree>
-  </p:cSld>
-  <p:clrMapOvr>
-    <a:masterClrMapping/>
-  </p:clrMapOvr>
-  <p:timing>
-    <p:tnLst>
-      <p:par>
-        <p:cTn id="1" dur="indefinite" restart="never" nodeType="tmRoot"/>
-      </p:par>
-    </p:tnLst>
-  </p:timing>
-</p:sld>
-</file>
-
-<file path=ppt/slides/slide33.xml><?xml version="1.0" encoding="utf-8"?>
-<p:sld xmlns:a="http://schemas.openxmlformats.org/drawingml/2006/main" xmlns:r="http://schemas.openxmlformats.org/officeDocument/2006/relationships" xmlns:p="http://schemas.openxmlformats.org/presentationml/2006/main">
-  <p:cSld>
-    <p:spTree>
-      <p:nvGrpSpPr>
-        <p:cNvPr id="1" name=""/>
-        <p:cNvGrpSpPr/>
-        <p:nvPr/>
-      </p:nvGrpSpPr>
-      <p:grpSpPr>
-        <a:xfrm>
-          <a:off x="0" y="0"/>
-          <a:ext cx="0" cy="0"/>
-          <a:chOff x="0" y="0"/>
-          <a:chExt cx="0" cy="0"/>
-        </a:xfrm>
-      </p:grpSpPr>
-      <p:sp>
-        <p:nvSpPr>
-          <p:cNvPr id="2" name="Title 1"/>
-          <p:cNvSpPr>
-            <a:spLocks noGrp="1"/>
-          </p:cNvSpPr>
-          <p:nvPr>
-            <p:ph type="title"/>
-          </p:nvPr>
-        </p:nvSpPr>
-        <p:spPr/>
-        <p:txBody>
-          <a:bodyPr/>
-          <a:lstStyle/>
-          <a:p>
-            <a:r>
-              <a:rPr lang="en-US" dirty="0" smtClean="0"/>
-              <a:t>Plans for version 1.1</a:t>
-            </a:r>
-            <a:endParaRPr lang="en-US" dirty="0"/>
-          </a:p>
-        </p:txBody>
-      </p:sp>
-      <p:sp>
-        <p:nvSpPr>
-          <p:cNvPr id="3" name="Content Placeholder 2"/>
-          <p:cNvSpPr>
-            <a:spLocks noGrp="1"/>
-          </p:cNvSpPr>
-          <p:nvPr>
-            <p:ph idx="1"/>
-          </p:nvPr>
-        </p:nvSpPr>
-        <p:spPr/>
-        <p:txBody>
-          <a:bodyPr/>
-          <a:lstStyle/>
-          <a:p>
-            <a:r>
-              <a:rPr lang="en-US" dirty="0" smtClean="0"/>
-              <a:t>Give the ship the ability to move up, down, right and left via the direction keys or (WASD).</a:t>
-            </a:r>
-          </a:p>
-          <a:p>
-            <a:r>
-              <a:rPr lang="en-US" dirty="0" smtClean="0"/>
-              <a:t>Give the ship the ability to shoot a laser.</a:t>
-            </a:r>
-          </a:p>
-          <a:p>
-            <a:r>
-              <a:rPr lang="en-US" dirty="0" smtClean="0"/>
-              <a:t>Have the background automatically move at a set pace</a:t>
-            </a:r>
-          </a:p>
-          <a:p>
-            <a:r>
-              <a:rPr lang="en-US" dirty="0" smtClean="0"/>
-              <a:t>Implement music in the main menus</a:t>
-            </a:r>
-          </a:p>
-          <a:p>
-            <a:r>
-              <a:rPr lang="en-US" dirty="0" smtClean="0"/>
-              <a:t>Implement the use of either a text file, or a graphic window that can scroll, to display the instructions.</a:t>
-            </a:r>
-            <a:endParaRPr lang="en-US" dirty="0"/>
-          </a:p>
-        </p:txBody>
-      </p:sp>
-    </p:spTree>
-  </p:cSld>
-  <p:clrMapOvr>
-    <a:masterClrMapping/>
-  </p:clrMapOvr>
-  <p:timing>
-    <p:tnLst>
-      <p:par>
-        <p:cTn id="1" dur="indefinite" restart="never" nodeType="tmRoot"/>
-      </p:par>
-    </p:tnLst>
-  </p:timing>
-</p:sld>
-</file>
-
-<file path=ppt/slides/slide34.xml><?xml version="1.0" encoding="utf-8"?>
 <p:sld xmlns:a="http://schemas.openxmlformats.org/drawingml/2006/main" xmlns:r="http://schemas.openxmlformats.org/officeDocument/2006/relationships" xmlns:p="http://schemas.openxmlformats.org/presentationml/2006/main">
   <p:cSld>
     <p:spTree>
@@ -8229,6 +6659,115 @@
 </p:sld>
 </file>
 
+<file path=ppt/slides/slide3.xml><?xml version="1.0" encoding="utf-8"?>
+<p:sld xmlns:a="http://schemas.openxmlformats.org/drawingml/2006/main" xmlns:r="http://schemas.openxmlformats.org/officeDocument/2006/relationships" xmlns:p="http://schemas.openxmlformats.org/presentationml/2006/main">
+  <p:cSld>
+    <p:spTree>
+      <p:nvGrpSpPr>
+        <p:cNvPr id="1" name=""/>
+        <p:cNvGrpSpPr/>
+        <p:nvPr/>
+      </p:nvGrpSpPr>
+      <p:grpSpPr>
+        <a:xfrm>
+          <a:off x="0" y="0"/>
+          <a:ext cx="0" cy="0"/>
+          <a:chOff x="0" y="0"/>
+          <a:chExt cx="0" cy="0"/>
+        </a:xfrm>
+      </p:grpSpPr>
+      <p:sp>
+        <p:nvSpPr>
+          <p:cNvPr id="2" name="Title 1"/>
+          <p:cNvSpPr>
+            <a:spLocks noGrp="1"/>
+          </p:cNvSpPr>
+          <p:nvPr>
+            <p:ph type="title"/>
+          </p:nvPr>
+        </p:nvSpPr>
+        <p:spPr/>
+        <p:txBody>
+          <a:bodyPr/>
+          <a:lstStyle/>
+          <a:p>
+            <a:r>
+              <a:rPr lang="en-US" dirty="0" smtClean="0"/>
+              <a:t>User Stories for 1.0 Part 2</a:t>
+            </a:r>
+            <a:endParaRPr lang="en-US" dirty="0"/>
+          </a:p>
+        </p:txBody>
+      </p:sp>
+      <p:sp>
+        <p:nvSpPr>
+          <p:cNvPr id="3" name="Content Placeholder 2"/>
+          <p:cNvSpPr>
+            <a:spLocks noGrp="1"/>
+          </p:cNvSpPr>
+          <p:nvPr>
+            <p:ph idx="1"/>
+          </p:nvPr>
+        </p:nvSpPr>
+        <p:spPr/>
+        <p:txBody>
+          <a:bodyPr/>
+          <a:lstStyle/>
+          <a:p>
+            <a:r>
+              <a:rPr lang="en-US" sz="2800" b="1" dirty="0" smtClean="0"/>
+              <a:t>As a user who clicks on the menu option, 'scores,' I want to be presented with a list of the highest scores.</a:t>
+            </a:r>
+          </a:p>
+          <a:p>
+            <a:r>
+              <a:rPr lang="en-US" sz="2800" b="1" dirty="0" smtClean="0"/>
+              <a:t>As a user who clicks on the menu option, 'Quit,' I want to close the game.</a:t>
+            </a:r>
+          </a:p>
+          <a:p>
+            <a:r>
+              <a:rPr lang="en-US" sz="2800" b="1" dirty="0" smtClean="0"/>
+              <a:t>As a user who clicks on the menu option, 'instructions,' I want to be presented with the instructions to play the game.</a:t>
+            </a:r>
+          </a:p>
+          <a:p>
+            <a:r>
+              <a:rPr lang="en-US" sz="2800" b="1" dirty="0" smtClean="0"/>
+              <a:t>As a user who clicks on the </a:t>
+            </a:r>
+            <a:r>
+              <a:rPr lang="en-US" sz="2800" b="1" dirty="0" err="1" smtClean="0"/>
+              <a:t>mnu</a:t>
+            </a:r>
+            <a:r>
+              <a:rPr lang="en-US" sz="2800" b="1" dirty="0" smtClean="0"/>
+              <a:t> option, ‘credits,’ I want to be presented with the credits for the game</a:t>
+            </a:r>
+          </a:p>
+          <a:p>
+            <a:endParaRPr lang="en-US" sz="2800" dirty="0" smtClean="0"/>
+          </a:p>
+          <a:p>
+            <a:endParaRPr lang="en-US" sz="2800" dirty="0"/>
+          </a:p>
+        </p:txBody>
+      </p:sp>
+    </p:spTree>
+  </p:cSld>
+  <p:clrMapOvr>
+    <a:masterClrMapping/>
+  </p:clrMapOvr>
+  <p:timing>
+    <p:tnLst>
+      <p:par>
+        <p:cTn id="1" dur="indefinite" restart="never" nodeType="tmRoot"/>
+      </p:par>
+    </p:tnLst>
+  </p:timing>
+</p:sld>
+</file>
+
 <file path=ppt/slides/slide4.xml><?xml version="1.0" encoding="utf-8"?>
 <p:sld xmlns:a="http://schemas.openxmlformats.org/drawingml/2006/main" xmlns:r="http://schemas.openxmlformats.org/officeDocument/2006/relationships" xmlns:p="http://schemas.openxmlformats.org/presentationml/2006/main">
   <p:cSld>
@@ -8357,8 +6896,12 @@
           <a:lstStyle/>
           <a:p>
             <a:r>
+              <a:rPr lang="en-US" dirty="0" err="1" smtClean="0"/>
+              <a:t>AnimatedSprite</a:t>
+            </a:r>
+            <a:r>
               <a:rPr lang="en-US" dirty="0" smtClean="0"/>
-              <a:t>Credit Screen Test Code</a:t>
+              <a:t> Test Code</a:t>
             </a:r>
             <a:endParaRPr lang="en-US" dirty="0"/>
           </a:p>
@@ -8379,11 +6922,137 @@
           <a:bodyPr/>
           <a:lstStyle/>
           <a:p>
-            <a:endParaRPr lang="en-US"/>
+            <a:r>
+              <a:rPr lang="en-US" sz="2000" dirty="0"/>
+              <a:t>using System;</a:t>
+            </a:r>
+          </a:p>
+          <a:p>
+            <a:r>
+              <a:rPr lang="en-US" sz="2000" dirty="0"/>
+              <a:t>using </a:t>
+            </a:r>
+            <a:r>
+              <a:rPr lang="en-US" sz="2000" dirty="0" err="1"/>
+              <a:t>System.Text</a:t>
+            </a:r>
+            <a:r>
+              <a:rPr lang="en-US" sz="2000" dirty="0"/>
+              <a:t>;</a:t>
+            </a:r>
+          </a:p>
+          <a:p>
+            <a:r>
+              <a:rPr lang="en-US" sz="2000" dirty="0"/>
+              <a:t>using </a:t>
+            </a:r>
+            <a:r>
+              <a:rPr lang="en-US" sz="2000" dirty="0" err="1"/>
+              <a:t>System.Collections.Generic</a:t>
+            </a:r>
+            <a:r>
+              <a:rPr lang="en-US" sz="2000" dirty="0"/>
+              <a:t>;</a:t>
+            </a:r>
+          </a:p>
+          <a:p>
+            <a:r>
+              <a:rPr lang="en-US" sz="2000" dirty="0"/>
+              <a:t>using </a:t>
+            </a:r>
+            <a:r>
+              <a:rPr lang="en-US" sz="2000" dirty="0" err="1"/>
+              <a:t>System.Linq</a:t>
+            </a:r>
+            <a:r>
+              <a:rPr lang="en-US" sz="2000" dirty="0"/>
+              <a:t>;</a:t>
+            </a:r>
+          </a:p>
+          <a:p>
+            <a:r>
+              <a:rPr lang="en-US" sz="2000" dirty="0"/>
+              <a:t>using </a:t>
+            </a:r>
+            <a:r>
+              <a:rPr lang="en-US" sz="2000" dirty="0" err="1"/>
+              <a:t>Microsoft.VisualStudio.TestTools.UnitTesting</a:t>
+            </a:r>
+            <a:r>
+              <a:rPr lang="en-US" sz="2000" dirty="0"/>
+              <a:t>;</a:t>
+            </a:r>
+          </a:p>
+          <a:p>
+            <a:r>
+              <a:rPr lang="en-US" sz="2000" dirty="0"/>
+              <a:t>using </a:t>
+            </a:r>
+            <a:r>
+              <a:rPr lang="en-US" sz="2000" dirty="0" err="1"/>
+              <a:t>Project_Starfighter</a:t>
+            </a:r>
+            <a:r>
+              <a:rPr lang="en-US" sz="2000" dirty="0"/>
+              <a:t>;</a:t>
+            </a:r>
+          </a:p>
+          <a:p>
+            <a:r>
+              <a:rPr lang="en-US" sz="2000" dirty="0"/>
+              <a:t>using </a:t>
+            </a:r>
+            <a:r>
+              <a:rPr lang="en-US" sz="2000" dirty="0" err="1"/>
+              <a:t>Microsoft.Xna.Framework</a:t>
+            </a:r>
+            <a:r>
+              <a:rPr lang="en-US" sz="2000" dirty="0"/>
+              <a:t>;</a:t>
+            </a:r>
+          </a:p>
+          <a:p>
+            <a:r>
+              <a:rPr lang="en-US" sz="2000" dirty="0"/>
+              <a:t>using </a:t>
+            </a:r>
+            <a:r>
+              <a:rPr lang="en-US" sz="2000" dirty="0" err="1"/>
+              <a:t>Rhino.Mocks</a:t>
+            </a:r>
+            <a:r>
+              <a:rPr lang="en-US" sz="2000" dirty="0"/>
+              <a:t>;</a:t>
+            </a:r>
+          </a:p>
+          <a:p>
+            <a:endParaRPr lang="en-US" sz="2000" dirty="0"/>
+          </a:p>
+          <a:p>
+            <a:r>
+              <a:rPr lang="en-US" sz="2000" dirty="0"/>
+              <a:t>namespace </a:t>
+            </a:r>
+            <a:r>
+              <a:rPr lang="en-US" sz="2000" dirty="0" err="1"/>
+              <a:t>Project_Starfighter_Test</a:t>
+            </a:r>
+            <a:endParaRPr lang="en-US" sz="2000" dirty="0"/>
+          </a:p>
+          <a:p>
+            <a:r>
+              <a:rPr lang="en-US" sz="2000" dirty="0"/>
+              <a:t>{</a:t>
+            </a:r>
           </a:p>
         </p:txBody>
       </p:sp>
     </p:spTree>
+    <p:extLst>
+      <p:ext uri="{BB962C8B-B14F-4D97-AF65-F5344CB8AC3E}">
+        <p14:creationId xmlns:p14="http://schemas.microsoft.com/office/powerpoint/2010/main" xmlns="" val="2964279014"/>
+      </p:ext>
+    </p:extLst>
   </p:cSld>
   <p:clrMapOvr>
     <a:masterClrMapping/>
@@ -8431,8 +7100,12 @@
           <a:lstStyle/>
           <a:p>
             <a:r>
+              <a:rPr lang="en-US" dirty="0" err="1" smtClean="0"/>
+              <a:t>AnimatedSprite</a:t>
+            </a:r>
+            <a:r>
               <a:rPr lang="en-US" dirty="0" smtClean="0"/>
-              <a:t>Game Screen Test code</a:t>
+              <a:t> Test Code</a:t>
             </a:r>
             <a:endParaRPr lang="en-US" dirty="0"/>
           </a:p>
@@ -8453,11 +7126,176 @@
           <a:bodyPr/>
           <a:lstStyle/>
           <a:p>
-            <a:endParaRPr lang="en-US"/>
+            <a:r>
+              <a:rPr lang="en-US" sz="2000" dirty="0"/>
+              <a:t>[</a:t>
+            </a:r>
+            <a:r>
+              <a:rPr lang="en-US" sz="2000" dirty="0" err="1"/>
+              <a:t>TestClass</a:t>
+            </a:r>
+            <a:r>
+              <a:rPr lang="en-US" sz="2000" dirty="0"/>
+              <a:t>]</a:t>
+            </a:r>
+          </a:p>
+          <a:p>
+            <a:r>
+              <a:rPr lang="en-US" sz="2000" dirty="0"/>
+              <a:t>    public class </a:t>
+            </a:r>
+            <a:r>
+              <a:rPr lang="en-US" sz="2000" dirty="0" err="1"/>
+              <a:t>AnimatedSprite_Test</a:t>
+            </a:r>
+            <a:endParaRPr lang="en-US" sz="2000" dirty="0"/>
+          </a:p>
+          <a:p>
+            <a:r>
+              <a:rPr lang="en-US" sz="2000" dirty="0"/>
+              <a:t>    {</a:t>
+            </a:r>
+          </a:p>
+          <a:p>
+            <a:r>
+              <a:rPr lang="en-US" sz="2000" dirty="0"/>
+              <a:t>        </a:t>
+            </a:r>
+            <a:r>
+              <a:rPr lang="en-US" sz="2000" dirty="0" err="1"/>
+              <a:t>AnimatedSprite</a:t>
+            </a:r>
+            <a:r>
+              <a:rPr lang="en-US" sz="2000" dirty="0"/>
+              <a:t> </a:t>
+            </a:r>
+            <a:r>
+              <a:rPr lang="en-US" sz="2000" dirty="0" err="1"/>
+              <a:t>animatedSprite</a:t>
+            </a:r>
+            <a:r>
+              <a:rPr lang="en-US" sz="2000" dirty="0"/>
+              <a:t>;</a:t>
+            </a:r>
+          </a:p>
+          <a:p>
+            <a:r>
+              <a:rPr lang="en-US" sz="2000" dirty="0"/>
+              <a:t>        </a:t>
+            </a:r>
+            <a:r>
+              <a:rPr lang="en-US" sz="2000" dirty="0" err="1"/>
+              <a:t>GameTime</a:t>
+            </a:r>
+            <a:r>
+              <a:rPr lang="en-US" sz="2000" dirty="0"/>
+              <a:t> </a:t>
+            </a:r>
+            <a:r>
+              <a:rPr lang="en-US" sz="2000" dirty="0" err="1"/>
+              <a:t>gameTime</a:t>
+            </a:r>
+            <a:r>
+              <a:rPr lang="en-US" sz="2000" dirty="0"/>
+              <a:t>;</a:t>
+            </a:r>
+          </a:p>
+          <a:p>
+            <a:endParaRPr lang="en-US" sz="2000" dirty="0"/>
+          </a:p>
+          <a:p>
+            <a:r>
+              <a:rPr lang="en-US" sz="2000" dirty="0"/>
+              <a:t>        public </a:t>
+            </a:r>
+            <a:r>
+              <a:rPr lang="en-US" sz="2000" dirty="0" err="1"/>
+              <a:t>AnimatedSprite_Test</a:t>
+            </a:r>
+            <a:r>
+              <a:rPr lang="en-US" sz="2000" dirty="0"/>
+              <a:t>()</a:t>
+            </a:r>
+          </a:p>
+          <a:p>
+            <a:r>
+              <a:rPr lang="en-US" sz="2000" dirty="0"/>
+              <a:t>        {</a:t>
+            </a:r>
+          </a:p>
+          <a:p>
+            <a:r>
+              <a:rPr lang="en-US" sz="2000" dirty="0"/>
+              <a:t>            </a:t>
+            </a:r>
+            <a:r>
+              <a:rPr lang="en-US" sz="2000" dirty="0" err="1"/>
+              <a:t>animatedSprite</a:t>
+            </a:r>
+            <a:r>
+              <a:rPr lang="en-US" sz="2000" dirty="0"/>
+              <a:t> = new </a:t>
+            </a:r>
+            <a:r>
+              <a:rPr lang="en-US" sz="2000" dirty="0" err="1"/>
+              <a:t>AnimatedSprite</a:t>
+            </a:r>
+            <a:r>
+              <a:rPr lang="en-US" sz="2000" dirty="0"/>
+              <a:t>();</a:t>
+            </a:r>
+          </a:p>
+          <a:p>
+            <a:r>
+              <a:rPr lang="en-US" sz="2000" dirty="0"/>
+              <a:t>            </a:t>
+            </a:r>
+            <a:r>
+              <a:rPr lang="en-US" sz="2000" dirty="0" err="1"/>
+              <a:t>gameTime</a:t>
+            </a:r>
+            <a:r>
+              <a:rPr lang="en-US" sz="2000" dirty="0"/>
+              <a:t> = </a:t>
+            </a:r>
+            <a:r>
+              <a:rPr lang="en-US" sz="2000" dirty="0" err="1"/>
+              <a:t>MockRepository.GenerateStub</a:t>
+            </a:r>
+            <a:r>
+              <a:rPr lang="en-US" sz="2000" dirty="0"/>
+              <a:t>&lt;</a:t>
+            </a:r>
+            <a:r>
+              <a:rPr lang="en-US" sz="2000" dirty="0" err="1"/>
+              <a:t>GameTime</a:t>
+            </a:r>
+            <a:r>
+              <a:rPr lang="en-US" sz="2000" dirty="0"/>
+              <a:t>&gt;();</a:t>
+            </a:r>
+          </a:p>
+          <a:p>
+            <a:r>
+              <a:rPr lang="en-US" sz="2000" dirty="0"/>
+              <a:t>        }</a:t>
+            </a:r>
+          </a:p>
+          <a:p>
+            <a:r>
+              <a:rPr lang="en-US" sz="2000" dirty="0" smtClean="0"/>
+              <a:t>        </a:t>
+            </a:r>
+            <a:endParaRPr lang="en-US" sz="2000" dirty="0"/>
           </a:p>
         </p:txBody>
       </p:sp>
     </p:spTree>
+    <p:extLst>
+      <p:ext uri="{BB962C8B-B14F-4D97-AF65-F5344CB8AC3E}">
+        <p14:creationId xmlns:p14="http://schemas.microsoft.com/office/powerpoint/2010/main" xmlns="" val="1661936536"/>
+      </p:ext>
+    </p:extLst>
   </p:cSld>
   <p:clrMapOvr>
     <a:masterClrMapping/>
@@ -8505,10 +7343,13 @@
           <a:lstStyle/>
           <a:p>
             <a:r>
-              <a:rPr lang="en-US" dirty="0" smtClean="0"/>
-              <a:t>High Score Screen Test Code</a:t>
-            </a:r>
-            <a:endParaRPr lang="en-US" dirty="0"/>
+              <a:rPr lang="en-US" dirty="0" err="1"/>
+              <a:t>AnimatedSprite</a:t>
+            </a:r>
+            <a:r>
+              <a:rPr lang="en-US" dirty="0"/>
+              <a:t> Test Code</a:t>
+            </a:r>
           </a:p>
         </p:txBody>
       </p:sp>
@@ -8527,11 +7368,179 @@
           <a:bodyPr/>
           <a:lstStyle/>
           <a:p>
-            <a:endParaRPr lang="en-US"/>
+            <a:r>
+              <a:rPr lang="en-US" sz="1800" dirty="0" smtClean="0"/>
+              <a:t>        [</a:t>
+            </a:r>
+            <a:r>
+              <a:rPr lang="en-US" sz="1800" dirty="0" err="1"/>
+              <a:t>TestMethod</a:t>
+            </a:r>
+            <a:r>
+              <a:rPr lang="en-US" sz="1800" dirty="0"/>
+              <a:t>]</a:t>
+            </a:r>
+          </a:p>
+          <a:p>
+            <a:r>
+              <a:rPr lang="en-US" sz="1800" dirty="0"/>
+              <a:t>        public void </a:t>
+            </a:r>
+            <a:r>
+              <a:rPr lang="en-US" sz="1800" dirty="0" err="1"/>
+              <a:t>XPosition_Test</a:t>
+            </a:r>
+            <a:r>
+              <a:rPr lang="en-US" sz="1800" dirty="0"/>
+              <a:t>()</a:t>
+            </a:r>
+          </a:p>
+          <a:p>
+            <a:r>
+              <a:rPr lang="en-US" sz="1800" dirty="0"/>
+              <a:t>        {</a:t>
+            </a:r>
+          </a:p>
+          <a:p>
+            <a:r>
+              <a:rPr lang="en-US" sz="1800" dirty="0"/>
+              <a:t>            </a:t>
+            </a:r>
+            <a:r>
+              <a:rPr lang="en-US" sz="1800" dirty="0" err="1"/>
+              <a:t>animatedSprite.X</a:t>
+            </a:r>
+            <a:r>
+              <a:rPr lang="en-US" sz="1800" dirty="0"/>
+              <a:t> = 11;</a:t>
+            </a:r>
+          </a:p>
+          <a:p>
+            <a:r>
+              <a:rPr lang="en-US" sz="1800" dirty="0"/>
+              <a:t>            </a:t>
+            </a:r>
+            <a:r>
+              <a:rPr lang="en-US" sz="1800" dirty="0" err="1"/>
+              <a:t>Assert.IsTrue</a:t>
+            </a:r>
+            <a:r>
+              <a:rPr lang="en-US" sz="1800" dirty="0"/>
+              <a:t>(11 == </a:t>
+            </a:r>
+            <a:r>
+              <a:rPr lang="en-US" sz="1800" dirty="0" err="1"/>
+              <a:t>animatedSprite.X</a:t>
+            </a:r>
+            <a:r>
+              <a:rPr lang="en-US" sz="1800" dirty="0"/>
+              <a:t>);</a:t>
+            </a:r>
+          </a:p>
+          <a:p>
+            <a:r>
+              <a:rPr lang="en-US" sz="1800" dirty="0"/>
+              <a:t>        }</a:t>
+            </a:r>
+            <a:endParaRPr lang="en-US" sz="1800" dirty="0" smtClean="0"/>
+          </a:p>
+          <a:p>
+            <a:pPr marL="0" indent="0">
+              <a:buNone/>
+            </a:pPr>
+            <a:r>
+              <a:rPr lang="en-US" sz="1800" dirty="0"/>
+              <a:t> </a:t>
+            </a:r>
+            <a:r>
+              <a:rPr lang="en-US" sz="1800" dirty="0" smtClean="0"/>
+              <a:t>             [</a:t>
+            </a:r>
+            <a:r>
+              <a:rPr lang="en-US" sz="1800" dirty="0" err="1"/>
+              <a:t>TestMethod</a:t>
+            </a:r>
+            <a:r>
+              <a:rPr lang="en-US" sz="1800" dirty="0"/>
+              <a:t>]</a:t>
+            </a:r>
+          </a:p>
+          <a:p>
+            <a:r>
+              <a:rPr lang="en-US" sz="1800" dirty="0"/>
+              <a:t>        public void </a:t>
+            </a:r>
+            <a:r>
+              <a:rPr lang="en-US" sz="1800" dirty="0" err="1"/>
+              <a:t>YPosition_Test</a:t>
+            </a:r>
+            <a:r>
+              <a:rPr lang="en-US" sz="1800" dirty="0"/>
+              <a:t>()</a:t>
+            </a:r>
+          </a:p>
+          <a:p>
+            <a:r>
+              <a:rPr lang="en-US" sz="1800" dirty="0"/>
+              <a:t>        {</a:t>
+            </a:r>
+          </a:p>
+          <a:p>
+            <a:r>
+              <a:rPr lang="en-US" sz="1800" dirty="0"/>
+              <a:t>            </a:t>
+            </a:r>
+            <a:r>
+              <a:rPr lang="en-US" sz="1800" dirty="0" err="1"/>
+              <a:t>animatedSprite.Y</a:t>
+            </a:r>
+            <a:r>
+              <a:rPr lang="en-US" sz="1800" dirty="0"/>
+              <a:t> = 12;</a:t>
+            </a:r>
+          </a:p>
+          <a:p>
+            <a:r>
+              <a:rPr lang="en-US" sz="1800" dirty="0"/>
+              <a:t>            </a:t>
+            </a:r>
+            <a:r>
+              <a:rPr lang="en-US" sz="1800" dirty="0" err="1"/>
+              <a:t>Assert.IsTrue</a:t>
+            </a:r>
+            <a:r>
+              <a:rPr lang="en-US" sz="1800" dirty="0"/>
+              <a:t>(12 == </a:t>
+            </a:r>
+            <a:r>
+              <a:rPr lang="en-US" sz="1800" dirty="0" err="1"/>
+              <a:t>animatedSprite.Y</a:t>
+            </a:r>
+            <a:r>
+              <a:rPr lang="en-US" sz="1800" dirty="0"/>
+              <a:t>);</a:t>
+            </a:r>
+          </a:p>
+          <a:p>
+            <a:r>
+              <a:rPr lang="en-US" sz="1800" dirty="0"/>
+              <a:t>        }</a:t>
+            </a:r>
+          </a:p>
+          <a:p>
+            <a:pPr marL="0" indent="0">
+              <a:buNone/>
+            </a:pPr>
+            <a:endParaRPr lang="en-US" sz="1800" dirty="0"/>
           </a:p>
         </p:txBody>
       </p:sp>
     </p:spTree>
+    <p:extLst>
+      <p:ext uri="{BB962C8B-B14F-4D97-AF65-F5344CB8AC3E}">
+        <p14:creationId xmlns:p14="http://schemas.microsoft.com/office/powerpoint/2010/main" xmlns="" val="1661936536"/>
+      </p:ext>
+    </p:extLst>
   </p:cSld>
   <p:clrMapOvr>
     <a:masterClrMapping/>
@@ -8579,10 +7588,13 @@
           <a:lstStyle/>
           <a:p>
             <a:r>
-              <a:rPr lang="en-US" dirty="0" smtClean="0"/>
-              <a:t>Instructions Screen Test code</a:t>
-            </a:r>
-            <a:endParaRPr lang="en-US" dirty="0"/>
+              <a:rPr lang="en-US" dirty="0" err="1"/>
+              <a:t>AnimatedSprite</a:t>
+            </a:r>
+            <a:r>
+              <a:rPr lang="en-US" dirty="0"/>
+              <a:t> Test Code</a:t>
+            </a:r>
           </a:p>
         </p:txBody>
       </p:sp>
@@ -8601,11 +7613,171 @@
           <a:bodyPr/>
           <a:lstStyle/>
           <a:p>
-            <a:endParaRPr lang="en-US"/>
+            <a:r>
+              <a:rPr lang="en-US" sz="1800" dirty="0"/>
+              <a:t> [</a:t>
+            </a:r>
+            <a:r>
+              <a:rPr lang="en-US" sz="1800" dirty="0" err="1"/>
+              <a:t>TestMethod</a:t>
+            </a:r>
+            <a:r>
+              <a:rPr lang="en-US" sz="1800" dirty="0"/>
+              <a:t>]</a:t>
+            </a:r>
+          </a:p>
+          <a:p>
+            <a:r>
+              <a:rPr lang="en-US" sz="1800" dirty="0"/>
+              <a:t>        public void </a:t>
+            </a:r>
+            <a:r>
+              <a:rPr lang="en-US" sz="1800" dirty="0" err="1"/>
+              <a:t>Frame_Test</a:t>
+            </a:r>
+            <a:r>
+              <a:rPr lang="en-US" sz="1800" dirty="0"/>
+              <a:t>()</a:t>
+            </a:r>
+          </a:p>
+          <a:p>
+            <a:r>
+              <a:rPr lang="en-US" sz="1800" dirty="0"/>
+              <a:t>        {</a:t>
+            </a:r>
+          </a:p>
+          <a:p>
+            <a:r>
+              <a:rPr lang="en-US" sz="1800" dirty="0"/>
+              <a:t>            </a:t>
+            </a:r>
+            <a:r>
+              <a:rPr lang="en-US" sz="1800" dirty="0" err="1"/>
+              <a:t>animatedSprite.Frame</a:t>
+            </a:r>
+            <a:r>
+              <a:rPr lang="en-US" sz="1800" dirty="0"/>
+              <a:t> = 3;</a:t>
+            </a:r>
+          </a:p>
+          <a:p>
+            <a:r>
+              <a:rPr lang="en-US" sz="1800" dirty="0"/>
+              <a:t>            </a:t>
+            </a:r>
+            <a:r>
+              <a:rPr lang="en-US" sz="1800" dirty="0" err="1"/>
+              <a:t>Assert.IsTrue</a:t>
+            </a:r>
+            <a:r>
+              <a:rPr lang="en-US" sz="1800" dirty="0"/>
+              <a:t>(3 == </a:t>
+            </a:r>
+            <a:r>
+              <a:rPr lang="en-US" sz="1800" dirty="0" err="1"/>
+              <a:t>animatedSprite.Frame</a:t>
+            </a:r>
+            <a:r>
+              <a:rPr lang="en-US" sz="1800" dirty="0"/>
+              <a:t>);</a:t>
+            </a:r>
+          </a:p>
+          <a:p>
+            <a:r>
+              <a:rPr lang="en-US" sz="1800" dirty="0"/>
+              <a:t>        }</a:t>
+            </a:r>
+          </a:p>
+          <a:p>
+            <a:endParaRPr lang="en-US" sz="1800" dirty="0"/>
+          </a:p>
+          <a:p>
+            <a:r>
+              <a:rPr lang="en-US" sz="1800" dirty="0"/>
+              <a:t>        [</a:t>
+            </a:r>
+            <a:r>
+              <a:rPr lang="en-US" sz="1800" dirty="0" err="1"/>
+              <a:t>TestMethod</a:t>
+            </a:r>
+            <a:r>
+              <a:rPr lang="en-US" sz="1800" dirty="0"/>
+              <a:t>]</a:t>
+            </a:r>
+          </a:p>
+          <a:p>
+            <a:r>
+              <a:rPr lang="en-US" sz="1800" dirty="0"/>
+              <a:t>        public void </a:t>
+            </a:r>
+            <a:r>
+              <a:rPr lang="en-US" sz="1800" dirty="0" err="1"/>
+              <a:t>FrameLength_Test</a:t>
+            </a:r>
+            <a:r>
+              <a:rPr lang="en-US" sz="1800" dirty="0"/>
+              <a:t>()</a:t>
+            </a:r>
+          </a:p>
+          <a:p>
+            <a:r>
+              <a:rPr lang="en-US" sz="1800" dirty="0"/>
+              <a:t>        {</a:t>
+            </a:r>
+          </a:p>
+          <a:p>
+            <a:r>
+              <a:rPr lang="en-US" sz="1800" dirty="0"/>
+              <a:t>            </a:t>
+            </a:r>
+            <a:r>
+              <a:rPr lang="en-US" sz="1800" dirty="0" err="1"/>
+              <a:t>animatedSprite.FrameLength</a:t>
+            </a:r>
+            <a:r>
+              <a:rPr lang="en-US" sz="1800" dirty="0"/>
+              <a:t> = 2;</a:t>
+            </a:r>
+          </a:p>
+          <a:p>
+            <a:r>
+              <a:rPr lang="en-US" sz="1800" dirty="0"/>
+              <a:t>            </a:t>
+            </a:r>
+            <a:r>
+              <a:rPr lang="en-US" sz="1800" dirty="0" err="1"/>
+              <a:t>Assert.IsTrue</a:t>
+            </a:r>
+            <a:r>
+              <a:rPr lang="en-US" sz="1800" dirty="0"/>
+              <a:t>(2 == </a:t>
+            </a:r>
+            <a:r>
+              <a:rPr lang="en-US" sz="1800" dirty="0" err="1"/>
+              <a:t>animatedSprite.FrameLength</a:t>
+            </a:r>
+            <a:r>
+              <a:rPr lang="en-US" sz="1800" dirty="0"/>
+              <a:t>);</a:t>
+            </a:r>
+          </a:p>
+          <a:p>
+            <a:r>
+              <a:rPr lang="en-US" sz="1800" dirty="0"/>
+              <a:t>        }</a:t>
+            </a:r>
+          </a:p>
+          <a:p>
+            <a:endParaRPr lang="en-US" sz="1800" dirty="0"/>
           </a:p>
         </p:txBody>
       </p:sp>
     </p:spTree>
+    <p:extLst>
+      <p:ext uri="{BB962C8B-B14F-4D97-AF65-F5344CB8AC3E}">
+        <p14:creationId xmlns:p14="http://schemas.microsoft.com/office/powerpoint/2010/main" xmlns="" val="1661936536"/>
+      </p:ext>
+    </p:extLst>
   </p:cSld>
   <p:clrMapOvr>
     <a:masterClrMapping/>
@@ -8653,10 +7825,13 @@
           <a:lstStyle/>
           <a:p>
             <a:r>
-              <a:rPr lang="en-US" dirty="0" smtClean="0"/>
-              <a:t>Menu Component Test Code</a:t>
-            </a:r>
-            <a:endParaRPr lang="en-US" dirty="0"/>
+              <a:rPr lang="en-US" dirty="0" err="1"/>
+              <a:t>AnimatedSprite</a:t>
+            </a:r>
+            <a:r>
+              <a:rPr lang="en-US" dirty="0"/>
+              <a:t> Test Code</a:t>
+            </a:r>
           </a:p>
         </p:txBody>
       </p:sp>
@@ -8675,11 +7850,172 @@
           <a:bodyPr/>
           <a:lstStyle/>
           <a:p>
-            <a:endParaRPr lang="en-US"/>
+            <a:r>
+              <a:rPr lang="en-US" sz="1800" dirty="0"/>
+              <a:t>[</a:t>
+            </a:r>
+            <a:r>
+              <a:rPr lang="en-US" sz="1800" dirty="0" err="1"/>
+              <a:t>TestMethod</a:t>
+            </a:r>
+            <a:r>
+              <a:rPr lang="en-US" sz="1800" dirty="0"/>
+              <a:t>]</a:t>
+            </a:r>
+          </a:p>
+          <a:p>
+            <a:r>
+              <a:rPr lang="en-US" sz="1800" dirty="0"/>
+              <a:t>        public void </a:t>
+            </a:r>
+            <a:r>
+              <a:rPr lang="en-US" sz="1800" dirty="0" err="1"/>
+              <a:t>IsAnimating_Test</a:t>
+            </a:r>
+            <a:r>
+              <a:rPr lang="en-US" sz="1800" dirty="0"/>
+              <a:t>()</a:t>
+            </a:r>
+          </a:p>
+          <a:p>
+            <a:r>
+              <a:rPr lang="en-US" sz="1800" dirty="0"/>
+              <a:t>        {</a:t>
+            </a:r>
+          </a:p>
+          <a:p>
+            <a:r>
+              <a:rPr lang="en-US" sz="1800" dirty="0"/>
+              <a:t>            </a:t>
+            </a:r>
+            <a:r>
+              <a:rPr lang="en-US" sz="1800" dirty="0" err="1"/>
+              <a:t>animatedSprite.IsAnimating</a:t>
+            </a:r>
+            <a:r>
+              <a:rPr lang="en-US" sz="1800" dirty="0"/>
+              <a:t> = false;</a:t>
+            </a:r>
+          </a:p>
+          <a:p>
+            <a:r>
+              <a:rPr lang="en-US" sz="1800" dirty="0"/>
+              <a:t>            </a:t>
+            </a:r>
+            <a:r>
+              <a:rPr lang="en-US" sz="1800" dirty="0" err="1"/>
+              <a:t>Assert.IsTrue</a:t>
+            </a:r>
+            <a:r>
+              <a:rPr lang="en-US" sz="1800" dirty="0"/>
+              <a:t>(false == </a:t>
+            </a:r>
+            <a:r>
+              <a:rPr lang="en-US" sz="1800" dirty="0" err="1"/>
+              <a:t>animatedSprite.IsAnimating</a:t>
+            </a:r>
+            <a:r>
+              <a:rPr lang="en-US" sz="1800" dirty="0"/>
+              <a:t>);</a:t>
+            </a:r>
+          </a:p>
+          <a:p>
+            <a:r>
+              <a:rPr lang="en-US" sz="1800" dirty="0"/>
+              <a:t>        }</a:t>
+            </a:r>
+          </a:p>
+          <a:p>
+            <a:endParaRPr lang="en-US" sz="1800" dirty="0"/>
+          </a:p>
+          <a:p>
+            <a:r>
+              <a:rPr lang="en-US" sz="1800" dirty="0"/>
+              <a:t>        [</a:t>
+            </a:r>
+            <a:r>
+              <a:rPr lang="en-US" sz="1800" dirty="0" err="1"/>
+              <a:t>TestMethod</a:t>
+            </a:r>
+            <a:r>
+              <a:rPr lang="en-US" sz="1800" dirty="0"/>
+              <a:t>]</a:t>
+            </a:r>
+          </a:p>
+          <a:p>
+            <a:r>
+              <a:rPr lang="en-US" sz="1800" dirty="0"/>
+              <a:t>        public void </a:t>
+            </a:r>
+            <a:r>
+              <a:rPr lang="en-US" sz="1800" dirty="0" err="1"/>
+              <a:t>GetSourceRectangle_Test</a:t>
+            </a:r>
+            <a:r>
+              <a:rPr lang="en-US" sz="1800" dirty="0"/>
+              <a:t>()</a:t>
+            </a:r>
+          </a:p>
+          <a:p>
+            <a:r>
+              <a:rPr lang="en-US" sz="1800" dirty="0"/>
+              <a:t>        {</a:t>
+            </a:r>
+          </a:p>
+          <a:p>
+            <a:r>
+              <a:rPr lang="en-US" sz="1800" dirty="0"/>
+              <a:t>            Rectangle r = new Rectangle(2, 2, 2, 2);</a:t>
+            </a:r>
+          </a:p>
+          <a:p>
+            <a:r>
+              <a:rPr lang="en-US" sz="1800" dirty="0"/>
+              <a:t>            Rectangle r2 = </a:t>
+            </a:r>
+            <a:r>
+              <a:rPr lang="en-US" sz="1800" dirty="0" err="1"/>
+              <a:t>animatedSprite.GetSourceRect</a:t>
+            </a:r>
+            <a:r>
+              <a:rPr lang="en-US" sz="1800" dirty="0"/>
+              <a:t>();</a:t>
+            </a:r>
+          </a:p>
+          <a:p>
+            <a:r>
+              <a:rPr lang="en-US" sz="1800" dirty="0"/>
+              <a:t>            </a:t>
+            </a:r>
+            <a:r>
+              <a:rPr lang="en-US" sz="1800" dirty="0" err="1"/>
+              <a:t>Assert.AreEqual</a:t>
+            </a:r>
+            <a:r>
+              <a:rPr lang="en-US" sz="1800" dirty="0"/>
+              <a:t>(r, r2);</a:t>
+            </a:r>
+          </a:p>
+          <a:p>
+            <a:r>
+              <a:rPr lang="en-US" sz="1800" dirty="0"/>
+              <a:t>        }</a:t>
+            </a:r>
+          </a:p>
+          <a:p>
+            <a:pPr marL="0" indent="0">
+              <a:buNone/>
+            </a:pPr>
+            <a:endParaRPr lang="en-US" sz="1800" dirty="0"/>
           </a:p>
         </p:txBody>
       </p:sp>
     </p:spTree>
+    <p:extLst>
+      <p:ext uri="{BB962C8B-B14F-4D97-AF65-F5344CB8AC3E}">
+        <p14:creationId xmlns:p14="http://schemas.microsoft.com/office/powerpoint/2010/main" xmlns="" val="3772113046"/>
+      </p:ext>
+    </p:extLst>
   </p:cSld>
   <p:clrMapOvr>
     <a:masterClrMapping/>

--- a/Project Starfighter 1.0.pptx
+++ b/Project Starfighter 1.0.pptx
@@ -7,29 +7,14 @@
   <p:sldIdLst>
     <p:sldId id="256" r:id="rId2"/>
     <p:sldId id="258" r:id="rId3"/>
-    <p:sldId id="259" r:id="rId4"/>
-    <p:sldId id="257" r:id="rId5"/>
-    <p:sldId id="279" r:id="rId6"/>
-    <p:sldId id="274" r:id="rId7"/>
-    <p:sldId id="276" r:id="rId8"/>
-    <p:sldId id="275" r:id="rId9"/>
-    <p:sldId id="277" r:id="rId10"/>
-    <p:sldId id="278" r:id="rId11"/>
-    <p:sldId id="280" r:id="rId12"/>
-    <p:sldId id="281" r:id="rId13"/>
-    <p:sldId id="284" r:id="rId14"/>
-    <p:sldId id="282" r:id="rId15"/>
-    <p:sldId id="283" r:id="rId16"/>
-    <p:sldId id="285" r:id="rId17"/>
-    <p:sldId id="286" r:id="rId18"/>
-    <p:sldId id="287" r:id="rId19"/>
-    <p:sldId id="288" r:id="rId20"/>
-    <p:sldId id="289" r:id="rId21"/>
-    <p:sldId id="290" r:id="rId22"/>
-    <p:sldId id="269" r:id="rId23"/>
-    <p:sldId id="270" r:id="rId24"/>
-    <p:sldId id="271" r:id="rId25"/>
-    <p:sldId id="272" r:id="rId26"/>
+    <p:sldId id="279" r:id="rId4"/>
+    <p:sldId id="274" r:id="rId5"/>
+    <p:sldId id="277" r:id="rId6"/>
+    <p:sldId id="284" r:id="rId7"/>
+    <p:sldId id="282" r:id="rId8"/>
+    <p:sldId id="269" r:id="rId9"/>
+    <p:sldId id="270" r:id="rId10"/>
+    <p:sldId id="271" r:id="rId11"/>
   </p:sldIdLst>
   <p:sldSz cx="9144000" cy="6858000" type="screen4x3"/>
   <p:notesSz cx="6858000" cy="9144000"/>
@@ -317,7 +302,7 @@
             <a:fld id="{6CB90BBC-6D72-4417-AC22-48CDFD952405}" type="datetimeFigureOut">
               <a:rPr lang="en-US" smtClean="0"/>
               <a:pPr/>
-              <a:t>2/16/2012</a:t>
+              <a:t>3/5/2012</a:t>
             </a:fld>
             <a:endParaRPr lang="en-US"/>
           </a:p>
@@ -496,7 +481,7 @@
             <a:fld id="{6CB90BBC-6D72-4417-AC22-48CDFD952405}" type="datetimeFigureOut">
               <a:rPr lang="en-US" smtClean="0"/>
               <a:pPr/>
-              <a:t>2/16/2012</a:t>
+              <a:t>3/5/2012</a:t>
             </a:fld>
             <a:endParaRPr lang="en-US"/>
           </a:p>
@@ -685,7 +670,7 @@
             <a:fld id="{6CB90BBC-6D72-4417-AC22-48CDFD952405}" type="datetimeFigureOut">
               <a:rPr lang="en-US" smtClean="0"/>
               <a:pPr/>
-              <a:t>2/16/2012</a:t>
+              <a:t>3/5/2012</a:t>
             </a:fld>
             <a:endParaRPr lang="en-US"/>
           </a:p>
@@ -864,7 +849,7 @@
             <a:fld id="{6CB90BBC-6D72-4417-AC22-48CDFD952405}" type="datetimeFigureOut">
               <a:rPr lang="en-US" smtClean="0"/>
               <a:pPr/>
-              <a:t>2/16/2012</a:t>
+              <a:t>3/5/2012</a:t>
             </a:fld>
             <a:endParaRPr lang="en-US"/>
           </a:p>
@@ -1119,7 +1104,7 @@
             <a:fld id="{6CB90BBC-6D72-4417-AC22-48CDFD952405}" type="datetimeFigureOut">
               <a:rPr lang="en-US" smtClean="0"/>
               <a:pPr/>
-              <a:t>2/16/2012</a:t>
+              <a:t>3/5/2012</a:t>
             </a:fld>
             <a:endParaRPr lang="en-US"/>
           </a:p>
@@ -1416,7 +1401,7 @@
             <a:fld id="{6CB90BBC-6D72-4417-AC22-48CDFD952405}" type="datetimeFigureOut">
               <a:rPr lang="en-US" smtClean="0"/>
               <a:pPr/>
-              <a:t>2/16/2012</a:t>
+              <a:t>3/5/2012</a:t>
             </a:fld>
             <a:endParaRPr lang="en-US"/>
           </a:p>
@@ -1847,7 +1832,7 @@
             <a:fld id="{6CB90BBC-6D72-4417-AC22-48CDFD952405}" type="datetimeFigureOut">
               <a:rPr lang="en-US" smtClean="0"/>
               <a:pPr/>
-              <a:t>2/16/2012</a:t>
+              <a:t>3/5/2012</a:t>
             </a:fld>
             <a:endParaRPr lang="en-US"/>
           </a:p>
@@ -1974,7 +1959,7 @@
             <a:fld id="{6CB90BBC-6D72-4417-AC22-48CDFD952405}" type="datetimeFigureOut">
               <a:rPr lang="en-US" smtClean="0"/>
               <a:pPr/>
-              <a:t>2/16/2012</a:t>
+              <a:t>3/5/2012</a:t>
             </a:fld>
             <a:endParaRPr lang="en-US"/>
           </a:p>
@@ -2078,7 +2063,7 @@
             <a:fld id="{6CB90BBC-6D72-4417-AC22-48CDFD952405}" type="datetimeFigureOut">
               <a:rPr lang="en-US" smtClean="0"/>
               <a:pPr/>
-              <a:t>2/16/2012</a:t>
+              <a:t>3/5/2012</a:t>
             </a:fld>
             <a:endParaRPr lang="en-US"/>
           </a:p>
@@ -2364,7 +2349,7 @@
             <a:fld id="{6CB90BBC-6D72-4417-AC22-48CDFD952405}" type="datetimeFigureOut">
               <a:rPr lang="en-US" smtClean="0"/>
               <a:pPr/>
-              <a:t>2/16/2012</a:t>
+              <a:t>3/5/2012</a:t>
             </a:fld>
             <a:endParaRPr lang="en-US"/>
           </a:p>
@@ -2633,7 +2618,7 @@
             <a:fld id="{6CB90BBC-6D72-4417-AC22-48CDFD952405}" type="datetimeFigureOut">
               <a:rPr lang="en-US" smtClean="0"/>
               <a:pPr/>
-              <a:t>2/16/2012</a:t>
+              <a:t>3/5/2012</a:t>
             </a:fld>
             <a:endParaRPr lang="en-US"/>
           </a:p>
@@ -2884,7 +2869,7 @@
             <a:fld id="{6CB90BBC-6D72-4417-AC22-48CDFD952405}" type="datetimeFigureOut">
               <a:rPr lang="en-US" smtClean="0"/>
               <a:pPr/>
-              <a:t>2/16/2012</a:t>
+              <a:t>3/5/2012</a:t>
             </a:fld>
             <a:endParaRPr lang="en-US"/>
           </a:p>
@@ -3423,7 +3408,11 @@
             </a:r>
             <a:r>
               <a:rPr lang="en-US" dirty="0" smtClean="0"/>
-              <a:t> 1.0</a:t>
+              <a:t> </a:t>
+            </a:r>
+            <a:r>
+              <a:rPr lang="en-US" dirty="0" smtClean="0"/>
+              <a:t>1.1</a:t>
             </a:r>
             <a:endParaRPr lang="en-US" dirty="0"/>
           </a:p>
@@ -3446,7 +3435,11 @@
           <a:p>
             <a:r>
               <a:rPr lang="en-US" dirty="0" smtClean="0"/>
-              <a:t>Team 16 – 1 = 15</a:t>
+              <a:t>Team </a:t>
+            </a:r>
+            <a:r>
+              <a:rPr lang="en-US" dirty="0" smtClean="0"/>
+              <a:t>15</a:t>
             </a:r>
             <a:endParaRPr lang="en-US" dirty="0"/>
           </a:p>
@@ -3500,13 +3493,14 @@
           <a:lstStyle/>
           <a:p>
             <a:r>
-              <a:rPr lang="en-US" dirty="0" err="1"/>
-              <a:t>AnimatedSprite</a:t>
-            </a:r>
-            <a:r>
-              <a:rPr lang="en-US" dirty="0"/>
-              <a:t> Test Code</a:t>
-            </a:r>
+              <a:rPr lang="en-US" dirty="0" smtClean="0"/>
+              <a:t>Plans for version </a:t>
+            </a:r>
+            <a:r>
+              <a:rPr lang="en-US" dirty="0" smtClean="0"/>
+              <a:t>1.2</a:t>
+            </a:r>
+            <a:endParaRPr lang="en-US" dirty="0"/>
           </a:p>
         </p:txBody>
       </p:sp>
@@ -3526,2136 +3520,38 @@
           <a:lstStyle/>
           <a:p>
             <a:r>
-              <a:rPr lang="en-US" sz="1800" dirty="0"/>
-              <a:t> [</a:t>
-            </a:r>
-            <a:r>
-              <a:rPr lang="en-US" sz="1800" dirty="0" err="1"/>
-              <a:t>TestMethod</a:t>
-            </a:r>
-            <a:r>
-              <a:rPr lang="en-US" sz="1800" dirty="0"/>
-              <a:t>]</a:t>
-            </a:r>
-          </a:p>
-          <a:p>
-            <a:r>
-              <a:rPr lang="en-US" sz="1800" dirty="0"/>
-              <a:t>        public void </a:t>
-            </a:r>
-            <a:r>
-              <a:rPr lang="en-US" sz="1800" dirty="0" err="1"/>
-              <a:t>Update_Test</a:t>
-            </a:r>
-            <a:r>
-              <a:rPr lang="en-US" sz="1800" dirty="0"/>
-              <a:t>()</a:t>
-            </a:r>
-          </a:p>
-          <a:p>
-            <a:r>
-              <a:rPr lang="en-US" sz="1800" dirty="0"/>
-              <a:t>        {</a:t>
-            </a:r>
-          </a:p>
-          <a:p>
-            <a:r>
-              <a:rPr lang="en-US" sz="1800" dirty="0"/>
-              <a:t>            </a:t>
-            </a:r>
-            <a:r>
-              <a:rPr lang="en-US" sz="1800" dirty="0" err="1"/>
-              <a:t>animatedSprite.IsAnimating</a:t>
-            </a:r>
-            <a:r>
-              <a:rPr lang="en-US" sz="1800" dirty="0"/>
-              <a:t> = true;</a:t>
-            </a:r>
-          </a:p>
-          <a:p>
-            <a:r>
-              <a:rPr lang="en-US" sz="1800" dirty="0"/>
-              <a:t>            </a:t>
-            </a:r>
-            <a:r>
-              <a:rPr lang="en-US" sz="1800" dirty="0" err="1"/>
-              <a:t>animatedSprite.Elapsed</a:t>
-            </a:r>
-            <a:r>
-              <a:rPr lang="en-US" sz="1800" dirty="0"/>
-              <a:t> = 1;</a:t>
-            </a:r>
-          </a:p>
-          <a:p>
-            <a:r>
-              <a:rPr lang="en-US" sz="1800" dirty="0"/>
-              <a:t>            </a:t>
-            </a:r>
-            <a:r>
-              <a:rPr lang="en-US" sz="1800" dirty="0" err="1"/>
-              <a:t>animatedSprite.Frame</a:t>
-            </a:r>
-            <a:r>
-              <a:rPr lang="en-US" sz="1800" dirty="0"/>
-              <a:t> = 2;</a:t>
-            </a:r>
-          </a:p>
-          <a:p>
-            <a:r>
-              <a:rPr lang="en-US" sz="1800" dirty="0"/>
-              <a:t>            </a:t>
-            </a:r>
-            <a:r>
-              <a:rPr lang="en-US" sz="1800" dirty="0" err="1"/>
-              <a:t>animatedSprite.Update</a:t>
-            </a:r>
-            <a:r>
-              <a:rPr lang="en-US" sz="1800" dirty="0"/>
-              <a:t>(</a:t>
-            </a:r>
-            <a:r>
-              <a:rPr lang="en-US" sz="1800" dirty="0" err="1"/>
-              <a:t>gameTime</a:t>
-            </a:r>
-            <a:r>
-              <a:rPr lang="en-US" sz="1800" dirty="0"/>
-              <a:t>);</a:t>
-            </a:r>
-          </a:p>
-          <a:p>
-            <a:r>
-              <a:rPr lang="en-US" sz="1800" dirty="0"/>
-              <a:t>            </a:t>
-            </a:r>
-            <a:r>
-              <a:rPr lang="en-US" sz="1800" dirty="0" err="1"/>
-              <a:t>Assert.IsTrue</a:t>
-            </a:r>
-            <a:r>
-              <a:rPr lang="en-US" sz="1800" dirty="0"/>
-              <a:t>(3 == </a:t>
-            </a:r>
-            <a:r>
-              <a:rPr lang="en-US" sz="1800" dirty="0" err="1"/>
-              <a:t>animatedSprite.Frame</a:t>
-            </a:r>
-            <a:r>
-              <a:rPr lang="en-US" sz="1800" dirty="0"/>
-              <a:t>);</a:t>
-            </a:r>
-          </a:p>
-          <a:p>
-            <a:endParaRPr lang="en-US" sz="1800" dirty="0"/>
-          </a:p>
-          <a:p>
-            <a:r>
-              <a:rPr lang="en-US" sz="1800" dirty="0"/>
-              <a:t>        </a:t>
-            </a:r>
-            <a:r>
-              <a:rPr lang="en-US" sz="1800" dirty="0" smtClean="0"/>
-              <a:t>}</a:t>
-            </a:r>
-          </a:p>
-          <a:p>
-            <a:r>
-              <a:rPr lang="en-US" sz="1800" dirty="0"/>
-              <a:t>}</a:t>
-            </a:r>
-          </a:p>
-          <a:p>
-            <a:pPr marL="0" indent="0">
-              <a:buNone/>
-            </a:pPr>
-            <a:endParaRPr lang="en-US" sz="1800" dirty="0"/>
+              <a:rPr lang="en-US" dirty="0" smtClean="0"/>
+              <a:t>Create an enemy type 1 (doesn’t fire anything)</a:t>
+            </a:r>
+          </a:p>
+          <a:p>
+            <a:r>
+              <a:rPr lang="en-US" dirty="0" smtClean="0"/>
+              <a:t>Create collision box for collisions</a:t>
+            </a:r>
+          </a:p>
+          <a:p>
+            <a:r>
+              <a:rPr lang="en-US" dirty="0" smtClean="0"/>
+              <a:t>Set up player lives</a:t>
+            </a:r>
+          </a:p>
+          <a:p>
+            <a:r>
+              <a:rPr lang="en-US" dirty="0" smtClean="0"/>
+              <a:t>Create collision detection for laser hitting enemy</a:t>
+            </a:r>
+          </a:p>
+          <a:p>
+            <a:r>
+              <a:rPr lang="en-US" dirty="0" smtClean="0"/>
+              <a:t>Calculate score based on destruction of enemy</a:t>
+            </a:r>
+            <a:endParaRPr lang="en-US" dirty="0"/>
           </a:p>
         </p:txBody>
       </p:sp>
     </p:spTree>
-    <p:extLst>
-      <p:ext uri="{BB962C8B-B14F-4D97-AF65-F5344CB8AC3E}">
-        <p14:creationId xmlns:p14="http://schemas.microsoft.com/office/powerpoint/2010/main" xmlns="" val="3772113046"/>
-      </p:ext>
-    </p:extLst>
-  </p:cSld>
-  <p:clrMapOvr>
-    <a:masterClrMapping/>
-  </p:clrMapOvr>
-  <p:timing>
-    <p:tnLst>
-      <p:par>
-        <p:cTn id="1" dur="indefinite" restart="never" nodeType="tmRoot"/>
-      </p:par>
-    </p:tnLst>
-  </p:timing>
-</p:sld>
-</file>
-
-<file path=ppt/slides/slide11.xml><?xml version="1.0" encoding="utf-8"?>
-<p:sld xmlns:a="http://schemas.openxmlformats.org/drawingml/2006/main" xmlns:r="http://schemas.openxmlformats.org/officeDocument/2006/relationships" xmlns:p="http://schemas.openxmlformats.org/presentationml/2006/main">
-  <p:cSld>
-    <p:spTree>
-      <p:nvGrpSpPr>
-        <p:cNvPr id="1" name=""/>
-        <p:cNvGrpSpPr/>
-        <p:nvPr/>
-      </p:nvGrpSpPr>
-      <p:grpSpPr>
-        <a:xfrm>
-          <a:off x="0" y="0"/>
-          <a:ext cx="0" cy="0"/>
-          <a:chOff x="0" y="0"/>
-          <a:chExt cx="0" cy="0"/>
-        </a:xfrm>
-      </p:grpSpPr>
-      <p:sp>
-        <p:nvSpPr>
-          <p:cNvPr id="2" name="Title 1"/>
-          <p:cNvSpPr>
-            <a:spLocks noGrp="1"/>
-          </p:cNvSpPr>
-          <p:nvPr>
-            <p:ph type="title"/>
-          </p:nvPr>
-        </p:nvSpPr>
-        <p:spPr/>
-        <p:txBody>
-          <a:bodyPr/>
-          <a:lstStyle/>
-          <a:p>
-            <a:r>
-              <a:rPr lang="en-US" dirty="0" smtClean="0"/>
-              <a:t>Background </a:t>
-            </a:r>
-            <a:r>
-              <a:rPr lang="en-US" dirty="0"/>
-              <a:t>Test Code</a:t>
-            </a:r>
-          </a:p>
-        </p:txBody>
-      </p:sp>
-      <p:sp>
-        <p:nvSpPr>
-          <p:cNvPr id="3" name="Content Placeholder 2"/>
-          <p:cNvSpPr>
-            <a:spLocks noGrp="1"/>
-          </p:cNvSpPr>
-          <p:nvPr>
-            <p:ph idx="1"/>
-          </p:nvPr>
-        </p:nvSpPr>
-        <p:spPr/>
-        <p:txBody>
-          <a:bodyPr/>
-          <a:lstStyle/>
-          <a:p>
-            <a:r>
-              <a:rPr lang="en-US" sz="2000" dirty="0"/>
-              <a:t>using System;</a:t>
-            </a:r>
-          </a:p>
-          <a:p>
-            <a:r>
-              <a:rPr lang="en-US" sz="2000" dirty="0"/>
-              <a:t>using </a:t>
-            </a:r>
-            <a:r>
-              <a:rPr lang="en-US" sz="2000" dirty="0" err="1"/>
-              <a:t>System.Text</a:t>
-            </a:r>
-            <a:r>
-              <a:rPr lang="en-US" sz="2000" dirty="0"/>
-              <a:t>;</a:t>
-            </a:r>
-          </a:p>
-          <a:p>
-            <a:r>
-              <a:rPr lang="en-US" sz="2000" dirty="0"/>
-              <a:t>using </a:t>
-            </a:r>
-            <a:r>
-              <a:rPr lang="en-US" sz="2000" dirty="0" err="1"/>
-              <a:t>System.Collections.Generic</a:t>
-            </a:r>
-            <a:r>
-              <a:rPr lang="en-US" sz="2000" dirty="0"/>
-              <a:t>;</a:t>
-            </a:r>
-          </a:p>
-          <a:p>
-            <a:r>
-              <a:rPr lang="en-US" sz="2000" dirty="0"/>
-              <a:t>using </a:t>
-            </a:r>
-            <a:r>
-              <a:rPr lang="en-US" sz="2000" dirty="0" err="1"/>
-              <a:t>System.Linq</a:t>
-            </a:r>
-            <a:r>
-              <a:rPr lang="en-US" sz="2000" dirty="0"/>
-              <a:t>;</a:t>
-            </a:r>
-          </a:p>
-          <a:p>
-            <a:r>
-              <a:rPr lang="en-US" sz="2000" dirty="0"/>
-              <a:t>using </a:t>
-            </a:r>
-            <a:r>
-              <a:rPr lang="en-US" sz="2000" dirty="0" err="1"/>
-              <a:t>Microsoft.VisualStudio.TestTools.UnitTesting</a:t>
-            </a:r>
-            <a:r>
-              <a:rPr lang="en-US" sz="2000" dirty="0"/>
-              <a:t>;</a:t>
-            </a:r>
-          </a:p>
-          <a:p>
-            <a:r>
-              <a:rPr lang="en-US" sz="2000" dirty="0"/>
-              <a:t>using </a:t>
-            </a:r>
-            <a:r>
-              <a:rPr lang="en-US" sz="2000" dirty="0" err="1"/>
-              <a:t>Project_Starfighter</a:t>
-            </a:r>
-            <a:r>
-              <a:rPr lang="en-US" sz="2000" dirty="0"/>
-              <a:t>;</a:t>
-            </a:r>
-          </a:p>
-          <a:p>
-            <a:endParaRPr lang="en-US" sz="2000" dirty="0"/>
-          </a:p>
-          <a:p>
-            <a:r>
-              <a:rPr lang="en-US" sz="2000" dirty="0"/>
-              <a:t>namespace </a:t>
-            </a:r>
-            <a:r>
-              <a:rPr lang="en-US" sz="2000" dirty="0" err="1"/>
-              <a:t>Project_Starfighter_Test</a:t>
-            </a:r>
-            <a:endParaRPr lang="en-US" sz="2000" dirty="0"/>
-          </a:p>
-          <a:p>
-            <a:r>
-              <a:rPr lang="en-US" sz="2000" dirty="0" smtClean="0"/>
-              <a:t>{</a:t>
-            </a:r>
-          </a:p>
-          <a:p>
-            <a:endParaRPr lang="en-US" sz="1800" dirty="0" smtClean="0"/>
-          </a:p>
-          <a:p>
-            <a:pPr marL="0" indent="0">
-              <a:buNone/>
-            </a:pPr>
-            <a:endParaRPr lang="en-US" sz="1800" dirty="0"/>
-          </a:p>
-        </p:txBody>
-      </p:sp>
-    </p:spTree>
-    <p:extLst>
-      <p:ext uri="{BB962C8B-B14F-4D97-AF65-F5344CB8AC3E}">
-        <p14:creationId xmlns:p14="http://schemas.microsoft.com/office/powerpoint/2010/main" xmlns="" val="897719000"/>
-      </p:ext>
-    </p:extLst>
-  </p:cSld>
-  <p:clrMapOvr>
-    <a:masterClrMapping/>
-  </p:clrMapOvr>
-  <p:timing>
-    <p:tnLst>
-      <p:par>
-        <p:cTn id="1" dur="indefinite" restart="never" nodeType="tmRoot"/>
-      </p:par>
-    </p:tnLst>
-  </p:timing>
-</p:sld>
-</file>
-
-<file path=ppt/slides/slide12.xml><?xml version="1.0" encoding="utf-8"?>
-<p:sld xmlns:a="http://schemas.openxmlformats.org/drawingml/2006/main" xmlns:r="http://schemas.openxmlformats.org/officeDocument/2006/relationships" xmlns:p="http://schemas.openxmlformats.org/presentationml/2006/main">
-  <p:cSld>
-    <p:spTree>
-      <p:nvGrpSpPr>
-        <p:cNvPr id="1" name=""/>
-        <p:cNvGrpSpPr/>
-        <p:nvPr/>
-      </p:nvGrpSpPr>
-      <p:grpSpPr>
-        <a:xfrm>
-          <a:off x="0" y="0"/>
-          <a:ext cx="0" cy="0"/>
-          <a:chOff x="0" y="0"/>
-          <a:chExt cx="0" cy="0"/>
-        </a:xfrm>
-      </p:grpSpPr>
-      <p:sp>
-        <p:nvSpPr>
-          <p:cNvPr id="2" name="Title 1"/>
-          <p:cNvSpPr>
-            <a:spLocks noGrp="1"/>
-          </p:cNvSpPr>
-          <p:nvPr>
-            <p:ph type="title"/>
-          </p:nvPr>
-        </p:nvSpPr>
-        <p:spPr/>
-        <p:txBody>
-          <a:bodyPr/>
-          <a:lstStyle/>
-          <a:p>
-            <a:r>
-              <a:rPr lang="en-US" dirty="0" smtClean="0"/>
-              <a:t>Background </a:t>
-            </a:r>
-            <a:r>
-              <a:rPr lang="en-US" dirty="0"/>
-              <a:t>Test Code</a:t>
-            </a:r>
-          </a:p>
-        </p:txBody>
-      </p:sp>
-      <p:sp>
-        <p:nvSpPr>
-          <p:cNvPr id="3" name="Content Placeholder 2"/>
-          <p:cNvSpPr>
-            <a:spLocks noGrp="1"/>
-          </p:cNvSpPr>
-          <p:nvPr>
-            <p:ph idx="1"/>
-          </p:nvPr>
-        </p:nvSpPr>
-        <p:spPr/>
-        <p:txBody>
-          <a:bodyPr/>
-          <a:lstStyle/>
-          <a:p>
-            <a:r>
-              <a:rPr lang="en-US" sz="2000" dirty="0"/>
-              <a:t> [</a:t>
-            </a:r>
-            <a:r>
-              <a:rPr lang="en-US" sz="2000" dirty="0" err="1"/>
-              <a:t>TestClass</a:t>
-            </a:r>
-            <a:r>
-              <a:rPr lang="en-US" sz="2000" dirty="0"/>
-              <a:t>]</a:t>
-            </a:r>
-          </a:p>
-          <a:p>
-            <a:r>
-              <a:rPr lang="en-US" sz="2000" dirty="0"/>
-              <a:t>    public class </a:t>
-            </a:r>
-            <a:r>
-              <a:rPr lang="en-US" sz="2000" dirty="0" err="1"/>
-              <a:t>Background_Test</a:t>
-            </a:r>
-            <a:endParaRPr lang="en-US" sz="2000" dirty="0"/>
-          </a:p>
-          <a:p>
-            <a:r>
-              <a:rPr lang="en-US" sz="2000" dirty="0"/>
-              <a:t>    {</a:t>
-            </a:r>
-          </a:p>
-          <a:p>
-            <a:r>
-              <a:rPr lang="en-US" sz="2000" dirty="0"/>
-              <a:t>        Background </a:t>
-            </a:r>
-            <a:r>
-              <a:rPr lang="en-US" sz="2000" dirty="0" err="1"/>
-              <a:t>background</a:t>
-            </a:r>
-            <a:r>
-              <a:rPr lang="en-US" sz="2000" dirty="0"/>
-              <a:t>;</a:t>
-            </a:r>
-          </a:p>
-          <a:p>
-            <a:r>
-              <a:rPr lang="en-US" sz="2000" dirty="0"/>
-              <a:t>        public </a:t>
-            </a:r>
-            <a:r>
-              <a:rPr lang="en-US" sz="2000" dirty="0" err="1"/>
-              <a:t>Background_Test</a:t>
-            </a:r>
-            <a:r>
-              <a:rPr lang="en-US" sz="2000" dirty="0"/>
-              <a:t>()</a:t>
-            </a:r>
-          </a:p>
-          <a:p>
-            <a:r>
-              <a:rPr lang="en-US" sz="2000" dirty="0"/>
-              <a:t>        {</a:t>
-            </a:r>
-          </a:p>
-          <a:p>
-            <a:r>
-              <a:rPr lang="en-US" sz="2000" dirty="0"/>
-              <a:t>            background = new Background();</a:t>
-            </a:r>
-          </a:p>
-          <a:p>
-            <a:r>
-              <a:rPr lang="en-US" sz="2000" dirty="0"/>
-              <a:t>        }</a:t>
-            </a:r>
-          </a:p>
-          <a:p>
-            <a:pPr marL="0" indent="0">
-              <a:buNone/>
-            </a:pPr>
-            <a:endParaRPr lang="en-US" sz="2000" dirty="0"/>
-          </a:p>
-        </p:txBody>
-      </p:sp>
-    </p:spTree>
-    <p:extLst>
-      <p:ext uri="{BB962C8B-B14F-4D97-AF65-F5344CB8AC3E}">
-        <p14:creationId xmlns:p14="http://schemas.microsoft.com/office/powerpoint/2010/main" xmlns="" val="755878279"/>
-      </p:ext>
-    </p:extLst>
-  </p:cSld>
-  <p:clrMapOvr>
-    <a:masterClrMapping/>
-  </p:clrMapOvr>
-  <p:timing>
-    <p:tnLst>
-      <p:par>
-        <p:cTn id="1" dur="indefinite" restart="never" nodeType="tmRoot"/>
-      </p:par>
-    </p:tnLst>
-  </p:timing>
-</p:sld>
-</file>
-
-<file path=ppt/slides/slide13.xml><?xml version="1.0" encoding="utf-8"?>
-<p:sld xmlns:a="http://schemas.openxmlformats.org/drawingml/2006/main" xmlns:r="http://schemas.openxmlformats.org/officeDocument/2006/relationships" xmlns:p="http://schemas.openxmlformats.org/presentationml/2006/main">
-  <p:cSld>
-    <p:spTree>
-      <p:nvGrpSpPr>
-        <p:cNvPr id="1" name=""/>
-        <p:cNvGrpSpPr/>
-        <p:nvPr/>
-      </p:nvGrpSpPr>
-      <p:grpSpPr>
-        <a:xfrm>
-          <a:off x="0" y="0"/>
-          <a:ext cx="0" cy="0"/>
-          <a:chOff x="0" y="0"/>
-          <a:chExt cx="0" cy="0"/>
-        </a:xfrm>
-      </p:grpSpPr>
-      <p:sp>
-        <p:nvSpPr>
-          <p:cNvPr id="2" name="Title 1"/>
-          <p:cNvSpPr>
-            <a:spLocks noGrp="1"/>
-          </p:cNvSpPr>
-          <p:nvPr>
-            <p:ph type="title"/>
-          </p:nvPr>
-        </p:nvSpPr>
-        <p:spPr/>
-        <p:txBody>
-          <a:bodyPr/>
-          <a:lstStyle/>
-          <a:p>
-            <a:r>
-              <a:rPr lang="en-US" dirty="0" smtClean="0"/>
-              <a:t>Background </a:t>
-            </a:r>
-            <a:r>
-              <a:rPr lang="en-US" dirty="0"/>
-              <a:t>Test Code</a:t>
-            </a:r>
-          </a:p>
-        </p:txBody>
-      </p:sp>
-      <p:sp>
-        <p:nvSpPr>
-          <p:cNvPr id="3" name="Content Placeholder 2"/>
-          <p:cNvSpPr>
-            <a:spLocks noGrp="1"/>
-          </p:cNvSpPr>
-          <p:nvPr>
-            <p:ph idx="1"/>
-          </p:nvPr>
-        </p:nvSpPr>
-        <p:spPr/>
-        <p:txBody>
-          <a:bodyPr/>
-          <a:lstStyle/>
-          <a:p>
-            <a:r>
-              <a:rPr lang="en-US" sz="1800" dirty="0"/>
-              <a:t> [</a:t>
-            </a:r>
-            <a:r>
-              <a:rPr lang="en-US" sz="1800" dirty="0" err="1"/>
-              <a:t>TestMethod</a:t>
-            </a:r>
-            <a:r>
-              <a:rPr lang="en-US" sz="1800" dirty="0"/>
-              <a:t>]</a:t>
-            </a:r>
-          </a:p>
-          <a:p>
-            <a:r>
-              <a:rPr lang="en-US" sz="1800" dirty="0"/>
-              <a:t>        public void </a:t>
-            </a:r>
-            <a:r>
-              <a:rPr lang="en-US" sz="1800" dirty="0" err="1"/>
-              <a:t>BackgroundOffset_Test</a:t>
-            </a:r>
-            <a:r>
-              <a:rPr lang="en-US" sz="1800" dirty="0"/>
-              <a:t>()</a:t>
-            </a:r>
-          </a:p>
-          <a:p>
-            <a:r>
-              <a:rPr lang="en-US" sz="1800" dirty="0"/>
-              <a:t>        {</a:t>
-            </a:r>
-          </a:p>
-          <a:p>
-            <a:r>
-              <a:rPr lang="en-US" sz="1800" dirty="0"/>
-              <a:t>            </a:t>
-            </a:r>
-            <a:r>
-              <a:rPr lang="en-US" sz="1800" dirty="0" err="1"/>
-              <a:t>background.BackgroundOffset</a:t>
-            </a:r>
-            <a:r>
-              <a:rPr lang="en-US" sz="1800" dirty="0"/>
-              <a:t> = 1;</a:t>
-            </a:r>
-          </a:p>
-          <a:p>
-            <a:r>
-              <a:rPr lang="en-US" sz="1800" dirty="0"/>
-              <a:t>            </a:t>
-            </a:r>
-            <a:r>
-              <a:rPr lang="en-US" sz="1800" dirty="0" err="1"/>
-              <a:t>Assert.IsTrue</a:t>
-            </a:r>
-            <a:r>
-              <a:rPr lang="en-US" sz="1800" dirty="0"/>
-              <a:t>(1 == </a:t>
-            </a:r>
-            <a:r>
-              <a:rPr lang="en-US" sz="1800" dirty="0" err="1"/>
-              <a:t>background.BackgroundOffset</a:t>
-            </a:r>
-            <a:r>
-              <a:rPr lang="en-US" sz="1800" dirty="0"/>
-              <a:t>);</a:t>
-            </a:r>
-          </a:p>
-          <a:p>
-            <a:r>
-              <a:rPr lang="en-US" sz="1800" dirty="0"/>
-              <a:t>        }</a:t>
-            </a:r>
-          </a:p>
-          <a:p>
-            <a:endParaRPr lang="en-US" sz="1800" dirty="0"/>
-          </a:p>
-          <a:p>
-            <a:r>
-              <a:rPr lang="en-US" sz="1800" dirty="0"/>
-              <a:t>        [</a:t>
-            </a:r>
-            <a:r>
-              <a:rPr lang="en-US" sz="1800" dirty="0" err="1"/>
-              <a:t>TestMethod</a:t>
-            </a:r>
-            <a:r>
-              <a:rPr lang="en-US" sz="1800" dirty="0"/>
-              <a:t>]</a:t>
-            </a:r>
-          </a:p>
-          <a:p>
-            <a:r>
-              <a:rPr lang="en-US" sz="1800" dirty="0"/>
-              <a:t>        public void </a:t>
-            </a:r>
-            <a:r>
-              <a:rPr lang="en-US" sz="1800" dirty="0" err="1"/>
-              <a:t>BackgroundWidth_Test</a:t>
-            </a:r>
-            <a:r>
-              <a:rPr lang="en-US" sz="1800" dirty="0"/>
-              <a:t>()</a:t>
-            </a:r>
-          </a:p>
-          <a:p>
-            <a:r>
-              <a:rPr lang="en-US" sz="1800" dirty="0"/>
-              <a:t>        {</a:t>
-            </a:r>
-          </a:p>
-          <a:p>
-            <a:r>
-              <a:rPr lang="en-US" sz="1800" dirty="0"/>
-              <a:t>            </a:t>
-            </a:r>
-            <a:r>
-              <a:rPr lang="en-US" sz="1800" dirty="0" err="1"/>
-              <a:t>background.BackgroundWidth</a:t>
-            </a:r>
-            <a:r>
-              <a:rPr lang="en-US" sz="1800" dirty="0"/>
-              <a:t> = 2;</a:t>
-            </a:r>
-          </a:p>
-          <a:p>
-            <a:r>
-              <a:rPr lang="en-US" sz="1800" dirty="0"/>
-              <a:t>            </a:t>
-            </a:r>
-            <a:r>
-              <a:rPr lang="en-US" sz="1800" dirty="0" err="1"/>
-              <a:t>Assert.IsTrue</a:t>
-            </a:r>
-            <a:r>
-              <a:rPr lang="en-US" sz="1800" dirty="0"/>
-              <a:t>(2 == </a:t>
-            </a:r>
-            <a:r>
-              <a:rPr lang="en-US" sz="1800" dirty="0" err="1"/>
-              <a:t>background.BackgroundWidth</a:t>
-            </a:r>
-            <a:r>
-              <a:rPr lang="en-US" sz="1800" dirty="0"/>
-              <a:t>);</a:t>
-            </a:r>
-          </a:p>
-          <a:p>
-            <a:r>
-              <a:rPr lang="en-US" sz="1800" dirty="0"/>
-              <a:t>        }</a:t>
-            </a:r>
-          </a:p>
-        </p:txBody>
-      </p:sp>
-    </p:spTree>
-    <p:extLst>
-      <p:ext uri="{BB962C8B-B14F-4D97-AF65-F5344CB8AC3E}">
-        <p14:creationId xmlns:p14="http://schemas.microsoft.com/office/powerpoint/2010/main" xmlns="" val="755878279"/>
-      </p:ext>
-    </p:extLst>
-  </p:cSld>
-  <p:clrMapOvr>
-    <a:masterClrMapping/>
-  </p:clrMapOvr>
-  <p:timing>
-    <p:tnLst>
-      <p:par>
-        <p:cTn id="1" dur="indefinite" restart="never" nodeType="tmRoot"/>
-      </p:par>
-    </p:tnLst>
-  </p:timing>
-</p:sld>
-</file>
-
-<file path=ppt/slides/slide14.xml><?xml version="1.0" encoding="utf-8"?>
-<p:sld xmlns:a="http://schemas.openxmlformats.org/drawingml/2006/main" xmlns:r="http://schemas.openxmlformats.org/officeDocument/2006/relationships" xmlns:p="http://schemas.openxmlformats.org/presentationml/2006/main">
-  <p:cSld>
-    <p:spTree>
-      <p:nvGrpSpPr>
-        <p:cNvPr id="1" name=""/>
-        <p:cNvGrpSpPr/>
-        <p:nvPr/>
-      </p:nvGrpSpPr>
-      <p:grpSpPr>
-        <a:xfrm>
-          <a:off x="0" y="0"/>
-          <a:ext cx="0" cy="0"/>
-          <a:chOff x="0" y="0"/>
-          <a:chExt cx="0" cy="0"/>
-        </a:xfrm>
-      </p:grpSpPr>
-      <p:sp>
-        <p:nvSpPr>
-          <p:cNvPr id="2" name="Title 1"/>
-          <p:cNvSpPr>
-            <a:spLocks noGrp="1"/>
-          </p:cNvSpPr>
-          <p:nvPr>
-            <p:ph type="title"/>
-          </p:nvPr>
-        </p:nvSpPr>
-        <p:spPr/>
-        <p:txBody>
-          <a:bodyPr/>
-          <a:lstStyle/>
-          <a:p>
-            <a:r>
-              <a:rPr lang="en-US" dirty="0" smtClean="0"/>
-              <a:t>Background </a:t>
-            </a:r>
-            <a:r>
-              <a:rPr lang="en-US" dirty="0"/>
-              <a:t>Test Code</a:t>
-            </a:r>
-          </a:p>
-        </p:txBody>
-      </p:sp>
-      <p:sp>
-        <p:nvSpPr>
-          <p:cNvPr id="3" name="Content Placeholder 2"/>
-          <p:cNvSpPr>
-            <a:spLocks noGrp="1"/>
-          </p:cNvSpPr>
-          <p:nvPr>
-            <p:ph idx="1"/>
-          </p:nvPr>
-        </p:nvSpPr>
-        <p:spPr/>
-        <p:txBody>
-          <a:bodyPr/>
-          <a:lstStyle/>
-          <a:p>
-            <a:r>
-              <a:rPr lang="en-US" sz="1800" dirty="0"/>
-              <a:t> [</a:t>
-            </a:r>
-            <a:r>
-              <a:rPr lang="en-US" sz="1800" dirty="0" err="1"/>
-              <a:t>TestMethod</a:t>
-            </a:r>
-            <a:r>
-              <a:rPr lang="en-US" sz="1800" dirty="0"/>
-              <a:t>]</a:t>
-            </a:r>
-          </a:p>
-          <a:p>
-            <a:r>
-              <a:rPr lang="en-US" sz="1800" dirty="0"/>
-              <a:t>        public void </a:t>
-            </a:r>
-            <a:r>
-              <a:rPr lang="en-US" sz="1800" dirty="0" err="1"/>
-              <a:t>BackgroundHeight_Test</a:t>
-            </a:r>
-            <a:r>
-              <a:rPr lang="en-US" sz="1800" dirty="0"/>
-              <a:t>()</a:t>
-            </a:r>
-          </a:p>
-          <a:p>
-            <a:r>
-              <a:rPr lang="en-US" sz="1800" dirty="0"/>
-              <a:t>        {</a:t>
-            </a:r>
-          </a:p>
-          <a:p>
-            <a:r>
-              <a:rPr lang="en-US" sz="1800" dirty="0"/>
-              <a:t>            </a:t>
-            </a:r>
-            <a:r>
-              <a:rPr lang="en-US" sz="1800" dirty="0" err="1"/>
-              <a:t>background.BackgroundHeight</a:t>
-            </a:r>
-            <a:r>
-              <a:rPr lang="en-US" sz="1800" dirty="0"/>
-              <a:t> = 2;</a:t>
-            </a:r>
-          </a:p>
-          <a:p>
-            <a:r>
-              <a:rPr lang="en-US" sz="1800" dirty="0"/>
-              <a:t>            </a:t>
-            </a:r>
-            <a:r>
-              <a:rPr lang="en-US" sz="1800" dirty="0" err="1"/>
-              <a:t>Assert.IsTrue</a:t>
-            </a:r>
-            <a:r>
-              <a:rPr lang="en-US" sz="1800" dirty="0"/>
-              <a:t>(2 == </a:t>
-            </a:r>
-            <a:r>
-              <a:rPr lang="en-US" sz="1800" dirty="0" err="1"/>
-              <a:t>background.BackgroundHeight</a:t>
-            </a:r>
-            <a:r>
-              <a:rPr lang="en-US" sz="1800" dirty="0"/>
-              <a:t>);</a:t>
-            </a:r>
-          </a:p>
-          <a:p>
-            <a:r>
-              <a:rPr lang="en-US" sz="1800" dirty="0"/>
-              <a:t>        }</a:t>
-            </a:r>
-          </a:p>
-          <a:p>
-            <a:endParaRPr lang="en-US" sz="1800" dirty="0"/>
-          </a:p>
-          <a:p>
-            <a:r>
-              <a:rPr lang="en-US" sz="1800" dirty="0"/>
-              <a:t>        [</a:t>
-            </a:r>
-            <a:r>
-              <a:rPr lang="en-US" sz="1800" dirty="0" err="1"/>
-              <a:t>TestMethod</a:t>
-            </a:r>
-            <a:r>
-              <a:rPr lang="en-US" sz="1800" dirty="0"/>
-              <a:t>]</a:t>
-            </a:r>
-          </a:p>
-          <a:p>
-            <a:r>
-              <a:rPr lang="en-US" sz="1800" dirty="0"/>
-              <a:t>        public void </a:t>
-            </a:r>
-            <a:r>
-              <a:rPr lang="en-US" sz="1800" dirty="0" err="1"/>
-              <a:t>BackgroundFileWidth_Test</a:t>
-            </a:r>
-            <a:r>
-              <a:rPr lang="en-US" sz="1800" dirty="0"/>
-              <a:t>()</a:t>
-            </a:r>
-          </a:p>
-          <a:p>
-            <a:r>
-              <a:rPr lang="en-US" sz="1800" dirty="0"/>
-              <a:t>        {</a:t>
-            </a:r>
-          </a:p>
-          <a:p>
-            <a:r>
-              <a:rPr lang="en-US" sz="1800" dirty="0"/>
-              <a:t>            </a:t>
-            </a:r>
-            <a:r>
-              <a:rPr lang="en-US" sz="1800" dirty="0" err="1"/>
-              <a:t>background.BackgroundFileWidth</a:t>
-            </a:r>
-            <a:r>
-              <a:rPr lang="en-US" sz="1800" dirty="0"/>
-              <a:t> = 3;</a:t>
-            </a:r>
-          </a:p>
-          <a:p>
-            <a:r>
-              <a:rPr lang="en-US" sz="1800" dirty="0"/>
-              <a:t>            </a:t>
-            </a:r>
-            <a:r>
-              <a:rPr lang="en-US" sz="1800" dirty="0" err="1"/>
-              <a:t>Assert.IsTrue</a:t>
-            </a:r>
-            <a:r>
-              <a:rPr lang="en-US" sz="1800" dirty="0"/>
-              <a:t>(3 == </a:t>
-            </a:r>
-            <a:r>
-              <a:rPr lang="en-US" sz="1800" dirty="0" err="1"/>
-              <a:t>background.BackgroundFileWidth</a:t>
-            </a:r>
-            <a:r>
-              <a:rPr lang="en-US" sz="1800" dirty="0"/>
-              <a:t>);</a:t>
-            </a:r>
-          </a:p>
-          <a:p>
-            <a:r>
-              <a:rPr lang="en-US" sz="1800" dirty="0"/>
-              <a:t>        }</a:t>
-            </a:r>
-          </a:p>
-          <a:p>
-            <a:pPr marL="0" indent="0">
-              <a:buNone/>
-            </a:pPr>
-            <a:endParaRPr lang="en-US" sz="1800" dirty="0"/>
-          </a:p>
-        </p:txBody>
-      </p:sp>
-    </p:spTree>
-    <p:extLst>
-      <p:ext uri="{BB962C8B-B14F-4D97-AF65-F5344CB8AC3E}">
-        <p14:creationId xmlns:p14="http://schemas.microsoft.com/office/powerpoint/2010/main" xmlns="" val="755878279"/>
-      </p:ext>
-    </p:extLst>
-  </p:cSld>
-  <p:clrMapOvr>
-    <a:masterClrMapping/>
-  </p:clrMapOvr>
-  <p:timing>
-    <p:tnLst>
-      <p:par>
-        <p:cTn id="1" dur="indefinite" restart="never" nodeType="tmRoot"/>
-      </p:par>
-    </p:tnLst>
-  </p:timing>
-</p:sld>
-</file>
-
-<file path=ppt/slides/slide15.xml><?xml version="1.0" encoding="utf-8"?>
-<p:sld xmlns:a="http://schemas.openxmlformats.org/drawingml/2006/main" xmlns:r="http://schemas.openxmlformats.org/officeDocument/2006/relationships" xmlns:p="http://schemas.openxmlformats.org/presentationml/2006/main">
-  <p:cSld>
-    <p:spTree>
-      <p:nvGrpSpPr>
-        <p:cNvPr id="1" name=""/>
-        <p:cNvGrpSpPr/>
-        <p:nvPr/>
-      </p:nvGrpSpPr>
-      <p:grpSpPr>
-        <a:xfrm>
-          <a:off x="0" y="0"/>
-          <a:ext cx="0" cy="0"/>
-          <a:chOff x="0" y="0"/>
-          <a:chExt cx="0" cy="0"/>
-        </a:xfrm>
-      </p:grpSpPr>
-      <p:sp>
-        <p:nvSpPr>
-          <p:cNvPr id="2" name="Title 1"/>
-          <p:cNvSpPr>
-            <a:spLocks noGrp="1"/>
-          </p:cNvSpPr>
-          <p:nvPr>
-            <p:ph type="title"/>
-          </p:nvPr>
-        </p:nvSpPr>
-        <p:spPr/>
-        <p:txBody>
-          <a:bodyPr/>
-          <a:lstStyle/>
-          <a:p>
-            <a:r>
-              <a:rPr lang="en-US" dirty="0" smtClean="0"/>
-              <a:t>Background </a:t>
-            </a:r>
-            <a:r>
-              <a:rPr lang="en-US" dirty="0"/>
-              <a:t>Test Code</a:t>
-            </a:r>
-          </a:p>
-        </p:txBody>
-      </p:sp>
-      <p:sp>
-        <p:nvSpPr>
-          <p:cNvPr id="3" name="Content Placeholder 2"/>
-          <p:cNvSpPr>
-            <a:spLocks noGrp="1"/>
-          </p:cNvSpPr>
-          <p:nvPr>
-            <p:ph idx="1"/>
-          </p:nvPr>
-        </p:nvSpPr>
-        <p:spPr/>
-        <p:txBody>
-          <a:bodyPr/>
-          <a:lstStyle/>
-          <a:p>
-            <a:r>
-              <a:rPr lang="en-US" sz="1800" dirty="0"/>
-              <a:t> [</a:t>
-            </a:r>
-            <a:r>
-              <a:rPr lang="en-US" sz="1800" dirty="0" err="1"/>
-              <a:t>TestMethod</a:t>
-            </a:r>
-            <a:r>
-              <a:rPr lang="en-US" sz="1800" dirty="0"/>
-              <a:t>]</a:t>
-            </a:r>
-          </a:p>
-          <a:p>
-            <a:r>
-              <a:rPr lang="en-US" sz="1800" dirty="0"/>
-              <a:t>        public void </a:t>
-            </a:r>
-            <a:r>
-              <a:rPr lang="en-US" sz="1800" dirty="0" err="1"/>
-              <a:t>BackgroundFileHeight_Test</a:t>
-            </a:r>
-            <a:r>
-              <a:rPr lang="en-US" sz="1800" dirty="0"/>
-              <a:t>()</a:t>
-            </a:r>
-          </a:p>
-          <a:p>
-            <a:r>
-              <a:rPr lang="en-US" sz="1800" dirty="0"/>
-              <a:t>        {</a:t>
-            </a:r>
-          </a:p>
-          <a:p>
-            <a:r>
-              <a:rPr lang="en-US" sz="1800" dirty="0"/>
-              <a:t>            </a:t>
-            </a:r>
-            <a:r>
-              <a:rPr lang="en-US" sz="1800" dirty="0" err="1"/>
-              <a:t>background.BackgroundFileHeight</a:t>
-            </a:r>
-            <a:r>
-              <a:rPr lang="en-US" sz="1800" dirty="0"/>
-              <a:t> = 4;</a:t>
-            </a:r>
-          </a:p>
-          <a:p>
-            <a:r>
-              <a:rPr lang="en-US" sz="1800" dirty="0"/>
-              <a:t>            </a:t>
-            </a:r>
-            <a:r>
-              <a:rPr lang="en-US" sz="1800" dirty="0" err="1"/>
-              <a:t>Assert.IsTrue</a:t>
-            </a:r>
-            <a:r>
-              <a:rPr lang="en-US" sz="1800" dirty="0"/>
-              <a:t>(4 == </a:t>
-            </a:r>
-            <a:r>
-              <a:rPr lang="en-US" sz="1800" dirty="0" err="1"/>
-              <a:t>background.BackgroundFileHeight</a:t>
-            </a:r>
-            <a:r>
-              <a:rPr lang="en-US" sz="1800" dirty="0"/>
-              <a:t>);</a:t>
-            </a:r>
-          </a:p>
-          <a:p>
-            <a:r>
-              <a:rPr lang="en-US" sz="1800" dirty="0"/>
-              <a:t>        }</a:t>
-            </a:r>
-          </a:p>
-          <a:p>
-            <a:r>
-              <a:rPr lang="en-US" sz="1800" dirty="0"/>
-              <a:t>    }</a:t>
-            </a:r>
-            <a:endParaRPr lang="en-US" sz="1800" dirty="0" smtClean="0"/>
-          </a:p>
-          <a:p>
-            <a:pPr marL="0" indent="0">
-              <a:buNone/>
-            </a:pPr>
-            <a:endParaRPr lang="en-US" sz="1800" dirty="0"/>
-          </a:p>
-        </p:txBody>
-      </p:sp>
-    </p:spTree>
-    <p:extLst>
-      <p:ext uri="{BB962C8B-B14F-4D97-AF65-F5344CB8AC3E}">
-        <p14:creationId xmlns:p14="http://schemas.microsoft.com/office/powerpoint/2010/main" xmlns="" val="755878279"/>
-      </p:ext>
-    </p:extLst>
-  </p:cSld>
-  <p:clrMapOvr>
-    <a:masterClrMapping/>
-  </p:clrMapOvr>
-  <p:timing>
-    <p:tnLst>
-      <p:par>
-        <p:cTn id="1" dur="indefinite" restart="never" nodeType="tmRoot"/>
-      </p:par>
-    </p:tnLst>
-  </p:timing>
-</p:sld>
-</file>
-
-<file path=ppt/slides/slide16.xml><?xml version="1.0" encoding="utf-8"?>
-<p:sld xmlns:a="http://schemas.openxmlformats.org/drawingml/2006/main" xmlns:r="http://schemas.openxmlformats.org/officeDocument/2006/relationships" xmlns:p="http://schemas.openxmlformats.org/presentationml/2006/main">
-  <p:cSld>
-    <p:spTree>
-      <p:nvGrpSpPr>
-        <p:cNvPr id="1" name=""/>
-        <p:cNvGrpSpPr/>
-        <p:nvPr/>
-      </p:nvGrpSpPr>
-      <p:grpSpPr>
-        <a:xfrm>
-          <a:off x="0" y="0"/>
-          <a:ext cx="0" cy="0"/>
-          <a:chOff x="0" y="0"/>
-          <a:chExt cx="0" cy="0"/>
-        </a:xfrm>
-      </p:grpSpPr>
-      <p:sp>
-        <p:nvSpPr>
-          <p:cNvPr id="2" name="Title 1"/>
-          <p:cNvSpPr>
-            <a:spLocks noGrp="1"/>
-          </p:cNvSpPr>
-          <p:nvPr>
-            <p:ph type="title"/>
-          </p:nvPr>
-        </p:nvSpPr>
-        <p:spPr/>
-        <p:txBody>
-          <a:bodyPr/>
-          <a:lstStyle/>
-          <a:p>
-            <a:r>
-              <a:rPr lang="en-US" dirty="0" smtClean="0"/>
-              <a:t>Player </a:t>
-            </a:r>
-            <a:r>
-              <a:rPr lang="en-US" dirty="0"/>
-              <a:t>Test Code</a:t>
-            </a:r>
-          </a:p>
-        </p:txBody>
-      </p:sp>
-      <p:sp>
-        <p:nvSpPr>
-          <p:cNvPr id="3" name="Content Placeholder 2"/>
-          <p:cNvSpPr>
-            <a:spLocks noGrp="1"/>
-          </p:cNvSpPr>
-          <p:nvPr>
-            <p:ph idx="1"/>
-          </p:nvPr>
-        </p:nvSpPr>
-        <p:spPr/>
-        <p:txBody>
-          <a:bodyPr/>
-          <a:lstStyle/>
-          <a:p>
-            <a:r>
-              <a:rPr lang="en-US" sz="2000" dirty="0"/>
-              <a:t>using System;</a:t>
-            </a:r>
-          </a:p>
-          <a:p>
-            <a:r>
-              <a:rPr lang="en-US" sz="2000" dirty="0"/>
-              <a:t>using </a:t>
-            </a:r>
-            <a:r>
-              <a:rPr lang="en-US" sz="2000" dirty="0" err="1"/>
-              <a:t>System.Text</a:t>
-            </a:r>
-            <a:r>
-              <a:rPr lang="en-US" sz="2000" dirty="0"/>
-              <a:t>;</a:t>
-            </a:r>
-          </a:p>
-          <a:p>
-            <a:r>
-              <a:rPr lang="en-US" sz="2000" dirty="0"/>
-              <a:t>using </a:t>
-            </a:r>
-            <a:r>
-              <a:rPr lang="en-US" sz="2000" dirty="0" err="1"/>
-              <a:t>System.Collections.Generic</a:t>
-            </a:r>
-            <a:r>
-              <a:rPr lang="en-US" sz="2000" dirty="0"/>
-              <a:t>;</a:t>
-            </a:r>
-          </a:p>
-          <a:p>
-            <a:r>
-              <a:rPr lang="en-US" sz="2000" dirty="0"/>
-              <a:t>using </a:t>
-            </a:r>
-            <a:r>
-              <a:rPr lang="en-US" sz="2000" dirty="0" err="1"/>
-              <a:t>System.Linq</a:t>
-            </a:r>
-            <a:r>
-              <a:rPr lang="en-US" sz="2000" dirty="0"/>
-              <a:t>;</a:t>
-            </a:r>
-          </a:p>
-          <a:p>
-            <a:r>
-              <a:rPr lang="en-US" sz="2000" dirty="0"/>
-              <a:t>using </a:t>
-            </a:r>
-            <a:r>
-              <a:rPr lang="en-US" sz="2000" dirty="0" err="1"/>
-              <a:t>Microsoft.VisualStudio.TestTools.UnitTesting</a:t>
-            </a:r>
-            <a:r>
-              <a:rPr lang="en-US" sz="2000" dirty="0"/>
-              <a:t>;</a:t>
-            </a:r>
-          </a:p>
-          <a:p>
-            <a:r>
-              <a:rPr lang="en-US" sz="2000" dirty="0"/>
-              <a:t>using </a:t>
-            </a:r>
-            <a:r>
-              <a:rPr lang="en-US" sz="2000" dirty="0" err="1"/>
-              <a:t>Project_Starfighter</a:t>
-            </a:r>
-            <a:r>
-              <a:rPr lang="en-US" sz="2000" dirty="0"/>
-              <a:t>;</a:t>
-            </a:r>
-          </a:p>
-          <a:p>
-            <a:r>
-              <a:rPr lang="en-US" sz="2000" dirty="0"/>
-              <a:t>using </a:t>
-            </a:r>
-            <a:r>
-              <a:rPr lang="en-US" sz="2000" dirty="0" err="1"/>
-              <a:t>Microsoft.Xna.Framework</a:t>
-            </a:r>
-            <a:r>
-              <a:rPr lang="en-US" sz="2000" dirty="0"/>
-              <a:t>;</a:t>
-            </a:r>
-          </a:p>
-          <a:p>
-            <a:r>
-              <a:rPr lang="en-US" sz="2000" dirty="0"/>
-              <a:t>using </a:t>
-            </a:r>
-            <a:r>
-              <a:rPr lang="en-US" sz="2000" dirty="0" err="1"/>
-              <a:t>Rhino.Mocks</a:t>
-            </a:r>
-            <a:r>
-              <a:rPr lang="en-US" sz="2000" dirty="0"/>
-              <a:t>;</a:t>
-            </a:r>
-          </a:p>
-          <a:p>
-            <a:endParaRPr lang="en-US" sz="2000" dirty="0"/>
-          </a:p>
-          <a:p>
-            <a:endParaRPr lang="en-US" sz="2000" dirty="0"/>
-          </a:p>
-          <a:p>
-            <a:r>
-              <a:rPr lang="en-US" sz="2000" dirty="0"/>
-              <a:t>namespace </a:t>
-            </a:r>
-            <a:r>
-              <a:rPr lang="en-US" sz="2000" dirty="0" err="1"/>
-              <a:t>Project_Starfighter_Test</a:t>
-            </a:r>
-            <a:endParaRPr lang="en-US" sz="2000" dirty="0"/>
-          </a:p>
-          <a:p>
-            <a:r>
-              <a:rPr lang="en-US" sz="2000" dirty="0"/>
-              <a:t>{</a:t>
-            </a:r>
-          </a:p>
-          <a:p>
-            <a:pPr marL="0" indent="0">
-              <a:buNone/>
-            </a:pPr>
-            <a:endParaRPr lang="en-US" sz="1800" dirty="0"/>
-          </a:p>
-        </p:txBody>
-      </p:sp>
-    </p:spTree>
-    <p:extLst>
-      <p:ext uri="{BB962C8B-B14F-4D97-AF65-F5344CB8AC3E}">
-        <p14:creationId xmlns:p14="http://schemas.microsoft.com/office/powerpoint/2010/main" xmlns="" val="2636330540"/>
-      </p:ext>
-    </p:extLst>
-  </p:cSld>
-  <p:clrMapOvr>
-    <a:masterClrMapping/>
-  </p:clrMapOvr>
-  <p:timing>
-    <p:tnLst>
-      <p:par>
-        <p:cTn id="1" dur="indefinite" restart="never" nodeType="tmRoot"/>
-      </p:par>
-    </p:tnLst>
-  </p:timing>
-</p:sld>
-</file>
-
-<file path=ppt/slides/slide17.xml><?xml version="1.0" encoding="utf-8"?>
-<p:sld xmlns:a="http://schemas.openxmlformats.org/drawingml/2006/main" xmlns:r="http://schemas.openxmlformats.org/officeDocument/2006/relationships" xmlns:p="http://schemas.openxmlformats.org/presentationml/2006/main">
-  <p:cSld>
-    <p:spTree>
-      <p:nvGrpSpPr>
-        <p:cNvPr id="1" name=""/>
-        <p:cNvGrpSpPr/>
-        <p:nvPr/>
-      </p:nvGrpSpPr>
-      <p:grpSpPr>
-        <a:xfrm>
-          <a:off x="0" y="0"/>
-          <a:ext cx="0" cy="0"/>
-          <a:chOff x="0" y="0"/>
-          <a:chExt cx="0" cy="0"/>
-        </a:xfrm>
-      </p:grpSpPr>
-      <p:sp>
-        <p:nvSpPr>
-          <p:cNvPr id="2" name="Title 1"/>
-          <p:cNvSpPr>
-            <a:spLocks noGrp="1"/>
-          </p:cNvSpPr>
-          <p:nvPr>
-            <p:ph type="title"/>
-          </p:nvPr>
-        </p:nvSpPr>
-        <p:spPr/>
-        <p:txBody>
-          <a:bodyPr/>
-          <a:lstStyle/>
-          <a:p>
-            <a:r>
-              <a:rPr lang="en-US" dirty="0" smtClean="0"/>
-              <a:t>Player </a:t>
-            </a:r>
-            <a:r>
-              <a:rPr lang="en-US" dirty="0"/>
-              <a:t>Test Code</a:t>
-            </a:r>
-          </a:p>
-        </p:txBody>
-      </p:sp>
-      <p:sp>
-        <p:nvSpPr>
-          <p:cNvPr id="3" name="Content Placeholder 2"/>
-          <p:cNvSpPr>
-            <a:spLocks noGrp="1"/>
-          </p:cNvSpPr>
-          <p:nvPr>
-            <p:ph idx="1"/>
-          </p:nvPr>
-        </p:nvSpPr>
-        <p:spPr/>
-        <p:txBody>
-          <a:bodyPr/>
-          <a:lstStyle/>
-          <a:p>
-            <a:r>
-              <a:rPr lang="en-US" sz="1800" dirty="0"/>
-              <a:t>[</a:t>
-            </a:r>
-            <a:r>
-              <a:rPr lang="en-US" sz="1800" dirty="0" err="1"/>
-              <a:t>TestClass</a:t>
-            </a:r>
-            <a:r>
-              <a:rPr lang="en-US" sz="1800" dirty="0"/>
-              <a:t>]</a:t>
-            </a:r>
-          </a:p>
-          <a:p>
-            <a:r>
-              <a:rPr lang="en-US" sz="1800" dirty="0"/>
-              <a:t>    public class </a:t>
-            </a:r>
-            <a:r>
-              <a:rPr lang="en-US" sz="1800" dirty="0" err="1"/>
-              <a:t>Player_Test</a:t>
-            </a:r>
-            <a:r>
-              <a:rPr lang="en-US" sz="1800" dirty="0"/>
-              <a:t> : </a:t>
-            </a:r>
-            <a:r>
-              <a:rPr lang="en-US" sz="1800" dirty="0" err="1"/>
-              <a:t>Microsoft.Xna.Framework.Game</a:t>
-            </a:r>
-            <a:endParaRPr lang="en-US" sz="1800" dirty="0"/>
-          </a:p>
-          <a:p>
-            <a:r>
-              <a:rPr lang="en-US" sz="1800" dirty="0"/>
-              <a:t>    {</a:t>
-            </a:r>
-          </a:p>
-          <a:p>
-            <a:r>
-              <a:rPr lang="en-US" sz="1800" dirty="0"/>
-              <a:t>        Player </a:t>
-            </a:r>
-            <a:r>
-              <a:rPr lang="en-US" sz="1800" dirty="0" err="1"/>
-              <a:t>testplay</a:t>
-            </a:r>
-            <a:r>
-              <a:rPr lang="en-US" sz="1800" dirty="0"/>
-              <a:t>;</a:t>
-            </a:r>
-          </a:p>
-          <a:p>
-            <a:r>
-              <a:rPr lang="en-US" sz="1800" dirty="0"/>
-              <a:t>        </a:t>
-            </a:r>
-            <a:r>
-              <a:rPr lang="en-US" sz="1800" dirty="0" err="1"/>
-              <a:t>GameTime</a:t>
-            </a:r>
-            <a:r>
-              <a:rPr lang="en-US" sz="1800" dirty="0"/>
-              <a:t> </a:t>
-            </a:r>
-            <a:r>
-              <a:rPr lang="en-US" sz="1800" dirty="0" err="1"/>
-              <a:t>gameTime</a:t>
-            </a:r>
-            <a:r>
-              <a:rPr lang="en-US" sz="1800" dirty="0"/>
-              <a:t>;</a:t>
-            </a:r>
-          </a:p>
-          <a:p>
-            <a:r>
-              <a:rPr lang="en-US" sz="1800" dirty="0"/>
-              <a:t>        //</a:t>
-            </a:r>
-            <a:r>
-              <a:rPr lang="en-US" sz="1800" dirty="0" err="1"/>
-              <a:t>SpriteBatch</a:t>
-            </a:r>
-            <a:r>
-              <a:rPr lang="en-US" sz="1800" dirty="0"/>
-              <a:t> </a:t>
-            </a:r>
-            <a:r>
-              <a:rPr lang="en-US" sz="1800" dirty="0" err="1"/>
-              <a:t>sp</a:t>
-            </a:r>
-            <a:r>
-              <a:rPr lang="en-US" sz="1800" dirty="0"/>
-              <a:t>;</a:t>
-            </a:r>
-          </a:p>
-          <a:p>
-            <a:endParaRPr lang="en-US" sz="1800" dirty="0"/>
-          </a:p>
-          <a:p>
-            <a:r>
-              <a:rPr lang="en-US" sz="1800" dirty="0"/>
-              <a:t>        public </a:t>
-            </a:r>
-            <a:r>
-              <a:rPr lang="en-US" sz="1800" dirty="0" err="1"/>
-              <a:t>Player_Test</a:t>
-            </a:r>
-            <a:r>
-              <a:rPr lang="en-US" sz="1800" dirty="0"/>
-              <a:t>()</a:t>
-            </a:r>
-          </a:p>
-          <a:p>
-            <a:r>
-              <a:rPr lang="en-US" sz="1800" dirty="0"/>
-              <a:t>        {</a:t>
-            </a:r>
-          </a:p>
-          <a:p>
-            <a:r>
-              <a:rPr lang="en-US" sz="1800" dirty="0"/>
-              <a:t>            Background </a:t>
-            </a:r>
-            <a:r>
-              <a:rPr lang="en-US" sz="1800" dirty="0" err="1"/>
-              <a:t>background</a:t>
-            </a:r>
-            <a:r>
-              <a:rPr lang="en-US" sz="1800" dirty="0"/>
-              <a:t> = new Background();</a:t>
-            </a:r>
-          </a:p>
-          <a:p>
-            <a:r>
-              <a:rPr lang="en-US" sz="1800" dirty="0"/>
-              <a:t>            </a:t>
-            </a:r>
-            <a:r>
-              <a:rPr lang="en-US" sz="1800" dirty="0" err="1"/>
-              <a:t>gameTime</a:t>
-            </a:r>
-            <a:r>
-              <a:rPr lang="en-US" sz="1800" dirty="0"/>
-              <a:t> = </a:t>
-            </a:r>
-            <a:r>
-              <a:rPr lang="en-US" sz="1800" dirty="0" err="1"/>
-              <a:t>MockRepository.GenerateStub</a:t>
-            </a:r>
-            <a:r>
-              <a:rPr lang="en-US" sz="1800" dirty="0"/>
-              <a:t>&lt;</a:t>
-            </a:r>
-            <a:r>
-              <a:rPr lang="en-US" sz="1800" dirty="0" err="1"/>
-              <a:t>GameTime</a:t>
-            </a:r>
-            <a:r>
-              <a:rPr lang="en-US" sz="1800" dirty="0"/>
-              <a:t>&gt;();</a:t>
-            </a:r>
-          </a:p>
-          <a:p>
-            <a:r>
-              <a:rPr lang="en-US" sz="1800" dirty="0"/>
-              <a:t>            </a:t>
-            </a:r>
-            <a:r>
-              <a:rPr lang="en-US" sz="1800" dirty="0" err="1"/>
-              <a:t>testplay</a:t>
-            </a:r>
-            <a:r>
-              <a:rPr lang="en-US" sz="1800" dirty="0"/>
-              <a:t> = new Player();</a:t>
-            </a:r>
-          </a:p>
-          <a:p>
-            <a:r>
-              <a:rPr lang="en-US" sz="1800" dirty="0"/>
-              <a:t>            //</a:t>
-            </a:r>
-            <a:r>
-              <a:rPr lang="en-US" sz="1800" dirty="0" err="1"/>
-              <a:t>sb</a:t>
-            </a:r>
-            <a:r>
-              <a:rPr lang="en-US" sz="1800" dirty="0"/>
-              <a:t> = </a:t>
-            </a:r>
-            <a:r>
-              <a:rPr lang="en-US" sz="1800" dirty="0" err="1"/>
-              <a:t>MockRepository.GenerateStub</a:t>
-            </a:r>
-            <a:r>
-              <a:rPr lang="en-US" sz="1800" dirty="0"/>
-              <a:t>&lt;</a:t>
-            </a:r>
-            <a:r>
-              <a:rPr lang="en-US" sz="1800" dirty="0" err="1"/>
-              <a:t>SpriteBatch</a:t>
-            </a:r>
-            <a:r>
-              <a:rPr lang="en-US" sz="1800" dirty="0"/>
-              <a:t>&gt;();</a:t>
-            </a:r>
-          </a:p>
-          <a:p>
-            <a:r>
-              <a:rPr lang="en-US" sz="1800" dirty="0"/>
-              <a:t>        }</a:t>
-            </a:r>
-          </a:p>
-          <a:p>
-            <a:pPr marL="0" indent="0">
-              <a:buNone/>
-            </a:pPr>
-            <a:endParaRPr lang="en-US" sz="1800" dirty="0"/>
-          </a:p>
-        </p:txBody>
-      </p:sp>
-    </p:spTree>
-    <p:extLst>
-      <p:ext uri="{BB962C8B-B14F-4D97-AF65-F5344CB8AC3E}">
-        <p14:creationId xmlns:p14="http://schemas.microsoft.com/office/powerpoint/2010/main" xmlns="" val="3670958368"/>
-      </p:ext>
-    </p:extLst>
-  </p:cSld>
-  <p:clrMapOvr>
-    <a:masterClrMapping/>
-  </p:clrMapOvr>
-  <p:timing>
-    <p:tnLst>
-      <p:par>
-        <p:cTn id="1" dur="indefinite" restart="never" nodeType="tmRoot"/>
-      </p:par>
-    </p:tnLst>
-  </p:timing>
-</p:sld>
-</file>
-
-<file path=ppt/slides/slide18.xml><?xml version="1.0" encoding="utf-8"?>
-<p:sld xmlns:a="http://schemas.openxmlformats.org/drawingml/2006/main" xmlns:r="http://schemas.openxmlformats.org/officeDocument/2006/relationships" xmlns:p="http://schemas.openxmlformats.org/presentationml/2006/main">
-  <p:cSld>
-    <p:spTree>
-      <p:nvGrpSpPr>
-        <p:cNvPr id="1" name=""/>
-        <p:cNvGrpSpPr/>
-        <p:nvPr/>
-      </p:nvGrpSpPr>
-      <p:grpSpPr>
-        <a:xfrm>
-          <a:off x="0" y="0"/>
-          <a:ext cx="0" cy="0"/>
-          <a:chOff x="0" y="0"/>
-          <a:chExt cx="0" cy="0"/>
-        </a:xfrm>
-      </p:grpSpPr>
-      <p:sp>
-        <p:nvSpPr>
-          <p:cNvPr id="2" name="Title 1"/>
-          <p:cNvSpPr>
-            <a:spLocks noGrp="1"/>
-          </p:cNvSpPr>
-          <p:nvPr>
-            <p:ph type="title"/>
-          </p:nvPr>
-        </p:nvSpPr>
-        <p:spPr/>
-        <p:txBody>
-          <a:bodyPr/>
-          <a:lstStyle/>
-          <a:p>
-            <a:r>
-              <a:rPr lang="en-US" dirty="0" smtClean="0"/>
-              <a:t>Player </a:t>
-            </a:r>
-            <a:r>
-              <a:rPr lang="en-US" dirty="0"/>
-              <a:t>Test Code</a:t>
-            </a:r>
-          </a:p>
-        </p:txBody>
-      </p:sp>
-      <p:sp>
-        <p:nvSpPr>
-          <p:cNvPr id="3" name="Content Placeholder 2"/>
-          <p:cNvSpPr>
-            <a:spLocks noGrp="1"/>
-          </p:cNvSpPr>
-          <p:nvPr>
-            <p:ph idx="1"/>
-          </p:nvPr>
-        </p:nvSpPr>
-        <p:spPr/>
-        <p:txBody>
-          <a:bodyPr/>
-          <a:lstStyle/>
-          <a:p>
-            <a:r>
-              <a:rPr lang="en-US" sz="1800" dirty="0"/>
-              <a:t>[</a:t>
-            </a:r>
-            <a:r>
-              <a:rPr lang="en-US" sz="1800" dirty="0" err="1"/>
-              <a:t>TestMethod</a:t>
-            </a:r>
-            <a:r>
-              <a:rPr lang="en-US" sz="1800" dirty="0"/>
-              <a:t>]</a:t>
-            </a:r>
-          </a:p>
-          <a:p>
-            <a:r>
-              <a:rPr lang="en-US" sz="1800" dirty="0"/>
-              <a:t>        public void </a:t>
-            </a:r>
-            <a:r>
-              <a:rPr lang="en-US" sz="1800" dirty="0" err="1"/>
-              <a:t>XPosition_Test</a:t>
-            </a:r>
-            <a:r>
-              <a:rPr lang="en-US" sz="1800" dirty="0"/>
-              <a:t>()</a:t>
-            </a:r>
-          </a:p>
-          <a:p>
-            <a:r>
-              <a:rPr lang="en-US" sz="1800" dirty="0"/>
-              <a:t>        {</a:t>
-            </a:r>
-          </a:p>
-          <a:p>
-            <a:r>
-              <a:rPr lang="en-US" sz="1800" dirty="0"/>
-              <a:t>            </a:t>
-            </a:r>
-            <a:r>
-              <a:rPr lang="en-US" sz="1800" dirty="0" err="1"/>
-              <a:t>testplay.X</a:t>
-            </a:r>
-            <a:r>
-              <a:rPr lang="en-US" sz="1800" dirty="0"/>
-              <a:t> = 11;</a:t>
-            </a:r>
-          </a:p>
-          <a:p>
-            <a:r>
-              <a:rPr lang="en-US" sz="1800" dirty="0"/>
-              <a:t>            </a:t>
-            </a:r>
-            <a:r>
-              <a:rPr lang="en-US" sz="1800" dirty="0" err="1"/>
-              <a:t>Assert.IsTrue</a:t>
-            </a:r>
-            <a:r>
-              <a:rPr lang="en-US" sz="1800" dirty="0"/>
-              <a:t>(11 == </a:t>
-            </a:r>
-            <a:r>
-              <a:rPr lang="en-US" sz="1800" dirty="0" err="1"/>
-              <a:t>testplay.X</a:t>
-            </a:r>
-            <a:r>
-              <a:rPr lang="en-US" sz="1800" dirty="0"/>
-              <a:t>);</a:t>
-            </a:r>
-          </a:p>
-          <a:p>
-            <a:r>
-              <a:rPr lang="en-US" sz="1800" dirty="0"/>
-              <a:t>        }</a:t>
-            </a:r>
-          </a:p>
-          <a:p>
-            <a:endParaRPr lang="en-US" sz="1800" dirty="0"/>
-          </a:p>
-          <a:p>
-            <a:r>
-              <a:rPr lang="en-US" sz="1800" dirty="0"/>
-              <a:t>        [</a:t>
-            </a:r>
-            <a:r>
-              <a:rPr lang="en-US" sz="1800" dirty="0" err="1"/>
-              <a:t>TestMethod</a:t>
-            </a:r>
-            <a:r>
-              <a:rPr lang="en-US" sz="1800" dirty="0"/>
-              <a:t>]</a:t>
-            </a:r>
-          </a:p>
-          <a:p>
-            <a:r>
-              <a:rPr lang="en-US" sz="1800" dirty="0"/>
-              <a:t>        public void </a:t>
-            </a:r>
-            <a:r>
-              <a:rPr lang="en-US" sz="1800" dirty="0" err="1"/>
-              <a:t>YPosition_Test</a:t>
-            </a:r>
-            <a:r>
-              <a:rPr lang="en-US" sz="1800" dirty="0"/>
-              <a:t>()</a:t>
-            </a:r>
-          </a:p>
-          <a:p>
-            <a:r>
-              <a:rPr lang="en-US" sz="1800" dirty="0"/>
-              <a:t>        {</a:t>
-            </a:r>
-          </a:p>
-          <a:p>
-            <a:r>
-              <a:rPr lang="en-US" sz="1800" dirty="0"/>
-              <a:t>            </a:t>
-            </a:r>
-            <a:r>
-              <a:rPr lang="en-US" sz="1800" dirty="0" err="1"/>
-              <a:t>testplay.Y</a:t>
-            </a:r>
-            <a:r>
-              <a:rPr lang="en-US" sz="1800" dirty="0"/>
-              <a:t> = 12;</a:t>
-            </a:r>
-          </a:p>
-          <a:p>
-            <a:r>
-              <a:rPr lang="en-US" sz="1800" dirty="0"/>
-              <a:t>            </a:t>
-            </a:r>
-            <a:r>
-              <a:rPr lang="en-US" sz="1800" dirty="0" err="1"/>
-              <a:t>Assert.IsTrue</a:t>
-            </a:r>
-            <a:r>
-              <a:rPr lang="en-US" sz="1800" dirty="0"/>
-              <a:t>(12 == </a:t>
-            </a:r>
-            <a:r>
-              <a:rPr lang="en-US" sz="1800" dirty="0" err="1"/>
-              <a:t>testplay.Y</a:t>
-            </a:r>
-            <a:r>
-              <a:rPr lang="en-US" sz="1800" dirty="0"/>
-              <a:t>);</a:t>
-            </a:r>
-          </a:p>
-          <a:p>
-            <a:r>
-              <a:rPr lang="en-US" sz="1800" dirty="0"/>
-              <a:t>        }</a:t>
-            </a:r>
-          </a:p>
-          <a:p>
-            <a:pPr marL="0" indent="0">
-              <a:buNone/>
-            </a:pPr>
-            <a:endParaRPr lang="en-US" sz="1800" dirty="0"/>
-          </a:p>
-        </p:txBody>
-      </p:sp>
-    </p:spTree>
-    <p:extLst>
-      <p:ext uri="{BB962C8B-B14F-4D97-AF65-F5344CB8AC3E}">
-        <p14:creationId xmlns:p14="http://schemas.microsoft.com/office/powerpoint/2010/main" xmlns="" val="1077691534"/>
-      </p:ext>
-    </p:extLst>
-  </p:cSld>
-  <p:clrMapOvr>
-    <a:masterClrMapping/>
-  </p:clrMapOvr>
-  <p:timing>
-    <p:tnLst>
-      <p:par>
-        <p:cTn id="1" dur="indefinite" restart="never" nodeType="tmRoot"/>
-      </p:par>
-    </p:tnLst>
-  </p:timing>
-</p:sld>
-</file>
-
-<file path=ppt/slides/slide19.xml><?xml version="1.0" encoding="utf-8"?>
-<p:sld xmlns:a="http://schemas.openxmlformats.org/drawingml/2006/main" xmlns:r="http://schemas.openxmlformats.org/officeDocument/2006/relationships" xmlns:p="http://schemas.openxmlformats.org/presentationml/2006/main">
-  <p:cSld>
-    <p:spTree>
-      <p:nvGrpSpPr>
-        <p:cNvPr id="1" name=""/>
-        <p:cNvGrpSpPr/>
-        <p:nvPr/>
-      </p:nvGrpSpPr>
-      <p:grpSpPr>
-        <a:xfrm>
-          <a:off x="0" y="0"/>
-          <a:ext cx="0" cy="0"/>
-          <a:chOff x="0" y="0"/>
-          <a:chExt cx="0" cy="0"/>
-        </a:xfrm>
-      </p:grpSpPr>
-      <p:sp>
-        <p:nvSpPr>
-          <p:cNvPr id="2" name="Title 1"/>
-          <p:cNvSpPr>
-            <a:spLocks noGrp="1"/>
-          </p:cNvSpPr>
-          <p:nvPr>
-            <p:ph type="title"/>
-          </p:nvPr>
-        </p:nvSpPr>
-        <p:spPr/>
-        <p:txBody>
-          <a:bodyPr/>
-          <a:lstStyle/>
-          <a:p>
-            <a:r>
-              <a:rPr lang="en-US" dirty="0" smtClean="0"/>
-              <a:t>Player </a:t>
-            </a:r>
-            <a:r>
-              <a:rPr lang="en-US" dirty="0"/>
-              <a:t>Test Code</a:t>
-            </a:r>
-          </a:p>
-        </p:txBody>
-      </p:sp>
-      <p:sp>
-        <p:nvSpPr>
-          <p:cNvPr id="3" name="Content Placeholder 2"/>
-          <p:cNvSpPr>
-            <a:spLocks noGrp="1"/>
-          </p:cNvSpPr>
-          <p:nvPr>
-            <p:ph idx="1"/>
-          </p:nvPr>
-        </p:nvSpPr>
-        <p:spPr/>
-        <p:txBody>
-          <a:bodyPr/>
-          <a:lstStyle/>
-          <a:p>
-            <a:r>
-              <a:rPr lang="en-US" sz="1800" dirty="0"/>
-              <a:t> [</a:t>
-            </a:r>
-            <a:r>
-              <a:rPr lang="en-US" sz="1800" dirty="0" err="1"/>
-              <a:t>TestMethod</a:t>
-            </a:r>
-            <a:r>
-              <a:rPr lang="en-US" sz="1800" dirty="0"/>
-              <a:t>]</a:t>
-            </a:r>
-          </a:p>
-          <a:p>
-            <a:r>
-              <a:rPr lang="en-US" sz="1800" dirty="0"/>
-              <a:t>        public void </a:t>
-            </a:r>
-            <a:r>
-              <a:rPr lang="en-US" sz="1800" dirty="0" err="1"/>
-              <a:t>Facing_Test</a:t>
-            </a:r>
-            <a:r>
-              <a:rPr lang="en-US" sz="1800" dirty="0"/>
-              <a:t>()</a:t>
-            </a:r>
-          </a:p>
-          <a:p>
-            <a:r>
-              <a:rPr lang="en-US" sz="1800" dirty="0"/>
-              <a:t>        {</a:t>
-            </a:r>
-          </a:p>
-          <a:p>
-            <a:r>
-              <a:rPr lang="en-US" sz="1800" dirty="0"/>
-              <a:t>            </a:t>
-            </a:r>
-            <a:r>
-              <a:rPr lang="en-US" sz="1800" dirty="0" err="1"/>
-              <a:t>testplay.Facing</a:t>
-            </a:r>
-            <a:r>
-              <a:rPr lang="en-US" sz="1800" dirty="0"/>
-              <a:t> = 1;</a:t>
-            </a:r>
-          </a:p>
-          <a:p>
-            <a:r>
-              <a:rPr lang="en-US" sz="1800" dirty="0"/>
-              <a:t>            </a:t>
-            </a:r>
-            <a:r>
-              <a:rPr lang="en-US" sz="1800" dirty="0" err="1"/>
-              <a:t>Assert.IsTrue</a:t>
-            </a:r>
-            <a:r>
-              <a:rPr lang="en-US" sz="1800" dirty="0"/>
-              <a:t>(1 == </a:t>
-            </a:r>
-            <a:r>
-              <a:rPr lang="en-US" sz="1800" dirty="0" err="1"/>
-              <a:t>testplay.Facing</a:t>
-            </a:r>
-            <a:r>
-              <a:rPr lang="en-US" sz="1800" dirty="0"/>
-              <a:t>);</a:t>
-            </a:r>
-          </a:p>
-          <a:p>
-            <a:r>
-              <a:rPr lang="en-US" sz="1800" dirty="0"/>
-              <a:t>        }</a:t>
-            </a:r>
-          </a:p>
-          <a:p>
-            <a:endParaRPr lang="en-US" sz="1800" dirty="0"/>
-          </a:p>
-          <a:p>
-            <a:r>
-              <a:rPr lang="en-US" sz="1800" dirty="0"/>
-              <a:t>        [</a:t>
-            </a:r>
-            <a:r>
-              <a:rPr lang="en-US" sz="1800" dirty="0" err="1"/>
-              <a:t>TestMethod</a:t>
-            </a:r>
-            <a:r>
-              <a:rPr lang="en-US" sz="1800" dirty="0"/>
-              <a:t>]</a:t>
-            </a:r>
-          </a:p>
-          <a:p>
-            <a:r>
-              <a:rPr lang="en-US" sz="1800" dirty="0"/>
-              <a:t>        public void </a:t>
-            </a:r>
-            <a:r>
-              <a:rPr lang="en-US" sz="1800" dirty="0" err="1"/>
-              <a:t>Thrusting_Test</a:t>
-            </a:r>
-            <a:r>
-              <a:rPr lang="en-US" sz="1800" dirty="0"/>
-              <a:t>()</a:t>
-            </a:r>
-          </a:p>
-          <a:p>
-            <a:r>
-              <a:rPr lang="en-US" sz="1800" dirty="0"/>
-              <a:t>        {</a:t>
-            </a:r>
-          </a:p>
-          <a:p>
-            <a:r>
-              <a:rPr lang="en-US" sz="1800" dirty="0"/>
-              <a:t>            </a:t>
-            </a:r>
-            <a:r>
-              <a:rPr lang="en-US" sz="1800" dirty="0" err="1"/>
-              <a:t>testplay.Thrusting</a:t>
-            </a:r>
-            <a:r>
-              <a:rPr lang="en-US" sz="1800" dirty="0"/>
-              <a:t> = true;</a:t>
-            </a:r>
-          </a:p>
-          <a:p>
-            <a:r>
-              <a:rPr lang="en-US" sz="1800" dirty="0"/>
-              <a:t>            </a:t>
-            </a:r>
-            <a:r>
-              <a:rPr lang="en-US" sz="1800" dirty="0" err="1"/>
-              <a:t>Assert.IsTrue</a:t>
-            </a:r>
-            <a:r>
-              <a:rPr lang="en-US" sz="1800" dirty="0"/>
-              <a:t>(true == </a:t>
-            </a:r>
-            <a:r>
-              <a:rPr lang="en-US" sz="1800" dirty="0" err="1"/>
-              <a:t>testplay.Thrusting</a:t>
-            </a:r>
-            <a:r>
-              <a:rPr lang="en-US" sz="1800" dirty="0"/>
-              <a:t>);</a:t>
-            </a:r>
-          </a:p>
-          <a:p>
-            <a:r>
-              <a:rPr lang="en-US" sz="1800" dirty="0"/>
-              <a:t>        }</a:t>
-            </a:r>
-          </a:p>
-          <a:p>
-            <a:pPr marL="0" indent="0">
-              <a:buNone/>
-            </a:pPr>
-            <a:endParaRPr lang="en-US" sz="1800" dirty="0"/>
-          </a:p>
-        </p:txBody>
-      </p:sp>
-    </p:spTree>
-    <p:extLst>
-      <p:ext uri="{BB962C8B-B14F-4D97-AF65-F5344CB8AC3E}">
-        <p14:creationId xmlns:p14="http://schemas.microsoft.com/office/powerpoint/2010/main" xmlns="" val="1077691534"/>
-      </p:ext>
-    </p:extLst>
   </p:cSld>
   <p:clrMapOvr>
     <a:masterClrMapping/>
@@ -5704,7 +3600,15 @@
           <a:p>
             <a:r>
               <a:rPr lang="en-US" dirty="0" smtClean="0"/>
-              <a:t>User Stories for 1.0 Part 1</a:t>
+              <a:t>User Stories for </a:t>
+            </a:r>
+            <a:r>
+              <a:rPr lang="en-US" dirty="0" smtClean="0"/>
+              <a:t>1.1 </a:t>
+            </a:r>
+            <a:r>
+              <a:rPr lang="en-US" dirty="0" smtClean="0"/>
+              <a:t>Part 1</a:t>
             </a:r>
             <a:endParaRPr lang="en-US" dirty="0"/>
           </a:p>
@@ -5727,923 +3631,36 @@
           <a:p>
             <a:r>
               <a:rPr lang="en-US" b="1" dirty="0" smtClean="0"/>
-              <a:t>As a user who clicks on the menu option, 'start the game,' I want to be presented with the game's background as well as my remaining lives, my current score, the level that I am in, and my user player.</a:t>
-            </a:r>
-          </a:p>
-          <a:p>
+              <a:t>As a user upon starting the application I want to hear music. Upon starting the game new music is </a:t>
+            </a:r>
             <a:r>
               <a:rPr lang="en-US" b="1" dirty="0" smtClean="0"/>
-              <a:t>As a user starting the game, I want to be presented with a menu with the following options: start the game, instructions to play the game, scores, and an option to quit the game.</a:t>
-            </a:r>
-          </a:p>
-        </p:txBody>
-      </p:sp>
-    </p:spTree>
-  </p:cSld>
-  <p:clrMapOvr>
-    <a:masterClrMapping/>
-  </p:clrMapOvr>
-  <p:timing>
-    <p:tnLst>
-      <p:par>
-        <p:cTn id="1" dur="indefinite" restart="never" nodeType="tmRoot"/>
-      </p:par>
-    </p:tnLst>
-  </p:timing>
-</p:sld>
-</file>
-
-<file path=ppt/slides/slide20.xml><?xml version="1.0" encoding="utf-8"?>
-<p:sld xmlns:a="http://schemas.openxmlformats.org/drawingml/2006/main" xmlns:r="http://schemas.openxmlformats.org/officeDocument/2006/relationships" xmlns:p="http://schemas.openxmlformats.org/presentationml/2006/main">
-  <p:cSld>
-    <p:spTree>
-      <p:nvGrpSpPr>
-        <p:cNvPr id="1" name=""/>
-        <p:cNvGrpSpPr/>
-        <p:nvPr/>
-      </p:nvGrpSpPr>
-      <p:grpSpPr>
-        <a:xfrm>
-          <a:off x="0" y="0"/>
-          <a:ext cx="0" cy="0"/>
-          <a:chOff x="0" y="0"/>
-          <a:chExt cx="0" cy="0"/>
-        </a:xfrm>
-      </p:grpSpPr>
-      <p:sp>
-        <p:nvSpPr>
-          <p:cNvPr id="2" name="Title 1"/>
-          <p:cNvSpPr>
-            <a:spLocks noGrp="1"/>
-          </p:cNvSpPr>
-          <p:nvPr>
-            <p:ph type="title"/>
-          </p:nvPr>
-        </p:nvSpPr>
-        <p:spPr/>
-        <p:txBody>
-          <a:bodyPr/>
-          <a:lstStyle/>
-          <a:p>
-            <a:r>
-              <a:rPr lang="en-US" dirty="0" smtClean="0"/>
-              <a:t>Player </a:t>
-            </a:r>
-            <a:r>
-              <a:rPr lang="en-US" dirty="0"/>
-              <a:t>Test Code</a:t>
-            </a:r>
-          </a:p>
-        </p:txBody>
-      </p:sp>
-      <p:sp>
-        <p:nvSpPr>
-          <p:cNvPr id="3" name="Content Placeholder 2"/>
-          <p:cNvSpPr>
-            <a:spLocks noGrp="1"/>
-          </p:cNvSpPr>
-          <p:nvPr>
-            <p:ph idx="1"/>
-          </p:nvPr>
-        </p:nvSpPr>
-        <p:spPr/>
-        <p:txBody>
-          <a:bodyPr/>
-          <a:lstStyle/>
-          <a:p>
-            <a:r>
-              <a:rPr lang="en-US" sz="1800" dirty="0"/>
-              <a:t> [</a:t>
-            </a:r>
-            <a:r>
-              <a:rPr lang="en-US" sz="1800" dirty="0" err="1"/>
-              <a:t>TestMethod</a:t>
-            </a:r>
-            <a:r>
-              <a:rPr lang="en-US" sz="1800" dirty="0"/>
-              <a:t>]</a:t>
-            </a:r>
-          </a:p>
-          <a:p>
-            <a:r>
-              <a:rPr lang="en-US" sz="1800" dirty="0"/>
-              <a:t>        public void </a:t>
-            </a:r>
-            <a:r>
-              <a:rPr lang="en-US" sz="1800" dirty="0" err="1"/>
-              <a:t>ScrollRate_Test</a:t>
-            </a:r>
-            <a:r>
-              <a:rPr lang="en-US" sz="1800" dirty="0"/>
-              <a:t>()</a:t>
-            </a:r>
-          </a:p>
-          <a:p>
-            <a:r>
-              <a:rPr lang="en-US" sz="1800" dirty="0"/>
-              <a:t>        {</a:t>
-            </a:r>
-          </a:p>
-          <a:p>
-            <a:r>
-              <a:rPr lang="en-US" sz="1800" dirty="0"/>
-              <a:t>            </a:t>
-            </a:r>
-            <a:r>
-              <a:rPr lang="en-US" sz="1800" dirty="0" err="1"/>
-              <a:t>testplay.ScrollRate</a:t>
-            </a:r>
-            <a:r>
-              <a:rPr lang="en-US" sz="1800" dirty="0"/>
-              <a:t> = 2;</a:t>
-            </a:r>
-          </a:p>
-          <a:p>
-            <a:r>
-              <a:rPr lang="en-US" sz="1800" dirty="0"/>
-              <a:t>            </a:t>
-            </a:r>
-            <a:r>
-              <a:rPr lang="en-US" sz="1800" dirty="0" err="1"/>
-              <a:t>Assert.IsTrue</a:t>
-            </a:r>
-            <a:r>
-              <a:rPr lang="en-US" sz="1800" dirty="0"/>
-              <a:t>(2 == </a:t>
-            </a:r>
-            <a:r>
-              <a:rPr lang="en-US" sz="1800" dirty="0" err="1"/>
-              <a:t>testplay.ScrollRate</a:t>
-            </a:r>
-            <a:r>
-              <a:rPr lang="en-US" sz="1800" dirty="0"/>
-              <a:t>);</a:t>
-            </a:r>
-          </a:p>
-          <a:p>
-            <a:r>
-              <a:rPr lang="en-US" sz="1800" dirty="0"/>
-              <a:t>        }</a:t>
-            </a:r>
-          </a:p>
-          <a:p>
-            <a:endParaRPr lang="en-US" sz="1800" dirty="0"/>
-          </a:p>
-          <a:p>
-            <a:r>
-              <a:rPr lang="en-US" sz="1800" dirty="0"/>
-              <a:t>        [</a:t>
-            </a:r>
-            <a:r>
-              <a:rPr lang="en-US" sz="1800" dirty="0" err="1"/>
-              <a:t>TestMethod</a:t>
-            </a:r>
-            <a:r>
-              <a:rPr lang="en-US" sz="1800" dirty="0"/>
-              <a:t>]</a:t>
-            </a:r>
-          </a:p>
-          <a:p>
-            <a:r>
-              <a:rPr lang="en-US" sz="1800" dirty="0"/>
-              <a:t>        public void </a:t>
-            </a:r>
-            <a:r>
-              <a:rPr lang="en-US" sz="1800" dirty="0" err="1"/>
-              <a:t>AccelRate_Test</a:t>
-            </a:r>
-            <a:r>
-              <a:rPr lang="en-US" sz="1800" dirty="0"/>
-              <a:t>()</a:t>
-            </a:r>
-          </a:p>
-          <a:p>
-            <a:r>
-              <a:rPr lang="en-US" sz="1800" dirty="0"/>
-              <a:t>        {</a:t>
-            </a:r>
-          </a:p>
-          <a:p>
-            <a:r>
-              <a:rPr lang="en-US" sz="1800" dirty="0"/>
-              <a:t>            </a:t>
-            </a:r>
-            <a:r>
-              <a:rPr lang="en-US" sz="1800" dirty="0" err="1"/>
-              <a:t>testplay.AccelerationRate</a:t>
-            </a:r>
-            <a:r>
-              <a:rPr lang="en-US" sz="1800" dirty="0"/>
-              <a:t> = 3;</a:t>
-            </a:r>
-          </a:p>
-          <a:p>
-            <a:r>
-              <a:rPr lang="en-US" sz="1800" dirty="0"/>
-              <a:t>            </a:t>
-            </a:r>
-            <a:r>
-              <a:rPr lang="en-US" sz="1800" dirty="0" err="1"/>
-              <a:t>Assert.IsTrue</a:t>
-            </a:r>
-            <a:r>
-              <a:rPr lang="en-US" sz="1800" dirty="0"/>
-              <a:t>(3 == </a:t>
-            </a:r>
-            <a:r>
-              <a:rPr lang="en-US" sz="1800" dirty="0" err="1"/>
-              <a:t>testplay.AccelerationRate</a:t>
-            </a:r>
-            <a:r>
-              <a:rPr lang="en-US" sz="1800" dirty="0"/>
-              <a:t>);</a:t>
-            </a:r>
-          </a:p>
-          <a:p>
-            <a:r>
-              <a:rPr lang="en-US" sz="1800" dirty="0"/>
-              <a:t>        }</a:t>
-            </a:r>
-          </a:p>
-          <a:p>
-            <a:pPr marL="0" indent="0">
-              <a:buNone/>
-            </a:pPr>
-            <a:endParaRPr lang="en-US" sz="1800" dirty="0"/>
-          </a:p>
-        </p:txBody>
-      </p:sp>
-    </p:spTree>
-    <p:extLst>
-      <p:ext uri="{BB962C8B-B14F-4D97-AF65-F5344CB8AC3E}">
-        <p14:creationId xmlns:p14="http://schemas.microsoft.com/office/powerpoint/2010/main" xmlns="" val="258984763"/>
-      </p:ext>
-    </p:extLst>
-  </p:cSld>
-  <p:clrMapOvr>
-    <a:masterClrMapping/>
-  </p:clrMapOvr>
-  <p:timing>
-    <p:tnLst>
-      <p:par>
-        <p:cTn id="1" dur="indefinite" restart="never" nodeType="tmRoot"/>
-      </p:par>
-    </p:tnLst>
-  </p:timing>
-</p:sld>
-</file>
-
-<file path=ppt/slides/slide21.xml><?xml version="1.0" encoding="utf-8"?>
-<p:sld xmlns:a="http://schemas.openxmlformats.org/drawingml/2006/main" xmlns:r="http://schemas.openxmlformats.org/officeDocument/2006/relationships" xmlns:p="http://schemas.openxmlformats.org/presentationml/2006/main">
-  <p:cSld>
-    <p:spTree>
-      <p:nvGrpSpPr>
-        <p:cNvPr id="1" name=""/>
-        <p:cNvGrpSpPr/>
-        <p:nvPr/>
-      </p:nvGrpSpPr>
-      <p:grpSpPr>
-        <a:xfrm>
-          <a:off x="0" y="0"/>
-          <a:ext cx="0" cy="0"/>
-          <a:chOff x="0" y="0"/>
-          <a:chExt cx="0" cy="0"/>
-        </a:xfrm>
-      </p:grpSpPr>
-      <p:sp>
-        <p:nvSpPr>
-          <p:cNvPr id="2" name="Title 1"/>
-          <p:cNvSpPr>
-            <a:spLocks noGrp="1"/>
-          </p:cNvSpPr>
-          <p:nvPr>
-            <p:ph type="title"/>
-          </p:nvPr>
-        </p:nvSpPr>
-        <p:spPr/>
-        <p:txBody>
-          <a:bodyPr/>
-          <a:lstStyle/>
-          <a:p>
-            <a:r>
-              <a:rPr lang="en-US" dirty="0" smtClean="0"/>
-              <a:t>Player </a:t>
-            </a:r>
-            <a:r>
-              <a:rPr lang="en-US" dirty="0"/>
-              <a:t>Test Code</a:t>
-            </a:r>
-          </a:p>
-        </p:txBody>
-      </p:sp>
-      <p:sp>
-        <p:nvSpPr>
-          <p:cNvPr id="3" name="Content Placeholder 2"/>
-          <p:cNvSpPr>
-            <a:spLocks noGrp="1"/>
-          </p:cNvSpPr>
-          <p:nvPr>
-            <p:ph idx="1"/>
-          </p:nvPr>
-        </p:nvSpPr>
-        <p:spPr/>
-        <p:txBody>
-          <a:bodyPr/>
-          <a:lstStyle/>
-          <a:p>
-            <a:r>
-              <a:rPr lang="en-US" sz="1800" dirty="0"/>
-              <a:t>[</a:t>
-            </a:r>
-            <a:r>
-              <a:rPr lang="en-US" sz="1800" dirty="0" err="1"/>
-              <a:t>TestMethod</a:t>
-            </a:r>
-            <a:r>
-              <a:rPr lang="en-US" sz="1800" dirty="0"/>
-              <a:t>]</a:t>
-            </a:r>
-          </a:p>
-          <a:p>
-            <a:r>
-              <a:rPr lang="en-US" sz="1800" dirty="0"/>
-              <a:t>        public void </a:t>
-            </a:r>
-            <a:r>
-              <a:rPr lang="en-US" sz="1800" dirty="0" err="1"/>
-              <a:t>BoundingBox_Test</a:t>
-            </a:r>
-            <a:r>
-              <a:rPr lang="en-US" sz="1800" dirty="0"/>
-              <a:t>()</a:t>
-            </a:r>
-          </a:p>
-          <a:p>
-            <a:r>
-              <a:rPr lang="en-US" sz="1800" dirty="0"/>
-              <a:t>        {</a:t>
-            </a:r>
-          </a:p>
-          <a:p>
-            <a:r>
-              <a:rPr lang="en-US" sz="1800" dirty="0"/>
-              <a:t>            Rectangle r = new Rectangle(11, 12, 72, 16);</a:t>
-            </a:r>
-          </a:p>
-          <a:p>
-            <a:r>
-              <a:rPr lang="en-US" sz="1800" dirty="0"/>
-              <a:t>            </a:t>
-            </a:r>
-            <a:r>
-              <a:rPr lang="en-US" sz="1800" dirty="0" err="1"/>
-              <a:t>testplay.X</a:t>
-            </a:r>
-            <a:r>
-              <a:rPr lang="en-US" sz="1800" dirty="0"/>
-              <a:t> = 11;</a:t>
-            </a:r>
-          </a:p>
-          <a:p>
-            <a:r>
-              <a:rPr lang="en-US" sz="1800" dirty="0"/>
-              <a:t>            </a:t>
-            </a:r>
-            <a:r>
-              <a:rPr lang="en-US" sz="1800" dirty="0" err="1"/>
-              <a:t>testplay.Y</a:t>
-            </a:r>
-            <a:r>
-              <a:rPr lang="en-US" sz="1800" dirty="0"/>
-              <a:t> = 12;</a:t>
-            </a:r>
-          </a:p>
-          <a:p>
-            <a:r>
-              <a:rPr lang="en-US" sz="1800" dirty="0"/>
-              <a:t>            </a:t>
-            </a:r>
-            <a:r>
-              <a:rPr lang="en-US" sz="1800" dirty="0" err="1"/>
-              <a:t>Assert.AreEqual</a:t>
-            </a:r>
-            <a:r>
-              <a:rPr lang="en-US" sz="1800" dirty="0"/>
-              <a:t>(r, </a:t>
-            </a:r>
-            <a:r>
-              <a:rPr lang="en-US" sz="1800" dirty="0" err="1"/>
-              <a:t>testplay.BoundingBox</a:t>
-            </a:r>
-            <a:r>
-              <a:rPr lang="en-US" sz="1800" dirty="0"/>
-              <a:t>);</a:t>
-            </a:r>
-          </a:p>
-          <a:p>
-            <a:r>
-              <a:rPr lang="en-US" sz="1800" dirty="0"/>
-              <a:t>        }</a:t>
-            </a:r>
-          </a:p>
-          <a:p>
-            <a:r>
-              <a:rPr lang="en-US" sz="1800" dirty="0"/>
-              <a:t>        [</a:t>
-            </a:r>
-            <a:r>
-              <a:rPr lang="en-US" sz="1800" dirty="0" err="1"/>
-              <a:t>TestMethod</a:t>
-            </a:r>
-            <a:r>
-              <a:rPr lang="en-US" sz="1800" dirty="0"/>
-              <a:t>]</a:t>
-            </a:r>
-          </a:p>
-          <a:p>
-            <a:r>
-              <a:rPr lang="en-US" sz="1800" dirty="0"/>
-              <a:t>        public void </a:t>
-            </a:r>
-            <a:r>
-              <a:rPr lang="en-US" sz="1800" dirty="0" err="1"/>
-              <a:t>Update_Test</a:t>
-            </a:r>
-            <a:r>
-              <a:rPr lang="en-US" sz="1800" dirty="0"/>
-              <a:t>()</a:t>
-            </a:r>
-          </a:p>
-          <a:p>
-            <a:r>
-              <a:rPr lang="en-US" sz="1800" dirty="0"/>
-              <a:t>        {</a:t>
-            </a:r>
-          </a:p>
-          <a:p>
-            <a:r>
-              <a:rPr lang="en-US" sz="1800" dirty="0"/>
-              <a:t>            </a:t>
-            </a:r>
-            <a:r>
-              <a:rPr lang="en-US" sz="1800" dirty="0" err="1"/>
-              <a:t>testplay.Facing</a:t>
-            </a:r>
-            <a:r>
-              <a:rPr lang="en-US" sz="1800" dirty="0"/>
-              <a:t> = 2;</a:t>
-            </a:r>
-          </a:p>
-          <a:p>
-            <a:r>
-              <a:rPr lang="en-US" sz="1800" dirty="0"/>
-              <a:t>            </a:t>
-            </a:r>
-            <a:r>
-              <a:rPr lang="en-US" sz="1800" dirty="0" err="1"/>
-              <a:t>testplay.Thrusting</a:t>
-            </a:r>
-            <a:r>
-              <a:rPr lang="en-US" sz="1800" dirty="0"/>
-              <a:t> = true;</a:t>
-            </a:r>
-          </a:p>
-          <a:p>
-            <a:r>
-              <a:rPr lang="en-US" sz="1800" dirty="0"/>
-              <a:t>            </a:t>
-            </a:r>
-            <a:r>
-              <a:rPr lang="en-US" sz="1800" dirty="0" err="1"/>
-              <a:t>testplay.Update</a:t>
-            </a:r>
-            <a:r>
-              <a:rPr lang="en-US" sz="1800" dirty="0"/>
-              <a:t>(</a:t>
-            </a:r>
-            <a:r>
-              <a:rPr lang="en-US" sz="1800" dirty="0" err="1"/>
-              <a:t>gameTime</a:t>
-            </a:r>
-            <a:r>
-              <a:rPr lang="en-US" sz="1800" dirty="0" smtClean="0"/>
-              <a:t>);</a:t>
-            </a:r>
-            <a:endParaRPr lang="en-US" sz="1800" dirty="0"/>
-          </a:p>
-          <a:p>
-            <a:r>
-              <a:rPr lang="en-US" sz="1800" dirty="0"/>
-              <a:t>            </a:t>
-            </a:r>
-            <a:r>
-              <a:rPr lang="en-US" sz="1800" dirty="0" err="1"/>
-              <a:t>Assert.IsTrue</a:t>
-            </a:r>
-            <a:r>
-              <a:rPr lang="en-US" sz="1800" dirty="0"/>
-              <a:t>(3 == </a:t>
-            </a:r>
-            <a:r>
-              <a:rPr lang="en-US" sz="1800" dirty="0" err="1"/>
-              <a:t>testplay.asSprite.Frame</a:t>
-            </a:r>
-            <a:r>
-              <a:rPr lang="en-US" sz="1800" dirty="0"/>
-              <a:t>);</a:t>
-            </a:r>
-          </a:p>
-          <a:p>
-            <a:r>
-              <a:rPr lang="en-US" sz="1800" dirty="0"/>
-              <a:t>        }</a:t>
-            </a:r>
-          </a:p>
-          <a:p>
-            <a:pPr marL="0" indent="0">
-              <a:buNone/>
-            </a:pPr>
-            <a:endParaRPr lang="en-US" sz="1800" dirty="0"/>
-          </a:p>
-        </p:txBody>
-      </p:sp>
-    </p:spTree>
-    <p:extLst>
-      <p:ext uri="{BB962C8B-B14F-4D97-AF65-F5344CB8AC3E}">
-        <p14:creationId xmlns:p14="http://schemas.microsoft.com/office/powerpoint/2010/main" xmlns="" val="4263394673"/>
-      </p:ext>
-    </p:extLst>
-  </p:cSld>
-  <p:clrMapOvr>
-    <a:masterClrMapping/>
-  </p:clrMapOvr>
-  <p:timing>
-    <p:tnLst>
-      <p:par>
-        <p:cTn id="1" dur="indefinite" restart="never" nodeType="tmRoot"/>
-      </p:par>
-    </p:tnLst>
-  </p:timing>
-</p:sld>
-</file>
-
-<file path=ppt/slides/slide22.xml><?xml version="1.0" encoding="utf-8"?>
-<p:sld xmlns:a="http://schemas.openxmlformats.org/drawingml/2006/main" xmlns:r="http://schemas.openxmlformats.org/officeDocument/2006/relationships" xmlns:p="http://schemas.openxmlformats.org/presentationml/2006/main">
-  <p:cSld>
-    <p:spTree>
-      <p:nvGrpSpPr>
-        <p:cNvPr id="1" name=""/>
-        <p:cNvGrpSpPr/>
-        <p:nvPr/>
-      </p:nvGrpSpPr>
-      <p:grpSpPr>
-        <a:xfrm>
-          <a:off x="0" y="0"/>
-          <a:ext cx="0" cy="0"/>
-          <a:chOff x="0" y="0"/>
-          <a:chExt cx="0" cy="0"/>
-        </a:xfrm>
-      </p:grpSpPr>
-      <p:sp>
-        <p:nvSpPr>
-          <p:cNvPr id="2" name="Title 1"/>
-          <p:cNvSpPr>
-            <a:spLocks noGrp="1"/>
-          </p:cNvSpPr>
-          <p:nvPr>
-            <p:ph type="title"/>
-          </p:nvPr>
-        </p:nvSpPr>
-        <p:spPr/>
-        <p:txBody>
-          <a:bodyPr/>
-          <a:lstStyle/>
-          <a:p>
-            <a:r>
-              <a:rPr lang="en-US" dirty="0" smtClean="0"/>
-              <a:t>Background </a:t>
-            </a:r>
-            <a:r>
-              <a:rPr lang="en-US" smtClean="0"/>
-              <a:t>and Player demo</a:t>
-            </a:r>
-            <a:endParaRPr lang="en-US" dirty="0"/>
-          </a:p>
-        </p:txBody>
-      </p:sp>
-      <p:pic>
-        <p:nvPicPr>
-          <p:cNvPr id="9" name="Content Placeholder 8"/>
-          <p:cNvPicPr>
-            <a:picLocks noGrp="1" noChangeAspect="1"/>
-          </p:cNvPicPr>
-          <p:nvPr>
-            <p:ph idx="1"/>
-          </p:nvPr>
-        </p:nvPicPr>
-        <p:blipFill rotWithShape="1">
-          <a:blip r:embed="rId2" cstate="print">
-            <a:extLst>
-              <a:ext uri="{28A0092B-C50C-407E-A947-70E740481C1C}">
-                <a14:useLocalDpi xmlns:a14="http://schemas.microsoft.com/office/drawing/2010/main" xmlns="" val="0"/>
-              </a:ext>
-            </a:extLst>
-          </a:blip>
-          <a:srcRect t="2" r="29210" b="34622"/>
-          <a:stretch/>
-        </p:blipFill>
-        <p:spPr>
-          <a:xfrm>
-            <a:off x="609600" y="1600200"/>
-            <a:ext cx="8131010" cy="4572000"/>
-          </a:xfrm>
-        </p:spPr>
-      </p:pic>
-    </p:spTree>
-  </p:cSld>
-  <p:clrMapOvr>
-    <a:masterClrMapping/>
-  </p:clrMapOvr>
-  <p:timing>
-    <p:tnLst>
-      <p:par>
-        <p:cTn id="1" dur="indefinite" restart="never" nodeType="tmRoot"/>
-      </p:par>
-    </p:tnLst>
-  </p:timing>
-</p:sld>
-</file>
-
-<file path=ppt/slides/slide23.xml><?xml version="1.0" encoding="utf-8"?>
-<p:sld xmlns:a="http://schemas.openxmlformats.org/drawingml/2006/main" xmlns:r="http://schemas.openxmlformats.org/officeDocument/2006/relationships" xmlns:p="http://schemas.openxmlformats.org/presentationml/2006/main">
-  <p:cSld>
-    <p:spTree>
-      <p:nvGrpSpPr>
-        <p:cNvPr id="1" name=""/>
-        <p:cNvGrpSpPr/>
-        <p:nvPr/>
-      </p:nvGrpSpPr>
-      <p:grpSpPr>
-        <a:xfrm>
-          <a:off x="0" y="0"/>
-          <a:ext cx="0" cy="0"/>
-          <a:chOff x="0" y="0"/>
-          <a:chExt cx="0" cy="0"/>
-        </a:xfrm>
-      </p:grpSpPr>
-      <p:sp>
-        <p:nvSpPr>
-          <p:cNvPr id="2" name="Title 1"/>
-          <p:cNvSpPr>
-            <a:spLocks noGrp="1"/>
-          </p:cNvSpPr>
-          <p:nvPr>
-            <p:ph type="title"/>
-          </p:nvPr>
-        </p:nvSpPr>
-        <p:spPr/>
-        <p:txBody>
-          <a:bodyPr/>
-          <a:lstStyle/>
-          <a:p>
-            <a:r>
-              <a:rPr lang="en-US" dirty="0" smtClean="0"/>
-              <a:t>Status of the Game</a:t>
-            </a:r>
-            <a:endParaRPr lang="en-US" dirty="0"/>
-          </a:p>
-        </p:txBody>
-      </p:sp>
-      <p:sp>
-        <p:nvSpPr>
-          <p:cNvPr id="3" name="Content Placeholder 2"/>
-          <p:cNvSpPr>
-            <a:spLocks noGrp="1"/>
-          </p:cNvSpPr>
-          <p:nvPr>
-            <p:ph idx="1"/>
-          </p:nvPr>
-        </p:nvSpPr>
-        <p:spPr/>
-        <p:txBody>
-          <a:bodyPr/>
-          <a:lstStyle/>
-          <a:p>
-            <a:r>
-              <a:rPr lang="en-US" dirty="0" smtClean="0"/>
-              <a:t>At this point in time there is a menu interface that will work regardless of any changes made to </a:t>
-            </a:r>
-            <a:r>
-              <a:rPr lang="en-US" dirty="0" err="1" smtClean="0"/>
-              <a:t>gameplay</a:t>
-            </a:r>
-            <a:r>
-              <a:rPr lang="en-US" dirty="0" smtClean="0"/>
-              <a:t>.</a:t>
-            </a:r>
-          </a:p>
-          <a:p>
-            <a:r>
-              <a:rPr lang="en-US" dirty="0" smtClean="0"/>
-              <a:t>The instructions, and high score screens are currently blank.</a:t>
-            </a:r>
-          </a:p>
-          <a:p>
-            <a:r>
-              <a:rPr lang="en-US" dirty="0" smtClean="0"/>
-              <a:t>The game loads the first level but lacks the ability for the ship’s basic functions.</a:t>
-            </a:r>
-            <a:endParaRPr lang="en-US" dirty="0"/>
-          </a:p>
-        </p:txBody>
-      </p:sp>
-    </p:spTree>
-  </p:cSld>
-  <p:clrMapOvr>
-    <a:masterClrMapping/>
-  </p:clrMapOvr>
-  <p:timing>
-    <p:tnLst>
-      <p:par>
-        <p:cTn id="1" dur="indefinite" restart="never" nodeType="tmRoot"/>
-      </p:par>
-    </p:tnLst>
-  </p:timing>
-</p:sld>
-</file>
-
-<file path=ppt/slides/slide24.xml><?xml version="1.0" encoding="utf-8"?>
-<p:sld xmlns:a="http://schemas.openxmlformats.org/drawingml/2006/main" xmlns:r="http://schemas.openxmlformats.org/officeDocument/2006/relationships" xmlns:p="http://schemas.openxmlformats.org/presentationml/2006/main">
-  <p:cSld>
-    <p:spTree>
-      <p:nvGrpSpPr>
-        <p:cNvPr id="1" name=""/>
-        <p:cNvGrpSpPr/>
-        <p:nvPr/>
-      </p:nvGrpSpPr>
-      <p:grpSpPr>
-        <a:xfrm>
-          <a:off x="0" y="0"/>
-          <a:ext cx="0" cy="0"/>
-          <a:chOff x="0" y="0"/>
-          <a:chExt cx="0" cy="0"/>
-        </a:xfrm>
-      </p:grpSpPr>
-      <p:sp>
-        <p:nvSpPr>
-          <p:cNvPr id="2" name="Title 1"/>
-          <p:cNvSpPr>
-            <a:spLocks noGrp="1"/>
-          </p:cNvSpPr>
-          <p:nvPr>
-            <p:ph type="title"/>
-          </p:nvPr>
-        </p:nvSpPr>
-        <p:spPr/>
-        <p:txBody>
-          <a:bodyPr/>
-          <a:lstStyle/>
-          <a:p>
-            <a:r>
-              <a:rPr lang="en-US" dirty="0" smtClean="0"/>
-              <a:t>Plans for version 1.1</a:t>
-            </a:r>
-            <a:endParaRPr lang="en-US" dirty="0"/>
-          </a:p>
-        </p:txBody>
-      </p:sp>
-      <p:sp>
-        <p:nvSpPr>
-          <p:cNvPr id="3" name="Content Placeholder 2"/>
-          <p:cNvSpPr>
-            <a:spLocks noGrp="1"/>
-          </p:cNvSpPr>
-          <p:nvPr>
-            <p:ph idx="1"/>
-          </p:nvPr>
-        </p:nvSpPr>
-        <p:spPr/>
-        <p:txBody>
-          <a:bodyPr/>
-          <a:lstStyle/>
-          <a:p>
-            <a:r>
-              <a:rPr lang="en-US" dirty="0" smtClean="0"/>
-              <a:t>Give the ship the ability to move up, down, right and left via the direction keys or (WASD).</a:t>
-            </a:r>
-          </a:p>
-          <a:p>
-            <a:r>
-              <a:rPr lang="en-US" dirty="0" smtClean="0"/>
-              <a:t>Give the ship the ability to shoot a laser.</a:t>
-            </a:r>
-          </a:p>
-          <a:p>
-            <a:r>
-              <a:rPr lang="en-US" dirty="0" smtClean="0"/>
-              <a:t>Have the background automatically move at a set pace</a:t>
-            </a:r>
-          </a:p>
-          <a:p>
-            <a:r>
-              <a:rPr lang="en-US" dirty="0" smtClean="0"/>
-              <a:t>Implement music in the main menus</a:t>
-            </a:r>
-          </a:p>
-          <a:p>
-            <a:r>
-              <a:rPr lang="en-US" dirty="0" smtClean="0"/>
-              <a:t>Implement the use of either a text file, or a graphic window that can scroll, to display the instructions.</a:t>
-            </a:r>
-            <a:endParaRPr lang="en-US" dirty="0"/>
-          </a:p>
-        </p:txBody>
-      </p:sp>
-    </p:spTree>
-  </p:cSld>
-  <p:clrMapOvr>
-    <a:masterClrMapping/>
-  </p:clrMapOvr>
-  <p:timing>
-    <p:tnLst>
-      <p:par>
-        <p:cTn id="1" dur="indefinite" restart="never" nodeType="tmRoot"/>
-      </p:par>
-    </p:tnLst>
-  </p:timing>
-</p:sld>
-</file>
-
-<file path=ppt/slides/slide25.xml><?xml version="1.0" encoding="utf-8"?>
-<p:sld xmlns:a="http://schemas.openxmlformats.org/drawingml/2006/main" xmlns:r="http://schemas.openxmlformats.org/officeDocument/2006/relationships" xmlns:p="http://schemas.openxmlformats.org/presentationml/2006/main">
-  <p:cSld>
-    <p:spTree>
-      <p:nvGrpSpPr>
-        <p:cNvPr id="1" name=""/>
-        <p:cNvGrpSpPr/>
-        <p:nvPr/>
-      </p:nvGrpSpPr>
-      <p:grpSpPr>
-        <a:xfrm>
-          <a:off x="0" y="0"/>
-          <a:ext cx="0" cy="0"/>
-          <a:chOff x="0" y="0"/>
-          <a:chExt cx="0" cy="0"/>
-        </a:xfrm>
-      </p:grpSpPr>
-      <p:sp>
-        <p:nvSpPr>
-          <p:cNvPr id="2" name="Title 1"/>
-          <p:cNvSpPr>
-            <a:spLocks noGrp="1"/>
-          </p:cNvSpPr>
-          <p:nvPr>
-            <p:ph type="title"/>
-          </p:nvPr>
-        </p:nvSpPr>
-        <p:spPr/>
-        <p:txBody>
-          <a:bodyPr/>
-          <a:lstStyle/>
-          <a:p>
-            <a:endParaRPr lang="en-US"/>
-          </a:p>
-        </p:txBody>
-      </p:sp>
-      <p:pic>
-        <p:nvPicPr>
-          <p:cNvPr id="1026" name="Picture 2"/>
-          <p:cNvPicPr>
-            <a:picLocks noGrp="1" noChangeAspect="1" noChangeArrowheads="1"/>
-          </p:cNvPicPr>
-          <p:nvPr>
-            <p:ph idx="1"/>
-          </p:nvPr>
-        </p:nvPicPr>
-        <p:blipFill>
-          <a:blip r:embed="rId2" cstate="print"/>
-          <a:srcRect/>
-          <a:stretch>
-            <a:fillRect/>
-          </a:stretch>
-        </p:blipFill>
-        <p:spPr bwMode="auto">
-          <a:xfrm>
-            <a:off x="762000" y="0"/>
-            <a:ext cx="7620000" cy="6566830"/>
-          </a:xfrm>
-          <a:prstGeom prst="rect">
-            <a:avLst/>
-          </a:prstGeom>
-          <a:noFill/>
-          <a:ln w="9525">
-            <a:noFill/>
-            <a:miter lim="800000"/>
-            <a:headEnd/>
-            <a:tailEnd/>
-          </a:ln>
-        </p:spPr>
-      </p:pic>
+              <a:t>played</a:t>
+            </a:r>
+          </a:p>
+          <a:p>
+            <a:r>
+              <a:rPr lang="en-US" b="1" dirty="0" smtClean="0"/>
+              <a:t>As a user who clicks on the menu option, 'instructions,' I want to be presented with the instructions to play the game.</a:t>
+            </a:r>
+          </a:p>
+          <a:p>
+            <a:r>
+              <a:rPr lang="en-US" b="1" dirty="0" smtClean="0"/>
+              <a:t>As a user controlling the ship I want to be able to move up, down, left and right.</a:t>
+            </a:r>
+          </a:p>
+          <a:p>
+            <a:r>
+              <a:rPr lang="en-US" b="1" dirty="0" smtClean="0"/>
+              <a:t>As a user controlling the ship I want to be able to shoot a laser</a:t>
+            </a:r>
+          </a:p>
+          <a:p>
+            <a:endParaRPr lang="en-US" b="1" dirty="0" smtClean="0"/>
+          </a:p>
+        </p:txBody>
+      </p:sp>
     </p:spTree>
   </p:cSld>
   <p:clrMapOvr>
@@ -6693,7 +3710,7 @@
           <a:p>
             <a:r>
               <a:rPr lang="en-US" dirty="0" smtClean="0"/>
-              <a:t>User Stories for 1.0 Part 2</a:t>
+              <a:t>Music Test Code</a:t>
             </a:r>
             <a:endParaRPr lang="en-US" dirty="0"/>
           </a:p>
@@ -6714,46 +3731,16 @@
           <a:bodyPr/>
           <a:lstStyle/>
           <a:p>
-            <a:r>
-              <a:rPr lang="en-US" sz="2800" b="1" dirty="0" smtClean="0"/>
-              <a:t>As a user who clicks on the menu option, 'scores,' I want to be presented with a list of the highest scores.</a:t>
-            </a:r>
-          </a:p>
-          <a:p>
-            <a:r>
-              <a:rPr lang="en-US" sz="2800" b="1" dirty="0" smtClean="0"/>
-              <a:t>As a user who clicks on the menu option, 'Quit,' I want to close the game.</a:t>
-            </a:r>
-          </a:p>
-          <a:p>
-            <a:r>
-              <a:rPr lang="en-US" sz="2800" b="1" dirty="0" smtClean="0"/>
-              <a:t>As a user who clicks on the menu option, 'instructions,' I want to be presented with the instructions to play the game.</a:t>
-            </a:r>
-          </a:p>
-          <a:p>
-            <a:r>
-              <a:rPr lang="en-US" sz="2800" b="1" dirty="0" smtClean="0"/>
-              <a:t>As a user who clicks on the </a:t>
-            </a:r>
-            <a:r>
-              <a:rPr lang="en-US" sz="2800" b="1" dirty="0" err="1" smtClean="0"/>
-              <a:t>mnu</a:t>
-            </a:r>
-            <a:r>
-              <a:rPr lang="en-US" sz="2800" b="1" dirty="0" smtClean="0"/>
-              <a:t> option, ‘credits,’ I want to be presented with the credits for the game</a:t>
-            </a:r>
-          </a:p>
-          <a:p>
-            <a:endParaRPr lang="en-US" sz="2800" dirty="0" smtClean="0"/>
-          </a:p>
-          <a:p>
-            <a:endParaRPr lang="en-US" sz="2800" dirty="0"/>
+            <a:endParaRPr lang="en-US" sz="2000" dirty="0"/>
           </a:p>
         </p:txBody>
       </p:sp>
     </p:spTree>
+    <p:extLst>
+      <p:ext uri="{BB962C8B-B14F-4D97-AF65-F5344CB8AC3E}">
+        <p14:creationId xmlns="" xmlns:p14="http://schemas.microsoft.com/office/powerpoint/2010/main" val="2964279014"/>
+      </p:ext>
+    </p:extLst>
   </p:cSld>
   <p:clrMapOvr>
     <a:masterClrMapping/>
@@ -6800,10 +3787,6 @@
           <a:bodyPr/>
           <a:lstStyle/>
           <a:p>
-            <a:r>
-              <a:rPr lang="en-US" dirty="0" smtClean="0"/>
-              <a:t>User Stories for 1.0 Part 3</a:t>
-            </a:r>
             <a:endParaRPr lang="en-US" dirty="0"/>
           </a:p>
         </p:txBody>
@@ -6823,32 +3806,19 @@
           <a:bodyPr/>
           <a:lstStyle/>
           <a:p>
-            <a:r>
-              <a:rPr lang="en-US" b="1" dirty="0" smtClean="0"/>
-              <a:t>As a user who in the menu option, 'high scores,' I want to able to return to the main menu.</a:t>
-            </a:r>
-          </a:p>
-          <a:p>
-            <a:r>
-              <a:rPr lang="en-US" b="1" dirty="0" smtClean="0"/>
-              <a:t>As a user who in the menu option, ‘instructions,' I want to able to return to the main menu.</a:t>
-            </a:r>
-          </a:p>
-          <a:p>
-            <a:r>
-              <a:rPr lang="en-US" b="1" dirty="0" smtClean="0"/>
-              <a:t>As a user who in the menu option, ‘credits,' I want to able to return to the main menu.</a:t>
-            </a:r>
-          </a:p>
-          <a:p>
-            <a:endParaRPr lang="en-US" b="1" dirty="0" smtClean="0"/>
-          </a:p>
-          <a:p>
-            <a:endParaRPr lang="en-US" dirty="0"/>
+            <a:pPr>
+              <a:buNone/>
+            </a:pPr>
+            <a:endParaRPr lang="en-US" sz="2000" dirty="0"/>
           </a:p>
         </p:txBody>
       </p:sp>
     </p:spTree>
+    <p:extLst>
+      <p:ext uri="{BB962C8B-B14F-4D97-AF65-F5344CB8AC3E}">
+        <p14:creationId xmlns="" xmlns:p14="http://schemas.microsoft.com/office/powerpoint/2010/main" val="1661936536"/>
+      </p:ext>
+    </p:extLst>
   </p:cSld>
   <p:clrMapOvr>
     <a:masterClrMapping/>
@@ -6896,12 +3866,8 @@
           <a:lstStyle/>
           <a:p>
             <a:r>
-              <a:rPr lang="en-US" dirty="0" err="1" smtClean="0"/>
-              <a:t>AnimatedSprite</a:t>
-            </a:r>
-            <a:r>
               <a:rPr lang="en-US" dirty="0" smtClean="0"/>
-              <a:t> Test Code</a:t>
+              <a:t>Ship Movement Test Code</a:t>
             </a:r>
             <a:endParaRPr lang="en-US" dirty="0"/>
           </a:p>
@@ -6922,135 +3888,17 @@
           <a:bodyPr/>
           <a:lstStyle/>
           <a:p>
-            <a:r>
-              <a:rPr lang="en-US" sz="2000" dirty="0"/>
-              <a:t>using System;</a:t>
-            </a:r>
-          </a:p>
-          <a:p>
-            <a:r>
-              <a:rPr lang="en-US" sz="2000" dirty="0"/>
-              <a:t>using </a:t>
-            </a:r>
-            <a:r>
-              <a:rPr lang="en-US" sz="2000" dirty="0" err="1"/>
-              <a:t>System.Text</a:t>
-            </a:r>
-            <a:r>
-              <a:rPr lang="en-US" sz="2000" dirty="0"/>
-              <a:t>;</a:t>
-            </a:r>
-          </a:p>
-          <a:p>
-            <a:r>
-              <a:rPr lang="en-US" sz="2000" dirty="0"/>
-              <a:t>using </a:t>
-            </a:r>
-            <a:r>
-              <a:rPr lang="en-US" sz="2000" dirty="0" err="1"/>
-              <a:t>System.Collections.Generic</a:t>
-            </a:r>
-            <a:r>
-              <a:rPr lang="en-US" sz="2000" dirty="0"/>
-              <a:t>;</a:t>
-            </a:r>
-          </a:p>
-          <a:p>
-            <a:r>
-              <a:rPr lang="en-US" sz="2000" dirty="0"/>
-              <a:t>using </a:t>
-            </a:r>
-            <a:r>
-              <a:rPr lang="en-US" sz="2000" dirty="0" err="1"/>
-              <a:t>System.Linq</a:t>
-            </a:r>
-            <a:r>
-              <a:rPr lang="en-US" sz="2000" dirty="0"/>
-              <a:t>;</a:t>
-            </a:r>
-          </a:p>
-          <a:p>
-            <a:r>
-              <a:rPr lang="en-US" sz="2000" dirty="0"/>
-              <a:t>using </a:t>
-            </a:r>
-            <a:r>
-              <a:rPr lang="en-US" sz="2000" dirty="0" err="1"/>
-              <a:t>Microsoft.VisualStudio.TestTools.UnitTesting</a:t>
-            </a:r>
-            <a:r>
-              <a:rPr lang="en-US" sz="2000" dirty="0"/>
-              <a:t>;</a:t>
-            </a:r>
-          </a:p>
-          <a:p>
-            <a:r>
-              <a:rPr lang="en-US" sz="2000" dirty="0"/>
-              <a:t>using </a:t>
-            </a:r>
-            <a:r>
-              <a:rPr lang="en-US" sz="2000" dirty="0" err="1"/>
-              <a:t>Project_Starfighter</a:t>
-            </a:r>
-            <a:r>
-              <a:rPr lang="en-US" sz="2000" dirty="0"/>
-              <a:t>;</a:t>
-            </a:r>
-          </a:p>
-          <a:p>
-            <a:r>
-              <a:rPr lang="en-US" sz="2000" dirty="0"/>
-              <a:t>using </a:t>
-            </a:r>
-            <a:r>
-              <a:rPr lang="en-US" sz="2000" dirty="0" err="1"/>
-              <a:t>Microsoft.Xna.Framework</a:t>
-            </a:r>
-            <a:r>
-              <a:rPr lang="en-US" sz="2000" dirty="0"/>
-              <a:t>;</a:t>
-            </a:r>
-          </a:p>
-          <a:p>
-            <a:r>
-              <a:rPr lang="en-US" sz="2000" dirty="0"/>
-              <a:t>using </a:t>
-            </a:r>
-            <a:r>
-              <a:rPr lang="en-US" sz="2000" dirty="0" err="1"/>
-              <a:t>Rhino.Mocks</a:t>
-            </a:r>
-            <a:r>
-              <a:rPr lang="en-US" sz="2000" dirty="0"/>
-              <a:t>;</a:t>
-            </a:r>
-          </a:p>
-          <a:p>
-            <a:endParaRPr lang="en-US" sz="2000" dirty="0"/>
-          </a:p>
-          <a:p>
-            <a:r>
-              <a:rPr lang="en-US" sz="2000" dirty="0"/>
-              <a:t>namespace </a:t>
-            </a:r>
-            <a:r>
-              <a:rPr lang="en-US" sz="2000" dirty="0" err="1"/>
-              <a:t>Project_Starfighter_Test</a:t>
-            </a:r>
-            <a:endParaRPr lang="en-US" sz="2000" dirty="0"/>
-          </a:p>
-          <a:p>
-            <a:r>
-              <a:rPr lang="en-US" sz="2000" dirty="0"/>
-              <a:t>{</a:t>
-            </a:r>
+            <a:pPr marL="0" indent="0">
+              <a:buNone/>
+            </a:pPr>
+            <a:endParaRPr lang="en-US" sz="1800" dirty="0"/>
           </a:p>
         </p:txBody>
       </p:sp>
     </p:spTree>
     <p:extLst>
       <p:ext uri="{BB962C8B-B14F-4D97-AF65-F5344CB8AC3E}">
-        <p14:creationId xmlns:p14="http://schemas.microsoft.com/office/powerpoint/2010/main" xmlns="" val="2964279014"/>
+        <p14:creationId xmlns="" xmlns:p14="http://schemas.microsoft.com/office/powerpoint/2010/main" val="3772113046"/>
       </p:ext>
     </p:extLst>
   </p:cSld>
@@ -7100,12 +3948,8 @@
           <a:lstStyle/>
           <a:p>
             <a:r>
-              <a:rPr lang="en-US" dirty="0" err="1" smtClean="0"/>
-              <a:t>AnimatedSprite</a:t>
-            </a:r>
-            <a:r>
               <a:rPr lang="en-US" dirty="0" smtClean="0"/>
-              <a:t> Test Code</a:t>
+              <a:t>Instructions Test Code</a:t>
             </a:r>
             <a:endParaRPr lang="en-US" dirty="0"/>
           </a:p>
@@ -7126,174 +3970,14 @@
           <a:bodyPr/>
           <a:lstStyle/>
           <a:p>
-            <a:r>
-              <a:rPr lang="en-US" sz="2000" dirty="0"/>
-              <a:t>[</a:t>
-            </a:r>
-            <a:r>
-              <a:rPr lang="en-US" sz="2000" dirty="0" err="1"/>
-              <a:t>TestClass</a:t>
-            </a:r>
-            <a:r>
-              <a:rPr lang="en-US" sz="2000" dirty="0"/>
-              <a:t>]</a:t>
-            </a:r>
-          </a:p>
-          <a:p>
-            <a:r>
-              <a:rPr lang="en-US" sz="2000" dirty="0"/>
-              <a:t>    public class </a:t>
-            </a:r>
-            <a:r>
-              <a:rPr lang="en-US" sz="2000" dirty="0" err="1"/>
-              <a:t>AnimatedSprite_Test</a:t>
-            </a:r>
-            <a:endParaRPr lang="en-US" sz="2000" dirty="0"/>
-          </a:p>
-          <a:p>
-            <a:r>
-              <a:rPr lang="en-US" sz="2000" dirty="0"/>
-              <a:t>    {</a:t>
-            </a:r>
-          </a:p>
-          <a:p>
-            <a:r>
-              <a:rPr lang="en-US" sz="2000" dirty="0"/>
-              <a:t>        </a:t>
-            </a:r>
-            <a:r>
-              <a:rPr lang="en-US" sz="2000" dirty="0" err="1"/>
-              <a:t>AnimatedSprite</a:t>
-            </a:r>
-            <a:r>
-              <a:rPr lang="en-US" sz="2000" dirty="0"/>
-              <a:t> </a:t>
-            </a:r>
-            <a:r>
-              <a:rPr lang="en-US" sz="2000" dirty="0" err="1"/>
-              <a:t>animatedSprite</a:t>
-            </a:r>
-            <a:r>
-              <a:rPr lang="en-US" sz="2000" dirty="0"/>
-              <a:t>;</a:t>
-            </a:r>
-          </a:p>
-          <a:p>
-            <a:r>
-              <a:rPr lang="en-US" sz="2000" dirty="0"/>
-              <a:t>        </a:t>
-            </a:r>
-            <a:r>
-              <a:rPr lang="en-US" sz="2000" dirty="0" err="1"/>
-              <a:t>GameTime</a:t>
-            </a:r>
-            <a:r>
-              <a:rPr lang="en-US" sz="2000" dirty="0"/>
-              <a:t> </a:t>
-            </a:r>
-            <a:r>
-              <a:rPr lang="en-US" sz="2000" dirty="0" err="1"/>
-              <a:t>gameTime</a:t>
-            </a:r>
-            <a:r>
-              <a:rPr lang="en-US" sz="2000" dirty="0"/>
-              <a:t>;</a:t>
-            </a:r>
-          </a:p>
-          <a:p>
-            <a:endParaRPr lang="en-US" sz="2000" dirty="0"/>
-          </a:p>
-          <a:p>
-            <a:r>
-              <a:rPr lang="en-US" sz="2000" dirty="0"/>
-              <a:t>        public </a:t>
-            </a:r>
-            <a:r>
-              <a:rPr lang="en-US" sz="2000" dirty="0" err="1"/>
-              <a:t>AnimatedSprite_Test</a:t>
-            </a:r>
-            <a:r>
-              <a:rPr lang="en-US" sz="2000" dirty="0"/>
-              <a:t>()</a:t>
-            </a:r>
-          </a:p>
-          <a:p>
-            <a:r>
-              <a:rPr lang="en-US" sz="2000" dirty="0"/>
-              <a:t>        {</a:t>
-            </a:r>
-          </a:p>
-          <a:p>
-            <a:r>
-              <a:rPr lang="en-US" sz="2000" dirty="0"/>
-              <a:t>            </a:t>
-            </a:r>
-            <a:r>
-              <a:rPr lang="en-US" sz="2000" dirty="0" err="1"/>
-              <a:t>animatedSprite</a:t>
-            </a:r>
-            <a:r>
-              <a:rPr lang="en-US" sz="2000" dirty="0"/>
-              <a:t> = new </a:t>
-            </a:r>
-            <a:r>
-              <a:rPr lang="en-US" sz="2000" dirty="0" err="1"/>
-              <a:t>AnimatedSprite</a:t>
-            </a:r>
-            <a:r>
-              <a:rPr lang="en-US" sz="2000" dirty="0"/>
-              <a:t>();</a:t>
-            </a:r>
-          </a:p>
-          <a:p>
-            <a:r>
-              <a:rPr lang="en-US" sz="2000" dirty="0"/>
-              <a:t>            </a:t>
-            </a:r>
-            <a:r>
-              <a:rPr lang="en-US" sz="2000" dirty="0" err="1"/>
-              <a:t>gameTime</a:t>
-            </a:r>
-            <a:r>
-              <a:rPr lang="en-US" sz="2000" dirty="0"/>
-              <a:t> = </a:t>
-            </a:r>
-            <a:r>
-              <a:rPr lang="en-US" sz="2000" dirty="0" err="1"/>
-              <a:t>MockRepository.GenerateStub</a:t>
-            </a:r>
-            <a:r>
-              <a:rPr lang="en-US" sz="2000" dirty="0"/>
-              <a:t>&lt;</a:t>
-            </a:r>
-            <a:r>
-              <a:rPr lang="en-US" sz="2000" dirty="0" err="1"/>
-              <a:t>GameTime</a:t>
-            </a:r>
-            <a:r>
-              <a:rPr lang="en-US" sz="2000" dirty="0"/>
-              <a:t>&gt;();</a:t>
-            </a:r>
-          </a:p>
-          <a:p>
-            <a:r>
-              <a:rPr lang="en-US" sz="2000" dirty="0"/>
-              <a:t>        }</a:t>
-            </a:r>
-          </a:p>
-          <a:p>
-            <a:r>
-              <a:rPr lang="en-US" sz="2000" dirty="0" smtClean="0"/>
-              <a:t>        </a:t>
-            </a:r>
-            <a:endParaRPr lang="en-US" sz="2000" dirty="0"/>
+            <a:endParaRPr lang="en-US" sz="1800" dirty="0"/>
           </a:p>
         </p:txBody>
       </p:sp>
     </p:spTree>
     <p:extLst>
       <p:ext uri="{BB962C8B-B14F-4D97-AF65-F5344CB8AC3E}">
-        <p14:creationId xmlns:p14="http://schemas.microsoft.com/office/powerpoint/2010/main" xmlns="" val="1661936536"/>
+        <p14:creationId xmlns="" xmlns:p14="http://schemas.microsoft.com/office/powerpoint/2010/main" val="755878279"/>
       </p:ext>
     </p:extLst>
   </p:cSld>
@@ -7343,13 +4027,10 @@
           <a:lstStyle/>
           <a:p>
             <a:r>
-              <a:rPr lang="en-US" dirty="0" err="1"/>
-              <a:t>AnimatedSprite</a:t>
-            </a:r>
-            <a:r>
-              <a:rPr lang="en-US" dirty="0"/>
-              <a:t> Test Code</a:t>
-            </a:r>
+              <a:rPr lang="en-US" dirty="0" smtClean="0"/>
+              <a:t>Laser Test Code</a:t>
+            </a:r>
+            <a:endParaRPr lang="en-US" dirty="0"/>
           </a:p>
         </p:txBody>
       </p:sp>
@@ -7367,166 +4048,6 @@
         <p:txBody>
           <a:bodyPr/>
           <a:lstStyle/>
-          <a:p>
-            <a:r>
-              <a:rPr lang="en-US" sz="1800" dirty="0" smtClean="0"/>
-              <a:t>        [</a:t>
-            </a:r>
-            <a:r>
-              <a:rPr lang="en-US" sz="1800" dirty="0" err="1"/>
-              <a:t>TestMethod</a:t>
-            </a:r>
-            <a:r>
-              <a:rPr lang="en-US" sz="1800" dirty="0"/>
-              <a:t>]</a:t>
-            </a:r>
-          </a:p>
-          <a:p>
-            <a:r>
-              <a:rPr lang="en-US" sz="1800" dirty="0"/>
-              <a:t>        public void </a:t>
-            </a:r>
-            <a:r>
-              <a:rPr lang="en-US" sz="1800" dirty="0" err="1"/>
-              <a:t>XPosition_Test</a:t>
-            </a:r>
-            <a:r>
-              <a:rPr lang="en-US" sz="1800" dirty="0"/>
-              <a:t>()</a:t>
-            </a:r>
-          </a:p>
-          <a:p>
-            <a:r>
-              <a:rPr lang="en-US" sz="1800" dirty="0"/>
-              <a:t>        {</a:t>
-            </a:r>
-          </a:p>
-          <a:p>
-            <a:r>
-              <a:rPr lang="en-US" sz="1800" dirty="0"/>
-              <a:t>            </a:t>
-            </a:r>
-            <a:r>
-              <a:rPr lang="en-US" sz="1800" dirty="0" err="1"/>
-              <a:t>animatedSprite.X</a:t>
-            </a:r>
-            <a:r>
-              <a:rPr lang="en-US" sz="1800" dirty="0"/>
-              <a:t> = 11;</a:t>
-            </a:r>
-          </a:p>
-          <a:p>
-            <a:r>
-              <a:rPr lang="en-US" sz="1800" dirty="0"/>
-              <a:t>            </a:t>
-            </a:r>
-            <a:r>
-              <a:rPr lang="en-US" sz="1800" dirty="0" err="1"/>
-              <a:t>Assert.IsTrue</a:t>
-            </a:r>
-            <a:r>
-              <a:rPr lang="en-US" sz="1800" dirty="0"/>
-              <a:t>(11 == </a:t>
-            </a:r>
-            <a:r>
-              <a:rPr lang="en-US" sz="1800" dirty="0" err="1"/>
-              <a:t>animatedSprite.X</a:t>
-            </a:r>
-            <a:r>
-              <a:rPr lang="en-US" sz="1800" dirty="0"/>
-              <a:t>);</a:t>
-            </a:r>
-          </a:p>
-          <a:p>
-            <a:r>
-              <a:rPr lang="en-US" sz="1800" dirty="0"/>
-              <a:t>        }</a:t>
-            </a:r>
-            <a:endParaRPr lang="en-US" sz="1800" dirty="0" smtClean="0"/>
-          </a:p>
-          <a:p>
-            <a:pPr marL="0" indent="0">
-              <a:buNone/>
-            </a:pPr>
-            <a:r>
-              <a:rPr lang="en-US" sz="1800" dirty="0"/>
-              <a:t> </a:t>
-            </a:r>
-            <a:r>
-              <a:rPr lang="en-US" sz="1800" dirty="0" smtClean="0"/>
-              <a:t>             [</a:t>
-            </a:r>
-            <a:r>
-              <a:rPr lang="en-US" sz="1800" dirty="0" err="1"/>
-              <a:t>TestMethod</a:t>
-            </a:r>
-            <a:r>
-              <a:rPr lang="en-US" sz="1800" dirty="0"/>
-              <a:t>]</a:t>
-            </a:r>
-          </a:p>
-          <a:p>
-            <a:r>
-              <a:rPr lang="en-US" sz="1800" dirty="0"/>
-              <a:t>        public void </a:t>
-            </a:r>
-            <a:r>
-              <a:rPr lang="en-US" sz="1800" dirty="0" err="1"/>
-              <a:t>YPosition_Test</a:t>
-            </a:r>
-            <a:r>
-              <a:rPr lang="en-US" sz="1800" dirty="0"/>
-              <a:t>()</a:t>
-            </a:r>
-          </a:p>
-          <a:p>
-            <a:r>
-              <a:rPr lang="en-US" sz="1800" dirty="0"/>
-              <a:t>        {</a:t>
-            </a:r>
-          </a:p>
-          <a:p>
-            <a:r>
-              <a:rPr lang="en-US" sz="1800" dirty="0"/>
-              <a:t>            </a:t>
-            </a:r>
-            <a:r>
-              <a:rPr lang="en-US" sz="1800" dirty="0" err="1"/>
-              <a:t>animatedSprite.Y</a:t>
-            </a:r>
-            <a:r>
-              <a:rPr lang="en-US" sz="1800" dirty="0"/>
-              <a:t> = 12;</a:t>
-            </a:r>
-          </a:p>
-          <a:p>
-            <a:r>
-              <a:rPr lang="en-US" sz="1800" dirty="0"/>
-              <a:t>            </a:t>
-            </a:r>
-            <a:r>
-              <a:rPr lang="en-US" sz="1800" dirty="0" err="1"/>
-              <a:t>Assert.IsTrue</a:t>
-            </a:r>
-            <a:r>
-              <a:rPr lang="en-US" sz="1800" dirty="0"/>
-              <a:t>(12 == </a:t>
-            </a:r>
-            <a:r>
-              <a:rPr lang="en-US" sz="1800" dirty="0" err="1"/>
-              <a:t>animatedSprite.Y</a:t>
-            </a:r>
-            <a:r>
-              <a:rPr lang="en-US" sz="1800" dirty="0"/>
-              <a:t>);</a:t>
-            </a:r>
-          </a:p>
-          <a:p>
-            <a:r>
-              <a:rPr lang="en-US" sz="1800" dirty="0"/>
-              <a:t>        }</a:t>
-            </a:r>
-          </a:p>
           <a:p>
             <a:pPr marL="0" indent="0">
               <a:buNone/>
@@ -7538,7 +4059,7 @@
     </p:spTree>
     <p:extLst>
       <p:ext uri="{BB962C8B-B14F-4D97-AF65-F5344CB8AC3E}">
-        <p14:creationId xmlns:p14="http://schemas.microsoft.com/office/powerpoint/2010/main" xmlns="" val="1661936536"/>
+        <p14:creationId xmlns="" xmlns:p14="http://schemas.microsoft.com/office/powerpoint/2010/main" val="755878279"/>
       </p:ext>
     </p:extLst>
   </p:cSld>
@@ -7588,19 +4109,16 @@
           <a:lstStyle/>
           <a:p>
             <a:r>
-              <a:rPr lang="en-US" dirty="0" err="1"/>
-              <a:t>AnimatedSprite</a:t>
-            </a:r>
-            <a:r>
-              <a:rPr lang="en-US" dirty="0"/>
-              <a:t> Test Code</a:t>
-            </a:r>
-          </a:p>
-        </p:txBody>
-      </p:sp>
-      <p:sp>
-        <p:nvSpPr>
-          <p:cNvPr id="3" name="Content Placeholder 2"/>
+              <a:rPr lang="en-US" dirty="0" smtClean="0"/>
+              <a:t>Demo</a:t>
+            </a:r>
+            <a:endParaRPr lang="en-US" dirty="0"/>
+          </a:p>
+        </p:txBody>
+      </p:sp>
+      <p:sp>
+        <p:nvSpPr>
+          <p:cNvPr id="4" name="Content Placeholder 3"/>
           <p:cNvSpPr>
             <a:spLocks noGrp="1"/>
           </p:cNvSpPr>
@@ -7613,171 +4131,11 @@
           <a:bodyPr/>
           <a:lstStyle/>
           <a:p>
-            <a:r>
-              <a:rPr lang="en-US" sz="1800" dirty="0"/>
-              <a:t> [</a:t>
-            </a:r>
-            <a:r>
-              <a:rPr lang="en-US" sz="1800" dirty="0" err="1"/>
-              <a:t>TestMethod</a:t>
-            </a:r>
-            <a:r>
-              <a:rPr lang="en-US" sz="1800" dirty="0"/>
-              <a:t>]</a:t>
-            </a:r>
-          </a:p>
-          <a:p>
-            <a:r>
-              <a:rPr lang="en-US" sz="1800" dirty="0"/>
-              <a:t>        public void </a:t>
-            </a:r>
-            <a:r>
-              <a:rPr lang="en-US" sz="1800" dirty="0" err="1"/>
-              <a:t>Frame_Test</a:t>
-            </a:r>
-            <a:r>
-              <a:rPr lang="en-US" sz="1800" dirty="0"/>
-              <a:t>()</a:t>
-            </a:r>
-          </a:p>
-          <a:p>
-            <a:r>
-              <a:rPr lang="en-US" sz="1800" dirty="0"/>
-              <a:t>        {</a:t>
-            </a:r>
-          </a:p>
-          <a:p>
-            <a:r>
-              <a:rPr lang="en-US" sz="1800" dirty="0"/>
-              <a:t>            </a:t>
-            </a:r>
-            <a:r>
-              <a:rPr lang="en-US" sz="1800" dirty="0" err="1"/>
-              <a:t>animatedSprite.Frame</a:t>
-            </a:r>
-            <a:r>
-              <a:rPr lang="en-US" sz="1800" dirty="0"/>
-              <a:t> = 3;</a:t>
-            </a:r>
-          </a:p>
-          <a:p>
-            <a:r>
-              <a:rPr lang="en-US" sz="1800" dirty="0"/>
-              <a:t>            </a:t>
-            </a:r>
-            <a:r>
-              <a:rPr lang="en-US" sz="1800" dirty="0" err="1"/>
-              <a:t>Assert.IsTrue</a:t>
-            </a:r>
-            <a:r>
-              <a:rPr lang="en-US" sz="1800" dirty="0"/>
-              <a:t>(3 == </a:t>
-            </a:r>
-            <a:r>
-              <a:rPr lang="en-US" sz="1800" dirty="0" err="1"/>
-              <a:t>animatedSprite.Frame</a:t>
-            </a:r>
-            <a:r>
-              <a:rPr lang="en-US" sz="1800" dirty="0"/>
-              <a:t>);</a:t>
-            </a:r>
-          </a:p>
-          <a:p>
-            <a:r>
-              <a:rPr lang="en-US" sz="1800" dirty="0"/>
-              <a:t>        }</a:t>
-            </a:r>
-          </a:p>
-          <a:p>
-            <a:endParaRPr lang="en-US" sz="1800" dirty="0"/>
-          </a:p>
-          <a:p>
-            <a:r>
-              <a:rPr lang="en-US" sz="1800" dirty="0"/>
-              <a:t>        [</a:t>
-            </a:r>
-            <a:r>
-              <a:rPr lang="en-US" sz="1800" dirty="0" err="1"/>
-              <a:t>TestMethod</a:t>
-            </a:r>
-            <a:r>
-              <a:rPr lang="en-US" sz="1800" dirty="0"/>
-              <a:t>]</a:t>
-            </a:r>
-          </a:p>
-          <a:p>
-            <a:r>
-              <a:rPr lang="en-US" sz="1800" dirty="0"/>
-              <a:t>        public void </a:t>
-            </a:r>
-            <a:r>
-              <a:rPr lang="en-US" sz="1800" dirty="0" err="1"/>
-              <a:t>FrameLength_Test</a:t>
-            </a:r>
-            <a:r>
-              <a:rPr lang="en-US" sz="1800" dirty="0"/>
-              <a:t>()</a:t>
-            </a:r>
-          </a:p>
-          <a:p>
-            <a:r>
-              <a:rPr lang="en-US" sz="1800" dirty="0"/>
-              <a:t>        {</a:t>
-            </a:r>
-          </a:p>
-          <a:p>
-            <a:r>
-              <a:rPr lang="en-US" sz="1800" dirty="0"/>
-              <a:t>            </a:t>
-            </a:r>
-            <a:r>
-              <a:rPr lang="en-US" sz="1800" dirty="0" err="1"/>
-              <a:t>animatedSprite.FrameLength</a:t>
-            </a:r>
-            <a:r>
-              <a:rPr lang="en-US" sz="1800" dirty="0"/>
-              <a:t> = 2;</a:t>
-            </a:r>
-          </a:p>
-          <a:p>
-            <a:r>
-              <a:rPr lang="en-US" sz="1800" dirty="0"/>
-              <a:t>            </a:t>
-            </a:r>
-            <a:r>
-              <a:rPr lang="en-US" sz="1800" dirty="0" err="1"/>
-              <a:t>Assert.IsTrue</a:t>
-            </a:r>
-            <a:r>
-              <a:rPr lang="en-US" sz="1800" dirty="0"/>
-              <a:t>(2 == </a:t>
-            </a:r>
-            <a:r>
-              <a:rPr lang="en-US" sz="1800" dirty="0" err="1"/>
-              <a:t>animatedSprite.FrameLength</a:t>
-            </a:r>
-            <a:r>
-              <a:rPr lang="en-US" sz="1800" dirty="0"/>
-              <a:t>);</a:t>
-            </a:r>
-          </a:p>
-          <a:p>
-            <a:r>
-              <a:rPr lang="en-US" sz="1800" dirty="0"/>
-              <a:t>        }</a:t>
-            </a:r>
-          </a:p>
-          <a:p>
-            <a:endParaRPr lang="en-US" sz="1800" dirty="0"/>
+            <a:endParaRPr lang="en-US"/>
           </a:p>
         </p:txBody>
       </p:sp>
     </p:spTree>
-    <p:extLst>
-      <p:ext uri="{BB962C8B-B14F-4D97-AF65-F5344CB8AC3E}">
-        <p14:creationId xmlns:p14="http://schemas.microsoft.com/office/powerpoint/2010/main" xmlns="" val="1661936536"/>
-      </p:ext>
-    </p:extLst>
   </p:cSld>
   <p:clrMapOvr>
     <a:masterClrMapping/>
@@ -7825,13 +4183,10 @@
           <a:lstStyle/>
           <a:p>
             <a:r>
-              <a:rPr lang="en-US" dirty="0" err="1"/>
-              <a:t>AnimatedSprite</a:t>
-            </a:r>
-            <a:r>
-              <a:rPr lang="en-US" dirty="0"/>
-              <a:t> Test Code</a:t>
-            </a:r>
+              <a:rPr lang="en-US" dirty="0" smtClean="0"/>
+              <a:t>Status of the Game</a:t>
+            </a:r>
+            <a:endParaRPr lang="en-US" dirty="0"/>
           </a:p>
         </p:txBody>
       </p:sp>
@@ -7851,171 +4206,28 @@
           <a:lstStyle/>
           <a:p>
             <a:r>
-              <a:rPr lang="en-US" sz="1800" dirty="0"/>
-              <a:t>[</a:t>
-            </a:r>
-            <a:r>
-              <a:rPr lang="en-US" sz="1800" dirty="0" err="1"/>
-              <a:t>TestMethod</a:t>
-            </a:r>
-            <a:r>
-              <a:rPr lang="en-US" sz="1800" dirty="0"/>
-              <a:t>]</a:t>
-            </a:r>
-          </a:p>
-          <a:p>
-            <a:r>
-              <a:rPr lang="en-US" sz="1800" dirty="0"/>
-              <a:t>        public void </a:t>
-            </a:r>
-            <a:r>
-              <a:rPr lang="en-US" sz="1800" dirty="0" err="1"/>
-              <a:t>IsAnimating_Test</a:t>
-            </a:r>
-            <a:r>
-              <a:rPr lang="en-US" sz="1800" dirty="0"/>
-              <a:t>()</a:t>
-            </a:r>
-          </a:p>
-          <a:p>
-            <a:r>
-              <a:rPr lang="en-US" sz="1800" dirty="0"/>
-              <a:t>        {</a:t>
-            </a:r>
-          </a:p>
-          <a:p>
-            <a:r>
-              <a:rPr lang="en-US" sz="1800" dirty="0"/>
-              <a:t>            </a:t>
-            </a:r>
-            <a:r>
-              <a:rPr lang="en-US" sz="1800" dirty="0" err="1"/>
-              <a:t>animatedSprite.IsAnimating</a:t>
-            </a:r>
-            <a:r>
-              <a:rPr lang="en-US" sz="1800" dirty="0"/>
-              <a:t> = false;</a:t>
-            </a:r>
-          </a:p>
-          <a:p>
-            <a:r>
-              <a:rPr lang="en-US" sz="1800" dirty="0"/>
-              <a:t>            </a:t>
-            </a:r>
-            <a:r>
-              <a:rPr lang="en-US" sz="1800" dirty="0" err="1"/>
-              <a:t>Assert.IsTrue</a:t>
-            </a:r>
-            <a:r>
-              <a:rPr lang="en-US" sz="1800" dirty="0"/>
-              <a:t>(false == </a:t>
-            </a:r>
-            <a:r>
-              <a:rPr lang="en-US" sz="1800" dirty="0" err="1"/>
-              <a:t>animatedSprite.IsAnimating</a:t>
-            </a:r>
-            <a:r>
-              <a:rPr lang="en-US" sz="1800" dirty="0"/>
-              <a:t>);</a:t>
-            </a:r>
-          </a:p>
-          <a:p>
-            <a:r>
-              <a:rPr lang="en-US" sz="1800" dirty="0"/>
-              <a:t>        }</a:t>
-            </a:r>
-          </a:p>
-          <a:p>
-            <a:endParaRPr lang="en-US" sz="1800" dirty="0"/>
-          </a:p>
-          <a:p>
-            <a:r>
-              <a:rPr lang="en-US" sz="1800" dirty="0"/>
-              <a:t>        [</a:t>
-            </a:r>
-            <a:r>
-              <a:rPr lang="en-US" sz="1800" dirty="0" err="1"/>
-              <a:t>TestMethod</a:t>
-            </a:r>
-            <a:r>
-              <a:rPr lang="en-US" sz="1800" dirty="0"/>
-              <a:t>]</a:t>
-            </a:r>
-          </a:p>
-          <a:p>
-            <a:r>
-              <a:rPr lang="en-US" sz="1800" dirty="0"/>
-              <a:t>        public void </a:t>
-            </a:r>
-            <a:r>
-              <a:rPr lang="en-US" sz="1800" dirty="0" err="1"/>
-              <a:t>GetSourceRectangle_Test</a:t>
-            </a:r>
-            <a:r>
-              <a:rPr lang="en-US" sz="1800" dirty="0"/>
-              <a:t>()</a:t>
-            </a:r>
-          </a:p>
-          <a:p>
-            <a:r>
-              <a:rPr lang="en-US" sz="1800" dirty="0"/>
-              <a:t>        {</a:t>
-            </a:r>
-          </a:p>
-          <a:p>
-            <a:r>
-              <a:rPr lang="en-US" sz="1800" dirty="0"/>
-              <a:t>            Rectangle r = new Rectangle(2, 2, 2, 2);</a:t>
-            </a:r>
-          </a:p>
-          <a:p>
-            <a:r>
-              <a:rPr lang="en-US" sz="1800" dirty="0"/>
-              <a:t>            Rectangle r2 = </a:t>
-            </a:r>
-            <a:r>
-              <a:rPr lang="en-US" sz="1800" dirty="0" err="1"/>
-              <a:t>animatedSprite.GetSourceRect</a:t>
-            </a:r>
-            <a:r>
-              <a:rPr lang="en-US" sz="1800" dirty="0"/>
-              <a:t>();</a:t>
-            </a:r>
-          </a:p>
-          <a:p>
-            <a:r>
-              <a:rPr lang="en-US" sz="1800" dirty="0"/>
-              <a:t>            </a:t>
-            </a:r>
-            <a:r>
-              <a:rPr lang="en-US" sz="1800" dirty="0" err="1"/>
-              <a:t>Assert.AreEqual</a:t>
-            </a:r>
-            <a:r>
-              <a:rPr lang="en-US" sz="1800" dirty="0"/>
-              <a:t>(r, r2);</a:t>
-            </a:r>
-          </a:p>
-          <a:p>
-            <a:r>
-              <a:rPr lang="en-US" sz="1800" dirty="0"/>
-              <a:t>        }</a:t>
-            </a:r>
-          </a:p>
-          <a:p>
-            <a:pPr marL="0" indent="0">
-              <a:buNone/>
-            </a:pPr>
-            <a:endParaRPr lang="en-US" sz="1800" dirty="0"/>
+              <a:rPr lang="en-US" dirty="0" smtClean="0"/>
+              <a:t>At this point all of the menu options except for high score are complete.</a:t>
+            </a:r>
+            <a:endParaRPr lang="en-US" dirty="0" smtClean="0"/>
+          </a:p>
+          <a:p>
+            <a:r>
+              <a:rPr lang="en-US" dirty="0" smtClean="0"/>
+              <a:t>The ship can move. The background is also set to auto scroll.</a:t>
+            </a:r>
+            <a:endParaRPr lang="en-US" dirty="0" smtClean="0"/>
+          </a:p>
+          <a:p>
+            <a:r>
+              <a:rPr lang="en-US" dirty="0" smtClean="0"/>
+              <a:t>The ship can now shoot a laser.</a:t>
+            </a:r>
+            <a:endParaRPr lang="en-US" dirty="0"/>
           </a:p>
         </p:txBody>
       </p:sp>
     </p:spTree>
-    <p:extLst>
-      <p:ext uri="{BB962C8B-B14F-4D97-AF65-F5344CB8AC3E}">
-        <p14:creationId xmlns:p14="http://schemas.microsoft.com/office/powerpoint/2010/main" xmlns="" val="3772113046"/>
-      </p:ext>
-    </p:extLst>
   </p:cSld>
   <p:clrMapOvr>
     <a:masterClrMapping/>
